--- a/2025-08-14.pptx
+++ b/2025-08-14.pptx
@@ -13,6 +13,8 @@
     <p:sldId id="257" r:id="rId7"/>
     <p:sldId id="258" r:id="rId8"/>
     <p:sldId id="263" r:id="rId9"/>
+    <p:sldId id="264" r:id="rId10"/>
+    <p:sldId id="265" r:id="rId11"/>
   </p:sldIdLst>
   <p:sldSz cx="12192000" cy="6858000"/>
   <p:notesSz cx="6858000" cy="9144000"/>
@@ -266,7 +268,7 @@
           <a:p>
             <a:fld id="{C02EF1C3-B344-44E0-B86B-307C57D8E6F4}" type="datetimeFigureOut">
               <a:rPr lang="zh-CN" altLang="en-US" smtClean="0"/>
-              <a:t>2025/8/14</a:t>
+              <a:t>2025/8/20</a:t>
             </a:fld>
             <a:endParaRPr lang="zh-CN" altLang="en-US"/>
           </a:p>
@@ -464,7 +466,7 @@
           <a:p>
             <a:fld id="{C02EF1C3-B344-44E0-B86B-307C57D8E6F4}" type="datetimeFigureOut">
               <a:rPr lang="zh-CN" altLang="en-US" smtClean="0"/>
-              <a:t>2025/8/14</a:t>
+              <a:t>2025/8/20</a:t>
             </a:fld>
             <a:endParaRPr lang="zh-CN" altLang="en-US"/>
           </a:p>
@@ -672,7 +674,7 @@
           <a:p>
             <a:fld id="{C02EF1C3-B344-44E0-B86B-307C57D8E6F4}" type="datetimeFigureOut">
               <a:rPr lang="zh-CN" altLang="en-US" smtClean="0"/>
-              <a:t>2025/8/14</a:t>
+              <a:t>2025/8/20</a:t>
             </a:fld>
             <a:endParaRPr lang="zh-CN" altLang="en-US"/>
           </a:p>
@@ -870,7 +872,7 @@
           <a:p>
             <a:fld id="{C02EF1C3-B344-44E0-B86B-307C57D8E6F4}" type="datetimeFigureOut">
               <a:rPr lang="zh-CN" altLang="en-US" smtClean="0"/>
-              <a:t>2025/8/14</a:t>
+              <a:t>2025/8/20</a:t>
             </a:fld>
             <a:endParaRPr lang="zh-CN" altLang="en-US"/>
           </a:p>
@@ -1145,7 +1147,7 @@
           <a:p>
             <a:fld id="{C02EF1C3-B344-44E0-B86B-307C57D8E6F4}" type="datetimeFigureOut">
               <a:rPr lang="zh-CN" altLang="en-US" smtClean="0"/>
-              <a:t>2025/8/14</a:t>
+              <a:t>2025/8/20</a:t>
             </a:fld>
             <a:endParaRPr lang="zh-CN" altLang="en-US"/>
           </a:p>
@@ -1410,7 +1412,7 @@
           <a:p>
             <a:fld id="{C02EF1C3-B344-44E0-B86B-307C57D8E6F4}" type="datetimeFigureOut">
               <a:rPr lang="zh-CN" altLang="en-US" smtClean="0"/>
-              <a:t>2025/8/14</a:t>
+              <a:t>2025/8/20</a:t>
             </a:fld>
             <a:endParaRPr lang="zh-CN" altLang="en-US"/>
           </a:p>
@@ -1822,7 +1824,7 @@
           <a:p>
             <a:fld id="{C02EF1C3-B344-44E0-B86B-307C57D8E6F4}" type="datetimeFigureOut">
               <a:rPr lang="zh-CN" altLang="en-US" smtClean="0"/>
-              <a:t>2025/8/14</a:t>
+              <a:t>2025/8/20</a:t>
             </a:fld>
             <a:endParaRPr lang="zh-CN" altLang="en-US"/>
           </a:p>
@@ -1963,7 +1965,7 @@
           <a:p>
             <a:fld id="{C02EF1C3-B344-44E0-B86B-307C57D8E6F4}" type="datetimeFigureOut">
               <a:rPr lang="zh-CN" altLang="en-US" smtClean="0"/>
-              <a:t>2025/8/14</a:t>
+              <a:t>2025/8/20</a:t>
             </a:fld>
             <a:endParaRPr lang="zh-CN" altLang="en-US"/>
           </a:p>
@@ -2076,7 +2078,7 @@
           <a:p>
             <a:fld id="{C02EF1C3-B344-44E0-B86B-307C57D8E6F4}" type="datetimeFigureOut">
               <a:rPr lang="zh-CN" altLang="en-US" smtClean="0"/>
-              <a:t>2025/8/14</a:t>
+              <a:t>2025/8/20</a:t>
             </a:fld>
             <a:endParaRPr lang="zh-CN" altLang="en-US"/>
           </a:p>
@@ -2387,7 +2389,7 @@
           <a:p>
             <a:fld id="{C02EF1C3-B344-44E0-B86B-307C57D8E6F4}" type="datetimeFigureOut">
               <a:rPr lang="zh-CN" altLang="en-US" smtClean="0"/>
-              <a:t>2025/8/14</a:t>
+              <a:t>2025/8/20</a:t>
             </a:fld>
             <a:endParaRPr lang="zh-CN" altLang="en-US"/>
           </a:p>
@@ -2675,7 +2677,7 @@
           <a:p>
             <a:fld id="{C02EF1C3-B344-44E0-B86B-307C57D8E6F4}" type="datetimeFigureOut">
               <a:rPr lang="zh-CN" altLang="en-US" smtClean="0"/>
-              <a:t>2025/8/14</a:t>
+              <a:t>2025/8/20</a:t>
             </a:fld>
             <a:endParaRPr lang="zh-CN" altLang="en-US"/>
           </a:p>
@@ -2916,7 +2918,7 @@
           <a:p>
             <a:fld id="{C02EF1C3-B344-44E0-B86B-307C57D8E6F4}" type="datetimeFigureOut">
               <a:rPr lang="zh-CN" altLang="en-US" smtClean="0"/>
-              <a:t>2025/8/14</a:t>
+              <a:t>2025/8/20</a:t>
             </a:fld>
             <a:endParaRPr lang="zh-CN" altLang="en-US"/>
           </a:p>
@@ -3376,6 +3378,36 @@
 </p:sld>
 </file>
 
+<file path=ppt/slides/slide10.xml><?xml version="1.0" encoding="utf-8"?>
+<p:sld xmlns:a="http://schemas.openxmlformats.org/drawingml/2006/main" xmlns:r="http://schemas.openxmlformats.org/officeDocument/2006/relationships" xmlns:p="http://schemas.openxmlformats.org/presentationml/2006/main">
+  <p:cSld>
+    <p:spTree>
+      <p:nvGrpSpPr>
+        <p:cNvPr id="1" name=""/>
+        <p:cNvGrpSpPr/>
+        <p:nvPr/>
+      </p:nvGrpSpPr>
+      <p:grpSpPr>
+        <a:xfrm>
+          <a:off x="0" y="0"/>
+          <a:ext cx="0" cy="0"/>
+          <a:chOff x="0" y="0"/>
+          <a:chExt cx="0" cy="0"/>
+        </a:xfrm>
+      </p:grpSpPr>
+    </p:spTree>
+    <p:extLst>
+      <p:ext uri="{BB962C8B-B14F-4D97-AF65-F5344CB8AC3E}">
+        <p14:creationId xmlns:p14="http://schemas.microsoft.com/office/powerpoint/2010/main" val="2687304317"/>
+      </p:ext>
+    </p:extLst>
+  </p:cSld>
+  <p:clrMapOvr>
+    <a:masterClrMapping/>
+  </p:clrMapOvr>
+</p:sld>
+</file>
+
 <file path=ppt/slides/slide2.xml><?xml version="1.0" encoding="utf-8"?>
 <p:sld xmlns:a="http://schemas.openxmlformats.org/drawingml/2006/main" xmlns:r="http://schemas.openxmlformats.org/officeDocument/2006/relationships" xmlns:p="http://schemas.openxmlformats.org/presentationml/2006/main">
   <p:cSld>
@@ -6200,7 +6232,7 @@
         </p:nvSpPr>
         <p:spPr>
           <a:xfrm>
-            <a:off x="1081715" y="29729"/>
+            <a:off x="176677" y="358043"/>
             <a:ext cx="1338828" cy="369332"/>
           </a:xfrm>
           <a:prstGeom prst="rect">
@@ -6270,7 +6302,7 @@
         </p:nvSpPr>
         <p:spPr>
           <a:xfrm>
-            <a:off x="1798298" y="5107660"/>
+            <a:off x="1660923" y="4819331"/>
             <a:ext cx="646331" cy="369332"/>
           </a:xfrm>
           <a:prstGeom prst="rect">
@@ -6305,7 +6337,7 @@
         </p:nvSpPr>
         <p:spPr>
           <a:xfrm>
-            <a:off x="459470" y="5094131"/>
+            <a:off x="196143" y="4819331"/>
             <a:ext cx="1338828" cy="369332"/>
           </a:xfrm>
           <a:prstGeom prst="rect">
@@ -6340,8 +6372,8 @@
         </p:nvSpPr>
         <p:spPr>
           <a:xfrm>
-            <a:off x="248622" y="376676"/>
-            <a:ext cx="3459601" cy="1477328"/>
+            <a:off x="72303" y="652486"/>
+            <a:ext cx="3459601" cy="923330"/>
           </a:xfrm>
           <a:prstGeom prst="rect">
             <a:avLst/>
@@ -6369,16 +6401,10 @@
             <a:endParaRPr lang="en-US" altLang="zh-CN" dirty="0"/>
           </a:p>
           <a:p>
-            <a:endParaRPr lang="en-US" altLang="zh-CN" dirty="0"/>
-          </a:p>
-          <a:p>
             <a:r>
               <a:rPr lang="zh-CN" altLang="en-US" dirty="0"/>
               <a:t>具体的场景 和情况</a:t>
             </a:r>
-            <a:endParaRPr lang="en-US" altLang="zh-CN" dirty="0"/>
-          </a:p>
-          <a:p>
             <a:endParaRPr lang="en-US" altLang="zh-CN" dirty="0"/>
           </a:p>
           <a:p>
@@ -6401,6 +6427,1861 @@
     <p:extLst>
       <p:ext uri="{BB962C8B-B14F-4D97-AF65-F5344CB8AC3E}">
         <p14:creationId xmlns:p14="http://schemas.microsoft.com/office/powerpoint/2010/main" val="2668465998"/>
+      </p:ext>
+    </p:extLst>
+  </p:cSld>
+  <p:clrMapOvr>
+    <a:masterClrMapping/>
+  </p:clrMapOvr>
+</p:sld>
+</file>
+
+<file path=ppt/slides/slide9.xml><?xml version="1.0" encoding="utf-8"?>
+<p:sld xmlns:a="http://schemas.openxmlformats.org/drawingml/2006/main" xmlns:r="http://schemas.openxmlformats.org/officeDocument/2006/relationships" xmlns:p="http://schemas.openxmlformats.org/presentationml/2006/main">
+  <p:cSld>
+    <p:spTree>
+      <p:nvGrpSpPr>
+        <p:cNvPr id="1" name=""/>
+        <p:cNvGrpSpPr/>
+        <p:nvPr/>
+      </p:nvGrpSpPr>
+      <p:grpSpPr>
+        <a:xfrm>
+          <a:off x="0" y="0"/>
+          <a:ext cx="0" cy="0"/>
+          <a:chOff x="0" y="0"/>
+          <a:chExt cx="0" cy="0"/>
+        </a:xfrm>
+      </p:grpSpPr>
+      <p:sp>
+        <p:nvSpPr>
+          <p:cNvPr id="10" name="矩形: 圆角 9">
+            <a:extLst>
+              <a:ext uri="{FF2B5EF4-FFF2-40B4-BE49-F238E27FC236}">
+                <a16:creationId xmlns:a16="http://schemas.microsoft.com/office/drawing/2014/main" id="{850D218A-61E5-1E9F-9237-E4C38FAFF6B7}"/>
+              </a:ext>
+            </a:extLst>
+          </p:cNvPr>
+          <p:cNvSpPr/>
+          <p:nvPr/>
+        </p:nvSpPr>
+        <p:spPr>
+          <a:xfrm>
+            <a:off x="225269" y="717505"/>
+            <a:ext cx="4316747" cy="2033896"/>
+          </a:xfrm>
+          <a:prstGeom prst="roundRect">
+            <a:avLst/>
+          </a:prstGeom>
+          <a:noFill/>
+        </p:spPr>
+        <p:style>
+          <a:lnRef idx="2">
+            <a:schemeClr val="accent1">
+              <a:shade val="15000"/>
+            </a:schemeClr>
+          </a:lnRef>
+          <a:fillRef idx="1">
+            <a:schemeClr val="accent1"/>
+          </a:fillRef>
+          <a:effectRef idx="0">
+            <a:schemeClr val="accent1"/>
+          </a:effectRef>
+          <a:fontRef idx="minor">
+            <a:schemeClr val="lt1"/>
+          </a:fontRef>
+        </p:style>
+        <p:txBody>
+          <a:bodyPr rtlCol="0" anchor="ctr"/>
+          <a:lstStyle/>
+          <a:p>
+            <a:pPr algn="ctr"/>
+            <a:endParaRPr lang="zh-CN" altLang="en-US" dirty="0"/>
+          </a:p>
+        </p:txBody>
+      </p:sp>
+      <p:sp>
+        <p:nvSpPr>
+          <p:cNvPr id="5" name="文本框 4">
+            <a:extLst>
+              <a:ext uri="{FF2B5EF4-FFF2-40B4-BE49-F238E27FC236}">
+                <a16:creationId xmlns:a16="http://schemas.microsoft.com/office/drawing/2014/main" id="{F669DB23-118C-94CD-8E55-594FE7AC8604}"/>
+              </a:ext>
+            </a:extLst>
+          </p:cNvPr>
+          <p:cNvSpPr txBox="1"/>
+          <p:nvPr/>
+        </p:nvSpPr>
+        <p:spPr>
+          <a:xfrm>
+            <a:off x="230651" y="916782"/>
+            <a:ext cx="4316748" cy="1569660"/>
+          </a:xfrm>
+          <a:prstGeom prst="rect">
+            <a:avLst/>
+          </a:prstGeom>
+          <a:noFill/>
+        </p:spPr>
+        <p:txBody>
+          <a:bodyPr wrap="square">
+            <a:spAutoFit/>
+          </a:bodyPr>
+          <a:lstStyle/>
+          <a:p>
+            <a:r>
+              <a:rPr lang="zh-CN" altLang="en-US" sz="1600" b="0" i="0" dirty="0">
+                <a:solidFill>
+                  <a:srgbClr val="475569"/>
+                </a:solidFill>
+                <a:effectLst/>
+                <a:latin typeface="宋体" panose="02010600030101010101" pitchFamily="2" charset="-122"/>
+                <a:ea typeface="宋体" panose="02010600030101010101" pitchFamily="2" charset="-122"/>
+              </a:rPr>
+              <a:t>高校</a:t>
+            </a:r>
+            <a:r>
+              <a:rPr lang="en-US" altLang="zh-CN" sz="1600" b="0" i="0" dirty="0">
+                <a:solidFill>
+                  <a:srgbClr val="475569"/>
+                </a:solidFill>
+                <a:effectLst/>
+                <a:latin typeface="宋体" panose="02010600030101010101" pitchFamily="2" charset="-122"/>
+                <a:ea typeface="宋体" panose="02010600030101010101" pitchFamily="2" charset="-122"/>
+              </a:rPr>
+              <a:t>/</a:t>
+            </a:r>
+            <a:r>
+              <a:rPr lang="zh-CN" altLang="en-US" sz="1600" b="0" i="0" dirty="0">
+                <a:solidFill>
+                  <a:srgbClr val="475569"/>
+                </a:solidFill>
+                <a:effectLst/>
+                <a:latin typeface="宋体" panose="02010600030101010101" pitchFamily="2" charset="-122"/>
+                <a:ea typeface="宋体" panose="02010600030101010101" pitchFamily="2" charset="-122"/>
+              </a:rPr>
+              <a:t>企业构建了大规模的学术论文引用网络数据集。该数据集每个节点代表一篇论文，节点属性包括论文标题、摘要、作者、发表年份等文本信息。节点之间的边表示论文之间的引用关系，形成了一个典型的文本属性图。该数据集被用于</a:t>
+            </a:r>
+            <a:r>
+              <a:rPr lang="zh-CN" altLang="en-US" sz="1600" b="1" i="0" dirty="0">
+                <a:solidFill>
+                  <a:srgbClr val="FF0000"/>
+                </a:solidFill>
+                <a:effectLst/>
+                <a:latin typeface="宋体" panose="02010600030101010101" pitchFamily="2" charset="-122"/>
+                <a:ea typeface="宋体" panose="02010600030101010101" pitchFamily="2" charset="-122"/>
+              </a:rPr>
+              <a:t>论文推荐</a:t>
+            </a:r>
+            <a:r>
+              <a:rPr lang="zh-CN" altLang="en-US" sz="1600" b="0" i="0" dirty="0">
+                <a:solidFill>
+                  <a:srgbClr val="475569"/>
+                </a:solidFill>
+                <a:effectLst/>
+                <a:latin typeface="宋体" panose="02010600030101010101" pitchFamily="2" charset="-122"/>
+                <a:ea typeface="宋体" panose="02010600030101010101" pitchFamily="2" charset="-122"/>
+              </a:rPr>
+              <a:t>、</a:t>
+            </a:r>
+            <a:r>
+              <a:rPr lang="zh-CN" altLang="en-US" sz="1600" b="0" i="0" dirty="0">
+                <a:solidFill>
+                  <a:srgbClr val="FF0000"/>
+                </a:solidFill>
+                <a:effectLst/>
+                <a:latin typeface="宋体" panose="02010600030101010101" pitchFamily="2" charset="-122"/>
+                <a:ea typeface="宋体" panose="02010600030101010101" pitchFamily="2" charset="-122"/>
+              </a:rPr>
+              <a:t>学术趋势分析</a:t>
+            </a:r>
+            <a:r>
+              <a:rPr lang="zh-CN" altLang="en-US" sz="1600" b="0" i="0" dirty="0">
+                <a:solidFill>
+                  <a:srgbClr val="475569"/>
+                </a:solidFill>
+                <a:effectLst/>
+                <a:latin typeface="宋体" panose="02010600030101010101" pitchFamily="2" charset="-122"/>
+                <a:ea typeface="宋体" panose="02010600030101010101" pitchFamily="2" charset="-122"/>
+              </a:rPr>
+              <a:t>等任务。</a:t>
+            </a:r>
+            <a:endParaRPr lang="zh-CN" altLang="en-US" sz="1600" dirty="0">
+              <a:latin typeface="宋体" panose="02010600030101010101" pitchFamily="2" charset="-122"/>
+              <a:ea typeface="宋体" panose="02010600030101010101" pitchFamily="2" charset="-122"/>
+            </a:endParaRPr>
+          </a:p>
+        </p:txBody>
+      </p:sp>
+      <p:cxnSp>
+        <p:nvCxnSpPr>
+          <p:cNvPr id="7" name="直接箭头连接符 6">
+            <a:extLst>
+              <a:ext uri="{FF2B5EF4-FFF2-40B4-BE49-F238E27FC236}">
+                <a16:creationId xmlns:a16="http://schemas.microsoft.com/office/drawing/2014/main" id="{DB46C542-114A-AF86-2C53-F52841BFCCE1}"/>
+              </a:ext>
+            </a:extLst>
+          </p:cNvPr>
+          <p:cNvCxnSpPr>
+            <a:cxnSpLocks/>
+            <a:stCxn id="5" idx="3"/>
+          </p:cNvCxnSpPr>
+          <p:nvPr/>
+        </p:nvCxnSpPr>
+        <p:spPr>
+          <a:xfrm>
+            <a:off x="4547399" y="1701612"/>
+            <a:ext cx="824188" cy="0"/>
+          </a:xfrm>
+          <a:prstGeom prst="straightConnector1">
+            <a:avLst/>
+          </a:prstGeom>
+          <a:ln>
+            <a:tailEnd type="triangle"/>
+          </a:ln>
+        </p:spPr>
+        <p:style>
+          <a:lnRef idx="2">
+            <a:schemeClr val="accent1"/>
+          </a:lnRef>
+          <a:fillRef idx="0">
+            <a:schemeClr val="accent1"/>
+          </a:fillRef>
+          <a:effectRef idx="1">
+            <a:schemeClr val="accent1"/>
+          </a:effectRef>
+          <a:fontRef idx="minor">
+            <a:schemeClr val="tx1"/>
+          </a:fontRef>
+        </p:style>
+      </p:cxnSp>
+      <p:sp>
+        <p:nvSpPr>
+          <p:cNvPr id="9" name="文本框 8">
+            <a:extLst>
+              <a:ext uri="{FF2B5EF4-FFF2-40B4-BE49-F238E27FC236}">
+                <a16:creationId xmlns:a16="http://schemas.microsoft.com/office/drawing/2014/main" id="{1D6CE2B7-34D8-BEEE-FC9F-E4C9BC98C0E4}"/>
+              </a:ext>
+            </a:extLst>
+          </p:cNvPr>
+          <p:cNvSpPr txBox="1"/>
+          <p:nvPr/>
+        </p:nvSpPr>
+        <p:spPr>
+          <a:xfrm>
+            <a:off x="4636327" y="1332280"/>
+            <a:ext cx="595035" cy="338554"/>
+          </a:xfrm>
+          <a:prstGeom prst="rect">
+            <a:avLst/>
+          </a:prstGeom>
+          <a:noFill/>
+        </p:spPr>
+        <p:txBody>
+          <a:bodyPr wrap="none" rtlCol="0">
+            <a:spAutoFit/>
+          </a:bodyPr>
+          <a:lstStyle/>
+          <a:p>
+            <a:r>
+              <a:rPr lang="zh-CN" altLang="en-US" sz="1600" dirty="0">
+                <a:latin typeface="宋体" panose="02010600030101010101" pitchFamily="2" charset="-122"/>
+                <a:ea typeface="宋体" panose="02010600030101010101" pitchFamily="2" charset="-122"/>
+              </a:rPr>
+              <a:t>授权</a:t>
+            </a:r>
+          </a:p>
+        </p:txBody>
+      </p:sp>
+      <p:sp>
+        <p:nvSpPr>
+          <p:cNvPr id="11" name="矩形: 圆角 10">
+            <a:extLst>
+              <a:ext uri="{FF2B5EF4-FFF2-40B4-BE49-F238E27FC236}">
+                <a16:creationId xmlns:a16="http://schemas.microsoft.com/office/drawing/2014/main" id="{8D0ADD65-A84B-D0D5-0B06-BB5B961BAD89}"/>
+              </a:ext>
+            </a:extLst>
+          </p:cNvPr>
+          <p:cNvSpPr/>
+          <p:nvPr/>
+        </p:nvSpPr>
+        <p:spPr>
+          <a:xfrm>
+            <a:off x="5358202" y="1409224"/>
+            <a:ext cx="1808297" cy="584775"/>
+          </a:xfrm>
+          <a:prstGeom prst="roundRect">
+            <a:avLst/>
+          </a:prstGeom>
+          <a:noFill/>
+        </p:spPr>
+        <p:style>
+          <a:lnRef idx="2">
+            <a:schemeClr val="accent1">
+              <a:shade val="15000"/>
+            </a:schemeClr>
+          </a:lnRef>
+          <a:fillRef idx="1">
+            <a:schemeClr val="accent1"/>
+          </a:fillRef>
+          <a:effectRef idx="0">
+            <a:schemeClr val="accent1"/>
+          </a:effectRef>
+          <a:fontRef idx="minor">
+            <a:schemeClr val="lt1"/>
+          </a:fontRef>
+        </p:style>
+        <p:txBody>
+          <a:bodyPr rtlCol="0" anchor="ctr"/>
+          <a:lstStyle/>
+          <a:p>
+            <a:pPr algn="ctr"/>
+            <a:endParaRPr lang="zh-CN" altLang="en-US" dirty="0"/>
+          </a:p>
+        </p:txBody>
+      </p:sp>
+      <p:sp>
+        <p:nvSpPr>
+          <p:cNvPr id="12" name="文本框 11">
+            <a:extLst>
+              <a:ext uri="{FF2B5EF4-FFF2-40B4-BE49-F238E27FC236}">
+                <a16:creationId xmlns:a16="http://schemas.microsoft.com/office/drawing/2014/main" id="{53CCC117-BF5C-50A0-C233-34755D7DCC5E}"/>
+              </a:ext>
+            </a:extLst>
+          </p:cNvPr>
+          <p:cNvSpPr txBox="1"/>
+          <p:nvPr/>
+        </p:nvSpPr>
+        <p:spPr>
+          <a:xfrm>
+            <a:off x="5682024" y="1532335"/>
+            <a:ext cx="1027504" cy="338554"/>
+          </a:xfrm>
+          <a:prstGeom prst="rect">
+            <a:avLst/>
+          </a:prstGeom>
+          <a:noFill/>
+        </p:spPr>
+        <p:txBody>
+          <a:bodyPr wrap="square">
+            <a:spAutoFit/>
+          </a:bodyPr>
+          <a:lstStyle/>
+          <a:p>
+            <a:r>
+              <a:rPr lang="zh-CN" altLang="en-US" sz="1600" b="0" i="0" dirty="0">
+                <a:solidFill>
+                  <a:srgbClr val="475569"/>
+                </a:solidFill>
+                <a:effectLst/>
+                <a:latin typeface="宋体" panose="02010600030101010101" pitchFamily="2" charset="-122"/>
+                <a:ea typeface="宋体" panose="02010600030101010101" pitchFamily="2" charset="-122"/>
+              </a:rPr>
+              <a:t>合法用户</a:t>
+            </a:r>
+            <a:endParaRPr lang="zh-CN" altLang="en-US" sz="1600" dirty="0">
+              <a:latin typeface="宋体" panose="02010600030101010101" pitchFamily="2" charset="-122"/>
+              <a:ea typeface="宋体" panose="02010600030101010101" pitchFamily="2" charset="-122"/>
+            </a:endParaRPr>
+          </a:p>
+        </p:txBody>
+      </p:sp>
+      <p:cxnSp>
+        <p:nvCxnSpPr>
+          <p:cNvPr id="13" name="直接箭头连接符 12">
+            <a:extLst>
+              <a:ext uri="{FF2B5EF4-FFF2-40B4-BE49-F238E27FC236}">
+                <a16:creationId xmlns:a16="http://schemas.microsoft.com/office/drawing/2014/main" id="{325B0AF7-1097-B769-4ADB-A0549B23FE0A}"/>
+              </a:ext>
+            </a:extLst>
+          </p:cNvPr>
+          <p:cNvCxnSpPr>
+            <a:cxnSpLocks/>
+          </p:cNvCxnSpPr>
+          <p:nvPr/>
+        </p:nvCxnSpPr>
+        <p:spPr>
+          <a:xfrm>
+            <a:off x="7179885" y="1734453"/>
+            <a:ext cx="824188" cy="0"/>
+          </a:xfrm>
+          <a:prstGeom prst="straightConnector1">
+            <a:avLst/>
+          </a:prstGeom>
+          <a:ln>
+            <a:tailEnd type="triangle"/>
+          </a:ln>
+        </p:spPr>
+        <p:style>
+          <a:lnRef idx="2">
+            <a:schemeClr val="accent1"/>
+          </a:lnRef>
+          <a:fillRef idx="0">
+            <a:schemeClr val="accent1"/>
+          </a:fillRef>
+          <a:effectRef idx="1">
+            <a:schemeClr val="accent1"/>
+          </a:effectRef>
+          <a:fontRef idx="minor">
+            <a:schemeClr val="tx1"/>
+          </a:fontRef>
+        </p:style>
+      </p:cxnSp>
+      <p:sp>
+        <p:nvSpPr>
+          <p:cNvPr id="14" name="矩形: 圆角 13">
+            <a:extLst>
+              <a:ext uri="{FF2B5EF4-FFF2-40B4-BE49-F238E27FC236}">
+                <a16:creationId xmlns:a16="http://schemas.microsoft.com/office/drawing/2014/main" id="{D6A4AC67-D7E1-AB9F-B79A-1755A3955A64}"/>
+              </a:ext>
+            </a:extLst>
+          </p:cNvPr>
+          <p:cNvSpPr/>
+          <p:nvPr/>
+        </p:nvSpPr>
+        <p:spPr>
+          <a:xfrm>
+            <a:off x="8004073" y="1332278"/>
+            <a:ext cx="1808297" cy="861461"/>
+          </a:xfrm>
+          <a:prstGeom prst="roundRect">
+            <a:avLst/>
+          </a:prstGeom>
+          <a:noFill/>
+        </p:spPr>
+        <p:style>
+          <a:lnRef idx="2">
+            <a:schemeClr val="accent1">
+              <a:shade val="15000"/>
+            </a:schemeClr>
+          </a:lnRef>
+          <a:fillRef idx="1">
+            <a:schemeClr val="accent1"/>
+          </a:fillRef>
+          <a:effectRef idx="0">
+            <a:schemeClr val="accent1"/>
+          </a:effectRef>
+          <a:fontRef idx="minor">
+            <a:schemeClr val="lt1"/>
+          </a:fontRef>
+        </p:style>
+        <p:txBody>
+          <a:bodyPr rtlCol="0" anchor="ctr"/>
+          <a:lstStyle/>
+          <a:p>
+            <a:pPr algn="ctr"/>
+            <a:endParaRPr lang="zh-CN" altLang="en-US" dirty="0"/>
+          </a:p>
+        </p:txBody>
+      </p:sp>
+      <p:sp>
+        <p:nvSpPr>
+          <p:cNvPr id="15" name="文本框 14">
+            <a:extLst>
+              <a:ext uri="{FF2B5EF4-FFF2-40B4-BE49-F238E27FC236}">
+                <a16:creationId xmlns:a16="http://schemas.microsoft.com/office/drawing/2014/main" id="{9C33603F-6DB3-E1E9-DCF9-C86E061104C2}"/>
+              </a:ext>
+            </a:extLst>
+          </p:cNvPr>
+          <p:cNvSpPr txBox="1"/>
+          <p:nvPr/>
+        </p:nvSpPr>
+        <p:spPr>
+          <a:xfrm>
+            <a:off x="8263450" y="1442065"/>
+            <a:ext cx="1415772" cy="584775"/>
+          </a:xfrm>
+          <a:prstGeom prst="rect">
+            <a:avLst/>
+          </a:prstGeom>
+          <a:noFill/>
+        </p:spPr>
+        <p:txBody>
+          <a:bodyPr wrap="none" rtlCol="0">
+            <a:spAutoFit/>
+          </a:bodyPr>
+          <a:lstStyle/>
+          <a:p>
+            <a:r>
+              <a:rPr lang="zh-CN" altLang="en-US" sz="1600" dirty="0">
+                <a:latin typeface="宋体" panose="02010600030101010101" pitchFamily="2" charset="-122"/>
+                <a:ea typeface="宋体" panose="02010600030101010101" pitchFamily="2" charset="-122"/>
+              </a:rPr>
+              <a:t>训练模型，</a:t>
+            </a:r>
+            <a:endParaRPr lang="en-US" altLang="zh-CN" sz="1600" dirty="0">
+              <a:latin typeface="宋体" panose="02010600030101010101" pitchFamily="2" charset="-122"/>
+              <a:ea typeface="宋体" panose="02010600030101010101" pitchFamily="2" charset="-122"/>
+            </a:endParaRPr>
+          </a:p>
+          <a:p>
+            <a:r>
+              <a:rPr lang="zh-CN" altLang="en-US" sz="1600" dirty="0">
+                <a:latin typeface="宋体" panose="02010600030101010101" pitchFamily="2" charset="-122"/>
+                <a:ea typeface="宋体" panose="02010600030101010101" pitchFamily="2" charset="-122"/>
+              </a:rPr>
+              <a:t>完成对应任务</a:t>
+            </a:r>
+          </a:p>
+        </p:txBody>
+      </p:sp>
+      <p:sp>
+        <p:nvSpPr>
+          <p:cNvPr id="20" name="文本框 19">
+            <a:extLst>
+              <a:ext uri="{FF2B5EF4-FFF2-40B4-BE49-F238E27FC236}">
+                <a16:creationId xmlns:a16="http://schemas.microsoft.com/office/drawing/2014/main" id="{A1632B4F-8778-4D71-80B5-1AAA2EF48DF4}"/>
+              </a:ext>
+            </a:extLst>
+          </p:cNvPr>
+          <p:cNvSpPr txBox="1"/>
+          <p:nvPr/>
+        </p:nvSpPr>
+        <p:spPr>
+          <a:xfrm>
+            <a:off x="6586576" y="638108"/>
+            <a:ext cx="1005403" cy="338554"/>
+          </a:xfrm>
+          <a:prstGeom prst="rect">
+            <a:avLst/>
+          </a:prstGeom>
+          <a:noFill/>
+        </p:spPr>
+        <p:txBody>
+          <a:bodyPr wrap="none" rtlCol="0">
+            <a:spAutoFit/>
+          </a:bodyPr>
+          <a:lstStyle/>
+          <a:p>
+            <a:r>
+              <a:rPr lang="zh-CN" altLang="en-US" sz="1600" dirty="0">
+                <a:latin typeface="宋体" panose="02010600030101010101" pitchFamily="2" charset="-122"/>
+                <a:ea typeface="宋体" panose="02010600030101010101" pitchFamily="2" charset="-122"/>
+              </a:rPr>
+              <a:t>合法流程</a:t>
+            </a:r>
+          </a:p>
+        </p:txBody>
+      </p:sp>
+      <p:cxnSp>
+        <p:nvCxnSpPr>
+          <p:cNvPr id="23" name="连接符: 肘形 22">
+            <a:extLst>
+              <a:ext uri="{FF2B5EF4-FFF2-40B4-BE49-F238E27FC236}">
+                <a16:creationId xmlns:a16="http://schemas.microsoft.com/office/drawing/2014/main" id="{C37FD378-BACD-A016-5E6B-5EB316CE08C8}"/>
+              </a:ext>
+            </a:extLst>
+          </p:cNvPr>
+          <p:cNvCxnSpPr>
+            <a:cxnSpLocks/>
+            <a:stCxn id="10" idx="2"/>
+          </p:cNvCxnSpPr>
+          <p:nvPr/>
+        </p:nvCxnSpPr>
+        <p:spPr>
+          <a:xfrm rot="16200000" flipH="1">
+            <a:off x="3490123" y="1644921"/>
+            <a:ext cx="738081" cy="2951040"/>
+          </a:xfrm>
+          <a:prstGeom prst="bentConnector2">
+            <a:avLst/>
+          </a:prstGeom>
+          <a:ln>
+            <a:tailEnd type="triangle"/>
+          </a:ln>
+        </p:spPr>
+        <p:style>
+          <a:lnRef idx="2">
+            <a:schemeClr val="accent1"/>
+          </a:lnRef>
+          <a:fillRef idx="0">
+            <a:schemeClr val="accent1"/>
+          </a:fillRef>
+          <a:effectRef idx="1">
+            <a:schemeClr val="accent1"/>
+          </a:effectRef>
+          <a:fontRef idx="minor">
+            <a:schemeClr val="tx1"/>
+          </a:fontRef>
+        </p:style>
+      </p:cxnSp>
+      <p:sp>
+        <p:nvSpPr>
+          <p:cNvPr id="26" name="文本框 25">
+            <a:extLst>
+              <a:ext uri="{FF2B5EF4-FFF2-40B4-BE49-F238E27FC236}">
+                <a16:creationId xmlns:a16="http://schemas.microsoft.com/office/drawing/2014/main" id="{A160E60C-62B3-9B20-47F3-EC9D25791771}"/>
+              </a:ext>
+            </a:extLst>
+          </p:cNvPr>
+          <p:cNvSpPr txBox="1"/>
+          <p:nvPr/>
+        </p:nvSpPr>
+        <p:spPr>
+          <a:xfrm>
+            <a:off x="2332685" y="2934275"/>
+            <a:ext cx="800219" cy="338554"/>
+          </a:xfrm>
+          <a:prstGeom prst="rect">
+            <a:avLst/>
+          </a:prstGeom>
+          <a:noFill/>
+        </p:spPr>
+        <p:txBody>
+          <a:bodyPr wrap="none" rtlCol="0">
+            <a:spAutoFit/>
+          </a:bodyPr>
+          <a:lstStyle/>
+          <a:p>
+            <a:r>
+              <a:rPr lang="zh-CN" altLang="en-US" sz="1600" dirty="0">
+                <a:latin typeface="宋体" panose="02010600030101010101" pitchFamily="2" charset="-122"/>
+                <a:ea typeface="宋体" panose="02010600030101010101" pitchFamily="2" charset="-122"/>
+              </a:rPr>
+              <a:t>未授权</a:t>
+            </a:r>
+          </a:p>
+        </p:txBody>
+      </p:sp>
+      <p:sp>
+        <p:nvSpPr>
+          <p:cNvPr id="29" name="矩形: 圆角 28">
+            <a:extLst>
+              <a:ext uri="{FF2B5EF4-FFF2-40B4-BE49-F238E27FC236}">
+                <a16:creationId xmlns:a16="http://schemas.microsoft.com/office/drawing/2014/main" id="{413BC1E6-0EE3-92A0-3260-DF1DA5D0202A}"/>
+              </a:ext>
+            </a:extLst>
+          </p:cNvPr>
+          <p:cNvSpPr/>
+          <p:nvPr/>
+        </p:nvSpPr>
+        <p:spPr>
+          <a:xfrm>
+            <a:off x="5371588" y="3058751"/>
+            <a:ext cx="1607375" cy="861461"/>
+          </a:xfrm>
+          <a:prstGeom prst="roundRect">
+            <a:avLst/>
+          </a:prstGeom>
+          <a:noFill/>
+        </p:spPr>
+        <p:style>
+          <a:lnRef idx="2">
+            <a:schemeClr val="accent1">
+              <a:shade val="15000"/>
+            </a:schemeClr>
+          </a:lnRef>
+          <a:fillRef idx="1">
+            <a:schemeClr val="accent1"/>
+          </a:fillRef>
+          <a:effectRef idx="0">
+            <a:schemeClr val="accent1"/>
+          </a:effectRef>
+          <a:fontRef idx="minor">
+            <a:schemeClr val="lt1"/>
+          </a:fontRef>
+        </p:style>
+        <p:txBody>
+          <a:bodyPr rtlCol="0" anchor="ctr"/>
+          <a:lstStyle/>
+          <a:p>
+            <a:pPr algn="ctr"/>
+            <a:endParaRPr lang="zh-CN" altLang="en-US" dirty="0"/>
+          </a:p>
+        </p:txBody>
+      </p:sp>
+      <p:sp>
+        <p:nvSpPr>
+          <p:cNvPr id="30" name="文本框 29">
+            <a:extLst>
+              <a:ext uri="{FF2B5EF4-FFF2-40B4-BE49-F238E27FC236}">
+                <a16:creationId xmlns:a16="http://schemas.microsoft.com/office/drawing/2014/main" id="{98C9CB58-8A82-A071-1A5D-D3094B76CE59}"/>
+              </a:ext>
+            </a:extLst>
+          </p:cNvPr>
+          <p:cNvSpPr txBox="1"/>
+          <p:nvPr/>
+        </p:nvSpPr>
+        <p:spPr>
+          <a:xfrm>
+            <a:off x="874250" y="5620173"/>
+            <a:ext cx="1027504" cy="338554"/>
+          </a:xfrm>
+          <a:prstGeom prst="rect">
+            <a:avLst/>
+          </a:prstGeom>
+          <a:noFill/>
+        </p:spPr>
+        <p:txBody>
+          <a:bodyPr wrap="square">
+            <a:spAutoFit/>
+          </a:bodyPr>
+          <a:lstStyle/>
+          <a:p>
+            <a:r>
+              <a:rPr lang="zh-CN" altLang="en-US" sz="1600" dirty="0">
+                <a:solidFill>
+                  <a:srgbClr val="475569"/>
+                </a:solidFill>
+                <a:latin typeface="宋体" panose="02010600030101010101" pitchFamily="2" charset="-122"/>
+                <a:ea typeface="宋体" panose="02010600030101010101" pitchFamily="2" charset="-122"/>
+              </a:rPr>
+              <a:t>文本语料</a:t>
+            </a:r>
+            <a:endParaRPr lang="zh-CN" altLang="en-US" sz="1600" dirty="0">
+              <a:latin typeface="宋体" panose="02010600030101010101" pitchFamily="2" charset="-122"/>
+              <a:ea typeface="宋体" panose="02010600030101010101" pitchFamily="2" charset="-122"/>
+            </a:endParaRPr>
+          </a:p>
+        </p:txBody>
+      </p:sp>
+      <p:sp>
+        <p:nvSpPr>
+          <p:cNvPr id="31" name="矩形: 圆角 30">
+            <a:extLst>
+              <a:ext uri="{FF2B5EF4-FFF2-40B4-BE49-F238E27FC236}">
+                <a16:creationId xmlns:a16="http://schemas.microsoft.com/office/drawing/2014/main" id="{5FCB3514-AB48-71A7-0514-CC967F235C78}"/>
+              </a:ext>
+            </a:extLst>
+          </p:cNvPr>
+          <p:cNvSpPr/>
+          <p:nvPr/>
+        </p:nvSpPr>
+        <p:spPr>
+          <a:xfrm>
+            <a:off x="7393557" y="2698437"/>
+            <a:ext cx="1607375" cy="506185"/>
+          </a:xfrm>
+          <a:prstGeom prst="roundRect">
+            <a:avLst/>
+          </a:prstGeom>
+          <a:noFill/>
+        </p:spPr>
+        <p:style>
+          <a:lnRef idx="2">
+            <a:schemeClr val="accent1">
+              <a:shade val="15000"/>
+            </a:schemeClr>
+          </a:lnRef>
+          <a:fillRef idx="1">
+            <a:schemeClr val="accent1"/>
+          </a:fillRef>
+          <a:effectRef idx="0">
+            <a:schemeClr val="accent1"/>
+          </a:effectRef>
+          <a:fontRef idx="minor">
+            <a:schemeClr val="lt1"/>
+          </a:fontRef>
+        </p:style>
+        <p:txBody>
+          <a:bodyPr rtlCol="0" anchor="ctr"/>
+          <a:lstStyle/>
+          <a:p>
+            <a:pPr algn="ctr"/>
+            <a:endParaRPr lang="zh-CN" altLang="en-US" dirty="0"/>
+          </a:p>
+        </p:txBody>
+      </p:sp>
+      <p:sp>
+        <p:nvSpPr>
+          <p:cNvPr id="32" name="矩形: 圆角 31">
+            <a:extLst>
+              <a:ext uri="{FF2B5EF4-FFF2-40B4-BE49-F238E27FC236}">
+                <a16:creationId xmlns:a16="http://schemas.microsoft.com/office/drawing/2014/main" id="{81B1CD4A-3DF0-6915-8428-6212BAB9A429}"/>
+              </a:ext>
+            </a:extLst>
+          </p:cNvPr>
+          <p:cNvSpPr/>
+          <p:nvPr/>
+        </p:nvSpPr>
+        <p:spPr>
+          <a:xfrm>
+            <a:off x="7401307" y="3844631"/>
+            <a:ext cx="1607375" cy="506185"/>
+          </a:xfrm>
+          <a:prstGeom prst="roundRect">
+            <a:avLst/>
+          </a:prstGeom>
+          <a:noFill/>
+        </p:spPr>
+        <p:style>
+          <a:lnRef idx="2">
+            <a:schemeClr val="accent1">
+              <a:shade val="15000"/>
+            </a:schemeClr>
+          </a:lnRef>
+          <a:fillRef idx="1">
+            <a:schemeClr val="accent1"/>
+          </a:fillRef>
+          <a:effectRef idx="0">
+            <a:schemeClr val="accent1"/>
+          </a:effectRef>
+          <a:fontRef idx="minor">
+            <a:schemeClr val="lt1"/>
+          </a:fontRef>
+        </p:style>
+        <p:txBody>
+          <a:bodyPr rtlCol="0" anchor="ctr"/>
+          <a:lstStyle/>
+          <a:p>
+            <a:pPr algn="ctr"/>
+            <a:endParaRPr lang="zh-CN" altLang="en-US" dirty="0"/>
+          </a:p>
+        </p:txBody>
+      </p:sp>
+      <p:sp>
+        <p:nvSpPr>
+          <p:cNvPr id="33" name="矩形: 圆角 32">
+            <a:extLst>
+              <a:ext uri="{FF2B5EF4-FFF2-40B4-BE49-F238E27FC236}">
+                <a16:creationId xmlns:a16="http://schemas.microsoft.com/office/drawing/2014/main" id="{2129D9E2-E2B2-1828-7F65-0B67A81EC345}"/>
+              </a:ext>
+            </a:extLst>
+          </p:cNvPr>
+          <p:cNvSpPr/>
+          <p:nvPr/>
+        </p:nvSpPr>
+        <p:spPr>
+          <a:xfrm>
+            <a:off x="7459762" y="4911155"/>
+            <a:ext cx="1607375" cy="614567"/>
+          </a:xfrm>
+          <a:prstGeom prst="roundRect">
+            <a:avLst/>
+          </a:prstGeom>
+          <a:noFill/>
+        </p:spPr>
+        <p:style>
+          <a:lnRef idx="2">
+            <a:schemeClr val="accent1">
+              <a:shade val="15000"/>
+            </a:schemeClr>
+          </a:lnRef>
+          <a:fillRef idx="1">
+            <a:schemeClr val="accent1"/>
+          </a:fillRef>
+          <a:effectRef idx="0">
+            <a:schemeClr val="accent1"/>
+          </a:effectRef>
+          <a:fontRef idx="minor">
+            <a:schemeClr val="lt1"/>
+          </a:fontRef>
+        </p:style>
+        <p:txBody>
+          <a:bodyPr rtlCol="0" anchor="ctr"/>
+          <a:lstStyle/>
+          <a:p>
+            <a:pPr algn="ctr"/>
+            <a:endParaRPr lang="zh-CN" altLang="en-US" dirty="0"/>
+          </a:p>
+        </p:txBody>
+      </p:sp>
+      <p:sp>
+        <p:nvSpPr>
+          <p:cNvPr id="34" name="文本框 33">
+            <a:extLst>
+              <a:ext uri="{FF2B5EF4-FFF2-40B4-BE49-F238E27FC236}">
+                <a16:creationId xmlns:a16="http://schemas.microsoft.com/office/drawing/2014/main" id="{32C8588F-814E-1EB1-43F9-43812B482683}"/>
+              </a:ext>
+            </a:extLst>
+          </p:cNvPr>
+          <p:cNvSpPr txBox="1"/>
+          <p:nvPr/>
+        </p:nvSpPr>
+        <p:spPr>
+          <a:xfrm>
+            <a:off x="7393557" y="2782252"/>
+            <a:ext cx="1923027" cy="338554"/>
+          </a:xfrm>
+          <a:prstGeom prst="rect">
+            <a:avLst/>
+          </a:prstGeom>
+          <a:noFill/>
+        </p:spPr>
+        <p:txBody>
+          <a:bodyPr wrap="square">
+            <a:spAutoFit/>
+          </a:bodyPr>
+          <a:lstStyle/>
+          <a:p>
+            <a:r>
+              <a:rPr lang="zh-CN" altLang="en-US" sz="1600" b="1" i="0" dirty="0">
+                <a:solidFill>
+                  <a:srgbClr val="475569"/>
+                </a:solidFill>
+                <a:effectLst/>
+                <a:latin typeface="宋体" panose="02010600030101010101" pitchFamily="2" charset="-122"/>
+                <a:ea typeface="宋体" panose="02010600030101010101" pitchFamily="2" charset="-122"/>
+              </a:rPr>
+              <a:t>数据篡改与伪造</a:t>
+            </a:r>
+            <a:endParaRPr lang="zh-CN" altLang="en-US" sz="1600" dirty="0">
+              <a:latin typeface="宋体" panose="02010600030101010101" pitchFamily="2" charset="-122"/>
+              <a:ea typeface="宋体" panose="02010600030101010101" pitchFamily="2" charset="-122"/>
+            </a:endParaRPr>
+          </a:p>
+        </p:txBody>
+      </p:sp>
+      <p:sp>
+        <p:nvSpPr>
+          <p:cNvPr id="35" name="文本框 34">
+            <a:extLst>
+              <a:ext uri="{FF2B5EF4-FFF2-40B4-BE49-F238E27FC236}">
+                <a16:creationId xmlns:a16="http://schemas.microsoft.com/office/drawing/2014/main" id="{97B78132-C2BB-7EED-1EA2-460790E034CE}"/>
+              </a:ext>
+            </a:extLst>
+          </p:cNvPr>
+          <p:cNvSpPr txBox="1"/>
+          <p:nvPr/>
+        </p:nvSpPr>
+        <p:spPr>
+          <a:xfrm>
+            <a:off x="7393557" y="3935365"/>
+            <a:ext cx="1739784" cy="338554"/>
+          </a:xfrm>
+          <a:prstGeom prst="rect">
+            <a:avLst/>
+          </a:prstGeom>
+          <a:noFill/>
+        </p:spPr>
+        <p:txBody>
+          <a:bodyPr wrap="square">
+            <a:spAutoFit/>
+          </a:bodyPr>
+          <a:lstStyle/>
+          <a:p>
+            <a:r>
+              <a:rPr lang="zh-CN" altLang="en-US" sz="1600" dirty="0">
+                <a:solidFill>
+                  <a:srgbClr val="475569"/>
+                </a:solidFill>
+                <a:latin typeface="宋体" panose="02010600030101010101" pitchFamily="2" charset="-122"/>
+                <a:ea typeface="宋体" panose="02010600030101010101" pitchFamily="2" charset="-122"/>
+              </a:rPr>
+              <a:t>部分泄露与拆分</a:t>
+            </a:r>
+            <a:endParaRPr lang="zh-CN" altLang="en-US" sz="1600" dirty="0">
+              <a:latin typeface="宋体" panose="02010600030101010101" pitchFamily="2" charset="-122"/>
+              <a:ea typeface="宋体" panose="02010600030101010101" pitchFamily="2" charset="-122"/>
+            </a:endParaRPr>
+          </a:p>
+        </p:txBody>
+      </p:sp>
+      <p:sp>
+        <p:nvSpPr>
+          <p:cNvPr id="36" name="文本框 35">
+            <a:extLst>
+              <a:ext uri="{FF2B5EF4-FFF2-40B4-BE49-F238E27FC236}">
+                <a16:creationId xmlns:a16="http://schemas.microsoft.com/office/drawing/2014/main" id="{2B30FC10-BA81-846C-0E40-6CAFE5BE4FFE}"/>
+              </a:ext>
+            </a:extLst>
+          </p:cNvPr>
+          <p:cNvSpPr txBox="1"/>
+          <p:nvPr/>
+        </p:nvSpPr>
+        <p:spPr>
+          <a:xfrm>
+            <a:off x="7472526" y="5049161"/>
+            <a:ext cx="1607375" cy="338554"/>
+          </a:xfrm>
+          <a:prstGeom prst="rect">
+            <a:avLst/>
+          </a:prstGeom>
+          <a:noFill/>
+        </p:spPr>
+        <p:txBody>
+          <a:bodyPr wrap="square">
+            <a:spAutoFit/>
+          </a:bodyPr>
+          <a:lstStyle/>
+          <a:p>
+            <a:r>
+              <a:rPr lang="zh-CN" altLang="en-US" sz="1600" dirty="0">
+                <a:solidFill>
+                  <a:srgbClr val="475569"/>
+                </a:solidFill>
+                <a:latin typeface="宋体" panose="02010600030101010101" pitchFamily="2" charset="-122"/>
+                <a:ea typeface="宋体" panose="02010600030101010101" pitchFamily="2" charset="-122"/>
+              </a:rPr>
+              <a:t>合并与混合攻击</a:t>
+            </a:r>
+            <a:endParaRPr lang="zh-CN" altLang="en-US" sz="1600" dirty="0">
+              <a:latin typeface="宋体" panose="02010600030101010101" pitchFamily="2" charset="-122"/>
+              <a:ea typeface="宋体" panose="02010600030101010101" pitchFamily="2" charset="-122"/>
+            </a:endParaRPr>
+          </a:p>
+        </p:txBody>
+      </p:sp>
+      <p:cxnSp>
+        <p:nvCxnSpPr>
+          <p:cNvPr id="38" name="直接箭头连接符 37">
+            <a:extLst>
+              <a:ext uri="{FF2B5EF4-FFF2-40B4-BE49-F238E27FC236}">
+                <a16:creationId xmlns:a16="http://schemas.microsoft.com/office/drawing/2014/main" id="{F777F668-7FDB-2D3F-EAA5-B81CE0D7AB4E}"/>
+              </a:ext>
+            </a:extLst>
+          </p:cNvPr>
+          <p:cNvCxnSpPr>
+            <a:cxnSpLocks/>
+            <a:stCxn id="29" idx="3"/>
+            <a:endCxn id="31" idx="1"/>
+          </p:cNvCxnSpPr>
+          <p:nvPr/>
+        </p:nvCxnSpPr>
+        <p:spPr>
+          <a:xfrm flipV="1">
+            <a:off x="6978963" y="2951530"/>
+            <a:ext cx="414594" cy="537952"/>
+          </a:xfrm>
+          <a:prstGeom prst="straightConnector1">
+            <a:avLst/>
+          </a:prstGeom>
+          <a:ln>
+            <a:tailEnd type="triangle"/>
+          </a:ln>
+        </p:spPr>
+        <p:style>
+          <a:lnRef idx="2">
+            <a:schemeClr val="accent1"/>
+          </a:lnRef>
+          <a:fillRef idx="0">
+            <a:schemeClr val="accent1"/>
+          </a:fillRef>
+          <a:effectRef idx="1">
+            <a:schemeClr val="accent1"/>
+          </a:effectRef>
+          <a:fontRef idx="minor">
+            <a:schemeClr val="tx1"/>
+          </a:fontRef>
+        </p:style>
+      </p:cxnSp>
+      <p:cxnSp>
+        <p:nvCxnSpPr>
+          <p:cNvPr id="41" name="直接箭头连接符 40">
+            <a:extLst>
+              <a:ext uri="{FF2B5EF4-FFF2-40B4-BE49-F238E27FC236}">
+                <a16:creationId xmlns:a16="http://schemas.microsoft.com/office/drawing/2014/main" id="{7D009E86-271F-47D3-8B85-7854C0085CB4}"/>
+              </a:ext>
+            </a:extLst>
+          </p:cNvPr>
+          <p:cNvCxnSpPr>
+            <a:stCxn id="29" idx="3"/>
+            <a:endCxn id="35" idx="1"/>
+          </p:cNvCxnSpPr>
+          <p:nvPr/>
+        </p:nvCxnSpPr>
+        <p:spPr>
+          <a:xfrm>
+            <a:off x="6978963" y="3489482"/>
+            <a:ext cx="414594" cy="615160"/>
+          </a:xfrm>
+          <a:prstGeom prst="straightConnector1">
+            <a:avLst/>
+          </a:prstGeom>
+          <a:ln>
+            <a:tailEnd type="triangle"/>
+          </a:ln>
+        </p:spPr>
+        <p:style>
+          <a:lnRef idx="2">
+            <a:schemeClr val="accent1"/>
+          </a:lnRef>
+          <a:fillRef idx="0">
+            <a:schemeClr val="accent1"/>
+          </a:fillRef>
+          <a:effectRef idx="1">
+            <a:schemeClr val="accent1"/>
+          </a:effectRef>
+          <a:fontRef idx="minor">
+            <a:schemeClr val="tx1"/>
+          </a:fontRef>
+        </p:style>
+      </p:cxnSp>
+      <p:cxnSp>
+        <p:nvCxnSpPr>
+          <p:cNvPr id="43" name="直接箭头连接符 42">
+            <a:extLst>
+              <a:ext uri="{FF2B5EF4-FFF2-40B4-BE49-F238E27FC236}">
+                <a16:creationId xmlns:a16="http://schemas.microsoft.com/office/drawing/2014/main" id="{4BC6AF9C-51E0-19D2-3767-A583057E094A}"/>
+              </a:ext>
+            </a:extLst>
+          </p:cNvPr>
+          <p:cNvCxnSpPr>
+            <a:stCxn id="29" idx="3"/>
+            <a:endCxn id="36" idx="1"/>
+          </p:cNvCxnSpPr>
+          <p:nvPr/>
+        </p:nvCxnSpPr>
+        <p:spPr>
+          <a:xfrm>
+            <a:off x="6978963" y="3489482"/>
+            <a:ext cx="493563" cy="1728956"/>
+          </a:xfrm>
+          <a:prstGeom prst="straightConnector1">
+            <a:avLst/>
+          </a:prstGeom>
+          <a:ln>
+            <a:tailEnd type="triangle"/>
+          </a:ln>
+        </p:spPr>
+        <p:style>
+          <a:lnRef idx="2">
+            <a:schemeClr val="accent1"/>
+          </a:lnRef>
+          <a:fillRef idx="0">
+            <a:schemeClr val="accent1"/>
+          </a:fillRef>
+          <a:effectRef idx="1">
+            <a:schemeClr val="accent1"/>
+          </a:effectRef>
+          <a:fontRef idx="minor">
+            <a:schemeClr val="tx1"/>
+          </a:fontRef>
+        </p:style>
+      </p:cxnSp>
+      <p:cxnSp>
+        <p:nvCxnSpPr>
+          <p:cNvPr id="45" name="直接箭头连接符 44">
+            <a:extLst>
+              <a:ext uri="{FF2B5EF4-FFF2-40B4-BE49-F238E27FC236}">
+                <a16:creationId xmlns:a16="http://schemas.microsoft.com/office/drawing/2014/main" id="{3C6561DA-E812-7AC2-7B51-EB74829FD801}"/>
+              </a:ext>
+            </a:extLst>
+          </p:cNvPr>
+          <p:cNvCxnSpPr/>
+          <p:nvPr/>
+        </p:nvCxnSpPr>
+        <p:spPr>
+          <a:xfrm>
+            <a:off x="9000932" y="2951530"/>
+            <a:ext cx="713030" cy="968682"/>
+          </a:xfrm>
+          <a:prstGeom prst="straightConnector1">
+            <a:avLst/>
+          </a:prstGeom>
+          <a:ln>
+            <a:tailEnd type="triangle"/>
+          </a:ln>
+        </p:spPr>
+        <p:style>
+          <a:lnRef idx="2">
+            <a:schemeClr val="accent1"/>
+          </a:lnRef>
+          <a:fillRef idx="0">
+            <a:schemeClr val="accent1"/>
+          </a:fillRef>
+          <a:effectRef idx="1">
+            <a:schemeClr val="accent1"/>
+          </a:effectRef>
+          <a:fontRef idx="minor">
+            <a:schemeClr val="tx1"/>
+          </a:fontRef>
+        </p:style>
+      </p:cxnSp>
+      <p:cxnSp>
+        <p:nvCxnSpPr>
+          <p:cNvPr id="48" name="直接箭头连接符 47">
+            <a:extLst>
+              <a:ext uri="{FF2B5EF4-FFF2-40B4-BE49-F238E27FC236}">
+                <a16:creationId xmlns:a16="http://schemas.microsoft.com/office/drawing/2014/main" id="{C642BD29-4774-9685-20E6-C1CF4DEACD0B}"/>
+              </a:ext>
+            </a:extLst>
+          </p:cNvPr>
+          <p:cNvCxnSpPr>
+            <a:stCxn id="35" idx="3"/>
+          </p:cNvCxnSpPr>
+          <p:nvPr/>
+        </p:nvCxnSpPr>
+        <p:spPr>
+          <a:xfrm flipV="1">
+            <a:off x="9133341" y="3920212"/>
+            <a:ext cx="580621" cy="184430"/>
+          </a:xfrm>
+          <a:prstGeom prst="straightConnector1">
+            <a:avLst/>
+          </a:prstGeom>
+          <a:ln>
+            <a:tailEnd type="triangle"/>
+          </a:ln>
+        </p:spPr>
+        <p:style>
+          <a:lnRef idx="2">
+            <a:schemeClr val="accent1"/>
+          </a:lnRef>
+          <a:fillRef idx="0">
+            <a:schemeClr val="accent1"/>
+          </a:fillRef>
+          <a:effectRef idx="1">
+            <a:schemeClr val="accent1"/>
+          </a:effectRef>
+          <a:fontRef idx="minor">
+            <a:schemeClr val="tx1"/>
+          </a:fontRef>
+        </p:style>
+      </p:cxnSp>
+      <p:cxnSp>
+        <p:nvCxnSpPr>
+          <p:cNvPr id="50" name="直接箭头连接符 49">
+            <a:extLst>
+              <a:ext uri="{FF2B5EF4-FFF2-40B4-BE49-F238E27FC236}">
+                <a16:creationId xmlns:a16="http://schemas.microsoft.com/office/drawing/2014/main" id="{40FFEC07-650A-1CFF-2687-A7061F7E3100}"/>
+              </a:ext>
+            </a:extLst>
+          </p:cNvPr>
+          <p:cNvCxnSpPr>
+            <a:stCxn id="36" idx="3"/>
+          </p:cNvCxnSpPr>
+          <p:nvPr/>
+        </p:nvCxnSpPr>
+        <p:spPr>
+          <a:xfrm flipV="1">
+            <a:off x="9079901" y="3935365"/>
+            <a:ext cx="634061" cy="1283073"/>
+          </a:xfrm>
+          <a:prstGeom prst="straightConnector1">
+            <a:avLst/>
+          </a:prstGeom>
+          <a:ln>
+            <a:tailEnd type="triangle"/>
+          </a:ln>
+        </p:spPr>
+        <p:style>
+          <a:lnRef idx="2">
+            <a:schemeClr val="accent1"/>
+          </a:lnRef>
+          <a:fillRef idx="0">
+            <a:schemeClr val="accent1"/>
+          </a:fillRef>
+          <a:effectRef idx="1">
+            <a:schemeClr val="accent1"/>
+          </a:effectRef>
+          <a:fontRef idx="minor">
+            <a:schemeClr val="tx1"/>
+          </a:fontRef>
+        </p:style>
+      </p:cxnSp>
+      <p:sp>
+        <p:nvSpPr>
+          <p:cNvPr id="51" name="矩形: 圆角 50">
+            <a:extLst>
+              <a:ext uri="{FF2B5EF4-FFF2-40B4-BE49-F238E27FC236}">
+                <a16:creationId xmlns:a16="http://schemas.microsoft.com/office/drawing/2014/main" id="{AE2FCC59-F790-5658-81BA-58FDD811A44A}"/>
+              </a:ext>
+            </a:extLst>
+          </p:cNvPr>
+          <p:cNvSpPr/>
+          <p:nvPr/>
+        </p:nvSpPr>
+        <p:spPr>
+          <a:xfrm>
+            <a:off x="9726726" y="3610785"/>
+            <a:ext cx="1272824" cy="618853"/>
+          </a:xfrm>
+          <a:prstGeom prst="roundRect">
+            <a:avLst/>
+          </a:prstGeom>
+          <a:noFill/>
+        </p:spPr>
+        <p:style>
+          <a:lnRef idx="2">
+            <a:schemeClr val="accent1">
+              <a:shade val="15000"/>
+            </a:schemeClr>
+          </a:lnRef>
+          <a:fillRef idx="1">
+            <a:schemeClr val="accent1"/>
+          </a:fillRef>
+          <a:effectRef idx="0">
+            <a:schemeClr val="accent1"/>
+          </a:effectRef>
+          <a:fontRef idx="minor">
+            <a:schemeClr val="lt1"/>
+          </a:fontRef>
+        </p:style>
+        <p:txBody>
+          <a:bodyPr rtlCol="0" anchor="ctr"/>
+          <a:lstStyle/>
+          <a:p>
+            <a:pPr algn="ctr"/>
+            <a:endParaRPr lang="zh-CN" altLang="en-US" dirty="0"/>
+          </a:p>
+        </p:txBody>
+      </p:sp>
+      <p:sp>
+        <p:nvSpPr>
+          <p:cNvPr id="52" name="文本框 51">
+            <a:extLst>
+              <a:ext uri="{FF2B5EF4-FFF2-40B4-BE49-F238E27FC236}">
+                <a16:creationId xmlns:a16="http://schemas.microsoft.com/office/drawing/2014/main" id="{90989AE6-E2AA-2D90-C0CE-D7E72E699721}"/>
+              </a:ext>
+            </a:extLst>
+          </p:cNvPr>
+          <p:cNvSpPr txBox="1"/>
+          <p:nvPr/>
+        </p:nvSpPr>
+        <p:spPr>
+          <a:xfrm>
+            <a:off x="9904318" y="3750699"/>
+            <a:ext cx="1107996" cy="369332"/>
+          </a:xfrm>
+          <a:prstGeom prst="rect">
+            <a:avLst/>
+          </a:prstGeom>
+          <a:noFill/>
+        </p:spPr>
+        <p:txBody>
+          <a:bodyPr wrap="none" rtlCol="0">
+            <a:spAutoFit/>
+          </a:bodyPr>
+          <a:lstStyle/>
+          <a:p>
+            <a:r>
+              <a:rPr lang="zh-CN" altLang="en-US" sz="1800" dirty="0">
+                <a:latin typeface="宋体" panose="02010600030101010101" pitchFamily="2" charset="-122"/>
+                <a:ea typeface="宋体" panose="02010600030101010101" pitchFamily="2" charset="-122"/>
+              </a:rPr>
+              <a:t>训练模型</a:t>
+            </a:r>
+            <a:endParaRPr lang="zh-CN" altLang="en-US" dirty="0"/>
+          </a:p>
+        </p:txBody>
+      </p:sp>
+      <p:sp>
+        <p:nvSpPr>
+          <p:cNvPr id="53" name="矩形: 圆角 52">
+            <a:extLst>
+              <a:ext uri="{FF2B5EF4-FFF2-40B4-BE49-F238E27FC236}">
+                <a16:creationId xmlns:a16="http://schemas.microsoft.com/office/drawing/2014/main" id="{E7CCC487-4DC0-5644-F2B5-47BBCD92888F}"/>
+              </a:ext>
+            </a:extLst>
+          </p:cNvPr>
+          <p:cNvSpPr/>
+          <p:nvPr/>
+        </p:nvSpPr>
+        <p:spPr>
+          <a:xfrm>
+            <a:off x="548350" y="5482167"/>
+            <a:ext cx="1835292" cy="614567"/>
+          </a:xfrm>
+          <a:prstGeom prst="roundRect">
+            <a:avLst/>
+          </a:prstGeom>
+          <a:noFill/>
+        </p:spPr>
+        <p:style>
+          <a:lnRef idx="2">
+            <a:schemeClr val="accent1">
+              <a:shade val="15000"/>
+            </a:schemeClr>
+          </a:lnRef>
+          <a:fillRef idx="1">
+            <a:schemeClr val="accent1"/>
+          </a:fillRef>
+          <a:effectRef idx="0">
+            <a:schemeClr val="accent1"/>
+          </a:effectRef>
+          <a:fontRef idx="minor">
+            <a:schemeClr val="lt1"/>
+          </a:fontRef>
+        </p:style>
+        <p:txBody>
+          <a:bodyPr rtlCol="0" anchor="ctr"/>
+          <a:lstStyle/>
+          <a:p>
+            <a:pPr algn="ctr"/>
+            <a:endParaRPr lang="zh-CN" altLang="en-US" dirty="0"/>
+          </a:p>
+        </p:txBody>
+      </p:sp>
+      <p:sp>
+        <p:nvSpPr>
+          <p:cNvPr id="54" name="文本框 53">
+            <a:extLst>
+              <a:ext uri="{FF2B5EF4-FFF2-40B4-BE49-F238E27FC236}">
+                <a16:creationId xmlns:a16="http://schemas.microsoft.com/office/drawing/2014/main" id="{E373C690-B9EA-2467-16F8-6FEECDAC2357}"/>
+              </a:ext>
+            </a:extLst>
+          </p:cNvPr>
+          <p:cNvSpPr txBox="1"/>
+          <p:nvPr/>
+        </p:nvSpPr>
+        <p:spPr>
+          <a:xfrm>
+            <a:off x="3701508" y="4879884"/>
+            <a:ext cx="1027504" cy="338554"/>
+          </a:xfrm>
+          <a:prstGeom prst="rect">
+            <a:avLst/>
+          </a:prstGeom>
+          <a:noFill/>
+        </p:spPr>
+        <p:txBody>
+          <a:bodyPr wrap="square">
+            <a:spAutoFit/>
+          </a:bodyPr>
+          <a:lstStyle/>
+          <a:p>
+            <a:r>
+              <a:rPr lang="zh-CN" altLang="en-US" sz="1600" dirty="0">
+                <a:solidFill>
+                  <a:srgbClr val="475569"/>
+                </a:solidFill>
+                <a:latin typeface="宋体" panose="02010600030101010101" pitchFamily="2" charset="-122"/>
+                <a:ea typeface="宋体" panose="02010600030101010101" pitchFamily="2" charset="-122"/>
+              </a:rPr>
+              <a:t>内容重写</a:t>
+            </a:r>
+            <a:endParaRPr lang="zh-CN" altLang="en-US" sz="1600" dirty="0">
+              <a:latin typeface="宋体" panose="02010600030101010101" pitchFamily="2" charset="-122"/>
+              <a:ea typeface="宋体" panose="02010600030101010101" pitchFamily="2" charset="-122"/>
+            </a:endParaRPr>
+          </a:p>
+        </p:txBody>
+      </p:sp>
+      <p:cxnSp>
+        <p:nvCxnSpPr>
+          <p:cNvPr id="56" name="直接箭头连接符 55">
+            <a:extLst>
+              <a:ext uri="{FF2B5EF4-FFF2-40B4-BE49-F238E27FC236}">
+                <a16:creationId xmlns:a16="http://schemas.microsoft.com/office/drawing/2014/main" id="{156B3AD2-D255-9860-B5FA-F02C0542A21B}"/>
+              </a:ext>
+            </a:extLst>
+          </p:cNvPr>
+          <p:cNvCxnSpPr>
+            <a:stCxn id="53" idx="3"/>
+          </p:cNvCxnSpPr>
+          <p:nvPr/>
+        </p:nvCxnSpPr>
+        <p:spPr>
+          <a:xfrm flipV="1">
+            <a:off x="2383642" y="5178866"/>
+            <a:ext cx="810607" cy="610585"/>
+          </a:xfrm>
+          <a:prstGeom prst="straightConnector1">
+            <a:avLst/>
+          </a:prstGeom>
+          <a:ln>
+            <a:tailEnd type="triangle"/>
+          </a:ln>
+        </p:spPr>
+        <p:style>
+          <a:lnRef idx="2">
+            <a:schemeClr val="accent1"/>
+          </a:lnRef>
+          <a:fillRef idx="0">
+            <a:schemeClr val="accent1"/>
+          </a:fillRef>
+          <a:effectRef idx="1">
+            <a:schemeClr val="accent1"/>
+          </a:effectRef>
+          <a:fontRef idx="minor">
+            <a:schemeClr val="tx1"/>
+          </a:fontRef>
+        </p:style>
+      </p:cxnSp>
+      <p:cxnSp>
+        <p:nvCxnSpPr>
+          <p:cNvPr id="58" name="直接箭头连接符 57">
+            <a:extLst>
+              <a:ext uri="{FF2B5EF4-FFF2-40B4-BE49-F238E27FC236}">
+                <a16:creationId xmlns:a16="http://schemas.microsoft.com/office/drawing/2014/main" id="{F18750E0-47CF-03D9-B0F0-BF3A04A2A9A3}"/>
+              </a:ext>
+            </a:extLst>
+          </p:cNvPr>
+          <p:cNvCxnSpPr>
+            <a:stCxn id="53" idx="3"/>
+          </p:cNvCxnSpPr>
+          <p:nvPr/>
+        </p:nvCxnSpPr>
+        <p:spPr>
+          <a:xfrm>
+            <a:off x="2383642" y="5789451"/>
+            <a:ext cx="1027931" cy="29085"/>
+          </a:xfrm>
+          <a:prstGeom prst="straightConnector1">
+            <a:avLst/>
+          </a:prstGeom>
+          <a:ln>
+            <a:tailEnd type="triangle"/>
+          </a:ln>
+        </p:spPr>
+        <p:style>
+          <a:lnRef idx="2">
+            <a:schemeClr val="accent1"/>
+          </a:lnRef>
+          <a:fillRef idx="0">
+            <a:schemeClr val="accent1"/>
+          </a:fillRef>
+          <a:effectRef idx="1">
+            <a:schemeClr val="accent1"/>
+          </a:effectRef>
+          <a:fontRef idx="minor">
+            <a:schemeClr val="tx1"/>
+          </a:fontRef>
+        </p:style>
+      </p:cxnSp>
+      <p:cxnSp>
+        <p:nvCxnSpPr>
+          <p:cNvPr id="60" name="直接箭头连接符 59">
+            <a:extLst>
+              <a:ext uri="{FF2B5EF4-FFF2-40B4-BE49-F238E27FC236}">
+                <a16:creationId xmlns:a16="http://schemas.microsoft.com/office/drawing/2014/main" id="{90A0ACC2-C06C-AB81-3FED-332A8E589A5F}"/>
+              </a:ext>
+            </a:extLst>
+          </p:cNvPr>
+          <p:cNvCxnSpPr>
+            <a:stCxn id="53" idx="3"/>
+          </p:cNvCxnSpPr>
+          <p:nvPr/>
+        </p:nvCxnSpPr>
+        <p:spPr>
+          <a:xfrm>
+            <a:off x="2383642" y="5789451"/>
+            <a:ext cx="888516" cy="562144"/>
+          </a:xfrm>
+          <a:prstGeom prst="straightConnector1">
+            <a:avLst/>
+          </a:prstGeom>
+          <a:ln>
+            <a:tailEnd type="triangle"/>
+          </a:ln>
+        </p:spPr>
+        <p:style>
+          <a:lnRef idx="2">
+            <a:schemeClr val="accent1"/>
+          </a:lnRef>
+          <a:fillRef idx="0">
+            <a:schemeClr val="accent1"/>
+          </a:fillRef>
+          <a:effectRef idx="1">
+            <a:schemeClr val="accent1"/>
+          </a:effectRef>
+          <a:fontRef idx="minor">
+            <a:schemeClr val="tx1"/>
+          </a:fontRef>
+        </p:style>
+      </p:cxnSp>
+      <p:sp>
+        <p:nvSpPr>
+          <p:cNvPr id="61" name="矩形: 圆角 60">
+            <a:extLst>
+              <a:ext uri="{FF2B5EF4-FFF2-40B4-BE49-F238E27FC236}">
+                <a16:creationId xmlns:a16="http://schemas.microsoft.com/office/drawing/2014/main" id="{57AE0250-E8C1-E830-0449-23F23DD666AF}"/>
+              </a:ext>
+            </a:extLst>
+          </p:cNvPr>
+          <p:cNvSpPr/>
+          <p:nvPr/>
+        </p:nvSpPr>
+        <p:spPr>
+          <a:xfrm>
+            <a:off x="3434466" y="4798276"/>
+            <a:ext cx="1607375" cy="506185"/>
+          </a:xfrm>
+          <a:prstGeom prst="roundRect">
+            <a:avLst/>
+          </a:prstGeom>
+          <a:noFill/>
+        </p:spPr>
+        <p:style>
+          <a:lnRef idx="2">
+            <a:schemeClr val="accent1">
+              <a:shade val="15000"/>
+            </a:schemeClr>
+          </a:lnRef>
+          <a:fillRef idx="1">
+            <a:schemeClr val="accent1"/>
+          </a:fillRef>
+          <a:effectRef idx="0">
+            <a:schemeClr val="accent1"/>
+          </a:effectRef>
+          <a:fontRef idx="minor">
+            <a:schemeClr val="lt1"/>
+          </a:fontRef>
+        </p:style>
+        <p:txBody>
+          <a:bodyPr rtlCol="0" anchor="ctr"/>
+          <a:lstStyle/>
+          <a:p>
+            <a:pPr algn="ctr"/>
+            <a:endParaRPr lang="zh-CN" altLang="en-US" dirty="0"/>
+          </a:p>
+        </p:txBody>
+      </p:sp>
+      <p:sp>
+        <p:nvSpPr>
+          <p:cNvPr id="62" name="矩形: 圆角 61">
+            <a:extLst>
+              <a:ext uri="{FF2B5EF4-FFF2-40B4-BE49-F238E27FC236}">
+                <a16:creationId xmlns:a16="http://schemas.microsoft.com/office/drawing/2014/main" id="{1493009D-3142-096F-00F1-1BDFF179469E}"/>
+              </a:ext>
+            </a:extLst>
+          </p:cNvPr>
+          <p:cNvSpPr/>
+          <p:nvPr/>
+        </p:nvSpPr>
+        <p:spPr>
+          <a:xfrm>
+            <a:off x="3422166" y="5536357"/>
+            <a:ext cx="1607375" cy="506185"/>
+          </a:xfrm>
+          <a:prstGeom prst="roundRect">
+            <a:avLst/>
+          </a:prstGeom>
+          <a:noFill/>
+        </p:spPr>
+        <p:style>
+          <a:lnRef idx="2">
+            <a:schemeClr val="accent1">
+              <a:shade val="15000"/>
+            </a:schemeClr>
+          </a:lnRef>
+          <a:fillRef idx="1">
+            <a:schemeClr val="accent1"/>
+          </a:fillRef>
+          <a:effectRef idx="0">
+            <a:schemeClr val="accent1"/>
+          </a:effectRef>
+          <a:fontRef idx="minor">
+            <a:schemeClr val="lt1"/>
+          </a:fontRef>
+        </p:style>
+        <p:txBody>
+          <a:bodyPr rtlCol="0" anchor="ctr"/>
+          <a:lstStyle/>
+          <a:p>
+            <a:pPr algn="ctr"/>
+            <a:endParaRPr lang="zh-CN" altLang="en-US" dirty="0"/>
+          </a:p>
+        </p:txBody>
+      </p:sp>
+      <p:sp>
+        <p:nvSpPr>
+          <p:cNvPr id="63" name="矩形: 圆角 62">
+            <a:extLst>
+              <a:ext uri="{FF2B5EF4-FFF2-40B4-BE49-F238E27FC236}">
+                <a16:creationId xmlns:a16="http://schemas.microsoft.com/office/drawing/2014/main" id="{B3717332-AFFB-FB25-CAAA-C6E46D74FC67}"/>
+              </a:ext>
+            </a:extLst>
+          </p:cNvPr>
+          <p:cNvSpPr/>
+          <p:nvPr/>
+        </p:nvSpPr>
+        <p:spPr>
+          <a:xfrm>
+            <a:off x="3411573" y="6181426"/>
+            <a:ext cx="1607375" cy="506185"/>
+          </a:xfrm>
+          <a:prstGeom prst="roundRect">
+            <a:avLst/>
+          </a:prstGeom>
+          <a:noFill/>
+        </p:spPr>
+        <p:style>
+          <a:lnRef idx="2">
+            <a:schemeClr val="accent1">
+              <a:shade val="15000"/>
+            </a:schemeClr>
+          </a:lnRef>
+          <a:fillRef idx="1">
+            <a:schemeClr val="accent1"/>
+          </a:fillRef>
+          <a:effectRef idx="0">
+            <a:schemeClr val="accent1"/>
+          </a:effectRef>
+          <a:fontRef idx="minor">
+            <a:schemeClr val="lt1"/>
+          </a:fontRef>
+        </p:style>
+        <p:txBody>
+          <a:bodyPr rtlCol="0" anchor="ctr"/>
+          <a:lstStyle/>
+          <a:p>
+            <a:pPr algn="ctr"/>
+            <a:endParaRPr lang="zh-CN" altLang="en-US" dirty="0"/>
+          </a:p>
+        </p:txBody>
+      </p:sp>
+      <p:sp>
+        <p:nvSpPr>
+          <p:cNvPr id="64" name="文本框 63">
+            <a:extLst>
+              <a:ext uri="{FF2B5EF4-FFF2-40B4-BE49-F238E27FC236}">
+                <a16:creationId xmlns:a16="http://schemas.microsoft.com/office/drawing/2014/main" id="{F8F41138-6926-FF0A-E869-69C00C764D20}"/>
+              </a:ext>
+            </a:extLst>
+          </p:cNvPr>
+          <p:cNvSpPr txBox="1"/>
+          <p:nvPr/>
+        </p:nvSpPr>
+        <p:spPr>
+          <a:xfrm>
+            <a:off x="5659472" y="3320204"/>
+            <a:ext cx="1027504" cy="338554"/>
+          </a:xfrm>
+          <a:prstGeom prst="rect">
+            <a:avLst/>
+          </a:prstGeom>
+          <a:noFill/>
+        </p:spPr>
+        <p:txBody>
+          <a:bodyPr wrap="square">
+            <a:spAutoFit/>
+          </a:bodyPr>
+          <a:lstStyle/>
+          <a:p>
+            <a:r>
+              <a:rPr lang="zh-CN" altLang="en-US" sz="1600" dirty="0">
+                <a:solidFill>
+                  <a:srgbClr val="475569"/>
+                </a:solidFill>
+                <a:latin typeface="宋体" panose="02010600030101010101" pitchFamily="2" charset="-122"/>
+                <a:ea typeface="宋体" panose="02010600030101010101" pitchFamily="2" charset="-122"/>
+              </a:rPr>
+              <a:t>非法</a:t>
+            </a:r>
+            <a:r>
+              <a:rPr lang="zh-CN" altLang="en-US" sz="1600" b="0" i="0" dirty="0">
+                <a:solidFill>
+                  <a:srgbClr val="475569"/>
+                </a:solidFill>
+                <a:effectLst/>
+                <a:latin typeface="宋体" panose="02010600030101010101" pitchFamily="2" charset="-122"/>
+                <a:ea typeface="宋体" panose="02010600030101010101" pitchFamily="2" charset="-122"/>
+              </a:rPr>
+              <a:t>用户</a:t>
+            </a:r>
+            <a:endParaRPr lang="zh-CN" altLang="en-US" sz="1600" dirty="0">
+              <a:latin typeface="宋体" panose="02010600030101010101" pitchFamily="2" charset="-122"/>
+              <a:ea typeface="宋体" panose="02010600030101010101" pitchFamily="2" charset="-122"/>
+            </a:endParaRPr>
+          </a:p>
+        </p:txBody>
+      </p:sp>
+      <p:sp>
+        <p:nvSpPr>
+          <p:cNvPr id="65" name="文本框 64">
+            <a:extLst>
+              <a:ext uri="{FF2B5EF4-FFF2-40B4-BE49-F238E27FC236}">
+                <a16:creationId xmlns:a16="http://schemas.microsoft.com/office/drawing/2014/main" id="{B60A09D7-AA00-04BF-1E5D-9E86ED96BE65}"/>
+              </a:ext>
+            </a:extLst>
+          </p:cNvPr>
+          <p:cNvSpPr txBox="1"/>
+          <p:nvPr/>
+        </p:nvSpPr>
+        <p:spPr>
+          <a:xfrm>
+            <a:off x="3712101" y="5649259"/>
+            <a:ext cx="1027504" cy="338554"/>
+          </a:xfrm>
+          <a:prstGeom prst="rect">
+            <a:avLst/>
+          </a:prstGeom>
+          <a:noFill/>
+        </p:spPr>
+        <p:txBody>
+          <a:bodyPr wrap="square">
+            <a:spAutoFit/>
+          </a:bodyPr>
+          <a:lstStyle/>
+          <a:p>
+            <a:r>
+              <a:rPr lang="zh-CN" altLang="en-US" sz="1600" dirty="0">
+                <a:solidFill>
+                  <a:srgbClr val="475569"/>
+                </a:solidFill>
+                <a:latin typeface="宋体" panose="02010600030101010101" pitchFamily="2" charset="-122"/>
+                <a:ea typeface="宋体" panose="02010600030101010101" pitchFamily="2" charset="-122"/>
+              </a:rPr>
+              <a:t>数据伪装</a:t>
+            </a:r>
+            <a:endParaRPr lang="zh-CN" altLang="en-US" sz="1600" dirty="0">
+              <a:latin typeface="宋体" panose="02010600030101010101" pitchFamily="2" charset="-122"/>
+              <a:ea typeface="宋体" panose="02010600030101010101" pitchFamily="2" charset="-122"/>
+            </a:endParaRPr>
+          </a:p>
+        </p:txBody>
+      </p:sp>
+      <p:sp>
+        <p:nvSpPr>
+          <p:cNvPr id="2" name="文本框 1">
+            <a:extLst>
+              <a:ext uri="{FF2B5EF4-FFF2-40B4-BE49-F238E27FC236}">
+                <a16:creationId xmlns:a16="http://schemas.microsoft.com/office/drawing/2014/main" id="{59D842B6-99AA-3B62-A8C1-994CB188783E}"/>
+              </a:ext>
+            </a:extLst>
+          </p:cNvPr>
+          <p:cNvSpPr txBox="1"/>
+          <p:nvPr/>
+        </p:nvSpPr>
+        <p:spPr>
+          <a:xfrm>
+            <a:off x="3596092" y="6155444"/>
+            <a:ext cx="1143513" cy="584775"/>
+          </a:xfrm>
+          <a:prstGeom prst="rect">
+            <a:avLst/>
+          </a:prstGeom>
+          <a:noFill/>
+        </p:spPr>
+        <p:txBody>
+          <a:bodyPr wrap="square">
+            <a:spAutoFit/>
+          </a:bodyPr>
+          <a:lstStyle/>
+          <a:p>
+            <a:pPr algn="l" fontAlgn="base"/>
+            <a:r>
+              <a:rPr lang="en-US" altLang="zh-CN" sz="1600" i="0" dirty="0">
+                <a:solidFill>
+                  <a:srgbClr val="475569"/>
+                </a:solidFill>
+                <a:effectLst/>
+                <a:latin typeface="宋体" panose="02010600030101010101" pitchFamily="2" charset="-122"/>
+                <a:ea typeface="宋体" panose="02010600030101010101" pitchFamily="2" charset="-122"/>
+              </a:rPr>
+              <a:t>API</a:t>
+            </a:r>
+            <a:r>
+              <a:rPr lang="zh-CN" altLang="en-US" sz="1600" i="0" dirty="0">
+                <a:solidFill>
+                  <a:srgbClr val="475569"/>
+                </a:solidFill>
+                <a:effectLst/>
+                <a:latin typeface="宋体" panose="02010600030101010101" pitchFamily="2" charset="-122"/>
+                <a:ea typeface="宋体" panose="02010600030101010101" pitchFamily="2" charset="-122"/>
+              </a:rPr>
+              <a:t>抽取</a:t>
+            </a:r>
+            <a:endParaRPr lang="en-US" altLang="zh-CN" sz="1600" i="0" dirty="0">
+              <a:solidFill>
+                <a:srgbClr val="475569"/>
+              </a:solidFill>
+              <a:effectLst/>
+              <a:latin typeface="宋体" panose="02010600030101010101" pitchFamily="2" charset="-122"/>
+              <a:ea typeface="宋体" panose="02010600030101010101" pitchFamily="2" charset="-122"/>
+            </a:endParaRPr>
+          </a:p>
+          <a:p>
+            <a:pPr algn="l" fontAlgn="base"/>
+            <a:r>
+              <a:rPr lang="zh-CN" altLang="en-US" sz="1600" i="0" dirty="0">
+                <a:solidFill>
+                  <a:srgbClr val="475569"/>
+                </a:solidFill>
+                <a:effectLst/>
+                <a:latin typeface="宋体" panose="02010600030101010101" pitchFamily="2" charset="-122"/>
+                <a:ea typeface="宋体" panose="02010600030101010101" pitchFamily="2" charset="-122"/>
+              </a:rPr>
+              <a:t>模型反推</a:t>
+            </a:r>
+          </a:p>
+        </p:txBody>
+      </p:sp>
+    </p:spTree>
+    <p:extLst>
+      <p:ext uri="{BB962C8B-B14F-4D97-AF65-F5344CB8AC3E}">
+        <p14:creationId xmlns:p14="http://schemas.microsoft.com/office/powerpoint/2010/main" val="1279976240"/>
       </p:ext>
     </p:extLst>
   </p:cSld>

--- a/2025-08-14.pptx
+++ b/2025-08-14.pptx
@@ -268,7 +268,7 @@
           <a:p>
             <a:fld id="{C02EF1C3-B344-44E0-B86B-307C57D8E6F4}" type="datetimeFigureOut">
               <a:rPr lang="zh-CN" altLang="en-US" smtClean="0"/>
-              <a:t>2025/8/20</a:t>
+              <a:t>2025/9/1</a:t>
             </a:fld>
             <a:endParaRPr lang="zh-CN" altLang="en-US"/>
           </a:p>
@@ -466,7 +466,7 @@
           <a:p>
             <a:fld id="{C02EF1C3-B344-44E0-B86B-307C57D8E6F4}" type="datetimeFigureOut">
               <a:rPr lang="zh-CN" altLang="en-US" smtClean="0"/>
-              <a:t>2025/8/20</a:t>
+              <a:t>2025/9/1</a:t>
             </a:fld>
             <a:endParaRPr lang="zh-CN" altLang="en-US"/>
           </a:p>
@@ -674,7 +674,7 @@
           <a:p>
             <a:fld id="{C02EF1C3-B344-44E0-B86B-307C57D8E6F4}" type="datetimeFigureOut">
               <a:rPr lang="zh-CN" altLang="en-US" smtClean="0"/>
-              <a:t>2025/8/20</a:t>
+              <a:t>2025/9/1</a:t>
             </a:fld>
             <a:endParaRPr lang="zh-CN" altLang="en-US"/>
           </a:p>
@@ -872,7 +872,7 @@
           <a:p>
             <a:fld id="{C02EF1C3-B344-44E0-B86B-307C57D8E6F4}" type="datetimeFigureOut">
               <a:rPr lang="zh-CN" altLang="en-US" smtClean="0"/>
-              <a:t>2025/8/20</a:t>
+              <a:t>2025/9/1</a:t>
             </a:fld>
             <a:endParaRPr lang="zh-CN" altLang="en-US"/>
           </a:p>
@@ -1147,7 +1147,7 @@
           <a:p>
             <a:fld id="{C02EF1C3-B344-44E0-B86B-307C57D8E6F4}" type="datetimeFigureOut">
               <a:rPr lang="zh-CN" altLang="en-US" smtClean="0"/>
-              <a:t>2025/8/20</a:t>
+              <a:t>2025/9/1</a:t>
             </a:fld>
             <a:endParaRPr lang="zh-CN" altLang="en-US"/>
           </a:p>
@@ -1412,7 +1412,7 @@
           <a:p>
             <a:fld id="{C02EF1C3-B344-44E0-B86B-307C57D8E6F4}" type="datetimeFigureOut">
               <a:rPr lang="zh-CN" altLang="en-US" smtClean="0"/>
-              <a:t>2025/8/20</a:t>
+              <a:t>2025/9/1</a:t>
             </a:fld>
             <a:endParaRPr lang="zh-CN" altLang="en-US"/>
           </a:p>
@@ -1824,7 +1824,7 @@
           <a:p>
             <a:fld id="{C02EF1C3-B344-44E0-B86B-307C57D8E6F4}" type="datetimeFigureOut">
               <a:rPr lang="zh-CN" altLang="en-US" smtClean="0"/>
-              <a:t>2025/8/20</a:t>
+              <a:t>2025/9/1</a:t>
             </a:fld>
             <a:endParaRPr lang="zh-CN" altLang="en-US"/>
           </a:p>
@@ -1965,7 +1965,7 @@
           <a:p>
             <a:fld id="{C02EF1C3-B344-44E0-B86B-307C57D8E6F4}" type="datetimeFigureOut">
               <a:rPr lang="zh-CN" altLang="en-US" smtClean="0"/>
-              <a:t>2025/8/20</a:t>
+              <a:t>2025/9/1</a:t>
             </a:fld>
             <a:endParaRPr lang="zh-CN" altLang="en-US"/>
           </a:p>
@@ -2078,7 +2078,7 @@
           <a:p>
             <a:fld id="{C02EF1C3-B344-44E0-B86B-307C57D8E6F4}" type="datetimeFigureOut">
               <a:rPr lang="zh-CN" altLang="en-US" smtClean="0"/>
-              <a:t>2025/8/20</a:t>
+              <a:t>2025/9/1</a:t>
             </a:fld>
             <a:endParaRPr lang="zh-CN" altLang="en-US"/>
           </a:p>
@@ -2389,7 +2389,7 @@
           <a:p>
             <a:fld id="{C02EF1C3-B344-44E0-B86B-307C57D8E6F4}" type="datetimeFigureOut">
               <a:rPr lang="zh-CN" altLang="en-US" smtClean="0"/>
-              <a:t>2025/8/20</a:t>
+              <a:t>2025/9/1</a:t>
             </a:fld>
             <a:endParaRPr lang="zh-CN" altLang="en-US"/>
           </a:p>
@@ -2677,7 +2677,7 @@
           <a:p>
             <a:fld id="{C02EF1C3-B344-44E0-B86B-307C57D8E6F4}" type="datetimeFigureOut">
               <a:rPr lang="zh-CN" altLang="en-US" smtClean="0"/>
-              <a:t>2025/8/20</a:t>
+              <a:t>2025/9/1</a:t>
             </a:fld>
             <a:endParaRPr lang="zh-CN" altLang="en-US"/>
           </a:p>
@@ -2918,7 +2918,7 @@
           <a:p>
             <a:fld id="{C02EF1C3-B344-44E0-B86B-307C57D8E6F4}" type="datetimeFigureOut">
               <a:rPr lang="zh-CN" altLang="en-US" smtClean="0"/>
-              <a:t>2025/8/20</a:t>
+              <a:t>2025/9/1</a:t>
             </a:fld>
             <a:endParaRPr lang="zh-CN" altLang="en-US"/>
           </a:p>
@@ -3395,6 +3395,650 @@
           <a:chExt cx="0" cy="0"/>
         </a:xfrm>
       </p:grpSpPr>
+      <p:sp>
+        <p:nvSpPr>
+          <p:cNvPr id="2" name="文本框 1">
+            <a:extLst>
+              <a:ext uri="{FF2B5EF4-FFF2-40B4-BE49-F238E27FC236}">
+                <a16:creationId xmlns:a16="http://schemas.microsoft.com/office/drawing/2014/main" id="{3978E3E9-4465-E480-DBFF-5CA930873E6B}"/>
+              </a:ext>
+            </a:extLst>
+          </p:cNvPr>
+          <p:cNvSpPr txBox="1"/>
+          <p:nvPr/>
+        </p:nvSpPr>
+        <p:spPr>
+          <a:xfrm>
+            <a:off x="676575" y="1988717"/>
+            <a:ext cx="2031325" cy="369332"/>
+          </a:xfrm>
+          <a:prstGeom prst="rect">
+            <a:avLst/>
+          </a:prstGeom>
+          <a:noFill/>
+        </p:spPr>
+        <p:txBody>
+          <a:bodyPr wrap="none" rtlCol="0">
+            <a:spAutoFit/>
+          </a:bodyPr>
+          <a:lstStyle/>
+          <a:p>
+            <a:r>
+              <a:rPr lang="zh-CN" altLang="en-US" dirty="0"/>
+              <a:t>大规模稀疏文本图</a:t>
+            </a:r>
+          </a:p>
+        </p:txBody>
+      </p:sp>
+      <p:sp>
+        <p:nvSpPr>
+          <p:cNvPr id="3" name="矩形: 圆角 2">
+            <a:extLst>
+              <a:ext uri="{FF2B5EF4-FFF2-40B4-BE49-F238E27FC236}">
+                <a16:creationId xmlns:a16="http://schemas.microsoft.com/office/drawing/2014/main" id="{A0327507-34E6-C7D8-B589-FCCA1B7E9BEB}"/>
+              </a:ext>
+            </a:extLst>
+          </p:cNvPr>
+          <p:cNvSpPr/>
+          <p:nvPr/>
+        </p:nvSpPr>
+        <p:spPr>
+          <a:xfrm>
+            <a:off x="422092" y="1865631"/>
+            <a:ext cx="2403118" cy="672546"/>
+          </a:xfrm>
+          <a:prstGeom prst="roundRect">
+            <a:avLst/>
+          </a:prstGeom>
+          <a:noFill/>
+        </p:spPr>
+        <p:style>
+          <a:lnRef idx="2">
+            <a:schemeClr val="accent1">
+              <a:shade val="15000"/>
+            </a:schemeClr>
+          </a:lnRef>
+          <a:fillRef idx="1">
+            <a:schemeClr val="accent1"/>
+          </a:fillRef>
+          <a:effectRef idx="0">
+            <a:schemeClr val="accent1"/>
+          </a:effectRef>
+          <a:fontRef idx="minor">
+            <a:schemeClr val="lt1"/>
+          </a:fontRef>
+        </p:style>
+        <p:txBody>
+          <a:bodyPr rtlCol="0" anchor="ctr"/>
+          <a:lstStyle/>
+          <a:p>
+            <a:pPr algn="ctr"/>
+            <a:endParaRPr lang="zh-CN" altLang="en-US" dirty="0"/>
+          </a:p>
+        </p:txBody>
+      </p:sp>
+      <p:cxnSp>
+        <p:nvCxnSpPr>
+          <p:cNvPr id="5" name="直接箭头连接符 4">
+            <a:extLst>
+              <a:ext uri="{FF2B5EF4-FFF2-40B4-BE49-F238E27FC236}">
+                <a16:creationId xmlns:a16="http://schemas.microsoft.com/office/drawing/2014/main" id="{3BFF6BC5-7FA1-4F46-A795-C18ACDB9665E}"/>
+              </a:ext>
+            </a:extLst>
+          </p:cNvPr>
+          <p:cNvCxnSpPr>
+            <a:cxnSpLocks/>
+            <a:stCxn id="3" idx="3"/>
+          </p:cNvCxnSpPr>
+          <p:nvPr/>
+        </p:nvCxnSpPr>
+        <p:spPr>
+          <a:xfrm>
+            <a:off x="2825210" y="2201904"/>
+            <a:ext cx="980006" cy="0"/>
+          </a:xfrm>
+          <a:prstGeom prst="straightConnector1">
+            <a:avLst/>
+          </a:prstGeom>
+          <a:ln>
+            <a:tailEnd type="triangle"/>
+          </a:ln>
+        </p:spPr>
+        <p:style>
+          <a:lnRef idx="2">
+            <a:schemeClr val="accent1"/>
+          </a:lnRef>
+          <a:fillRef idx="0">
+            <a:schemeClr val="accent1"/>
+          </a:fillRef>
+          <a:effectRef idx="1">
+            <a:schemeClr val="accent1"/>
+          </a:effectRef>
+          <a:fontRef idx="minor">
+            <a:schemeClr val="tx1"/>
+          </a:fontRef>
+        </p:style>
+      </p:cxnSp>
+      <p:sp>
+        <p:nvSpPr>
+          <p:cNvPr id="6" name="矩形: 圆角 5">
+            <a:extLst>
+              <a:ext uri="{FF2B5EF4-FFF2-40B4-BE49-F238E27FC236}">
+                <a16:creationId xmlns:a16="http://schemas.microsoft.com/office/drawing/2014/main" id="{CC4D21E5-F659-DBAD-1323-1696AD07A557}"/>
+              </a:ext>
+            </a:extLst>
+          </p:cNvPr>
+          <p:cNvSpPr/>
+          <p:nvPr/>
+        </p:nvSpPr>
+        <p:spPr>
+          <a:xfrm>
+            <a:off x="3805216" y="1817469"/>
+            <a:ext cx="3124542" cy="768869"/>
+          </a:xfrm>
+          <a:prstGeom prst="roundRect">
+            <a:avLst/>
+          </a:prstGeom>
+          <a:noFill/>
+        </p:spPr>
+        <p:style>
+          <a:lnRef idx="2">
+            <a:schemeClr val="accent1">
+              <a:shade val="15000"/>
+            </a:schemeClr>
+          </a:lnRef>
+          <a:fillRef idx="1">
+            <a:schemeClr val="accent1"/>
+          </a:fillRef>
+          <a:effectRef idx="0">
+            <a:schemeClr val="accent1"/>
+          </a:effectRef>
+          <a:fontRef idx="minor">
+            <a:schemeClr val="lt1"/>
+          </a:fontRef>
+        </p:style>
+        <p:txBody>
+          <a:bodyPr rtlCol="0" anchor="ctr"/>
+          <a:lstStyle/>
+          <a:p>
+            <a:pPr algn="ctr"/>
+            <a:endParaRPr lang="zh-CN" altLang="en-US" dirty="0"/>
+          </a:p>
+        </p:txBody>
+      </p:sp>
+      <p:sp>
+        <p:nvSpPr>
+          <p:cNvPr id="7" name="文本框 6">
+            <a:extLst>
+              <a:ext uri="{FF2B5EF4-FFF2-40B4-BE49-F238E27FC236}">
+                <a16:creationId xmlns:a16="http://schemas.microsoft.com/office/drawing/2014/main" id="{73F3E33C-0BB9-0CCE-3036-873DDAA574EA}"/>
+              </a:ext>
+            </a:extLst>
+          </p:cNvPr>
+          <p:cNvSpPr txBox="1"/>
+          <p:nvPr/>
+        </p:nvSpPr>
+        <p:spPr>
+          <a:xfrm>
+            <a:off x="4005576" y="1919980"/>
+            <a:ext cx="2723823" cy="646331"/>
+          </a:xfrm>
+          <a:prstGeom prst="rect">
+            <a:avLst/>
+          </a:prstGeom>
+          <a:noFill/>
+        </p:spPr>
+        <p:txBody>
+          <a:bodyPr wrap="none" rtlCol="0">
+            <a:spAutoFit/>
+          </a:bodyPr>
+          <a:lstStyle/>
+          <a:p>
+            <a:pPr algn="ctr"/>
+            <a:r>
+              <a:rPr lang="zh-CN" altLang="en-US" dirty="0"/>
+              <a:t>依靠节点特征和结构特征</a:t>
+            </a:r>
+            <a:endParaRPr lang="en-US" altLang="zh-CN" dirty="0"/>
+          </a:p>
+          <a:p>
+            <a:pPr algn="ctr"/>
+            <a:r>
+              <a:rPr lang="zh-CN" altLang="en-US" dirty="0"/>
+              <a:t>提取嵌入向量</a:t>
+            </a:r>
+          </a:p>
+        </p:txBody>
+      </p:sp>
+      <p:sp>
+        <p:nvSpPr>
+          <p:cNvPr id="9" name="文本框 8">
+            <a:extLst>
+              <a:ext uri="{FF2B5EF4-FFF2-40B4-BE49-F238E27FC236}">
+                <a16:creationId xmlns:a16="http://schemas.microsoft.com/office/drawing/2014/main" id="{2F7380DB-67FE-7A1E-54A0-FA71BE42980A}"/>
+              </a:ext>
+            </a:extLst>
+          </p:cNvPr>
+          <p:cNvSpPr txBox="1"/>
+          <p:nvPr/>
+        </p:nvSpPr>
+        <p:spPr>
+          <a:xfrm>
+            <a:off x="2761215" y="1832572"/>
+            <a:ext cx="1107996" cy="369332"/>
+          </a:xfrm>
+          <a:prstGeom prst="rect">
+            <a:avLst/>
+          </a:prstGeom>
+          <a:noFill/>
+        </p:spPr>
+        <p:txBody>
+          <a:bodyPr wrap="none" rtlCol="0">
+            <a:spAutoFit/>
+          </a:bodyPr>
+          <a:lstStyle/>
+          <a:p>
+            <a:r>
+              <a:rPr lang="zh-CN" altLang="en-US" dirty="0"/>
+              <a:t>现有方法</a:t>
+            </a:r>
+          </a:p>
+        </p:txBody>
+      </p:sp>
+      <p:cxnSp>
+        <p:nvCxnSpPr>
+          <p:cNvPr id="12" name="直接箭头连接符 11">
+            <a:extLst>
+              <a:ext uri="{FF2B5EF4-FFF2-40B4-BE49-F238E27FC236}">
+                <a16:creationId xmlns:a16="http://schemas.microsoft.com/office/drawing/2014/main" id="{83905914-8FC5-74A0-1324-6DE138975195}"/>
+              </a:ext>
+            </a:extLst>
+          </p:cNvPr>
+          <p:cNvCxnSpPr>
+            <a:stCxn id="6" idx="3"/>
+          </p:cNvCxnSpPr>
+          <p:nvPr/>
+        </p:nvCxnSpPr>
+        <p:spPr>
+          <a:xfrm>
+            <a:off x="6929758" y="2201904"/>
+            <a:ext cx="668373" cy="0"/>
+          </a:xfrm>
+          <a:prstGeom prst="straightConnector1">
+            <a:avLst/>
+          </a:prstGeom>
+          <a:ln>
+            <a:tailEnd type="triangle"/>
+          </a:ln>
+        </p:spPr>
+        <p:style>
+          <a:lnRef idx="2">
+            <a:schemeClr val="accent1"/>
+          </a:lnRef>
+          <a:fillRef idx="0">
+            <a:schemeClr val="accent1"/>
+          </a:fillRef>
+          <a:effectRef idx="1">
+            <a:schemeClr val="accent1"/>
+          </a:effectRef>
+          <a:fontRef idx="minor">
+            <a:schemeClr val="tx1"/>
+          </a:fontRef>
+        </p:style>
+      </p:cxnSp>
+      <p:sp>
+        <p:nvSpPr>
+          <p:cNvPr id="13" name="文本框 12">
+            <a:extLst>
+              <a:ext uri="{FF2B5EF4-FFF2-40B4-BE49-F238E27FC236}">
+                <a16:creationId xmlns:a16="http://schemas.microsoft.com/office/drawing/2014/main" id="{F16A3FCD-8376-752B-C6B4-7D5D0BF84B15}"/>
+              </a:ext>
+            </a:extLst>
+          </p:cNvPr>
+          <p:cNvSpPr txBox="1"/>
+          <p:nvPr/>
+        </p:nvSpPr>
+        <p:spPr>
+          <a:xfrm>
+            <a:off x="7598131" y="2017238"/>
+            <a:ext cx="1138453" cy="369332"/>
+          </a:xfrm>
+          <a:prstGeom prst="rect">
+            <a:avLst/>
+          </a:prstGeom>
+          <a:noFill/>
+        </p:spPr>
+        <p:txBody>
+          <a:bodyPr wrap="none" rtlCol="0">
+            <a:spAutoFit/>
+          </a:bodyPr>
+          <a:lstStyle/>
+          <a:p>
+            <a:r>
+              <a:rPr lang="zh-CN" altLang="en-US" dirty="0"/>
+              <a:t>代理</a:t>
+            </a:r>
+            <a:r>
+              <a:rPr lang="en-US" altLang="zh-CN" dirty="0"/>
+              <a:t>GNN</a:t>
+            </a:r>
+            <a:endParaRPr lang="zh-CN" altLang="en-US" dirty="0"/>
+          </a:p>
+        </p:txBody>
+      </p:sp>
+      <p:sp>
+        <p:nvSpPr>
+          <p:cNvPr id="14" name="矩形: 圆角 13">
+            <a:extLst>
+              <a:ext uri="{FF2B5EF4-FFF2-40B4-BE49-F238E27FC236}">
+                <a16:creationId xmlns:a16="http://schemas.microsoft.com/office/drawing/2014/main" id="{7401BE79-A445-284D-D4CB-0E7ADB6F34ED}"/>
+              </a:ext>
+            </a:extLst>
+          </p:cNvPr>
+          <p:cNvSpPr/>
+          <p:nvPr/>
+        </p:nvSpPr>
+        <p:spPr>
+          <a:xfrm>
+            <a:off x="7598131" y="1919980"/>
+            <a:ext cx="1138453" cy="573452"/>
+          </a:xfrm>
+          <a:prstGeom prst="roundRect">
+            <a:avLst/>
+          </a:prstGeom>
+          <a:noFill/>
+        </p:spPr>
+        <p:style>
+          <a:lnRef idx="2">
+            <a:schemeClr val="accent1">
+              <a:shade val="15000"/>
+            </a:schemeClr>
+          </a:lnRef>
+          <a:fillRef idx="1">
+            <a:schemeClr val="accent1"/>
+          </a:fillRef>
+          <a:effectRef idx="0">
+            <a:schemeClr val="accent1"/>
+          </a:effectRef>
+          <a:fontRef idx="minor">
+            <a:schemeClr val="lt1"/>
+          </a:fontRef>
+        </p:style>
+        <p:txBody>
+          <a:bodyPr rtlCol="0" anchor="ctr"/>
+          <a:lstStyle/>
+          <a:p>
+            <a:pPr algn="ctr"/>
+            <a:endParaRPr lang="zh-CN" altLang="en-US" dirty="0"/>
+          </a:p>
+        </p:txBody>
+      </p:sp>
+      <p:cxnSp>
+        <p:nvCxnSpPr>
+          <p:cNvPr id="16" name="直接箭头连接符 15">
+            <a:extLst>
+              <a:ext uri="{FF2B5EF4-FFF2-40B4-BE49-F238E27FC236}">
+                <a16:creationId xmlns:a16="http://schemas.microsoft.com/office/drawing/2014/main" id="{EEB422B9-B4A9-0C65-F820-4420A14ED9DB}"/>
+              </a:ext>
+            </a:extLst>
+          </p:cNvPr>
+          <p:cNvCxnSpPr>
+            <a:cxnSpLocks/>
+            <a:stCxn id="14" idx="3"/>
+          </p:cNvCxnSpPr>
+          <p:nvPr/>
+        </p:nvCxnSpPr>
+        <p:spPr>
+          <a:xfrm>
+            <a:off x="8736584" y="2206706"/>
+            <a:ext cx="456622" cy="0"/>
+          </a:xfrm>
+          <a:prstGeom prst="straightConnector1">
+            <a:avLst/>
+          </a:prstGeom>
+          <a:ln>
+            <a:tailEnd type="triangle"/>
+          </a:ln>
+        </p:spPr>
+        <p:style>
+          <a:lnRef idx="2">
+            <a:schemeClr val="accent1"/>
+          </a:lnRef>
+          <a:fillRef idx="0">
+            <a:schemeClr val="accent1"/>
+          </a:fillRef>
+          <a:effectRef idx="1">
+            <a:schemeClr val="accent1"/>
+          </a:effectRef>
+          <a:fontRef idx="minor">
+            <a:schemeClr val="tx1"/>
+          </a:fontRef>
+        </p:style>
+      </p:cxnSp>
+      <p:sp>
+        <p:nvSpPr>
+          <p:cNvPr id="19" name="矩形: 圆角 18">
+            <a:extLst>
+              <a:ext uri="{FF2B5EF4-FFF2-40B4-BE49-F238E27FC236}">
+                <a16:creationId xmlns:a16="http://schemas.microsoft.com/office/drawing/2014/main" id="{B962012B-3B69-8A90-D50A-882E1935099A}"/>
+              </a:ext>
+            </a:extLst>
+          </p:cNvPr>
+          <p:cNvSpPr/>
+          <p:nvPr/>
+        </p:nvSpPr>
+        <p:spPr>
+          <a:xfrm>
+            <a:off x="9193206" y="1886658"/>
+            <a:ext cx="1487900" cy="573450"/>
+          </a:xfrm>
+          <a:prstGeom prst="roundRect">
+            <a:avLst/>
+          </a:prstGeom>
+          <a:noFill/>
+        </p:spPr>
+        <p:style>
+          <a:lnRef idx="2">
+            <a:schemeClr val="accent1">
+              <a:shade val="15000"/>
+            </a:schemeClr>
+          </a:lnRef>
+          <a:fillRef idx="1">
+            <a:schemeClr val="accent1"/>
+          </a:fillRef>
+          <a:effectRef idx="0">
+            <a:schemeClr val="accent1"/>
+          </a:effectRef>
+          <a:fontRef idx="minor">
+            <a:schemeClr val="lt1"/>
+          </a:fontRef>
+        </p:style>
+        <p:txBody>
+          <a:bodyPr rtlCol="0" anchor="ctr"/>
+          <a:lstStyle/>
+          <a:p>
+            <a:pPr algn="ctr"/>
+            <a:endParaRPr lang="zh-CN" altLang="en-US" dirty="0"/>
+          </a:p>
+        </p:txBody>
+      </p:sp>
+      <p:sp>
+        <p:nvSpPr>
+          <p:cNvPr id="20" name="文本框 19">
+            <a:extLst>
+              <a:ext uri="{FF2B5EF4-FFF2-40B4-BE49-F238E27FC236}">
+                <a16:creationId xmlns:a16="http://schemas.microsoft.com/office/drawing/2014/main" id="{2E573CDE-8153-ED84-DD97-4F25880C1D7D}"/>
+              </a:ext>
+            </a:extLst>
+          </p:cNvPr>
+          <p:cNvSpPr txBox="1"/>
+          <p:nvPr/>
+        </p:nvSpPr>
+        <p:spPr>
+          <a:xfrm>
+            <a:off x="9404957" y="1865631"/>
+            <a:ext cx="1107996" cy="646331"/>
+          </a:xfrm>
+          <a:prstGeom prst="rect">
+            <a:avLst/>
+          </a:prstGeom>
+          <a:noFill/>
+        </p:spPr>
+        <p:txBody>
+          <a:bodyPr wrap="none" rtlCol="0">
+            <a:spAutoFit/>
+          </a:bodyPr>
+          <a:lstStyle/>
+          <a:p>
+            <a:r>
+              <a:rPr lang="zh-CN" altLang="en-US" dirty="0"/>
+              <a:t>提取水印</a:t>
+            </a:r>
+            <a:endParaRPr lang="en-US" altLang="zh-CN" dirty="0"/>
+          </a:p>
+          <a:p>
+            <a:r>
+              <a:rPr lang="zh-CN" altLang="en-US" dirty="0"/>
+              <a:t>或者指纹</a:t>
+            </a:r>
+          </a:p>
+        </p:txBody>
+      </p:sp>
+      <p:sp>
+        <p:nvSpPr>
+          <p:cNvPr id="22" name="文本框 21">
+            <a:extLst>
+              <a:ext uri="{FF2B5EF4-FFF2-40B4-BE49-F238E27FC236}">
+                <a16:creationId xmlns:a16="http://schemas.microsoft.com/office/drawing/2014/main" id="{5051B966-3397-A752-1B44-581BB1A75896}"/>
+              </a:ext>
+            </a:extLst>
+          </p:cNvPr>
+          <p:cNvSpPr txBox="1"/>
+          <p:nvPr/>
+        </p:nvSpPr>
+        <p:spPr>
+          <a:xfrm>
+            <a:off x="3869211" y="1409686"/>
+            <a:ext cx="3185487" cy="369332"/>
+          </a:xfrm>
+          <a:prstGeom prst="rect">
+            <a:avLst/>
+          </a:prstGeom>
+          <a:noFill/>
+        </p:spPr>
+        <p:txBody>
+          <a:bodyPr wrap="none" rtlCol="0">
+            <a:spAutoFit/>
+          </a:bodyPr>
+          <a:lstStyle/>
+          <a:p>
+            <a:r>
+              <a:rPr lang="zh-CN" altLang="en-US" dirty="0">
+                <a:solidFill>
+                  <a:srgbClr val="FF0000"/>
+                </a:solidFill>
+              </a:rPr>
+              <a:t>结构稀疏，不能有效提取特征</a:t>
+            </a:r>
+          </a:p>
+        </p:txBody>
+      </p:sp>
+      <p:sp>
+        <p:nvSpPr>
+          <p:cNvPr id="23" name="文本框 22">
+            <a:extLst>
+              <a:ext uri="{FF2B5EF4-FFF2-40B4-BE49-F238E27FC236}">
+                <a16:creationId xmlns:a16="http://schemas.microsoft.com/office/drawing/2014/main" id="{B2C63139-95DC-A346-0E62-C2417D528BE3}"/>
+              </a:ext>
+            </a:extLst>
+          </p:cNvPr>
+          <p:cNvSpPr txBox="1"/>
+          <p:nvPr/>
+        </p:nvSpPr>
+        <p:spPr>
+          <a:xfrm>
+            <a:off x="7682470" y="1306974"/>
+            <a:ext cx="1107996" cy="646331"/>
+          </a:xfrm>
+          <a:prstGeom prst="rect">
+            <a:avLst/>
+          </a:prstGeom>
+          <a:noFill/>
+        </p:spPr>
+        <p:txBody>
+          <a:bodyPr wrap="none" rtlCol="0">
+            <a:spAutoFit/>
+          </a:bodyPr>
+          <a:lstStyle/>
+          <a:p>
+            <a:pPr algn="ctr"/>
+            <a:r>
+              <a:rPr lang="zh-CN" altLang="en-US" dirty="0">
+                <a:solidFill>
+                  <a:srgbClr val="FF0000"/>
+                </a:solidFill>
+              </a:rPr>
+              <a:t>代理模型</a:t>
+            </a:r>
+            <a:endParaRPr lang="en-US" altLang="zh-CN" dirty="0">
+              <a:solidFill>
+                <a:srgbClr val="FF0000"/>
+              </a:solidFill>
+            </a:endParaRPr>
+          </a:p>
+          <a:p>
+            <a:pPr algn="ctr"/>
+            <a:r>
+              <a:rPr lang="zh-CN" altLang="en-US" dirty="0">
+                <a:solidFill>
+                  <a:srgbClr val="FF0000"/>
+                </a:solidFill>
+              </a:rPr>
+              <a:t>性能差</a:t>
+            </a:r>
+          </a:p>
+        </p:txBody>
+      </p:sp>
+      <p:sp>
+        <p:nvSpPr>
+          <p:cNvPr id="24" name="文本框 23">
+            <a:extLst>
+              <a:ext uri="{FF2B5EF4-FFF2-40B4-BE49-F238E27FC236}">
+                <a16:creationId xmlns:a16="http://schemas.microsoft.com/office/drawing/2014/main" id="{D138651C-84CC-31A8-9CD9-A49690AC6866}"/>
+              </a:ext>
+            </a:extLst>
+          </p:cNvPr>
+          <p:cNvSpPr txBox="1"/>
+          <p:nvPr/>
+        </p:nvSpPr>
+        <p:spPr>
+          <a:xfrm>
+            <a:off x="9543178" y="1544961"/>
+            <a:ext cx="877163" cy="369332"/>
+          </a:xfrm>
+          <a:prstGeom prst="rect">
+            <a:avLst/>
+          </a:prstGeom>
+          <a:noFill/>
+        </p:spPr>
+        <p:txBody>
+          <a:bodyPr wrap="none" rtlCol="0">
+            <a:spAutoFit/>
+          </a:bodyPr>
+          <a:lstStyle/>
+          <a:p>
+            <a:pPr algn="ctr"/>
+            <a:r>
+              <a:rPr lang="zh-CN" altLang="en-US" dirty="0">
+                <a:solidFill>
+                  <a:srgbClr val="FF0000"/>
+                </a:solidFill>
+              </a:rPr>
+              <a:t>效果差</a:t>
+            </a:r>
+          </a:p>
+        </p:txBody>
+      </p:sp>
     </p:spTree>
     <p:extLst>
       <p:ext uri="{BB962C8B-B14F-4D97-AF65-F5344CB8AC3E}">

--- a/2025-08-14.pptx
+++ b/2025-08-14.pptx
@@ -4039,6 +4039,452 @@
           </a:p>
         </p:txBody>
       </p:sp>
+      <p:sp>
+        <p:nvSpPr>
+          <p:cNvPr id="4" name="文本框 3">
+            <a:extLst>
+              <a:ext uri="{FF2B5EF4-FFF2-40B4-BE49-F238E27FC236}">
+                <a16:creationId xmlns:a16="http://schemas.microsoft.com/office/drawing/2014/main" id="{35F55842-A6C2-28A8-DA0A-8259B04535E0}"/>
+              </a:ext>
+            </a:extLst>
+          </p:cNvPr>
+          <p:cNvSpPr txBox="1"/>
+          <p:nvPr/>
+        </p:nvSpPr>
+        <p:spPr>
+          <a:xfrm>
+            <a:off x="5299036" y="5298038"/>
+            <a:ext cx="1107996" cy="369332"/>
+          </a:xfrm>
+          <a:prstGeom prst="rect">
+            <a:avLst/>
+          </a:prstGeom>
+          <a:noFill/>
+        </p:spPr>
+        <p:txBody>
+          <a:bodyPr wrap="none" rtlCol="0">
+            <a:spAutoFit/>
+          </a:bodyPr>
+          <a:lstStyle/>
+          <a:p>
+            <a:r>
+              <a:rPr lang="zh-CN" altLang="en-US" dirty="0"/>
+              <a:t>结构提示</a:t>
+            </a:r>
+          </a:p>
+        </p:txBody>
+      </p:sp>
+      <p:sp>
+        <p:nvSpPr>
+          <p:cNvPr id="8" name="文本框 7">
+            <a:extLst>
+              <a:ext uri="{FF2B5EF4-FFF2-40B4-BE49-F238E27FC236}">
+                <a16:creationId xmlns:a16="http://schemas.microsoft.com/office/drawing/2014/main" id="{A44452D3-44B5-A606-1F62-F8E9344A9809}"/>
+              </a:ext>
+            </a:extLst>
+          </p:cNvPr>
+          <p:cNvSpPr txBox="1"/>
+          <p:nvPr/>
+        </p:nvSpPr>
+        <p:spPr>
+          <a:xfrm>
+            <a:off x="3681584" y="5263648"/>
+            <a:ext cx="1107996" cy="369332"/>
+          </a:xfrm>
+          <a:prstGeom prst="rect">
+            <a:avLst/>
+          </a:prstGeom>
+          <a:noFill/>
+        </p:spPr>
+        <p:txBody>
+          <a:bodyPr wrap="none" rtlCol="0">
+            <a:spAutoFit/>
+          </a:bodyPr>
+          <a:lstStyle/>
+          <a:p>
+            <a:r>
+              <a:rPr lang="zh-CN" altLang="en-US" dirty="0"/>
+              <a:t>语义提示</a:t>
+            </a:r>
+          </a:p>
+        </p:txBody>
+      </p:sp>
+      <p:sp>
+        <p:nvSpPr>
+          <p:cNvPr id="10" name="矩形: 圆角 9">
+            <a:extLst>
+              <a:ext uri="{FF2B5EF4-FFF2-40B4-BE49-F238E27FC236}">
+                <a16:creationId xmlns:a16="http://schemas.microsoft.com/office/drawing/2014/main" id="{B4500125-6C74-13C4-032C-72FE9C16861B}"/>
+              </a:ext>
+            </a:extLst>
+          </p:cNvPr>
+          <p:cNvSpPr/>
+          <p:nvPr/>
+        </p:nvSpPr>
+        <p:spPr>
+          <a:xfrm>
+            <a:off x="5216397" y="5226746"/>
+            <a:ext cx="1273274" cy="443136"/>
+          </a:xfrm>
+          <a:prstGeom prst="roundRect">
+            <a:avLst/>
+          </a:prstGeom>
+          <a:noFill/>
+        </p:spPr>
+        <p:style>
+          <a:lnRef idx="2">
+            <a:schemeClr val="accent1">
+              <a:shade val="15000"/>
+            </a:schemeClr>
+          </a:lnRef>
+          <a:fillRef idx="1">
+            <a:schemeClr val="accent1"/>
+          </a:fillRef>
+          <a:effectRef idx="0">
+            <a:schemeClr val="accent1"/>
+          </a:effectRef>
+          <a:fontRef idx="minor">
+            <a:schemeClr val="lt1"/>
+          </a:fontRef>
+        </p:style>
+        <p:txBody>
+          <a:bodyPr rtlCol="0" anchor="ctr"/>
+          <a:lstStyle/>
+          <a:p>
+            <a:pPr algn="ctr"/>
+            <a:endParaRPr lang="zh-CN" altLang="en-US" dirty="0"/>
+          </a:p>
+        </p:txBody>
+      </p:sp>
+      <p:sp>
+        <p:nvSpPr>
+          <p:cNvPr id="11" name="矩形: 圆角 10">
+            <a:extLst>
+              <a:ext uri="{FF2B5EF4-FFF2-40B4-BE49-F238E27FC236}">
+                <a16:creationId xmlns:a16="http://schemas.microsoft.com/office/drawing/2014/main" id="{3E43B17A-3D14-4407-1B55-019725B94F94}"/>
+              </a:ext>
+            </a:extLst>
+          </p:cNvPr>
+          <p:cNvSpPr/>
+          <p:nvPr/>
+        </p:nvSpPr>
+        <p:spPr>
+          <a:xfrm>
+            <a:off x="3598945" y="5226746"/>
+            <a:ext cx="1273274" cy="443136"/>
+          </a:xfrm>
+          <a:prstGeom prst="roundRect">
+            <a:avLst/>
+          </a:prstGeom>
+          <a:noFill/>
+        </p:spPr>
+        <p:style>
+          <a:lnRef idx="2">
+            <a:schemeClr val="accent1">
+              <a:shade val="15000"/>
+            </a:schemeClr>
+          </a:lnRef>
+          <a:fillRef idx="1">
+            <a:schemeClr val="accent1"/>
+          </a:fillRef>
+          <a:effectRef idx="0">
+            <a:schemeClr val="accent1"/>
+          </a:effectRef>
+          <a:fontRef idx="minor">
+            <a:schemeClr val="lt1"/>
+          </a:fontRef>
+        </p:style>
+        <p:txBody>
+          <a:bodyPr rtlCol="0" anchor="ctr"/>
+          <a:lstStyle/>
+          <a:p>
+            <a:pPr algn="ctr"/>
+            <a:endParaRPr lang="zh-CN" altLang="en-US" dirty="0"/>
+          </a:p>
+        </p:txBody>
+      </p:sp>
+      <p:sp>
+        <p:nvSpPr>
+          <p:cNvPr id="15" name="文本框 14">
+            <a:extLst>
+              <a:ext uri="{FF2B5EF4-FFF2-40B4-BE49-F238E27FC236}">
+                <a16:creationId xmlns:a16="http://schemas.microsoft.com/office/drawing/2014/main" id="{6F3413DE-7CA5-99F2-32FF-29A1176CB2FA}"/>
+              </a:ext>
+            </a:extLst>
+          </p:cNvPr>
+          <p:cNvSpPr txBox="1"/>
+          <p:nvPr/>
+        </p:nvSpPr>
+        <p:spPr>
+          <a:xfrm>
+            <a:off x="1000509" y="2944122"/>
+            <a:ext cx="877163" cy="369332"/>
+          </a:xfrm>
+          <a:prstGeom prst="rect">
+            <a:avLst/>
+          </a:prstGeom>
+          <a:noFill/>
+        </p:spPr>
+        <p:txBody>
+          <a:bodyPr wrap="none" rtlCol="0">
+            <a:spAutoFit/>
+          </a:bodyPr>
+          <a:lstStyle/>
+          <a:p>
+            <a:r>
+              <a:rPr lang="zh-CN" altLang="en-US" dirty="0"/>
+              <a:t>正常图</a:t>
+            </a:r>
+          </a:p>
+        </p:txBody>
+      </p:sp>
+      <p:sp>
+        <p:nvSpPr>
+          <p:cNvPr id="18" name="矩形: 圆角 17">
+            <a:extLst>
+              <a:ext uri="{FF2B5EF4-FFF2-40B4-BE49-F238E27FC236}">
+                <a16:creationId xmlns:a16="http://schemas.microsoft.com/office/drawing/2014/main" id="{0147E323-151F-A747-5CE5-808B2EF8FE96}"/>
+              </a:ext>
+            </a:extLst>
+          </p:cNvPr>
+          <p:cNvSpPr/>
+          <p:nvPr/>
+        </p:nvSpPr>
+        <p:spPr>
+          <a:xfrm>
+            <a:off x="676575" y="2874706"/>
+            <a:ext cx="1510341" cy="554294"/>
+          </a:xfrm>
+          <a:prstGeom prst="roundRect">
+            <a:avLst/>
+          </a:prstGeom>
+          <a:noFill/>
+        </p:spPr>
+        <p:style>
+          <a:lnRef idx="2">
+            <a:schemeClr val="accent1">
+              <a:shade val="15000"/>
+            </a:schemeClr>
+          </a:lnRef>
+          <a:fillRef idx="1">
+            <a:schemeClr val="accent1"/>
+          </a:fillRef>
+          <a:effectRef idx="0">
+            <a:schemeClr val="accent1"/>
+          </a:effectRef>
+          <a:fontRef idx="minor">
+            <a:schemeClr val="lt1"/>
+          </a:fontRef>
+        </p:style>
+        <p:txBody>
+          <a:bodyPr rtlCol="0" anchor="ctr"/>
+          <a:lstStyle/>
+          <a:p>
+            <a:pPr algn="ctr"/>
+            <a:endParaRPr lang="zh-CN" altLang="en-US" dirty="0"/>
+          </a:p>
+        </p:txBody>
+      </p:sp>
+      <p:cxnSp>
+        <p:nvCxnSpPr>
+          <p:cNvPr id="21" name="直接箭头连接符 20">
+            <a:extLst>
+              <a:ext uri="{FF2B5EF4-FFF2-40B4-BE49-F238E27FC236}">
+                <a16:creationId xmlns:a16="http://schemas.microsoft.com/office/drawing/2014/main" id="{78324886-9273-0CC9-BE69-332E7F80F8FE}"/>
+              </a:ext>
+            </a:extLst>
+          </p:cNvPr>
+          <p:cNvCxnSpPr>
+            <a:cxnSpLocks/>
+          </p:cNvCxnSpPr>
+          <p:nvPr/>
+        </p:nvCxnSpPr>
+        <p:spPr>
+          <a:xfrm>
+            <a:off x="2200138" y="3151853"/>
+            <a:ext cx="928504" cy="0"/>
+          </a:xfrm>
+          <a:prstGeom prst="straightConnector1">
+            <a:avLst/>
+          </a:prstGeom>
+          <a:ln>
+            <a:tailEnd type="triangle"/>
+          </a:ln>
+        </p:spPr>
+        <p:style>
+          <a:lnRef idx="2">
+            <a:schemeClr val="accent1"/>
+          </a:lnRef>
+          <a:fillRef idx="0">
+            <a:schemeClr val="accent1"/>
+          </a:fillRef>
+          <a:effectRef idx="1">
+            <a:schemeClr val="accent1"/>
+          </a:effectRef>
+          <a:fontRef idx="minor">
+            <a:schemeClr val="tx1"/>
+          </a:fontRef>
+        </p:style>
+      </p:cxnSp>
+      <p:sp>
+        <p:nvSpPr>
+          <p:cNvPr id="26" name="文本框 25">
+            <a:extLst>
+              <a:ext uri="{FF2B5EF4-FFF2-40B4-BE49-F238E27FC236}">
+                <a16:creationId xmlns:a16="http://schemas.microsoft.com/office/drawing/2014/main" id="{9C548482-57E7-7E8E-E187-1D3977FAAA1C}"/>
+              </a:ext>
+            </a:extLst>
+          </p:cNvPr>
+          <p:cNvSpPr txBox="1"/>
+          <p:nvPr/>
+        </p:nvSpPr>
+        <p:spPr>
+          <a:xfrm>
+            <a:off x="2110392" y="2791305"/>
+            <a:ext cx="1107996" cy="369332"/>
+          </a:xfrm>
+          <a:prstGeom prst="rect">
+            <a:avLst/>
+          </a:prstGeom>
+          <a:noFill/>
+        </p:spPr>
+        <p:txBody>
+          <a:bodyPr wrap="none" rtlCol="0">
+            <a:spAutoFit/>
+          </a:bodyPr>
+          <a:lstStyle/>
+          <a:p>
+            <a:r>
+              <a:rPr lang="zh-CN" altLang="en-US" dirty="0"/>
+              <a:t>稀疏攻击</a:t>
+            </a:r>
+          </a:p>
+        </p:txBody>
+      </p:sp>
+      <p:sp>
+        <p:nvSpPr>
+          <p:cNvPr id="28" name="文本框 27">
+            <a:extLst>
+              <a:ext uri="{FF2B5EF4-FFF2-40B4-BE49-F238E27FC236}">
+                <a16:creationId xmlns:a16="http://schemas.microsoft.com/office/drawing/2014/main" id="{8E41507E-BD4A-EEAE-6DC3-34506375D4F4}"/>
+              </a:ext>
+            </a:extLst>
+          </p:cNvPr>
+          <p:cNvSpPr txBox="1"/>
+          <p:nvPr/>
+        </p:nvSpPr>
+        <p:spPr>
+          <a:xfrm>
+            <a:off x="3182151" y="2967187"/>
+            <a:ext cx="877163" cy="369332"/>
+          </a:xfrm>
+          <a:prstGeom prst="rect">
+            <a:avLst/>
+          </a:prstGeom>
+          <a:noFill/>
+        </p:spPr>
+        <p:txBody>
+          <a:bodyPr wrap="none" rtlCol="0">
+            <a:spAutoFit/>
+          </a:bodyPr>
+          <a:lstStyle/>
+          <a:p>
+            <a:r>
+              <a:rPr lang="zh-CN" altLang="en-US" dirty="0"/>
+              <a:t>稀疏图</a:t>
+            </a:r>
+          </a:p>
+        </p:txBody>
+      </p:sp>
+      <p:sp>
+        <p:nvSpPr>
+          <p:cNvPr id="29" name="矩形: 圆角 28">
+            <a:extLst>
+              <a:ext uri="{FF2B5EF4-FFF2-40B4-BE49-F238E27FC236}">
+                <a16:creationId xmlns:a16="http://schemas.microsoft.com/office/drawing/2014/main" id="{F6A04699-9D82-B0CE-45C9-0E912E6F861A}"/>
+              </a:ext>
+            </a:extLst>
+          </p:cNvPr>
+          <p:cNvSpPr/>
+          <p:nvPr/>
+        </p:nvSpPr>
+        <p:spPr>
+          <a:xfrm>
+            <a:off x="3128642" y="2983049"/>
+            <a:ext cx="940606" cy="412173"/>
+          </a:xfrm>
+          <a:prstGeom prst="roundRect">
+            <a:avLst/>
+          </a:prstGeom>
+          <a:noFill/>
+        </p:spPr>
+        <p:style>
+          <a:lnRef idx="2">
+            <a:schemeClr val="accent1">
+              <a:shade val="15000"/>
+            </a:schemeClr>
+          </a:lnRef>
+          <a:fillRef idx="1">
+            <a:schemeClr val="accent1"/>
+          </a:fillRef>
+          <a:effectRef idx="0">
+            <a:schemeClr val="accent1"/>
+          </a:effectRef>
+          <a:fontRef idx="minor">
+            <a:schemeClr val="lt1"/>
+          </a:fontRef>
+        </p:style>
+        <p:txBody>
+          <a:bodyPr rtlCol="0" anchor="ctr"/>
+          <a:lstStyle/>
+          <a:p>
+            <a:pPr algn="ctr"/>
+            <a:endParaRPr lang="zh-CN" altLang="en-US" dirty="0"/>
+          </a:p>
+        </p:txBody>
+      </p:sp>
+      <p:cxnSp>
+        <p:nvCxnSpPr>
+          <p:cNvPr id="31" name="连接符: 肘形 30">
+            <a:extLst>
+              <a:ext uri="{FF2B5EF4-FFF2-40B4-BE49-F238E27FC236}">
+                <a16:creationId xmlns:a16="http://schemas.microsoft.com/office/drawing/2014/main" id="{984FA4C2-0453-C964-B54F-CC8A507A5745}"/>
+              </a:ext>
+            </a:extLst>
+          </p:cNvPr>
+          <p:cNvCxnSpPr>
+            <a:stCxn id="29" idx="3"/>
+            <a:endCxn id="6" idx="2"/>
+          </p:cNvCxnSpPr>
+          <p:nvPr/>
+        </p:nvCxnSpPr>
+        <p:spPr>
+          <a:xfrm flipV="1">
+            <a:off x="4069248" y="2586338"/>
+            <a:ext cx="1298239" cy="602798"/>
+          </a:xfrm>
+          <a:prstGeom prst="bentConnector2">
+            <a:avLst/>
+          </a:prstGeom>
+          <a:ln>
+            <a:tailEnd type="triangle"/>
+          </a:ln>
+        </p:spPr>
+        <p:style>
+          <a:lnRef idx="2">
+            <a:schemeClr val="accent1"/>
+          </a:lnRef>
+          <a:fillRef idx="0">
+            <a:schemeClr val="accent1"/>
+          </a:fillRef>
+          <a:effectRef idx="1">
+            <a:schemeClr val="accent1"/>
+          </a:effectRef>
+          <a:fontRef idx="minor">
+            <a:schemeClr val="tx1"/>
+          </a:fontRef>
+        </p:style>
+      </p:cxnSp>
     </p:spTree>
     <p:extLst>
       <p:ext uri="{BB962C8B-B14F-4D97-AF65-F5344CB8AC3E}">
@@ -8450,7 +8896,7 @@
         </p:nvSpPr>
         <p:spPr>
           <a:xfrm>
-            <a:off x="3701508" y="4879884"/>
+            <a:off x="3701508" y="4859152"/>
             <a:ext cx="1027504" cy="338554"/>
           </a:xfrm>
           <a:prstGeom prst="rect">
@@ -8815,7 +9261,7 @@
         </p:nvSpPr>
         <p:spPr>
           <a:xfrm>
-            <a:off x="3712101" y="5649259"/>
+            <a:off x="3712101" y="5620173"/>
             <a:ext cx="1027504" cy="338554"/>
           </a:xfrm>
           <a:prstGeom prst="rect">
@@ -8860,7 +9306,7 @@
         </p:nvSpPr>
         <p:spPr>
           <a:xfrm>
-            <a:off x="3596092" y="6155444"/>
+            <a:off x="3666396" y="6163047"/>
             <a:ext cx="1143513" cy="584775"/>
           </a:xfrm>
           <a:prstGeom prst="rect">
@@ -8874,7 +9320,7 @@
           </a:bodyPr>
           <a:lstStyle/>
           <a:p>
-            <a:pPr algn="l" fontAlgn="base"/>
+            <a:pPr algn="ctr" fontAlgn="base"/>
             <a:r>
               <a:rPr lang="en-US" altLang="zh-CN" sz="1600" i="0" dirty="0">
                 <a:solidFill>
@@ -8907,7 +9353,7 @@
             </a:endParaRPr>
           </a:p>
           <a:p>
-            <a:pPr algn="l" fontAlgn="base"/>
+            <a:pPr algn="ctr" fontAlgn="base"/>
             <a:r>
               <a:rPr lang="zh-CN" altLang="en-US" sz="1600" i="0" dirty="0">
                 <a:solidFill>

--- a/2025-08-14.pptx
+++ b/2025-08-14.pptx
@@ -15,6 +15,9 @@
     <p:sldId id="263" r:id="rId9"/>
     <p:sldId id="264" r:id="rId10"/>
     <p:sldId id="265" r:id="rId11"/>
+    <p:sldId id="266" r:id="rId12"/>
+    <p:sldId id="267" r:id="rId13"/>
+    <p:sldId id="268" r:id="rId14"/>
   </p:sldIdLst>
   <p:sldSz cx="12192000" cy="6858000"/>
   <p:notesSz cx="6858000" cy="9144000"/>
@@ -268,7 +271,7 @@
           <a:p>
             <a:fld id="{C02EF1C3-B344-44E0-B86B-307C57D8E6F4}" type="datetimeFigureOut">
               <a:rPr lang="zh-CN" altLang="en-US" smtClean="0"/>
-              <a:t>2025/9/1</a:t>
+              <a:t>2025/9/3</a:t>
             </a:fld>
             <a:endParaRPr lang="zh-CN" altLang="en-US"/>
           </a:p>
@@ -466,7 +469,7 @@
           <a:p>
             <a:fld id="{C02EF1C3-B344-44E0-B86B-307C57D8E6F4}" type="datetimeFigureOut">
               <a:rPr lang="zh-CN" altLang="en-US" smtClean="0"/>
-              <a:t>2025/9/1</a:t>
+              <a:t>2025/9/3</a:t>
             </a:fld>
             <a:endParaRPr lang="zh-CN" altLang="en-US"/>
           </a:p>
@@ -674,7 +677,7 @@
           <a:p>
             <a:fld id="{C02EF1C3-B344-44E0-B86B-307C57D8E6F4}" type="datetimeFigureOut">
               <a:rPr lang="zh-CN" altLang="en-US" smtClean="0"/>
-              <a:t>2025/9/1</a:t>
+              <a:t>2025/9/3</a:t>
             </a:fld>
             <a:endParaRPr lang="zh-CN" altLang="en-US"/>
           </a:p>
@@ -872,7 +875,7 @@
           <a:p>
             <a:fld id="{C02EF1C3-B344-44E0-B86B-307C57D8E6F4}" type="datetimeFigureOut">
               <a:rPr lang="zh-CN" altLang="en-US" smtClean="0"/>
-              <a:t>2025/9/1</a:t>
+              <a:t>2025/9/3</a:t>
             </a:fld>
             <a:endParaRPr lang="zh-CN" altLang="en-US"/>
           </a:p>
@@ -1147,7 +1150,7 @@
           <a:p>
             <a:fld id="{C02EF1C3-B344-44E0-B86B-307C57D8E6F4}" type="datetimeFigureOut">
               <a:rPr lang="zh-CN" altLang="en-US" smtClean="0"/>
-              <a:t>2025/9/1</a:t>
+              <a:t>2025/9/3</a:t>
             </a:fld>
             <a:endParaRPr lang="zh-CN" altLang="en-US"/>
           </a:p>
@@ -1412,7 +1415,7 @@
           <a:p>
             <a:fld id="{C02EF1C3-B344-44E0-B86B-307C57D8E6F4}" type="datetimeFigureOut">
               <a:rPr lang="zh-CN" altLang="en-US" smtClean="0"/>
-              <a:t>2025/9/1</a:t>
+              <a:t>2025/9/3</a:t>
             </a:fld>
             <a:endParaRPr lang="zh-CN" altLang="en-US"/>
           </a:p>
@@ -1824,7 +1827,7 @@
           <a:p>
             <a:fld id="{C02EF1C3-B344-44E0-B86B-307C57D8E6F4}" type="datetimeFigureOut">
               <a:rPr lang="zh-CN" altLang="en-US" smtClean="0"/>
-              <a:t>2025/9/1</a:t>
+              <a:t>2025/9/3</a:t>
             </a:fld>
             <a:endParaRPr lang="zh-CN" altLang="en-US"/>
           </a:p>
@@ -1965,7 +1968,7 @@
           <a:p>
             <a:fld id="{C02EF1C3-B344-44E0-B86B-307C57D8E6F4}" type="datetimeFigureOut">
               <a:rPr lang="zh-CN" altLang="en-US" smtClean="0"/>
-              <a:t>2025/9/1</a:t>
+              <a:t>2025/9/3</a:t>
             </a:fld>
             <a:endParaRPr lang="zh-CN" altLang="en-US"/>
           </a:p>
@@ -2078,7 +2081,7 @@
           <a:p>
             <a:fld id="{C02EF1C3-B344-44E0-B86B-307C57D8E6F4}" type="datetimeFigureOut">
               <a:rPr lang="zh-CN" altLang="en-US" smtClean="0"/>
-              <a:t>2025/9/1</a:t>
+              <a:t>2025/9/3</a:t>
             </a:fld>
             <a:endParaRPr lang="zh-CN" altLang="en-US"/>
           </a:p>
@@ -2389,7 +2392,7 @@
           <a:p>
             <a:fld id="{C02EF1C3-B344-44E0-B86B-307C57D8E6F4}" type="datetimeFigureOut">
               <a:rPr lang="zh-CN" altLang="en-US" smtClean="0"/>
-              <a:t>2025/9/1</a:t>
+              <a:t>2025/9/3</a:t>
             </a:fld>
             <a:endParaRPr lang="zh-CN" altLang="en-US"/>
           </a:p>
@@ -2677,7 +2680,7 @@
           <a:p>
             <a:fld id="{C02EF1C3-B344-44E0-B86B-307C57D8E6F4}" type="datetimeFigureOut">
               <a:rPr lang="zh-CN" altLang="en-US" smtClean="0"/>
-              <a:t>2025/9/1</a:t>
+              <a:t>2025/9/3</a:t>
             </a:fld>
             <a:endParaRPr lang="zh-CN" altLang="en-US"/>
           </a:p>
@@ -2918,7 +2921,7 @@
           <a:p>
             <a:fld id="{C02EF1C3-B344-44E0-B86B-307C57D8E6F4}" type="datetimeFigureOut">
               <a:rPr lang="zh-CN" altLang="en-US" smtClean="0"/>
-              <a:t>2025/9/1</a:t>
+              <a:t>2025/9/3</a:t>
             </a:fld>
             <a:endParaRPr lang="zh-CN" altLang="en-US"/>
           </a:p>
@@ -4489,6 +4492,1534 @@
     <p:extLst>
       <p:ext uri="{BB962C8B-B14F-4D97-AF65-F5344CB8AC3E}">
         <p14:creationId xmlns:p14="http://schemas.microsoft.com/office/powerpoint/2010/main" val="2687304317"/>
+      </p:ext>
+    </p:extLst>
+  </p:cSld>
+  <p:clrMapOvr>
+    <a:masterClrMapping/>
+  </p:clrMapOvr>
+</p:sld>
+</file>
+
+<file path=ppt/slides/slide11.xml><?xml version="1.0" encoding="utf-8"?>
+<p:sld xmlns:a="http://schemas.openxmlformats.org/drawingml/2006/main" xmlns:r="http://schemas.openxmlformats.org/officeDocument/2006/relationships" xmlns:p="http://schemas.openxmlformats.org/presentationml/2006/main">
+  <p:cSld>
+    <p:spTree>
+      <p:nvGrpSpPr>
+        <p:cNvPr id="1" name=""/>
+        <p:cNvGrpSpPr/>
+        <p:nvPr/>
+      </p:nvGrpSpPr>
+      <p:grpSpPr>
+        <a:xfrm>
+          <a:off x="0" y="0"/>
+          <a:ext cx="0" cy="0"/>
+          <a:chOff x="0" y="0"/>
+          <a:chExt cx="0" cy="0"/>
+        </a:xfrm>
+      </p:grpSpPr>
+      <p:sp>
+        <p:nvSpPr>
+          <p:cNvPr id="7" name="文本框 6">
+            <a:extLst>
+              <a:ext uri="{FF2B5EF4-FFF2-40B4-BE49-F238E27FC236}">
+                <a16:creationId xmlns:a16="http://schemas.microsoft.com/office/drawing/2014/main" id="{9CB1F6F4-FF67-57CD-1CE0-97096C89D987}"/>
+              </a:ext>
+            </a:extLst>
+          </p:cNvPr>
+          <p:cNvSpPr txBox="1"/>
+          <p:nvPr/>
+        </p:nvSpPr>
+        <p:spPr>
+          <a:xfrm>
+            <a:off x="487680" y="827798"/>
+            <a:ext cx="9204960" cy="2817181"/>
+          </a:xfrm>
+          <a:prstGeom prst="rect">
+            <a:avLst/>
+          </a:prstGeom>
+          <a:noFill/>
+        </p:spPr>
+        <p:txBody>
+          <a:bodyPr wrap="square">
+            <a:spAutoFit/>
+          </a:bodyPr>
+          <a:lstStyle/>
+          <a:p>
+            <a:pPr marL="342900" lvl="0" indent="-342900">
+              <a:lnSpc>
+                <a:spcPct val="115000"/>
+              </a:lnSpc>
+              <a:spcAft>
+                <a:spcPts val="800"/>
+              </a:spcAft>
+              <a:buSzPts val="1000"/>
+              <a:buFont typeface="Symbol" panose="05050102010706020507" pitchFamily="18" charset="2"/>
+              <a:buChar char=""/>
+              <a:tabLst>
+                <a:tab pos="457200" algn="l"/>
+              </a:tabLst>
+            </a:pPr>
+            <a:r>
+              <a:rPr lang="zh-CN" altLang="zh-CN" sz="1800" b="1" kern="100" dirty="0">
+                <a:effectLst/>
+                <a:latin typeface="Times New Roman" panose="02020603050405020304" pitchFamily="18" charset="0"/>
+                <a:ea typeface="宋体" panose="02010600030101010101" pitchFamily="2" charset="-122"/>
+                <a:cs typeface="Times New Roman" panose="02020603050405020304" pitchFamily="18" charset="0"/>
+              </a:rPr>
+              <a:t>缺乏现实案例</a:t>
+            </a:r>
+            <a:r>
+              <a:rPr lang="zh-CN" altLang="zh-CN" sz="1800" kern="100" dirty="0">
+                <a:effectLst/>
+                <a:latin typeface="Times New Roman" panose="02020603050405020304" pitchFamily="18" charset="0"/>
+                <a:ea typeface="宋体" panose="02010600030101010101" pitchFamily="2" charset="-122"/>
+                <a:cs typeface="Times New Roman" panose="02020603050405020304" pitchFamily="18" charset="0"/>
+              </a:rPr>
+              <a:t>（</a:t>
+            </a:r>
+            <a:r>
+              <a:rPr lang="en-US" altLang="zh-CN" sz="1800" kern="100" dirty="0">
+                <a:effectLst/>
+                <a:latin typeface="Times New Roman" panose="02020603050405020304" pitchFamily="18" charset="0"/>
+                <a:ea typeface="宋体" panose="02010600030101010101" pitchFamily="2" charset="-122"/>
+                <a:cs typeface="Times New Roman" panose="02020603050405020304" pitchFamily="18" charset="0"/>
+              </a:rPr>
+              <a:t>O1</a:t>
+            </a:r>
+            <a:r>
+              <a:rPr lang="zh-CN" altLang="zh-CN" sz="1800" kern="100" dirty="0">
+                <a:effectLst/>
+                <a:latin typeface="Times New Roman" panose="02020603050405020304" pitchFamily="18" charset="0"/>
+                <a:ea typeface="宋体" panose="02010600030101010101" pitchFamily="2" charset="-122"/>
+                <a:cs typeface="Times New Roman" panose="02020603050405020304" pitchFamily="18" charset="0"/>
+              </a:rPr>
+              <a:t>）：需提供实际案例或用例，帮助非专家理解框架的动机和阶段。</a:t>
+            </a:r>
+          </a:p>
+          <a:p>
+            <a:pPr marL="342900" lvl="0" indent="-342900">
+              <a:lnSpc>
+                <a:spcPct val="115000"/>
+              </a:lnSpc>
+              <a:spcAft>
+                <a:spcPts val="800"/>
+              </a:spcAft>
+              <a:buSzPts val="1000"/>
+              <a:buFont typeface="Symbol" panose="05050102010706020507" pitchFamily="18" charset="2"/>
+              <a:buChar char=""/>
+              <a:tabLst>
+                <a:tab pos="457200" algn="l"/>
+              </a:tabLst>
+            </a:pPr>
+            <a:r>
+              <a:rPr lang="zh-CN" altLang="zh-CN" sz="1800" b="1" kern="100" dirty="0">
+                <a:effectLst/>
+                <a:latin typeface="Times New Roman" panose="02020603050405020304" pitchFamily="18" charset="0"/>
+                <a:ea typeface="宋体" panose="02010600030101010101" pitchFamily="2" charset="-122"/>
+                <a:cs typeface="Times New Roman" panose="02020603050405020304" pitchFamily="18" charset="0"/>
+              </a:rPr>
+              <a:t>理论基础不足</a:t>
+            </a:r>
+            <a:r>
+              <a:rPr lang="zh-CN" altLang="zh-CN" sz="1800" kern="100" dirty="0">
+                <a:effectLst/>
+                <a:latin typeface="Times New Roman" panose="02020603050405020304" pitchFamily="18" charset="0"/>
+                <a:ea typeface="宋体" panose="02010600030101010101" pitchFamily="2" charset="-122"/>
+                <a:cs typeface="Times New Roman" panose="02020603050405020304" pitchFamily="18" charset="0"/>
+              </a:rPr>
+              <a:t>（</a:t>
+            </a:r>
+            <a:r>
+              <a:rPr lang="en-US" altLang="zh-CN" sz="1800" kern="100" dirty="0">
+                <a:effectLst/>
+                <a:latin typeface="Times New Roman" panose="02020603050405020304" pitchFamily="18" charset="0"/>
+                <a:ea typeface="宋体" panose="02010600030101010101" pitchFamily="2" charset="-122"/>
+                <a:cs typeface="Times New Roman" panose="02020603050405020304" pitchFamily="18" charset="0"/>
+              </a:rPr>
+              <a:t>O2</a:t>
+            </a:r>
+            <a:r>
+              <a:rPr lang="zh-CN" altLang="zh-CN" sz="1800" kern="100" dirty="0">
+                <a:effectLst/>
+                <a:latin typeface="Times New Roman" panose="02020603050405020304" pitchFamily="18" charset="0"/>
+                <a:ea typeface="宋体" panose="02010600030101010101" pitchFamily="2" charset="-122"/>
+                <a:cs typeface="Times New Roman" panose="02020603050405020304" pitchFamily="18" charset="0"/>
+              </a:rPr>
+              <a:t>）：威胁模型和</a:t>
+            </a:r>
+            <a:r>
+              <a:rPr lang="zh-CN" altLang="zh-CN" sz="1800" kern="100" dirty="0">
+                <a:solidFill>
+                  <a:srgbClr val="FF0000"/>
+                </a:solidFill>
+                <a:effectLst/>
+                <a:latin typeface="Times New Roman" panose="02020603050405020304" pitchFamily="18" charset="0"/>
+                <a:ea typeface="宋体" panose="02010600030101010101" pitchFamily="2" charset="-122"/>
+                <a:cs typeface="Times New Roman" panose="02020603050405020304" pitchFamily="18" charset="0"/>
+              </a:rPr>
+              <a:t>问题未形式化定义</a:t>
+            </a:r>
+            <a:r>
+              <a:rPr lang="zh-CN" altLang="zh-CN" sz="1800" kern="100" dirty="0">
+                <a:effectLst/>
+                <a:latin typeface="Times New Roman" panose="02020603050405020304" pitchFamily="18" charset="0"/>
+                <a:ea typeface="宋体" panose="02010600030101010101" pitchFamily="2" charset="-122"/>
+                <a:cs typeface="Times New Roman" panose="02020603050405020304" pitchFamily="18" charset="0"/>
+              </a:rPr>
+              <a:t>，</a:t>
+            </a:r>
+            <a:r>
+              <a:rPr lang="zh-CN" altLang="zh-CN" sz="1800" kern="100" dirty="0">
+                <a:solidFill>
+                  <a:srgbClr val="FF0000"/>
+                </a:solidFill>
+                <a:effectLst/>
+                <a:latin typeface="Times New Roman" panose="02020603050405020304" pitchFamily="18" charset="0"/>
+                <a:ea typeface="宋体" panose="02010600030101010101" pitchFamily="2" charset="-122"/>
+                <a:cs typeface="Times New Roman" panose="02020603050405020304" pitchFamily="18" charset="0"/>
+              </a:rPr>
+              <a:t>算法缺乏理论保证</a:t>
+            </a:r>
+            <a:r>
+              <a:rPr lang="zh-CN" altLang="zh-CN" sz="1800" kern="100" dirty="0">
+                <a:effectLst/>
+                <a:latin typeface="Times New Roman" panose="02020603050405020304" pitchFamily="18" charset="0"/>
+                <a:ea typeface="宋体" panose="02010600030101010101" pitchFamily="2" charset="-122"/>
+                <a:cs typeface="Times New Roman" panose="02020603050405020304" pitchFamily="18" charset="0"/>
+              </a:rPr>
+              <a:t>。</a:t>
+            </a:r>
+          </a:p>
+          <a:p>
+            <a:pPr marL="342900" lvl="0" indent="-342900">
+              <a:lnSpc>
+                <a:spcPct val="115000"/>
+              </a:lnSpc>
+              <a:spcAft>
+                <a:spcPts val="800"/>
+              </a:spcAft>
+              <a:buSzPts val="1000"/>
+              <a:buFont typeface="Symbol" panose="05050102010706020507" pitchFamily="18" charset="2"/>
+              <a:buChar char=""/>
+              <a:tabLst>
+                <a:tab pos="457200" algn="l"/>
+              </a:tabLst>
+            </a:pPr>
+            <a:r>
+              <a:rPr lang="zh-CN" altLang="zh-CN" sz="1800" b="1" kern="100" dirty="0">
+                <a:effectLst/>
+                <a:latin typeface="Times New Roman" panose="02020603050405020304" pitchFamily="18" charset="0"/>
+                <a:ea typeface="宋体" panose="02010600030101010101" pitchFamily="2" charset="-122"/>
+                <a:cs typeface="Times New Roman" panose="02020603050405020304" pitchFamily="18" charset="0"/>
+              </a:rPr>
+              <a:t>相关工作缺失</a:t>
+            </a:r>
+            <a:r>
+              <a:rPr lang="zh-CN" altLang="zh-CN" sz="1800" kern="100" dirty="0">
+                <a:effectLst/>
+                <a:latin typeface="Times New Roman" panose="02020603050405020304" pitchFamily="18" charset="0"/>
+                <a:ea typeface="宋体" panose="02010600030101010101" pitchFamily="2" charset="-122"/>
+                <a:cs typeface="Times New Roman" panose="02020603050405020304" pitchFamily="18" charset="0"/>
+              </a:rPr>
+              <a:t>（</a:t>
+            </a:r>
+            <a:r>
+              <a:rPr lang="en-US" altLang="zh-CN" sz="1800" kern="100" dirty="0">
+                <a:effectLst/>
+                <a:latin typeface="Times New Roman" panose="02020603050405020304" pitchFamily="18" charset="0"/>
+                <a:ea typeface="宋体" panose="02010600030101010101" pitchFamily="2" charset="-122"/>
+                <a:cs typeface="Times New Roman" panose="02020603050405020304" pitchFamily="18" charset="0"/>
+              </a:rPr>
+              <a:t>O3</a:t>
+            </a:r>
+            <a:r>
+              <a:rPr lang="zh-CN" altLang="zh-CN" sz="1800" kern="100" dirty="0">
+                <a:effectLst/>
+                <a:latin typeface="Times New Roman" panose="02020603050405020304" pitchFamily="18" charset="0"/>
+                <a:ea typeface="宋体" panose="02010600030101010101" pitchFamily="2" charset="-122"/>
+                <a:cs typeface="Times New Roman" panose="02020603050405020304" pitchFamily="18" charset="0"/>
+              </a:rPr>
+              <a:t>）：未调研相关文献，难以评估新颖性。</a:t>
+            </a:r>
+          </a:p>
+          <a:p>
+            <a:pPr marL="342900" lvl="0" indent="-342900">
+              <a:lnSpc>
+                <a:spcPct val="115000"/>
+              </a:lnSpc>
+              <a:spcAft>
+                <a:spcPts val="800"/>
+              </a:spcAft>
+              <a:buSzPts val="1000"/>
+              <a:buFont typeface="Symbol" panose="05050102010706020507" pitchFamily="18" charset="2"/>
+              <a:buChar char=""/>
+              <a:tabLst>
+                <a:tab pos="457200" algn="l"/>
+              </a:tabLst>
+            </a:pPr>
+            <a:r>
+              <a:rPr lang="zh-CN" altLang="zh-CN" sz="1800" b="1" kern="100" dirty="0">
+                <a:effectLst/>
+                <a:latin typeface="Times New Roman" panose="02020603050405020304" pitchFamily="18" charset="0"/>
+                <a:ea typeface="宋体" panose="02010600030101010101" pitchFamily="2" charset="-122"/>
+                <a:cs typeface="Times New Roman" panose="02020603050405020304" pitchFamily="18" charset="0"/>
+              </a:rPr>
+              <a:t>威胁模型需澄清</a:t>
+            </a:r>
+            <a:r>
+              <a:rPr lang="zh-CN" altLang="zh-CN" sz="1800" kern="100" dirty="0">
+                <a:effectLst/>
+                <a:latin typeface="Times New Roman" panose="02020603050405020304" pitchFamily="18" charset="0"/>
+                <a:ea typeface="宋体" panose="02010600030101010101" pitchFamily="2" charset="-122"/>
+                <a:cs typeface="Times New Roman" panose="02020603050405020304" pitchFamily="18" charset="0"/>
+              </a:rPr>
+              <a:t>（</a:t>
+            </a:r>
+            <a:r>
+              <a:rPr lang="en-US" altLang="zh-CN" sz="1800" kern="100" dirty="0">
+                <a:effectLst/>
+                <a:latin typeface="Times New Roman" panose="02020603050405020304" pitchFamily="18" charset="0"/>
+                <a:ea typeface="宋体" panose="02010600030101010101" pitchFamily="2" charset="-122"/>
+                <a:cs typeface="Times New Roman" panose="02020603050405020304" pitchFamily="18" charset="0"/>
+              </a:rPr>
+              <a:t>O4</a:t>
+            </a:r>
+            <a:r>
+              <a:rPr lang="zh-CN" altLang="zh-CN" sz="1800" kern="100" dirty="0">
+                <a:effectLst/>
+                <a:latin typeface="Times New Roman" panose="02020603050405020304" pitchFamily="18" charset="0"/>
+                <a:ea typeface="宋体" panose="02010600030101010101" pitchFamily="2" charset="-122"/>
+                <a:cs typeface="Times New Roman" panose="02020603050405020304" pitchFamily="18" charset="0"/>
+              </a:rPr>
+              <a:t>）：第</a:t>
+            </a:r>
+            <a:r>
+              <a:rPr lang="en-US" altLang="zh-CN" sz="1800" kern="100" dirty="0">
+                <a:effectLst/>
+                <a:latin typeface="Times New Roman" panose="02020603050405020304" pitchFamily="18" charset="0"/>
+                <a:ea typeface="宋体" panose="02010600030101010101" pitchFamily="2" charset="-122"/>
+                <a:cs typeface="Times New Roman" panose="02020603050405020304" pitchFamily="18" charset="0"/>
+              </a:rPr>
+              <a:t>4</a:t>
+            </a:r>
+            <a:r>
+              <a:rPr lang="zh-CN" altLang="zh-CN" sz="1800" kern="100" dirty="0">
+                <a:effectLst/>
+                <a:latin typeface="Times New Roman" panose="02020603050405020304" pitchFamily="18" charset="0"/>
+                <a:ea typeface="宋体" panose="02010600030101010101" pitchFamily="2" charset="-122"/>
+                <a:cs typeface="Times New Roman" panose="02020603050405020304" pitchFamily="18" charset="0"/>
+              </a:rPr>
+              <a:t>节的威胁模型是否为新模型？需明确并举例说明其现实性。</a:t>
+            </a:r>
+          </a:p>
+          <a:p>
+            <a:pPr marL="342900" lvl="0" indent="-342900">
+              <a:lnSpc>
+                <a:spcPct val="115000"/>
+              </a:lnSpc>
+              <a:spcAft>
+                <a:spcPts val="800"/>
+              </a:spcAft>
+              <a:buSzPts val="1000"/>
+              <a:buFont typeface="Symbol" panose="05050102010706020507" pitchFamily="18" charset="2"/>
+              <a:buChar char=""/>
+              <a:tabLst>
+                <a:tab pos="457200" algn="l"/>
+              </a:tabLst>
+            </a:pPr>
+            <a:r>
+              <a:rPr lang="zh-CN" altLang="zh-CN" sz="1800" b="1" kern="100" dirty="0">
+                <a:effectLst/>
+                <a:latin typeface="Times New Roman" panose="02020603050405020304" pitchFamily="18" charset="0"/>
+                <a:ea typeface="宋体" panose="02010600030101010101" pitchFamily="2" charset="-122"/>
+                <a:cs typeface="Times New Roman" panose="02020603050405020304" pitchFamily="18" charset="0"/>
+              </a:rPr>
+              <a:t>实验数据规模不足</a:t>
+            </a:r>
+            <a:r>
+              <a:rPr lang="zh-CN" altLang="zh-CN" sz="1800" kern="100" dirty="0">
+                <a:effectLst/>
+                <a:latin typeface="Times New Roman" panose="02020603050405020304" pitchFamily="18" charset="0"/>
+                <a:ea typeface="宋体" panose="02010600030101010101" pitchFamily="2" charset="-122"/>
+                <a:cs typeface="Times New Roman" panose="02020603050405020304" pitchFamily="18" charset="0"/>
+              </a:rPr>
+              <a:t>（</a:t>
+            </a:r>
+            <a:r>
+              <a:rPr lang="en-US" altLang="zh-CN" sz="1800" kern="100" dirty="0">
+                <a:effectLst/>
+                <a:latin typeface="Times New Roman" panose="02020603050405020304" pitchFamily="18" charset="0"/>
+                <a:ea typeface="宋体" panose="02010600030101010101" pitchFamily="2" charset="-122"/>
+                <a:cs typeface="Times New Roman" panose="02020603050405020304" pitchFamily="18" charset="0"/>
+              </a:rPr>
+              <a:t>O5</a:t>
+            </a:r>
+            <a:r>
+              <a:rPr lang="zh-CN" altLang="zh-CN" sz="1800" kern="100" dirty="0">
+                <a:effectLst/>
+                <a:latin typeface="Times New Roman" panose="02020603050405020304" pitchFamily="18" charset="0"/>
+                <a:ea typeface="宋体" panose="02010600030101010101" pitchFamily="2" charset="-122"/>
+                <a:cs typeface="Times New Roman" panose="02020603050405020304" pitchFamily="18" charset="0"/>
+              </a:rPr>
+              <a:t>）：实验应包含超百万条边的数据集。</a:t>
+            </a:r>
+          </a:p>
+          <a:p>
+            <a:pPr marL="342900" lvl="0" indent="-342900">
+              <a:lnSpc>
+                <a:spcPct val="115000"/>
+              </a:lnSpc>
+              <a:spcAft>
+                <a:spcPts val="800"/>
+              </a:spcAft>
+              <a:buSzPts val="1000"/>
+              <a:buFont typeface="Symbol" panose="05050102010706020507" pitchFamily="18" charset="2"/>
+              <a:buChar char=""/>
+              <a:tabLst>
+                <a:tab pos="457200" algn="l"/>
+              </a:tabLst>
+            </a:pPr>
+            <a:r>
+              <a:rPr lang="zh-CN" altLang="zh-CN" sz="1800" b="1" kern="100" dirty="0">
+                <a:effectLst/>
+                <a:latin typeface="Times New Roman" panose="02020603050405020304" pitchFamily="18" charset="0"/>
+                <a:ea typeface="宋体" panose="02010600030101010101" pitchFamily="2" charset="-122"/>
+                <a:cs typeface="Times New Roman" panose="02020603050405020304" pitchFamily="18" charset="0"/>
+              </a:rPr>
+              <a:t>结果合理性存疑</a:t>
+            </a:r>
+            <a:r>
+              <a:rPr lang="zh-CN" altLang="zh-CN" sz="1800" kern="100" dirty="0">
+                <a:effectLst/>
+                <a:latin typeface="Times New Roman" panose="02020603050405020304" pitchFamily="18" charset="0"/>
+                <a:ea typeface="宋体" panose="02010600030101010101" pitchFamily="2" charset="-122"/>
+                <a:cs typeface="Times New Roman" panose="02020603050405020304" pitchFamily="18" charset="0"/>
+              </a:rPr>
+              <a:t>（</a:t>
+            </a:r>
+            <a:r>
+              <a:rPr lang="en-US" altLang="zh-CN" sz="1800" kern="100" dirty="0">
+                <a:effectLst/>
+                <a:latin typeface="Times New Roman" panose="02020603050405020304" pitchFamily="18" charset="0"/>
+                <a:ea typeface="宋体" panose="02010600030101010101" pitchFamily="2" charset="-122"/>
+                <a:cs typeface="Times New Roman" panose="02020603050405020304" pitchFamily="18" charset="0"/>
+              </a:rPr>
+              <a:t>O6</a:t>
+            </a:r>
+            <a:r>
+              <a:rPr lang="zh-CN" altLang="zh-CN" sz="1800" kern="100" dirty="0">
+                <a:effectLst/>
+                <a:latin typeface="Times New Roman" panose="02020603050405020304" pitchFamily="18" charset="0"/>
+                <a:ea typeface="宋体" panose="02010600030101010101" pitchFamily="2" charset="-122"/>
+                <a:cs typeface="Times New Roman" panose="02020603050405020304" pitchFamily="18" charset="0"/>
+              </a:rPr>
+              <a:t>）：新框架在所有方面均优于现有</a:t>
+            </a:r>
+            <a:r>
+              <a:rPr lang="en-US" altLang="zh-CN" sz="1800" kern="100" dirty="0">
+                <a:effectLst/>
+                <a:latin typeface="Times New Roman" panose="02020603050405020304" pitchFamily="18" charset="0"/>
+                <a:ea typeface="宋体" panose="02010600030101010101" pitchFamily="2" charset="-122"/>
+                <a:cs typeface="Times New Roman" panose="02020603050405020304" pitchFamily="18" charset="0"/>
+              </a:rPr>
+              <a:t>SOTA</a:t>
+            </a:r>
+            <a:r>
+              <a:rPr lang="zh-CN" altLang="zh-CN" sz="1800" kern="100" dirty="0">
+                <a:effectLst/>
+                <a:latin typeface="Times New Roman" panose="02020603050405020304" pitchFamily="18" charset="0"/>
+                <a:ea typeface="宋体" panose="02010600030101010101" pitchFamily="2" charset="-122"/>
+                <a:cs typeface="Times New Roman" panose="02020603050405020304" pitchFamily="18" charset="0"/>
+              </a:rPr>
+              <a:t>系统，需解释原因并验证是否存在未改进的方面。</a:t>
+            </a:r>
+          </a:p>
+        </p:txBody>
+      </p:sp>
+      <p:sp>
+        <p:nvSpPr>
+          <p:cNvPr id="8" name="文本框 7">
+            <a:extLst>
+              <a:ext uri="{FF2B5EF4-FFF2-40B4-BE49-F238E27FC236}">
+                <a16:creationId xmlns:a16="http://schemas.microsoft.com/office/drawing/2014/main" id="{9D4CBA16-616D-2737-A9CA-32A301D598C7}"/>
+              </a:ext>
+            </a:extLst>
+          </p:cNvPr>
+          <p:cNvSpPr txBox="1"/>
+          <p:nvPr/>
+        </p:nvSpPr>
+        <p:spPr>
+          <a:xfrm>
+            <a:off x="853440" y="335280"/>
+            <a:ext cx="439544" cy="369332"/>
+          </a:xfrm>
+          <a:prstGeom prst="rect">
+            <a:avLst/>
+          </a:prstGeom>
+          <a:noFill/>
+        </p:spPr>
+        <p:txBody>
+          <a:bodyPr wrap="none" rtlCol="0">
+            <a:spAutoFit/>
+          </a:bodyPr>
+          <a:lstStyle/>
+          <a:p>
+            <a:r>
+              <a:rPr lang="en-US" altLang="zh-CN" dirty="0"/>
+              <a:t>R1</a:t>
+            </a:r>
+            <a:endParaRPr lang="zh-CN" altLang="en-US" dirty="0"/>
+          </a:p>
+        </p:txBody>
+      </p:sp>
+    </p:spTree>
+    <p:extLst>
+      <p:ext uri="{BB962C8B-B14F-4D97-AF65-F5344CB8AC3E}">
+        <p14:creationId xmlns:p14="http://schemas.microsoft.com/office/powerpoint/2010/main" val="397567402"/>
+      </p:ext>
+    </p:extLst>
+  </p:cSld>
+  <p:clrMapOvr>
+    <a:masterClrMapping/>
+  </p:clrMapOvr>
+</p:sld>
+</file>
+
+<file path=ppt/slides/slide12.xml><?xml version="1.0" encoding="utf-8"?>
+<p:sld xmlns:a="http://schemas.openxmlformats.org/drawingml/2006/main" xmlns:r="http://schemas.openxmlformats.org/officeDocument/2006/relationships" xmlns:p="http://schemas.openxmlformats.org/presentationml/2006/main">
+  <p:cSld>
+    <p:spTree>
+      <p:nvGrpSpPr>
+        <p:cNvPr id="1" name=""/>
+        <p:cNvGrpSpPr/>
+        <p:nvPr/>
+      </p:nvGrpSpPr>
+      <p:grpSpPr>
+        <a:xfrm>
+          <a:off x="0" y="0"/>
+          <a:ext cx="0" cy="0"/>
+          <a:chOff x="0" y="0"/>
+          <a:chExt cx="0" cy="0"/>
+        </a:xfrm>
+      </p:grpSpPr>
+      <p:sp>
+        <p:nvSpPr>
+          <p:cNvPr id="5" name="文本框 4">
+            <a:extLst>
+              <a:ext uri="{FF2B5EF4-FFF2-40B4-BE49-F238E27FC236}">
+                <a16:creationId xmlns:a16="http://schemas.microsoft.com/office/drawing/2014/main" id="{9FEAB661-5D97-C114-B99A-9E3913CEAD02}"/>
+              </a:ext>
+            </a:extLst>
+          </p:cNvPr>
+          <p:cNvSpPr txBox="1"/>
+          <p:nvPr/>
+        </p:nvSpPr>
+        <p:spPr>
+          <a:xfrm>
+            <a:off x="934720" y="1644118"/>
+            <a:ext cx="8849360" cy="2385653"/>
+          </a:xfrm>
+          <a:prstGeom prst="rect">
+            <a:avLst/>
+          </a:prstGeom>
+          <a:noFill/>
+        </p:spPr>
+        <p:txBody>
+          <a:bodyPr wrap="square">
+            <a:spAutoFit/>
+          </a:bodyPr>
+          <a:lstStyle/>
+          <a:p>
+            <a:pPr marL="342900" lvl="0" indent="-342900">
+              <a:lnSpc>
+                <a:spcPct val="115000"/>
+              </a:lnSpc>
+              <a:spcAft>
+                <a:spcPts val="800"/>
+              </a:spcAft>
+              <a:buSzPts val="1000"/>
+              <a:buFont typeface="Symbol" panose="05050102010706020507" pitchFamily="18" charset="2"/>
+              <a:buChar char=""/>
+              <a:tabLst>
+                <a:tab pos="457200" algn="l"/>
+              </a:tabLst>
+            </a:pPr>
+            <a:r>
+              <a:rPr lang="zh-CN" altLang="zh-CN" b="1" kern="100" dirty="0">
+                <a:effectLst/>
+                <a:latin typeface="Times New Roman" panose="02020603050405020304" pitchFamily="18" charset="0"/>
+                <a:ea typeface="宋体" panose="02010600030101010101" pitchFamily="2" charset="-122"/>
+                <a:cs typeface="Times New Roman" panose="02020603050405020304" pitchFamily="18" charset="0"/>
+              </a:rPr>
+              <a:t>对抗更强攻击者的鲁棒性不足</a:t>
+            </a:r>
+            <a:r>
+              <a:rPr lang="zh-CN" altLang="zh-CN" kern="100" dirty="0">
+                <a:effectLst/>
+                <a:latin typeface="Times New Roman" panose="02020603050405020304" pitchFamily="18" charset="0"/>
+                <a:ea typeface="宋体" panose="02010600030101010101" pitchFamily="2" charset="-122"/>
+                <a:cs typeface="Times New Roman" panose="02020603050405020304" pitchFamily="18" charset="0"/>
+              </a:rPr>
+              <a:t>（</a:t>
+            </a:r>
+            <a:r>
+              <a:rPr lang="en-US" altLang="zh-CN" kern="100" dirty="0">
+                <a:effectLst/>
+                <a:latin typeface="Times New Roman" panose="02020603050405020304" pitchFamily="18" charset="0"/>
+                <a:ea typeface="宋体" panose="02010600030101010101" pitchFamily="2" charset="-122"/>
+                <a:cs typeface="Times New Roman" panose="02020603050405020304" pitchFamily="18" charset="0"/>
+              </a:rPr>
+              <a:t>O1</a:t>
+            </a:r>
+            <a:r>
+              <a:rPr lang="zh-CN" altLang="zh-CN" kern="100" dirty="0">
+                <a:effectLst/>
+                <a:latin typeface="Times New Roman" panose="02020603050405020304" pitchFamily="18" charset="0"/>
+                <a:ea typeface="宋体" panose="02010600030101010101" pitchFamily="2" charset="-122"/>
+                <a:cs typeface="Times New Roman" panose="02020603050405020304" pitchFamily="18" charset="0"/>
+              </a:rPr>
+              <a:t>）：未分析主动攻击者（如模型剪枝、混合训练数据）对方案的影响。</a:t>
+            </a:r>
+          </a:p>
+          <a:p>
+            <a:pPr marL="342900" lvl="0" indent="-342900">
+              <a:lnSpc>
+                <a:spcPct val="115000"/>
+              </a:lnSpc>
+              <a:spcAft>
+                <a:spcPts val="800"/>
+              </a:spcAft>
+              <a:buSzPts val="1000"/>
+              <a:buFont typeface="Symbol" panose="05050102010706020507" pitchFamily="18" charset="2"/>
+              <a:buChar char=""/>
+              <a:tabLst>
+                <a:tab pos="457200" algn="l"/>
+              </a:tabLst>
+            </a:pPr>
+            <a:r>
+              <a:rPr lang="zh-CN" altLang="zh-CN" b="1" kern="100" dirty="0">
+                <a:effectLst/>
+                <a:latin typeface="Times New Roman" panose="02020603050405020304" pitchFamily="18" charset="0"/>
+                <a:ea typeface="宋体" panose="02010600030101010101" pitchFamily="2" charset="-122"/>
+                <a:cs typeface="Times New Roman" panose="02020603050405020304" pitchFamily="18" charset="0"/>
+              </a:rPr>
+              <a:t>设计选择缺乏理论支持</a:t>
+            </a:r>
+            <a:r>
+              <a:rPr lang="zh-CN" altLang="zh-CN" kern="100" dirty="0">
+                <a:effectLst/>
+                <a:latin typeface="Times New Roman" panose="02020603050405020304" pitchFamily="18" charset="0"/>
+                <a:ea typeface="宋体" panose="02010600030101010101" pitchFamily="2" charset="-122"/>
+                <a:cs typeface="Times New Roman" panose="02020603050405020304" pitchFamily="18" charset="0"/>
+              </a:rPr>
+              <a:t>（</a:t>
+            </a:r>
+            <a:r>
+              <a:rPr lang="en-US" altLang="zh-CN" kern="100" dirty="0">
+                <a:effectLst/>
+                <a:latin typeface="Times New Roman" panose="02020603050405020304" pitchFamily="18" charset="0"/>
+                <a:ea typeface="宋体" panose="02010600030101010101" pitchFamily="2" charset="-122"/>
+                <a:cs typeface="Times New Roman" panose="02020603050405020304" pitchFamily="18" charset="0"/>
+              </a:rPr>
+              <a:t>O2</a:t>
+            </a:r>
+            <a:r>
+              <a:rPr lang="zh-CN" altLang="zh-CN" kern="100" dirty="0">
+                <a:effectLst/>
+                <a:latin typeface="Times New Roman" panose="02020603050405020304" pitchFamily="18" charset="0"/>
+                <a:ea typeface="宋体" panose="02010600030101010101" pitchFamily="2" charset="-122"/>
+                <a:cs typeface="Times New Roman" panose="02020603050405020304" pitchFamily="18" charset="0"/>
+              </a:rPr>
+              <a:t>）：</a:t>
+            </a:r>
+          </a:p>
+          <a:p>
+            <a:pPr marL="742950" lvl="1" indent="-285750">
+              <a:lnSpc>
+                <a:spcPct val="115000"/>
+              </a:lnSpc>
+              <a:spcAft>
+                <a:spcPts val="800"/>
+              </a:spcAft>
+              <a:buSzPts val="1000"/>
+              <a:buFont typeface="Courier New" panose="02070309020205020404" pitchFamily="49" charset="0"/>
+              <a:buChar char="o"/>
+              <a:tabLst>
+                <a:tab pos="914400" algn="l"/>
+              </a:tabLst>
+            </a:pPr>
+            <a:r>
+              <a:rPr lang="zh-CN" altLang="zh-CN" kern="100" dirty="0">
+                <a:effectLst/>
+                <a:latin typeface="Times New Roman" panose="02020603050405020304" pitchFamily="18" charset="0"/>
+                <a:ea typeface="宋体" panose="02010600030101010101" pitchFamily="2" charset="-122"/>
+                <a:cs typeface="Times New Roman" panose="02020603050405020304" pitchFamily="18" charset="0"/>
+              </a:rPr>
+              <a:t>选择高预测熵节点作为</a:t>
+            </a:r>
+            <a:r>
+              <a:rPr lang="en-US" altLang="zh-CN" kern="100" dirty="0">
+                <a:effectLst/>
+                <a:latin typeface="Times New Roman" panose="02020603050405020304" pitchFamily="18" charset="0"/>
+                <a:ea typeface="宋体" panose="02010600030101010101" pitchFamily="2" charset="-122"/>
+                <a:cs typeface="Times New Roman" panose="02020603050405020304" pitchFamily="18" charset="0"/>
+              </a:rPr>
+              <a:t>“</a:t>
+            </a:r>
+            <a:r>
+              <a:rPr lang="zh-CN" altLang="zh-CN" kern="100" dirty="0">
+                <a:effectLst/>
+                <a:latin typeface="Times New Roman" panose="02020603050405020304" pitchFamily="18" charset="0"/>
+                <a:ea typeface="宋体" panose="02010600030101010101" pitchFamily="2" charset="-122"/>
+                <a:cs typeface="Times New Roman" panose="02020603050405020304" pitchFamily="18" charset="0"/>
+              </a:rPr>
+              <a:t>硬节点</a:t>
+            </a:r>
+            <a:r>
+              <a:rPr lang="en-US" altLang="zh-CN" kern="100" dirty="0">
+                <a:effectLst/>
+                <a:latin typeface="Times New Roman" panose="02020603050405020304" pitchFamily="18" charset="0"/>
+                <a:ea typeface="宋体" panose="02010600030101010101" pitchFamily="2" charset="-122"/>
+                <a:cs typeface="Times New Roman" panose="02020603050405020304" pitchFamily="18" charset="0"/>
+              </a:rPr>
+              <a:t>”</a:t>
+            </a:r>
+            <a:r>
+              <a:rPr lang="zh-CN" altLang="zh-CN" kern="100" dirty="0">
+                <a:effectLst/>
+                <a:latin typeface="Times New Roman" panose="02020603050405020304" pitchFamily="18" charset="0"/>
+                <a:ea typeface="宋体" panose="02010600030101010101" pitchFamily="2" charset="-122"/>
+                <a:cs typeface="Times New Roman" panose="02020603050405020304" pitchFamily="18" charset="0"/>
+              </a:rPr>
+              <a:t>的有效性依赖数据。</a:t>
+            </a:r>
+          </a:p>
+          <a:p>
+            <a:pPr marL="742950" lvl="1" indent="-285750">
+              <a:lnSpc>
+                <a:spcPct val="115000"/>
+              </a:lnSpc>
+              <a:spcAft>
+                <a:spcPts val="800"/>
+              </a:spcAft>
+              <a:buSzPts val="1000"/>
+              <a:buFont typeface="Courier New" panose="02070309020205020404" pitchFamily="49" charset="0"/>
+              <a:buChar char="o"/>
+              <a:tabLst>
+                <a:tab pos="914400" algn="l"/>
+              </a:tabLst>
+            </a:pPr>
+            <a:r>
+              <a:rPr lang="zh-CN" altLang="zh-CN" kern="100" dirty="0">
+                <a:effectLst/>
+                <a:latin typeface="Times New Roman" panose="02020603050405020304" pitchFamily="18" charset="0"/>
+                <a:ea typeface="宋体" panose="02010600030101010101" pitchFamily="2" charset="-122"/>
+                <a:cs typeface="Times New Roman" panose="02020603050405020304" pitchFamily="18" charset="0"/>
+              </a:rPr>
+              <a:t>超参数的选择未充分论证。</a:t>
+            </a:r>
+          </a:p>
+          <a:p>
+            <a:pPr marL="342900" lvl="0" indent="-342900">
+              <a:lnSpc>
+                <a:spcPct val="115000"/>
+              </a:lnSpc>
+              <a:spcAft>
+                <a:spcPts val="800"/>
+              </a:spcAft>
+              <a:buSzPts val="1000"/>
+              <a:buFont typeface="Symbol" panose="05050102010706020507" pitchFamily="18" charset="2"/>
+              <a:buChar char=""/>
+              <a:tabLst>
+                <a:tab pos="457200" algn="l"/>
+              </a:tabLst>
+            </a:pPr>
+            <a:r>
+              <a:rPr lang="zh-CN" altLang="zh-CN" b="1" kern="100" dirty="0">
+                <a:effectLst/>
+                <a:latin typeface="Times New Roman" panose="02020603050405020304" pitchFamily="18" charset="0"/>
+                <a:ea typeface="宋体" panose="02010600030101010101" pitchFamily="2" charset="-122"/>
+                <a:cs typeface="Times New Roman" panose="02020603050405020304" pitchFamily="18" charset="0"/>
+              </a:rPr>
+              <a:t>实验指标单一</a:t>
+            </a:r>
+            <a:r>
+              <a:rPr lang="zh-CN" altLang="zh-CN" kern="100" dirty="0">
+                <a:effectLst/>
+                <a:latin typeface="Times New Roman" panose="02020603050405020304" pitchFamily="18" charset="0"/>
+                <a:ea typeface="宋体" panose="02010600030101010101" pitchFamily="2" charset="-122"/>
+                <a:cs typeface="Times New Roman" panose="02020603050405020304" pitchFamily="18" charset="0"/>
+              </a:rPr>
+              <a:t>（</a:t>
+            </a:r>
+            <a:r>
+              <a:rPr lang="en-US" altLang="zh-CN" kern="100" dirty="0">
+                <a:effectLst/>
+                <a:latin typeface="Times New Roman" panose="02020603050405020304" pitchFamily="18" charset="0"/>
+                <a:ea typeface="宋体" panose="02010600030101010101" pitchFamily="2" charset="-122"/>
+                <a:cs typeface="Times New Roman" panose="02020603050405020304" pitchFamily="18" charset="0"/>
+              </a:rPr>
+              <a:t>O3</a:t>
+            </a:r>
+            <a:r>
+              <a:rPr lang="zh-CN" altLang="zh-CN" kern="100" dirty="0">
+                <a:effectLst/>
+                <a:latin typeface="Times New Roman" panose="02020603050405020304" pitchFamily="18" charset="0"/>
+                <a:ea typeface="宋体" panose="02010600030101010101" pitchFamily="2" charset="-122"/>
+                <a:cs typeface="Times New Roman" panose="02020603050405020304" pitchFamily="18" charset="0"/>
+              </a:rPr>
+              <a:t>）：仅报告验证成功率（</a:t>
+            </a:r>
+            <a:r>
+              <a:rPr lang="en-US" altLang="zh-CN" kern="100" dirty="0">
+                <a:effectLst/>
+                <a:latin typeface="Times New Roman" panose="02020603050405020304" pitchFamily="18" charset="0"/>
+                <a:ea typeface="宋体" panose="02010600030101010101" pitchFamily="2" charset="-122"/>
+                <a:cs typeface="Times New Roman" panose="02020603050405020304" pitchFamily="18" charset="0"/>
+              </a:rPr>
+              <a:t>VSR</a:t>
+            </a:r>
+            <a:r>
+              <a:rPr lang="zh-CN" altLang="zh-CN" kern="100" dirty="0">
+                <a:effectLst/>
+                <a:latin typeface="Times New Roman" panose="02020603050405020304" pitchFamily="18" charset="0"/>
+                <a:ea typeface="宋体" panose="02010600030101010101" pitchFamily="2" charset="-122"/>
+                <a:cs typeface="Times New Roman" panose="02020603050405020304" pitchFamily="18" charset="0"/>
+              </a:rPr>
+              <a:t>），需补充误报率、</a:t>
+            </a:r>
+            <a:r>
+              <a:rPr lang="en-US" altLang="zh-CN" kern="100" dirty="0">
+                <a:effectLst/>
+                <a:latin typeface="Times New Roman" panose="02020603050405020304" pitchFamily="18" charset="0"/>
+                <a:ea typeface="宋体" panose="02010600030101010101" pitchFamily="2" charset="-122"/>
+                <a:cs typeface="Times New Roman" panose="02020603050405020304" pitchFamily="18" charset="0"/>
+              </a:rPr>
+              <a:t>F1</a:t>
+            </a:r>
+            <a:r>
+              <a:rPr lang="zh-CN" altLang="zh-CN" kern="100" dirty="0">
+                <a:effectLst/>
+                <a:latin typeface="Times New Roman" panose="02020603050405020304" pitchFamily="18" charset="0"/>
+                <a:ea typeface="宋体" panose="02010600030101010101" pitchFamily="2" charset="-122"/>
+                <a:cs typeface="Times New Roman" panose="02020603050405020304" pitchFamily="18" charset="0"/>
+              </a:rPr>
+              <a:t>等指标。</a:t>
+            </a:r>
+          </a:p>
+        </p:txBody>
+      </p:sp>
+      <p:sp>
+        <p:nvSpPr>
+          <p:cNvPr id="6" name="文本框 5">
+            <a:extLst>
+              <a:ext uri="{FF2B5EF4-FFF2-40B4-BE49-F238E27FC236}">
+                <a16:creationId xmlns:a16="http://schemas.microsoft.com/office/drawing/2014/main" id="{E07347C4-C9BF-E92E-A350-C7E177F14222}"/>
+              </a:ext>
+            </a:extLst>
+          </p:cNvPr>
+          <p:cNvSpPr txBox="1"/>
+          <p:nvPr/>
+        </p:nvSpPr>
+        <p:spPr>
+          <a:xfrm>
+            <a:off x="1168400" y="1188720"/>
+            <a:ext cx="439544" cy="369332"/>
+          </a:xfrm>
+          <a:prstGeom prst="rect">
+            <a:avLst/>
+          </a:prstGeom>
+          <a:noFill/>
+        </p:spPr>
+        <p:txBody>
+          <a:bodyPr wrap="none" rtlCol="0">
+            <a:spAutoFit/>
+          </a:bodyPr>
+          <a:lstStyle/>
+          <a:p>
+            <a:r>
+              <a:rPr lang="en-US" altLang="zh-CN" dirty="0"/>
+              <a:t>R2</a:t>
+            </a:r>
+            <a:endParaRPr lang="zh-CN" altLang="en-US" dirty="0"/>
+          </a:p>
+        </p:txBody>
+      </p:sp>
+    </p:spTree>
+    <p:extLst>
+      <p:ext uri="{BB962C8B-B14F-4D97-AF65-F5344CB8AC3E}">
+        <p14:creationId xmlns:p14="http://schemas.microsoft.com/office/powerpoint/2010/main" val="1849718885"/>
+      </p:ext>
+    </p:extLst>
+  </p:cSld>
+  <p:clrMapOvr>
+    <a:masterClrMapping/>
+  </p:clrMapOvr>
+</p:sld>
+</file>
+
+<file path=ppt/slides/slide13.xml><?xml version="1.0" encoding="utf-8"?>
+<p:sld xmlns:a="http://schemas.openxmlformats.org/drawingml/2006/main" xmlns:r="http://schemas.openxmlformats.org/officeDocument/2006/relationships" xmlns:p="http://schemas.openxmlformats.org/presentationml/2006/main">
+  <p:cSld>
+    <p:spTree>
+      <p:nvGrpSpPr>
+        <p:cNvPr id="1" name=""/>
+        <p:cNvGrpSpPr/>
+        <p:nvPr/>
+      </p:nvGrpSpPr>
+      <p:grpSpPr>
+        <a:xfrm>
+          <a:off x="0" y="0"/>
+          <a:ext cx="0" cy="0"/>
+          <a:chOff x="0" y="0"/>
+          <a:chExt cx="0" cy="0"/>
+        </a:xfrm>
+      </p:grpSpPr>
+      <p:sp>
+        <p:nvSpPr>
+          <p:cNvPr id="5" name="文本框 4">
+            <a:extLst>
+              <a:ext uri="{FF2B5EF4-FFF2-40B4-BE49-F238E27FC236}">
+                <a16:creationId xmlns:a16="http://schemas.microsoft.com/office/drawing/2014/main" id="{9FEAB661-5D97-C114-B99A-9E3913CEAD02}"/>
+              </a:ext>
+            </a:extLst>
+          </p:cNvPr>
+          <p:cNvSpPr txBox="1"/>
+          <p:nvPr/>
+        </p:nvSpPr>
+        <p:spPr>
+          <a:xfrm>
+            <a:off x="568960" y="869701"/>
+            <a:ext cx="10454640" cy="4593950"/>
+          </a:xfrm>
+          <a:prstGeom prst="rect">
+            <a:avLst/>
+          </a:prstGeom>
+          <a:noFill/>
+        </p:spPr>
+        <p:txBody>
+          <a:bodyPr wrap="square">
+            <a:spAutoFit/>
+          </a:bodyPr>
+          <a:lstStyle/>
+          <a:p>
+            <a:pPr marL="342900" lvl="0" indent="-342900">
+              <a:lnSpc>
+                <a:spcPct val="115000"/>
+              </a:lnSpc>
+              <a:spcAft>
+                <a:spcPts val="800"/>
+              </a:spcAft>
+              <a:buSzPts val="1000"/>
+              <a:buFont typeface="Symbol" panose="05050102010706020507" pitchFamily="18" charset="2"/>
+              <a:buChar char=""/>
+              <a:tabLst>
+                <a:tab pos="457200" algn="l"/>
+              </a:tabLst>
+            </a:pPr>
+            <a:r>
+              <a:rPr lang="zh-CN" altLang="zh-CN" b="1" kern="100" dirty="0">
+                <a:effectLst/>
+                <a:latin typeface="Times New Roman" panose="02020603050405020304" pitchFamily="18" charset="0"/>
+                <a:ea typeface="宋体" panose="02010600030101010101" pitchFamily="2" charset="-122"/>
+                <a:cs typeface="Times New Roman" panose="02020603050405020304" pitchFamily="18" charset="0"/>
+              </a:rPr>
+              <a:t>可行性讨论不足</a:t>
+            </a:r>
+            <a:r>
+              <a:rPr lang="zh-CN" altLang="zh-CN" kern="100" dirty="0">
+                <a:effectLst/>
+                <a:latin typeface="Times New Roman" panose="02020603050405020304" pitchFamily="18" charset="0"/>
+                <a:ea typeface="宋体" panose="02010600030101010101" pitchFamily="2" charset="-122"/>
+                <a:cs typeface="Times New Roman" panose="02020603050405020304" pitchFamily="18" charset="0"/>
+              </a:rPr>
+              <a:t>（</a:t>
+            </a:r>
+            <a:r>
+              <a:rPr lang="en-US" altLang="zh-CN" kern="100" dirty="0">
+                <a:effectLst/>
+                <a:latin typeface="Times New Roman" panose="02020603050405020304" pitchFamily="18" charset="0"/>
+                <a:ea typeface="宋体" panose="02010600030101010101" pitchFamily="2" charset="-122"/>
+                <a:cs typeface="Times New Roman" panose="02020603050405020304" pitchFamily="18" charset="0"/>
+              </a:rPr>
+              <a:t>O1</a:t>
+            </a:r>
+            <a:r>
+              <a:rPr lang="zh-CN" altLang="zh-CN" kern="100" dirty="0">
+                <a:effectLst/>
+                <a:latin typeface="Times New Roman" panose="02020603050405020304" pitchFamily="18" charset="0"/>
+                <a:ea typeface="宋体" panose="02010600030101010101" pitchFamily="2" charset="-122"/>
+                <a:cs typeface="Times New Roman" panose="02020603050405020304" pitchFamily="18" charset="0"/>
+              </a:rPr>
+              <a:t>）：若攻击者无法访问模型，方法是否可行？需讨论限制或提出替代方案。</a:t>
+            </a:r>
+          </a:p>
+          <a:p>
+            <a:pPr marL="342900" lvl="0" indent="-342900">
+              <a:lnSpc>
+                <a:spcPct val="115000"/>
+              </a:lnSpc>
+              <a:spcAft>
+                <a:spcPts val="800"/>
+              </a:spcAft>
+              <a:buSzPts val="1000"/>
+              <a:buFont typeface="Symbol" panose="05050102010706020507" pitchFamily="18" charset="2"/>
+              <a:buChar char=""/>
+              <a:tabLst>
+                <a:tab pos="457200" algn="l"/>
+              </a:tabLst>
+            </a:pPr>
+            <a:r>
+              <a:rPr lang="zh-CN" altLang="zh-CN" b="1" kern="100" dirty="0">
+                <a:effectLst/>
+                <a:latin typeface="Times New Roman" panose="02020603050405020304" pitchFamily="18" charset="0"/>
+                <a:ea typeface="宋体" panose="02010600030101010101" pitchFamily="2" charset="-122"/>
+                <a:cs typeface="Times New Roman" panose="02020603050405020304" pitchFamily="18" charset="0"/>
+              </a:rPr>
+              <a:t>任务特定性问题</a:t>
+            </a:r>
+            <a:r>
+              <a:rPr lang="zh-CN" altLang="zh-CN" kern="100" dirty="0">
+                <a:effectLst/>
+                <a:latin typeface="Times New Roman" panose="02020603050405020304" pitchFamily="18" charset="0"/>
+                <a:ea typeface="宋体" panose="02010600030101010101" pitchFamily="2" charset="-122"/>
+                <a:cs typeface="Times New Roman" panose="02020603050405020304" pitchFamily="18" charset="0"/>
+              </a:rPr>
+              <a:t>（</a:t>
+            </a:r>
+            <a:r>
+              <a:rPr lang="en-US" altLang="zh-CN" kern="100" dirty="0">
+                <a:effectLst/>
+                <a:latin typeface="Times New Roman" panose="02020603050405020304" pitchFamily="18" charset="0"/>
+                <a:ea typeface="宋体" panose="02010600030101010101" pitchFamily="2" charset="-122"/>
+                <a:cs typeface="Times New Roman" panose="02020603050405020304" pitchFamily="18" charset="0"/>
+              </a:rPr>
+              <a:t>O2</a:t>
+            </a:r>
+            <a:r>
+              <a:rPr lang="zh-CN" altLang="zh-CN" kern="100" dirty="0">
+                <a:effectLst/>
+                <a:latin typeface="Times New Roman" panose="02020603050405020304" pitchFamily="18" charset="0"/>
+                <a:ea typeface="宋体" panose="02010600030101010101" pitchFamily="2" charset="-122"/>
+                <a:cs typeface="Times New Roman" panose="02020603050405020304" pitchFamily="18" charset="0"/>
+              </a:rPr>
+              <a:t>）：水印对不同任务（如节点分类</a:t>
+            </a:r>
+            <a:r>
+              <a:rPr lang="en-US" altLang="zh-CN" kern="100" dirty="0">
+                <a:effectLst/>
+                <a:latin typeface="Times New Roman" panose="02020603050405020304" pitchFamily="18" charset="0"/>
+                <a:ea typeface="宋体" panose="02010600030101010101" pitchFamily="2" charset="-122"/>
+                <a:cs typeface="Times New Roman" panose="02020603050405020304" pitchFamily="18" charset="0"/>
+              </a:rPr>
+              <a:t> vs. </a:t>
+            </a:r>
+            <a:r>
+              <a:rPr lang="zh-CN" altLang="zh-CN" kern="100" dirty="0">
+                <a:effectLst/>
+                <a:latin typeface="Times New Roman" panose="02020603050405020304" pitchFamily="18" charset="0"/>
+                <a:ea typeface="宋体" panose="02010600030101010101" pitchFamily="2" charset="-122"/>
+                <a:cs typeface="Times New Roman" panose="02020603050405020304" pitchFamily="18" charset="0"/>
+              </a:rPr>
+              <a:t>图</a:t>
+            </a:r>
+            <a:r>
+              <a:rPr lang="zh-CN" altLang="en-US" kern="100" dirty="0">
+                <a:effectLst/>
+                <a:latin typeface="Times New Roman" panose="02020603050405020304" pitchFamily="18" charset="0"/>
+                <a:ea typeface="宋体" panose="02010600030101010101" pitchFamily="2" charset="-122"/>
+                <a:cs typeface="Times New Roman" panose="02020603050405020304" pitchFamily="18" charset="0"/>
+              </a:rPr>
+              <a:t>分类</a:t>
+            </a:r>
+            <a:r>
+              <a:rPr lang="zh-CN" altLang="zh-CN" kern="100" dirty="0">
+                <a:effectLst/>
+                <a:latin typeface="Times New Roman" panose="02020603050405020304" pitchFamily="18" charset="0"/>
+                <a:ea typeface="宋体" panose="02010600030101010101" pitchFamily="2" charset="-122"/>
+                <a:cs typeface="Times New Roman" panose="02020603050405020304" pitchFamily="18" charset="0"/>
+              </a:rPr>
+              <a:t>）的泛化能力不足。</a:t>
+            </a:r>
+          </a:p>
+          <a:p>
+            <a:pPr marL="342900" lvl="0" indent="-342900">
+              <a:lnSpc>
+                <a:spcPct val="115000"/>
+              </a:lnSpc>
+              <a:spcAft>
+                <a:spcPts val="800"/>
+              </a:spcAft>
+              <a:buSzPts val="1000"/>
+              <a:buFont typeface="Symbol" panose="05050102010706020507" pitchFamily="18" charset="2"/>
+              <a:buChar char=""/>
+              <a:tabLst>
+                <a:tab pos="457200" algn="l"/>
+              </a:tabLst>
+            </a:pPr>
+            <a:r>
+              <a:rPr lang="zh-CN" altLang="zh-CN" b="1" kern="100" dirty="0">
+                <a:effectLst/>
+                <a:latin typeface="Times New Roman" panose="02020603050405020304" pitchFamily="18" charset="0"/>
+                <a:ea typeface="宋体" panose="02010600030101010101" pitchFamily="2" charset="-122"/>
+                <a:cs typeface="Times New Roman" panose="02020603050405020304" pitchFamily="18" charset="0"/>
+              </a:rPr>
+              <a:t>结构异常检测评估缺失</a:t>
+            </a:r>
+            <a:r>
+              <a:rPr lang="zh-CN" altLang="zh-CN" kern="100" dirty="0">
+                <a:effectLst/>
+                <a:latin typeface="Times New Roman" panose="02020603050405020304" pitchFamily="18" charset="0"/>
+                <a:ea typeface="宋体" panose="02010600030101010101" pitchFamily="2" charset="-122"/>
+                <a:cs typeface="Times New Roman" panose="02020603050405020304" pitchFamily="18" charset="0"/>
+              </a:rPr>
+              <a:t>（</a:t>
+            </a:r>
+            <a:r>
+              <a:rPr lang="en-US" altLang="zh-CN" kern="100" dirty="0">
+                <a:effectLst/>
+                <a:latin typeface="Times New Roman" panose="02020603050405020304" pitchFamily="18" charset="0"/>
+                <a:ea typeface="宋体" panose="02010600030101010101" pitchFamily="2" charset="-122"/>
+                <a:cs typeface="Times New Roman" panose="02020603050405020304" pitchFamily="18" charset="0"/>
+              </a:rPr>
+              <a:t>O3</a:t>
+            </a:r>
+            <a:r>
+              <a:rPr lang="zh-CN" altLang="zh-CN" kern="100" dirty="0">
+                <a:effectLst/>
+                <a:latin typeface="Times New Roman" panose="02020603050405020304" pitchFamily="18" charset="0"/>
+                <a:ea typeface="宋体" panose="02010600030101010101" pitchFamily="2" charset="-122"/>
+                <a:cs typeface="Times New Roman" panose="02020603050405020304" pitchFamily="18" charset="0"/>
+              </a:rPr>
+              <a:t>）：未量化评估水印对结构异常检测（如子图稀有性）的鲁棒性。</a:t>
+            </a:r>
+          </a:p>
+          <a:p>
+            <a:pPr marL="342900" lvl="0" indent="-342900">
+              <a:lnSpc>
+                <a:spcPct val="115000"/>
+              </a:lnSpc>
+              <a:spcAft>
+                <a:spcPts val="800"/>
+              </a:spcAft>
+              <a:buSzPts val="1000"/>
+              <a:buFont typeface="Symbol" panose="05050102010706020507" pitchFamily="18" charset="2"/>
+              <a:buChar char=""/>
+              <a:tabLst>
+                <a:tab pos="457200" algn="l"/>
+              </a:tabLst>
+            </a:pPr>
+            <a:r>
+              <a:rPr lang="zh-CN" altLang="zh-CN" b="1" kern="100" dirty="0">
+                <a:effectLst/>
+                <a:latin typeface="Times New Roman" panose="02020603050405020304" pitchFamily="18" charset="0"/>
+                <a:ea typeface="宋体" panose="02010600030101010101" pitchFamily="2" charset="-122"/>
+                <a:cs typeface="Times New Roman" panose="02020603050405020304" pitchFamily="18" charset="0"/>
+              </a:rPr>
+              <a:t>代理模型依赖风险</a:t>
+            </a:r>
+            <a:r>
+              <a:rPr lang="zh-CN" altLang="zh-CN" kern="100" dirty="0">
+                <a:effectLst/>
+                <a:latin typeface="Times New Roman" panose="02020603050405020304" pitchFamily="18" charset="0"/>
+                <a:ea typeface="宋体" panose="02010600030101010101" pitchFamily="2" charset="-122"/>
+                <a:cs typeface="Times New Roman" panose="02020603050405020304" pitchFamily="18" charset="0"/>
+              </a:rPr>
+              <a:t>（</a:t>
+            </a:r>
+            <a:r>
+              <a:rPr lang="en-US" altLang="zh-CN" kern="100" dirty="0">
+                <a:effectLst/>
+                <a:latin typeface="Times New Roman" panose="02020603050405020304" pitchFamily="18" charset="0"/>
+                <a:ea typeface="宋体" panose="02010600030101010101" pitchFamily="2" charset="-122"/>
+                <a:cs typeface="Times New Roman" panose="02020603050405020304" pitchFamily="18" charset="0"/>
+              </a:rPr>
+              <a:t>O4</a:t>
+            </a:r>
+            <a:r>
+              <a:rPr lang="zh-CN" altLang="zh-CN" kern="100" dirty="0">
+                <a:effectLst/>
+                <a:latin typeface="Times New Roman" panose="02020603050405020304" pitchFamily="18" charset="0"/>
+                <a:ea typeface="宋体" panose="02010600030101010101" pitchFamily="2" charset="-122"/>
+                <a:cs typeface="Times New Roman" panose="02020603050405020304" pitchFamily="18" charset="0"/>
+              </a:rPr>
+              <a:t>）：若代理模型泄露，攻击者可能移除水印。</a:t>
+            </a:r>
+          </a:p>
+          <a:p>
+            <a:pPr marL="342900" lvl="0" indent="-342900">
+              <a:lnSpc>
+                <a:spcPct val="115000"/>
+              </a:lnSpc>
+              <a:spcAft>
+                <a:spcPts val="800"/>
+              </a:spcAft>
+              <a:buSzPts val="1000"/>
+              <a:buFont typeface="Symbol" panose="05050102010706020507" pitchFamily="18" charset="2"/>
+              <a:buChar char=""/>
+              <a:tabLst>
+                <a:tab pos="457200" algn="l"/>
+              </a:tabLst>
+            </a:pPr>
+            <a:r>
+              <a:rPr lang="zh-CN" altLang="zh-CN" b="1" kern="100" dirty="0">
+                <a:effectLst/>
+                <a:latin typeface="Times New Roman" panose="02020603050405020304" pitchFamily="18" charset="0"/>
+                <a:ea typeface="宋体" panose="02010600030101010101" pitchFamily="2" charset="-122"/>
+                <a:cs typeface="Times New Roman" panose="02020603050405020304" pitchFamily="18" charset="0"/>
+              </a:rPr>
+              <a:t>超参数敏感性分析缺失</a:t>
+            </a:r>
+            <a:r>
+              <a:rPr lang="zh-CN" altLang="zh-CN" kern="100" dirty="0">
+                <a:effectLst/>
+                <a:latin typeface="Times New Roman" panose="02020603050405020304" pitchFamily="18" charset="0"/>
+                <a:ea typeface="宋体" panose="02010600030101010101" pitchFamily="2" charset="-122"/>
+                <a:cs typeface="Times New Roman" panose="02020603050405020304" pitchFamily="18" charset="0"/>
+              </a:rPr>
+              <a:t>（</a:t>
+            </a:r>
+            <a:r>
+              <a:rPr lang="en-US" altLang="zh-CN" kern="100" dirty="0">
+                <a:effectLst/>
+                <a:latin typeface="Times New Roman" panose="02020603050405020304" pitchFamily="18" charset="0"/>
+                <a:ea typeface="宋体" panose="02010600030101010101" pitchFamily="2" charset="-122"/>
+                <a:cs typeface="Times New Roman" panose="02020603050405020304" pitchFamily="18" charset="0"/>
+              </a:rPr>
+              <a:t>O6</a:t>
+            </a:r>
+            <a:r>
+              <a:rPr lang="zh-CN" altLang="zh-CN" kern="100" dirty="0">
+                <a:effectLst/>
+                <a:latin typeface="Times New Roman" panose="02020603050405020304" pitchFamily="18" charset="0"/>
+                <a:ea typeface="宋体" panose="02010600030101010101" pitchFamily="2" charset="-122"/>
+                <a:cs typeface="Times New Roman" panose="02020603050405020304" pitchFamily="18" charset="0"/>
+              </a:rPr>
+              <a:t>）：</a:t>
+            </a:r>
+          </a:p>
+          <a:p>
+            <a:pPr marL="742950" lvl="1" indent="-285750">
+              <a:lnSpc>
+                <a:spcPct val="115000"/>
+              </a:lnSpc>
+              <a:spcAft>
+                <a:spcPts val="800"/>
+              </a:spcAft>
+              <a:buSzPts val="1000"/>
+              <a:buFont typeface="Courier New" panose="02070309020205020404" pitchFamily="49" charset="0"/>
+              <a:buChar char="o"/>
+              <a:tabLst>
+                <a:tab pos="914400" algn="l"/>
+              </a:tabLst>
+            </a:pPr>
+            <a:r>
+              <a:rPr lang="zh-CN" altLang="zh-CN" kern="100" dirty="0">
+                <a:effectLst/>
+                <a:latin typeface="Times New Roman" panose="02020603050405020304" pitchFamily="18" charset="0"/>
+                <a:ea typeface="宋体" panose="02010600030101010101" pitchFamily="2" charset="-122"/>
+                <a:cs typeface="Times New Roman" panose="02020603050405020304" pitchFamily="18" charset="0"/>
+              </a:rPr>
+              <a:t>未分析超参数（如</a:t>
+            </a:r>
+            <a:r>
+              <a:rPr lang="en-US" altLang="zh-CN" kern="100" dirty="0">
+                <a:effectLst/>
+                <a:latin typeface="Times New Roman" panose="02020603050405020304" pitchFamily="18" charset="0"/>
+                <a:ea typeface="宋体" panose="02010600030101010101" pitchFamily="2" charset="-122"/>
+                <a:cs typeface="Times New Roman" panose="02020603050405020304" pitchFamily="18" charset="0"/>
+              </a:rPr>
+              <a:t>k-hop</a:t>
+            </a:r>
+            <a:r>
+              <a:rPr lang="zh-CN" altLang="zh-CN" kern="100" dirty="0">
+                <a:effectLst/>
+                <a:latin typeface="Times New Roman" panose="02020603050405020304" pitchFamily="18" charset="0"/>
+                <a:ea typeface="宋体" panose="02010600030101010101" pitchFamily="2" charset="-122"/>
+                <a:cs typeface="Times New Roman" panose="02020603050405020304" pitchFamily="18" charset="0"/>
+              </a:rPr>
+              <a:t>子图大小）对性能的影响。</a:t>
+            </a:r>
+          </a:p>
+          <a:p>
+            <a:pPr marL="742950" lvl="1" indent="-285750">
+              <a:lnSpc>
+                <a:spcPct val="115000"/>
+              </a:lnSpc>
+              <a:spcAft>
+                <a:spcPts val="800"/>
+              </a:spcAft>
+              <a:buSzPts val="1000"/>
+              <a:buFont typeface="Courier New" panose="02070309020205020404" pitchFamily="49" charset="0"/>
+              <a:buChar char="o"/>
+              <a:tabLst>
+                <a:tab pos="914400" algn="l"/>
+              </a:tabLst>
+            </a:pPr>
+            <a:r>
+              <a:rPr lang="zh-CN" altLang="zh-CN" kern="100" dirty="0">
+                <a:effectLst/>
+                <a:latin typeface="Times New Roman" panose="02020603050405020304" pitchFamily="18" charset="0"/>
+                <a:ea typeface="宋体" panose="02010600030101010101" pitchFamily="2" charset="-122"/>
+                <a:cs typeface="Times New Roman" panose="02020603050405020304" pitchFamily="18" charset="0"/>
+              </a:rPr>
+              <a:t>双提示矩阵的初始化策略未明确。</a:t>
+            </a:r>
+          </a:p>
+          <a:p>
+            <a:pPr marL="342900" lvl="0" indent="-342900">
+              <a:lnSpc>
+                <a:spcPct val="115000"/>
+              </a:lnSpc>
+              <a:spcAft>
+                <a:spcPts val="800"/>
+              </a:spcAft>
+              <a:buSzPts val="1000"/>
+              <a:buFont typeface="Symbol" panose="05050102010706020507" pitchFamily="18" charset="2"/>
+              <a:buChar char=""/>
+              <a:tabLst>
+                <a:tab pos="457200" algn="l"/>
+              </a:tabLst>
+            </a:pPr>
+            <a:r>
+              <a:rPr lang="zh-CN" altLang="zh-CN" b="1" kern="100" dirty="0">
+                <a:effectLst/>
+                <a:latin typeface="Times New Roman" panose="02020603050405020304" pitchFamily="18" charset="0"/>
+                <a:ea typeface="宋体" panose="02010600030101010101" pitchFamily="2" charset="-122"/>
+                <a:cs typeface="Times New Roman" panose="02020603050405020304" pitchFamily="18" charset="0"/>
+              </a:rPr>
+              <a:t>双层优化问题</a:t>
+            </a:r>
+            <a:r>
+              <a:rPr lang="zh-CN" altLang="zh-CN" kern="100" dirty="0">
+                <a:effectLst/>
+                <a:latin typeface="Times New Roman" panose="02020603050405020304" pitchFamily="18" charset="0"/>
+                <a:ea typeface="宋体" panose="02010600030101010101" pitchFamily="2" charset="-122"/>
+                <a:cs typeface="Times New Roman" panose="02020603050405020304" pitchFamily="18" charset="0"/>
+              </a:rPr>
+              <a:t>（</a:t>
+            </a:r>
+            <a:r>
+              <a:rPr lang="en-US" altLang="zh-CN" kern="100" dirty="0">
+                <a:effectLst/>
+                <a:latin typeface="Times New Roman" panose="02020603050405020304" pitchFamily="18" charset="0"/>
+                <a:ea typeface="宋体" panose="02010600030101010101" pitchFamily="2" charset="-122"/>
+                <a:cs typeface="Times New Roman" panose="02020603050405020304" pitchFamily="18" charset="0"/>
+              </a:rPr>
+              <a:t>O7</a:t>
+            </a:r>
+            <a:r>
+              <a:rPr lang="zh-CN" altLang="zh-CN" kern="100" dirty="0">
+                <a:effectLst/>
+                <a:latin typeface="Times New Roman" panose="02020603050405020304" pitchFamily="18" charset="0"/>
+                <a:ea typeface="宋体" panose="02010600030101010101" pitchFamily="2" charset="-122"/>
+                <a:cs typeface="Times New Roman" panose="02020603050405020304" pitchFamily="18" charset="0"/>
+              </a:rPr>
+              <a:t>）：未讨论收敛性、稳定性及计算效率，可能影响实际应用。</a:t>
+            </a:r>
+          </a:p>
+          <a:p>
+            <a:pPr marL="342900" lvl="0" indent="-342900">
+              <a:lnSpc>
+                <a:spcPct val="115000"/>
+              </a:lnSpc>
+              <a:spcAft>
+                <a:spcPts val="800"/>
+              </a:spcAft>
+              <a:buSzPts val="1000"/>
+              <a:buFont typeface="Symbol" panose="05050102010706020507" pitchFamily="18" charset="2"/>
+              <a:buChar char=""/>
+              <a:tabLst>
+                <a:tab pos="457200" algn="l"/>
+              </a:tabLst>
+            </a:pPr>
+            <a:r>
+              <a:rPr lang="zh-CN" altLang="zh-CN" b="1" kern="100" dirty="0">
+                <a:effectLst/>
+                <a:latin typeface="Times New Roman" panose="02020603050405020304" pitchFamily="18" charset="0"/>
+                <a:ea typeface="宋体" panose="02010600030101010101" pitchFamily="2" charset="-122"/>
+                <a:cs typeface="Times New Roman" panose="02020603050405020304" pitchFamily="18" charset="0"/>
+              </a:rPr>
+              <a:t>模型异质性下的转移性不足</a:t>
+            </a:r>
+            <a:r>
+              <a:rPr lang="zh-CN" altLang="zh-CN" kern="100" dirty="0">
+                <a:effectLst/>
+                <a:latin typeface="Times New Roman" panose="02020603050405020304" pitchFamily="18" charset="0"/>
+                <a:ea typeface="宋体" panose="02010600030101010101" pitchFamily="2" charset="-122"/>
+                <a:cs typeface="Times New Roman" panose="02020603050405020304" pitchFamily="18" charset="0"/>
+              </a:rPr>
+              <a:t>（</a:t>
+            </a:r>
+            <a:r>
+              <a:rPr lang="en-US" altLang="zh-CN" kern="100" dirty="0">
+                <a:effectLst/>
+                <a:latin typeface="Times New Roman" panose="02020603050405020304" pitchFamily="18" charset="0"/>
+                <a:ea typeface="宋体" panose="02010600030101010101" pitchFamily="2" charset="-122"/>
+                <a:cs typeface="Times New Roman" panose="02020603050405020304" pitchFamily="18" charset="0"/>
+              </a:rPr>
+              <a:t>O8</a:t>
+            </a:r>
+            <a:r>
+              <a:rPr lang="zh-CN" altLang="zh-CN" kern="100" dirty="0">
+                <a:effectLst/>
+                <a:latin typeface="Times New Roman" panose="02020603050405020304" pitchFamily="18" charset="0"/>
+                <a:ea typeface="宋体" panose="02010600030101010101" pitchFamily="2" charset="-122"/>
+                <a:cs typeface="Times New Roman" panose="02020603050405020304" pitchFamily="18" charset="0"/>
+              </a:rPr>
+              <a:t>）：需验证方法在模型能力差异大时的有效性。</a:t>
+            </a:r>
+          </a:p>
+          <a:p>
+            <a:pPr marL="342900" lvl="0" indent="-342900">
+              <a:lnSpc>
+                <a:spcPct val="115000"/>
+              </a:lnSpc>
+              <a:spcAft>
+                <a:spcPts val="800"/>
+              </a:spcAft>
+              <a:buSzPts val="1000"/>
+              <a:buFont typeface="Symbol" panose="05050102010706020507" pitchFamily="18" charset="2"/>
+              <a:buChar char=""/>
+              <a:tabLst>
+                <a:tab pos="457200" algn="l"/>
+              </a:tabLst>
+            </a:pPr>
+            <a:r>
+              <a:rPr lang="zh-CN" altLang="zh-CN" b="1" kern="100" dirty="0">
+                <a:effectLst/>
+                <a:latin typeface="Times New Roman" panose="02020603050405020304" pitchFamily="18" charset="0"/>
+                <a:ea typeface="宋体" panose="02010600030101010101" pitchFamily="2" charset="-122"/>
+                <a:cs typeface="Times New Roman" panose="02020603050405020304" pitchFamily="18" charset="0"/>
+              </a:rPr>
+              <a:t>水印隐蔽性验证不足</a:t>
+            </a:r>
+            <a:r>
+              <a:rPr lang="zh-CN" altLang="zh-CN" kern="100" dirty="0">
+                <a:effectLst/>
+                <a:latin typeface="Times New Roman" panose="02020603050405020304" pitchFamily="18" charset="0"/>
+                <a:ea typeface="宋体" panose="02010600030101010101" pitchFamily="2" charset="-122"/>
+                <a:cs typeface="Times New Roman" panose="02020603050405020304" pitchFamily="18" charset="0"/>
+              </a:rPr>
+              <a:t>（</a:t>
+            </a:r>
+            <a:r>
+              <a:rPr lang="en-US" altLang="zh-CN" kern="100" dirty="0">
+                <a:effectLst/>
+                <a:latin typeface="Times New Roman" panose="02020603050405020304" pitchFamily="18" charset="0"/>
+                <a:ea typeface="宋体" panose="02010600030101010101" pitchFamily="2" charset="-122"/>
+                <a:cs typeface="Times New Roman" panose="02020603050405020304" pitchFamily="18" charset="0"/>
+              </a:rPr>
+              <a:t>O9</a:t>
+            </a:r>
+            <a:r>
+              <a:rPr lang="zh-CN" altLang="zh-CN" kern="100" dirty="0">
+                <a:effectLst/>
+                <a:latin typeface="Times New Roman" panose="02020603050405020304" pitchFamily="18" charset="0"/>
+                <a:ea typeface="宋体" panose="02010600030101010101" pitchFamily="2" charset="-122"/>
+                <a:cs typeface="Times New Roman" panose="02020603050405020304" pitchFamily="18" charset="0"/>
+              </a:rPr>
+              <a:t>）：需证明无触发提示时水印不影响正常任务性能。</a:t>
+            </a:r>
+          </a:p>
+          <a:p>
+            <a:pPr marL="342900" lvl="0" indent="-342900">
+              <a:lnSpc>
+                <a:spcPct val="115000"/>
+              </a:lnSpc>
+              <a:spcAft>
+                <a:spcPts val="800"/>
+              </a:spcAft>
+              <a:buSzPts val="1000"/>
+              <a:buFont typeface="Symbol" panose="05050102010706020507" pitchFamily="18" charset="2"/>
+              <a:buChar char=""/>
+              <a:tabLst>
+                <a:tab pos="457200" algn="l"/>
+              </a:tabLst>
+            </a:pPr>
+            <a:r>
+              <a:rPr lang="zh-CN" altLang="zh-CN" b="1" kern="100" dirty="0">
+                <a:effectLst/>
+                <a:latin typeface="Times New Roman" panose="02020603050405020304" pitchFamily="18" charset="0"/>
+                <a:ea typeface="宋体" panose="02010600030101010101" pitchFamily="2" charset="-122"/>
+                <a:cs typeface="Times New Roman" panose="02020603050405020304" pitchFamily="18" charset="0"/>
+              </a:rPr>
+              <a:t>对比实验不充分</a:t>
+            </a:r>
+            <a:r>
+              <a:rPr lang="zh-CN" altLang="zh-CN" kern="100" dirty="0">
+                <a:effectLst/>
+                <a:latin typeface="Times New Roman" panose="02020603050405020304" pitchFamily="18" charset="0"/>
+                <a:ea typeface="宋体" panose="02010600030101010101" pitchFamily="2" charset="-122"/>
+                <a:cs typeface="Times New Roman" panose="02020603050405020304" pitchFamily="18" charset="0"/>
+              </a:rPr>
+              <a:t>（</a:t>
+            </a:r>
+            <a:r>
+              <a:rPr lang="en-US" altLang="zh-CN" kern="100" dirty="0">
+                <a:effectLst/>
+                <a:latin typeface="Times New Roman" panose="02020603050405020304" pitchFamily="18" charset="0"/>
+                <a:ea typeface="宋体" panose="02010600030101010101" pitchFamily="2" charset="-122"/>
+                <a:cs typeface="Times New Roman" panose="02020603050405020304" pitchFamily="18" charset="0"/>
+              </a:rPr>
+              <a:t>O10</a:t>
+            </a:r>
+            <a:r>
+              <a:rPr lang="zh-CN" altLang="zh-CN" kern="100" dirty="0">
+                <a:effectLst/>
+                <a:latin typeface="Times New Roman" panose="02020603050405020304" pitchFamily="18" charset="0"/>
+                <a:ea typeface="宋体" panose="02010600030101010101" pitchFamily="2" charset="-122"/>
+                <a:cs typeface="Times New Roman" panose="02020603050405020304" pitchFamily="18" charset="0"/>
+              </a:rPr>
+              <a:t>）：未与现代非侵入式验证方法直接比较。</a:t>
+            </a:r>
+          </a:p>
+        </p:txBody>
+      </p:sp>
+      <p:sp>
+        <p:nvSpPr>
+          <p:cNvPr id="6" name="文本框 5">
+            <a:extLst>
+              <a:ext uri="{FF2B5EF4-FFF2-40B4-BE49-F238E27FC236}">
+                <a16:creationId xmlns:a16="http://schemas.microsoft.com/office/drawing/2014/main" id="{E07347C4-C9BF-E92E-A350-C7E177F14222}"/>
+              </a:ext>
+            </a:extLst>
+          </p:cNvPr>
+          <p:cNvSpPr txBox="1"/>
+          <p:nvPr/>
+        </p:nvSpPr>
+        <p:spPr>
+          <a:xfrm>
+            <a:off x="782320" y="500369"/>
+            <a:ext cx="2137124" cy="369332"/>
+          </a:xfrm>
+          <a:prstGeom prst="rect">
+            <a:avLst/>
+          </a:prstGeom>
+          <a:noFill/>
+        </p:spPr>
+        <p:txBody>
+          <a:bodyPr wrap="none" rtlCol="0">
+            <a:spAutoFit/>
+          </a:bodyPr>
+          <a:lstStyle/>
+          <a:p>
+            <a:r>
+              <a:rPr lang="en-US" altLang="zh-CN" dirty="0"/>
+              <a:t>R3</a:t>
+            </a:r>
+            <a:r>
+              <a:rPr lang="zh-CN" altLang="en-US" dirty="0"/>
+              <a:t>（创新性不足）</a:t>
+            </a:r>
+          </a:p>
+        </p:txBody>
+      </p:sp>
+    </p:spTree>
+    <p:extLst>
+      <p:ext uri="{BB962C8B-B14F-4D97-AF65-F5344CB8AC3E}">
+        <p14:creationId xmlns:p14="http://schemas.microsoft.com/office/powerpoint/2010/main" val="4049218289"/>
       </p:ext>
     </p:extLst>
   </p:cSld>

--- a/2025-08-14.pptx
+++ b/2025-08-14.pptx
@@ -18,6 +18,20 @@
     <p:sldId id="266" r:id="rId12"/>
     <p:sldId id="267" r:id="rId13"/>
     <p:sldId id="268" r:id="rId14"/>
+    <p:sldId id="269" r:id="rId15"/>
+    <p:sldId id="270" r:id="rId16"/>
+    <p:sldId id="272" r:id="rId17"/>
+    <p:sldId id="273" r:id="rId18"/>
+    <p:sldId id="274" r:id="rId19"/>
+    <p:sldId id="275" r:id="rId20"/>
+    <p:sldId id="276" r:id="rId21"/>
+    <p:sldId id="277" r:id="rId22"/>
+    <p:sldId id="271" r:id="rId23"/>
+    <p:sldId id="278" r:id="rId24"/>
+    <p:sldId id="279" r:id="rId25"/>
+    <p:sldId id="280" r:id="rId26"/>
+    <p:sldId id="281" r:id="rId27"/>
+    <p:sldId id="282" r:id="rId28"/>
   </p:sldIdLst>
   <p:sldSz cx="12192000" cy="6858000"/>
   <p:notesSz cx="6858000" cy="9144000"/>
@@ -271,7 +285,7 @@
           <a:p>
             <a:fld id="{C02EF1C3-B344-44E0-B86B-307C57D8E6F4}" type="datetimeFigureOut">
               <a:rPr lang="zh-CN" altLang="en-US" smtClean="0"/>
-              <a:t>2025/9/3</a:t>
+              <a:t>2025/10/10</a:t>
             </a:fld>
             <a:endParaRPr lang="zh-CN" altLang="en-US"/>
           </a:p>
@@ -469,7 +483,7 @@
           <a:p>
             <a:fld id="{C02EF1C3-B344-44E0-B86B-307C57D8E6F4}" type="datetimeFigureOut">
               <a:rPr lang="zh-CN" altLang="en-US" smtClean="0"/>
-              <a:t>2025/9/3</a:t>
+              <a:t>2025/10/10</a:t>
             </a:fld>
             <a:endParaRPr lang="zh-CN" altLang="en-US"/>
           </a:p>
@@ -677,7 +691,7 @@
           <a:p>
             <a:fld id="{C02EF1C3-B344-44E0-B86B-307C57D8E6F4}" type="datetimeFigureOut">
               <a:rPr lang="zh-CN" altLang="en-US" smtClean="0"/>
-              <a:t>2025/9/3</a:t>
+              <a:t>2025/10/10</a:t>
             </a:fld>
             <a:endParaRPr lang="zh-CN" altLang="en-US"/>
           </a:p>
@@ -875,7 +889,7 @@
           <a:p>
             <a:fld id="{C02EF1C3-B344-44E0-B86B-307C57D8E6F4}" type="datetimeFigureOut">
               <a:rPr lang="zh-CN" altLang="en-US" smtClean="0"/>
-              <a:t>2025/9/3</a:t>
+              <a:t>2025/10/10</a:t>
             </a:fld>
             <a:endParaRPr lang="zh-CN" altLang="en-US"/>
           </a:p>
@@ -1150,7 +1164,7 @@
           <a:p>
             <a:fld id="{C02EF1C3-B344-44E0-B86B-307C57D8E6F4}" type="datetimeFigureOut">
               <a:rPr lang="zh-CN" altLang="en-US" smtClean="0"/>
-              <a:t>2025/9/3</a:t>
+              <a:t>2025/10/10</a:t>
             </a:fld>
             <a:endParaRPr lang="zh-CN" altLang="en-US"/>
           </a:p>
@@ -1415,7 +1429,7 @@
           <a:p>
             <a:fld id="{C02EF1C3-B344-44E0-B86B-307C57D8E6F4}" type="datetimeFigureOut">
               <a:rPr lang="zh-CN" altLang="en-US" smtClean="0"/>
-              <a:t>2025/9/3</a:t>
+              <a:t>2025/10/10</a:t>
             </a:fld>
             <a:endParaRPr lang="zh-CN" altLang="en-US"/>
           </a:p>
@@ -1827,7 +1841,7 @@
           <a:p>
             <a:fld id="{C02EF1C3-B344-44E0-B86B-307C57D8E6F4}" type="datetimeFigureOut">
               <a:rPr lang="zh-CN" altLang="en-US" smtClean="0"/>
-              <a:t>2025/9/3</a:t>
+              <a:t>2025/10/10</a:t>
             </a:fld>
             <a:endParaRPr lang="zh-CN" altLang="en-US"/>
           </a:p>
@@ -1968,7 +1982,7 @@
           <a:p>
             <a:fld id="{C02EF1C3-B344-44E0-B86B-307C57D8E6F4}" type="datetimeFigureOut">
               <a:rPr lang="zh-CN" altLang="en-US" smtClean="0"/>
-              <a:t>2025/9/3</a:t>
+              <a:t>2025/10/10</a:t>
             </a:fld>
             <a:endParaRPr lang="zh-CN" altLang="en-US"/>
           </a:p>
@@ -2081,7 +2095,7 @@
           <a:p>
             <a:fld id="{C02EF1C3-B344-44E0-B86B-307C57D8E6F4}" type="datetimeFigureOut">
               <a:rPr lang="zh-CN" altLang="en-US" smtClean="0"/>
-              <a:t>2025/9/3</a:t>
+              <a:t>2025/10/10</a:t>
             </a:fld>
             <a:endParaRPr lang="zh-CN" altLang="en-US"/>
           </a:p>
@@ -2392,7 +2406,7 @@
           <a:p>
             <a:fld id="{C02EF1C3-B344-44E0-B86B-307C57D8E6F4}" type="datetimeFigureOut">
               <a:rPr lang="zh-CN" altLang="en-US" smtClean="0"/>
-              <a:t>2025/9/3</a:t>
+              <a:t>2025/10/10</a:t>
             </a:fld>
             <a:endParaRPr lang="zh-CN" altLang="en-US"/>
           </a:p>
@@ -2680,7 +2694,7 @@
           <a:p>
             <a:fld id="{C02EF1C3-B344-44E0-B86B-307C57D8E6F4}" type="datetimeFigureOut">
               <a:rPr lang="zh-CN" altLang="en-US" smtClean="0"/>
-              <a:t>2025/9/3</a:t>
+              <a:t>2025/10/10</a:t>
             </a:fld>
             <a:endParaRPr lang="zh-CN" altLang="en-US"/>
           </a:p>
@@ -2921,7 +2935,7 @@
           <a:p>
             <a:fld id="{C02EF1C3-B344-44E0-B86B-307C57D8E6F4}" type="datetimeFigureOut">
               <a:rPr lang="zh-CN" altLang="en-US" smtClean="0"/>
-              <a:t>2025/9/3</a:t>
+              <a:t>2025/10/10</a:t>
             </a:fld>
             <a:endParaRPr lang="zh-CN" altLang="en-US"/>
           </a:p>
@@ -3400,6 +3414,50 @@
       </p:grpSpPr>
       <p:sp>
         <p:nvSpPr>
+          <p:cNvPr id="17" name="椭圆 16">
+            <a:extLst>
+              <a:ext uri="{FF2B5EF4-FFF2-40B4-BE49-F238E27FC236}">
+                <a16:creationId xmlns:a16="http://schemas.microsoft.com/office/drawing/2014/main" id="{36BBCF6E-5E6D-B8B6-84D4-76B3E9C3ED3B}"/>
+              </a:ext>
+            </a:extLst>
+          </p:cNvPr>
+          <p:cNvSpPr/>
+          <p:nvPr/>
+        </p:nvSpPr>
+        <p:spPr>
+          <a:xfrm>
+            <a:off x="2200138" y="5082989"/>
+            <a:ext cx="2551800" cy="1353671"/>
+          </a:xfrm>
+          <a:prstGeom prst="ellipse">
+            <a:avLst/>
+          </a:prstGeom>
+        </p:spPr>
+        <p:style>
+          <a:lnRef idx="2">
+            <a:schemeClr val="dk1"/>
+          </a:lnRef>
+          <a:fillRef idx="1">
+            <a:schemeClr val="lt1"/>
+          </a:fillRef>
+          <a:effectRef idx="0">
+            <a:schemeClr val="dk1"/>
+          </a:effectRef>
+          <a:fontRef idx="minor">
+            <a:schemeClr val="dk1"/>
+          </a:fontRef>
+        </p:style>
+        <p:txBody>
+          <a:bodyPr rtlCol="0" anchor="ctr"/>
+          <a:lstStyle/>
+          <a:p>
+            <a:pPr algn="ctr"/>
+            <a:endParaRPr lang="zh-CN" altLang="en-US" dirty="0"/>
+          </a:p>
+        </p:txBody>
+      </p:sp>
+      <p:sp>
+        <p:nvSpPr>
           <p:cNvPr id="2" name="文本框 1">
             <a:extLst>
               <a:ext uri="{FF2B5EF4-FFF2-40B4-BE49-F238E27FC236}">
@@ -3583,7 +3641,7 @@
         </p:nvSpPr>
         <p:spPr>
           <a:xfrm>
-            <a:off x="4005576" y="1919980"/>
+            <a:off x="3953550" y="1881304"/>
             <a:ext cx="2723823" cy="646331"/>
           </a:xfrm>
           <a:prstGeom prst="rect">
@@ -3921,7 +3979,7 @@
         </p:nvSpPr>
         <p:spPr>
           <a:xfrm>
-            <a:off x="3869211" y="1409686"/>
+            <a:off x="3826077" y="1389434"/>
             <a:ext cx="3185487" cy="369332"/>
           </a:xfrm>
           <a:prstGeom prst="rect">
@@ -4056,7 +4114,7 @@
         </p:nvSpPr>
         <p:spPr>
           <a:xfrm>
-            <a:off x="5299036" y="5298038"/>
+            <a:off x="3511896" y="5539004"/>
             <a:ext cx="1107996" cy="369332"/>
           </a:xfrm>
           <a:prstGeom prst="rect">
@@ -4091,7 +4149,7 @@
         </p:nvSpPr>
         <p:spPr>
           <a:xfrm>
-            <a:off x="3681584" y="5263648"/>
+            <a:off x="2403900" y="5539004"/>
             <a:ext cx="1107996" cy="369332"/>
           </a:xfrm>
           <a:prstGeom prst="rect">
@@ -4114,10 +4172,45 @@
       </p:sp>
       <p:sp>
         <p:nvSpPr>
-          <p:cNvPr id="10" name="矩形: 圆角 9">
-            <a:extLst>
-              <a:ext uri="{FF2B5EF4-FFF2-40B4-BE49-F238E27FC236}">
-                <a16:creationId xmlns:a16="http://schemas.microsoft.com/office/drawing/2014/main" id="{B4500125-6C74-13C4-032C-72FE9C16861B}"/>
+          <p:cNvPr id="15" name="文本框 14">
+            <a:extLst>
+              <a:ext uri="{FF2B5EF4-FFF2-40B4-BE49-F238E27FC236}">
+                <a16:creationId xmlns:a16="http://schemas.microsoft.com/office/drawing/2014/main" id="{6F3413DE-7CA5-99F2-32FF-29A1176CB2FA}"/>
+              </a:ext>
+            </a:extLst>
+          </p:cNvPr>
+          <p:cNvSpPr txBox="1"/>
+          <p:nvPr/>
+        </p:nvSpPr>
+        <p:spPr>
+          <a:xfrm>
+            <a:off x="1000509" y="2944122"/>
+            <a:ext cx="877163" cy="369332"/>
+          </a:xfrm>
+          <a:prstGeom prst="rect">
+            <a:avLst/>
+          </a:prstGeom>
+          <a:noFill/>
+        </p:spPr>
+        <p:txBody>
+          <a:bodyPr wrap="none" rtlCol="0">
+            <a:spAutoFit/>
+          </a:bodyPr>
+          <a:lstStyle/>
+          <a:p>
+            <a:r>
+              <a:rPr lang="zh-CN" altLang="en-US" dirty="0"/>
+              <a:t>正常图</a:t>
+            </a:r>
+          </a:p>
+        </p:txBody>
+      </p:sp>
+      <p:sp>
+        <p:nvSpPr>
+          <p:cNvPr id="18" name="矩形: 圆角 17">
+            <a:extLst>
+              <a:ext uri="{FF2B5EF4-FFF2-40B4-BE49-F238E27FC236}">
+                <a16:creationId xmlns:a16="http://schemas.microsoft.com/office/drawing/2014/main" id="{0147E323-151F-A747-5CE5-808B2EF8FE96}"/>
               </a:ext>
             </a:extLst>
           </p:cNvPr>
@@ -4126,8 +4219,8 @@
         </p:nvSpPr>
         <p:spPr>
           <a:xfrm>
-            <a:off x="5216397" y="5226746"/>
-            <a:ext cx="1273274" cy="443136"/>
+            <a:off x="676575" y="2874706"/>
+            <a:ext cx="1510341" cy="554294"/>
           </a:xfrm>
           <a:prstGeom prst="roundRect">
             <a:avLst/>
@@ -4159,12 +4252,123 @@
           </a:p>
         </p:txBody>
       </p:sp>
-      <p:sp>
-        <p:nvSpPr>
-          <p:cNvPr id="11" name="矩形: 圆角 10">
-            <a:extLst>
-              <a:ext uri="{FF2B5EF4-FFF2-40B4-BE49-F238E27FC236}">
-                <a16:creationId xmlns:a16="http://schemas.microsoft.com/office/drawing/2014/main" id="{3E43B17A-3D14-4407-1B55-019725B94F94}"/>
+      <p:cxnSp>
+        <p:nvCxnSpPr>
+          <p:cNvPr id="21" name="直接箭头连接符 20">
+            <a:extLst>
+              <a:ext uri="{FF2B5EF4-FFF2-40B4-BE49-F238E27FC236}">
+                <a16:creationId xmlns:a16="http://schemas.microsoft.com/office/drawing/2014/main" id="{78324886-9273-0CC9-BE69-332E7F80F8FE}"/>
+              </a:ext>
+            </a:extLst>
+          </p:cNvPr>
+          <p:cNvCxnSpPr>
+            <a:cxnSpLocks/>
+          </p:cNvCxnSpPr>
+          <p:nvPr/>
+        </p:nvCxnSpPr>
+        <p:spPr>
+          <a:xfrm>
+            <a:off x="2200138" y="3151853"/>
+            <a:ext cx="928504" cy="0"/>
+          </a:xfrm>
+          <a:prstGeom prst="straightConnector1">
+            <a:avLst/>
+          </a:prstGeom>
+          <a:ln>
+            <a:tailEnd type="triangle"/>
+          </a:ln>
+        </p:spPr>
+        <p:style>
+          <a:lnRef idx="2">
+            <a:schemeClr val="accent1"/>
+          </a:lnRef>
+          <a:fillRef idx="0">
+            <a:schemeClr val="accent1"/>
+          </a:fillRef>
+          <a:effectRef idx="1">
+            <a:schemeClr val="accent1"/>
+          </a:effectRef>
+          <a:fontRef idx="minor">
+            <a:schemeClr val="tx1"/>
+          </a:fontRef>
+        </p:style>
+      </p:cxnSp>
+      <p:sp>
+        <p:nvSpPr>
+          <p:cNvPr id="26" name="文本框 25">
+            <a:extLst>
+              <a:ext uri="{FF2B5EF4-FFF2-40B4-BE49-F238E27FC236}">
+                <a16:creationId xmlns:a16="http://schemas.microsoft.com/office/drawing/2014/main" id="{9C548482-57E7-7E8E-E187-1D3977FAAA1C}"/>
+              </a:ext>
+            </a:extLst>
+          </p:cNvPr>
+          <p:cNvSpPr txBox="1"/>
+          <p:nvPr/>
+        </p:nvSpPr>
+        <p:spPr>
+          <a:xfrm>
+            <a:off x="2312926" y="2828485"/>
+            <a:ext cx="646331" cy="369332"/>
+          </a:xfrm>
+          <a:prstGeom prst="rect">
+            <a:avLst/>
+          </a:prstGeom>
+          <a:noFill/>
+        </p:spPr>
+        <p:txBody>
+          <a:bodyPr wrap="none" rtlCol="0">
+            <a:spAutoFit/>
+          </a:bodyPr>
+          <a:lstStyle/>
+          <a:p>
+            <a:r>
+              <a:rPr lang="zh-CN" altLang="en-US" dirty="0"/>
+              <a:t>攻击</a:t>
+            </a:r>
+          </a:p>
+        </p:txBody>
+      </p:sp>
+      <p:sp>
+        <p:nvSpPr>
+          <p:cNvPr id="28" name="文本框 27">
+            <a:extLst>
+              <a:ext uri="{FF2B5EF4-FFF2-40B4-BE49-F238E27FC236}">
+                <a16:creationId xmlns:a16="http://schemas.microsoft.com/office/drawing/2014/main" id="{8E41507E-BD4A-EEAE-6DC3-34506375D4F4}"/>
+              </a:ext>
+            </a:extLst>
+          </p:cNvPr>
+          <p:cNvSpPr txBox="1"/>
+          <p:nvPr/>
+        </p:nvSpPr>
+        <p:spPr>
+          <a:xfrm>
+            <a:off x="3160364" y="2998150"/>
+            <a:ext cx="877163" cy="369332"/>
+          </a:xfrm>
+          <a:prstGeom prst="rect">
+            <a:avLst/>
+          </a:prstGeom>
+          <a:noFill/>
+        </p:spPr>
+        <p:txBody>
+          <a:bodyPr wrap="none" rtlCol="0">
+            <a:spAutoFit/>
+          </a:bodyPr>
+          <a:lstStyle/>
+          <a:p>
+            <a:r>
+              <a:rPr lang="zh-CN" altLang="en-US" dirty="0"/>
+              <a:t>稀疏图</a:t>
+            </a:r>
+          </a:p>
+        </p:txBody>
+      </p:sp>
+      <p:sp>
+        <p:nvSpPr>
+          <p:cNvPr id="29" name="矩形: 圆角 28">
+            <a:extLst>
+              <a:ext uri="{FF2B5EF4-FFF2-40B4-BE49-F238E27FC236}">
+                <a16:creationId xmlns:a16="http://schemas.microsoft.com/office/drawing/2014/main" id="{F6A04699-9D82-B0CE-45C9-0E912E6F861A}"/>
               </a:ext>
             </a:extLst>
           </p:cNvPr>
@@ -4173,8 +4377,8 @@
         </p:nvSpPr>
         <p:spPr>
           <a:xfrm>
-            <a:off x="3598945" y="5226746"/>
-            <a:ext cx="1273274" cy="443136"/>
+            <a:off x="3128642" y="2983049"/>
+            <a:ext cx="940606" cy="412173"/>
           </a:xfrm>
           <a:prstGeom prst="roundRect">
             <a:avLst/>
@@ -4206,108 +4410,27 @@
           </a:p>
         </p:txBody>
       </p:sp>
-      <p:sp>
-        <p:nvSpPr>
-          <p:cNvPr id="15" name="文本框 14">
-            <a:extLst>
-              <a:ext uri="{FF2B5EF4-FFF2-40B4-BE49-F238E27FC236}">
-                <a16:creationId xmlns:a16="http://schemas.microsoft.com/office/drawing/2014/main" id="{6F3413DE-7CA5-99F2-32FF-29A1176CB2FA}"/>
-              </a:ext>
-            </a:extLst>
-          </p:cNvPr>
-          <p:cNvSpPr txBox="1"/>
-          <p:nvPr/>
-        </p:nvSpPr>
-        <p:spPr>
-          <a:xfrm>
-            <a:off x="1000509" y="2944122"/>
-            <a:ext cx="877163" cy="369332"/>
-          </a:xfrm>
-          <a:prstGeom prst="rect">
-            <a:avLst/>
-          </a:prstGeom>
-          <a:noFill/>
-        </p:spPr>
-        <p:txBody>
-          <a:bodyPr wrap="none" rtlCol="0">
-            <a:spAutoFit/>
-          </a:bodyPr>
-          <a:lstStyle/>
-          <a:p>
-            <a:r>
-              <a:rPr lang="zh-CN" altLang="en-US" dirty="0"/>
-              <a:t>正常图</a:t>
-            </a:r>
-          </a:p>
-        </p:txBody>
-      </p:sp>
-      <p:sp>
-        <p:nvSpPr>
-          <p:cNvPr id="18" name="矩形: 圆角 17">
-            <a:extLst>
-              <a:ext uri="{FF2B5EF4-FFF2-40B4-BE49-F238E27FC236}">
-                <a16:creationId xmlns:a16="http://schemas.microsoft.com/office/drawing/2014/main" id="{0147E323-151F-A747-5CE5-808B2EF8FE96}"/>
-              </a:ext>
-            </a:extLst>
-          </p:cNvPr>
-          <p:cNvSpPr/>
-          <p:nvPr/>
-        </p:nvSpPr>
-        <p:spPr>
-          <a:xfrm>
-            <a:off x="676575" y="2874706"/>
-            <a:ext cx="1510341" cy="554294"/>
-          </a:xfrm>
-          <a:prstGeom prst="roundRect">
-            <a:avLst/>
-          </a:prstGeom>
-          <a:noFill/>
-        </p:spPr>
-        <p:style>
-          <a:lnRef idx="2">
-            <a:schemeClr val="accent1">
-              <a:shade val="15000"/>
-            </a:schemeClr>
-          </a:lnRef>
-          <a:fillRef idx="1">
-            <a:schemeClr val="accent1"/>
-          </a:fillRef>
-          <a:effectRef idx="0">
-            <a:schemeClr val="accent1"/>
-          </a:effectRef>
-          <a:fontRef idx="minor">
-            <a:schemeClr val="lt1"/>
-          </a:fontRef>
-        </p:style>
-        <p:txBody>
-          <a:bodyPr rtlCol="0" anchor="ctr"/>
-          <a:lstStyle/>
-          <a:p>
-            <a:pPr algn="ctr"/>
-            <a:endParaRPr lang="zh-CN" altLang="en-US" dirty="0"/>
-          </a:p>
-        </p:txBody>
-      </p:sp>
       <p:cxnSp>
         <p:nvCxnSpPr>
-          <p:cNvPr id="21" name="直接箭头连接符 20">
-            <a:extLst>
-              <a:ext uri="{FF2B5EF4-FFF2-40B4-BE49-F238E27FC236}">
-                <a16:creationId xmlns:a16="http://schemas.microsoft.com/office/drawing/2014/main" id="{78324886-9273-0CC9-BE69-332E7F80F8FE}"/>
+          <p:cNvPr id="31" name="连接符: 肘形 30">
+            <a:extLst>
+              <a:ext uri="{FF2B5EF4-FFF2-40B4-BE49-F238E27FC236}">
+                <a16:creationId xmlns:a16="http://schemas.microsoft.com/office/drawing/2014/main" id="{984FA4C2-0453-C964-B54F-CC8A507A5745}"/>
               </a:ext>
             </a:extLst>
           </p:cNvPr>
           <p:cNvCxnSpPr>
-            <a:cxnSpLocks/>
+            <a:stCxn id="29" idx="3"/>
+            <a:endCxn id="6" idx="2"/>
           </p:cNvCxnSpPr>
           <p:nvPr/>
         </p:nvCxnSpPr>
         <p:spPr>
-          <a:xfrm>
-            <a:off x="2200138" y="3151853"/>
-            <a:ext cx="928504" cy="0"/>
-          </a:xfrm>
-          <a:prstGeom prst="straightConnector1">
+          <a:xfrm flipV="1">
+            <a:off x="4069248" y="2586338"/>
+            <a:ext cx="1298239" cy="602798"/>
+          </a:xfrm>
+          <a:prstGeom prst="bentConnector2">
             <a:avLst/>
           </a:prstGeom>
           <a:ln>
@@ -4331,10 +4454,10 @@
       </p:cxnSp>
       <p:sp>
         <p:nvSpPr>
-          <p:cNvPr id="26" name="文本框 25">
-            <a:extLst>
-              <a:ext uri="{FF2B5EF4-FFF2-40B4-BE49-F238E27FC236}">
-                <a16:creationId xmlns:a16="http://schemas.microsoft.com/office/drawing/2014/main" id="{9C548482-57E7-7E8E-E187-1D3977FAAA1C}"/>
+          <p:cNvPr id="27" name="文本框 26">
+            <a:extLst>
+              <a:ext uri="{FF2B5EF4-FFF2-40B4-BE49-F238E27FC236}">
+                <a16:creationId xmlns:a16="http://schemas.microsoft.com/office/drawing/2014/main" id="{E61D9630-9CC3-DFF1-6FB8-B84133CBD5BA}"/>
               </a:ext>
             </a:extLst>
           </p:cNvPr>
@@ -4343,8 +4466,8 @@
         </p:nvSpPr>
         <p:spPr>
           <a:xfrm>
-            <a:off x="2110392" y="2791305"/>
-            <a:ext cx="1107996" cy="369332"/>
+            <a:off x="422092" y="4509248"/>
+            <a:ext cx="1338828" cy="369332"/>
           </a:xfrm>
           <a:prstGeom prst="rect">
             <a:avLst/>
@@ -4359,17 +4482,17 @@
           <a:p>
             <a:r>
               <a:rPr lang="zh-CN" altLang="en-US" dirty="0"/>
-              <a:t>稀疏攻击</a:t>
-            </a:r>
-          </a:p>
-        </p:txBody>
-      </p:sp>
-      <p:sp>
-        <p:nvSpPr>
-          <p:cNvPr id="28" name="文本框 27">
-            <a:extLst>
-              <a:ext uri="{FF2B5EF4-FFF2-40B4-BE49-F238E27FC236}">
-                <a16:creationId xmlns:a16="http://schemas.microsoft.com/office/drawing/2014/main" id="{8E41507E-BD4A-EEAE-6DC3-34506375D4F4}"/>
+              <a:t>名词的解析</a:t>
+            </a:r>
+          </a:p>
+        </p:txBody>
+      </p:sp>
+      <p:sp>
+        <p:nvSpPr>
+          <p:cNvPr id="32" name="文本框 31">
+            <a:extLst>
+              <a:ext uri="{FF2B5EF4-FFF2-40B4-BE49-F238E27FC236}">
+                <a16:creationId xmlns:a16="http://schemas.microsoft.com/office/drawing/2014/main" id="{413A2AA3-17E9-B893-ED65-76C8FD1598A5}"/>
               </a:ext>
             </a:extLst>
           </p:cNvPr>
@@ -4378,8 +4501,8 @@
         </p:nvSpPr>
         <p:spPr>
           <a:xfrm>
-            <a:off x="3182151" y="2967187"/>
-            <a:ext cx="877163" cy="369332"/>
+            <a:off x="497433" y="4135158"/>
+            <a:ext cx="1263487" cy="369332"/>
           </a:xfrm>
           <a:prstGeom prst="rect">
             <a:avLst/>
@@ -4393,101 +4516,16 @@
           <a:lstStyle/>
           <a:p>
             <a:r>
+              <a:rPr lang="en-US" altLang="zh-CN" dirty="0"/>
+              <a:t>GNN </a:t>
+            </a:r>
+            <a:r>
               <a:rPr lang="zh-CN" altLang="en-US" dirty="0"/>
-              <a:t>稀疏图</a:t>
-            </a:r>
-          </a:p>
-        </p:txBody>
-      </p:sp>
-      <p:sp>
-        <p:nvSpPr>
-          <p:cNvPr id="29" name="矩形: 圆角 28">
-            <a:extLst>
-              <a:ext uri="{FF2B5EF4-FFF2-40B4-BE49-F238E27FC236}">
-                <a16:creationId xmlns:a16="http://schemas.microsoft.com/office/drawing/2014/main" id="{F6A04699-9D82-B0CE-45C9-0E912E6F861A}"/>
-              </a:ext>
-            </a:extLst>
-          </p:cNvPr>
-          <p:cNvSpPr/>
-          <p:nvPr/>
-        </p:nvSpPr>
-        <p:spPr>
-          <a:xfrm>
-            <a:off x="3128642" y="2983049"/>
-            <a:ext cx="940606" cy="412173"/>
-          </a:xfrm>
-          <a:prstGeom prst="roundRect">
-            <a:avLst/>
-          </a:prstGeom>
-          <a:noFill/>
-        </p:spPr>
-        <p:style>
-          <a:lnRef idx="2">
-            <a:schemeClr val="accent1">
-              <a:shade val="15000"/>
-            </a:schemeClr>
-          </a:lnRef>
-          <a:fillRef idx="1">
-            <a:schemeClr val="accent1"/>
-          </a:fillRef>
-          <a:effectRef idx="0">
-            <a:schemeClr val="accent1"/>
-          </a:effectRef>
-          <a:fontRef idx="minor">
-            <a:schemeClr val="lt1"/>
-          </a:fontRef>
-        </p:style>
-        <p:txBody>
-          <a:bodyPr rtlCol="0" anchor="ctr"/>
-          <a:lstStyle/>
-          <a:p>
-            <a:pPr algn="ctr"/>
-            <a:endParaRPr lang="zh-CN" altLang="en-US" dirty="0"/>
-          </a:p>
-        </p:txBody>
-      </p:sp>
-      <p:cxnSp>
-        <p:nvCxnSpPr>
-          <p:cNvPr id="31" name="连接符: 肘形 30">
-            <a:extLst>
-              <a:ext uri="{FF2B5EF4-FFF2-40B4-BE49-F238E27FC236}">
-                <a16:creationId xmlns:a16="http://schemas.microsoft.com/office/drawing/2014/main" id="{984FA4C2-0453-C964-B54F-CC8A507A5745}"/>
-              </a:ext>
-            </a:extLst>
-          </p:cNvPr>
-          <p:cNvCxnSpPr>
-            <a:stCxn id="29" idx="3"/>
-            <a:endCxn id="6" idx="2"/>
-          </p:cNvCxnSpPr>
-          <p:nvPr/>
-        </p:nvCxnSpPr>
-        <p:spPr>
-          <a:xfrm flipV="1">
-            <a:off x="4069248" y="2586338"/>
-            <a:ext cx="1298239" cy="602798"/>
-          </a:xfrm>
-          <a:prstGeom prst="bentConnector2">
-            <a:avLst/>
-          </a:prstGeom>
-          <a:ln>
-            <a:tailEnd type="triangle"/>
-          </a:ln>
-        </p:spPr>
-        <p:style>
-          <a:lnRef idx="2">
-            <a:schemeClr val="accent1"/>
-          </a:lnRef>
-          <a:fillRef idx="0">
-            <a:schemeClr val="accent1"/>
-          </a:fillRef>
-          <a:effectRef idx="1">
-            <a:schemeClr val="accent1"/>
-          </a:effectRef>
-          <a:fontRef idx="minor">
-            <a:schemeClr val="tx1"/>
-          </a:fontRef>
-        </p:style>
-      </p:cxnSp>
+              <a:t>模型 </a:t>
+            </a:r>
+          </a:p>
+        </p:txBody>
+      </p:sp>
     </p:spTree>
     <p:extLst>
       <p:ext uri="{BB962C8B-B14F-4D97-AF65-F5344CB8AC3E}">
@@ -4533,7 +4571,7 @@
         <p:spPr>
           <a:xfrm>
             <a:off x="487680" y="827798"/>
-            <a:ext cx="9204960" cy="2817181"/>
+            <a:ext cx="9204960" cy="4288995"/>
           </a:xfrm>
           <a:prstGeom prst="rect">
             <a:avLst/>
@@ -4596,6 +4634,84 @@
               </a:rPr>
               <a:t>）：需提供实际案例或用例，帮助非专家理解框架的动机和阶段。</a:t>
             </a:r>
+            <a:r>
+              <a:rPr lang="en-US" altLang="zh-CN" sz="1800" kern="100" dirty="0">
+                <a:effectLst/>
+                <a:latin typeface="Times New Roman" panose="02020603050405020304" pitchFamily="18" charset="0"/>
+                <a:ea typeface="宋体" panose="02010600030101010101" pitchFamily="2" charset="-122"/>
+                <a:cs typeface="Times New Roman" panose="02020603050405020304" pitchFamily="18" charset="0"/>
+              </a:rPr>
+              <a:t> </a:t>
+            </a:r>
+            <a:r>
+              <a:rPr lang="zh-CN" altLang="en-US" sz="1800" kern="100" dirty="0">
+                <a:solidFill>
+                  <a:srgbClr val="FF0000"/>
+                </a:solidFill>
+                <a:effectLst/>
+                <a:latin typeface="Times New Roman" panose="02020603050405020304" pitchFamily="18" charset="0"/>
+                <a:ea typeface="宋体" panose="02010600030101010101" pitchFamily="2" charset="-122"/>
+                <a:cs typeface="Times New Roman" panose="02020603050405020304" pitchFamily="18" charset="0"/>
+              </a:rPr>
+              <a:t>加一两句动机的内容（动机</a:t>
+            </a:r>
+            <a:r>
+              <a:rPr lang="en-US" altLang="zh-CN" sz="1800" kern="100" dirty="0">
+                <a:solidFill>
+                  <a:srgbClr val="FF0000"/>
+                </a:solidFill>
+                <a:effectLst/>
+                <a:latin typeface="Times New Roman" panose="02020603050405020304" pitchFamily="18" charset="0"/>
+                <a:ea typeface="宋体" panose="02010600030101010101" pitchFamily="2" charset="-122"/>
+                <a:cs typeface="Times New Roman" panose="02020603050405020304" pitchFamily="18" charset="0"/>
+              </a:rPr>
+              <a:t>+</a:t>
+            </a:r>
+            <a:r>
+              <a:rPr lang="zh-CN" altLang="en-US" sz="1800" kern="100" dirty="0">
+                <a:solidFill>
+                  <a:srgbClr val="FF0000"/>
+                </a:solidFill>
+                <a:effectLst/>
+                <a:latin typeface="Times New Roman" panose="02020603050405020304" pitchFamily="18" charset="0"/>
+                <a:ea typeface="宋体" panose="02010600030101010101" pitchFamily="2" charset="-122"/>
+                <a:cs typeface="Times New Roman" panose="02020603050405020304" pitchFamily="18" charset="0"/>
+              </a:rPr>
+              <a:t>场景） </a:t>
+            </a:r>
+            <a:r>
+              <a:rPr lang="en-US" altLang="zh-CN" sz="1800" kern="100" dirty="0">
+                <a:solidFill>
+                  <a:srgbClr val="FF0000"/>
+                </a:solidFill>
+                <a:effectLst/>
+                <a:latin typeface="Times New Roman" panose="02020603050405020304" pitchFamily="18" charset="0"/>
+                <a:ea typeface="宋体" panose="02010600030101010101" pitchFamily="2" charset="-122"/>
+                <a:cs typeface="Times New Roman" panose="02020603050405020304" pitchFamily="18" charset="0"/>
+              </a:rPr>
+              <a:t>introduce</a:t>
+            </a:r>
+            <a:r>
+              <a:rPr lang="zh-CN" altLang="en-US" sz="1800" kern="100" dirty="0">
+                <a:solidFill>
+                  <a:srgbClr val="FF0000"/>
+                </a:solidFill>
+                <a:effectLst/>
+                <a:latin typeface="Times New Roman" panose="02020603050405020304" pitchFamily="18" charset="0"/>
+                <a:ea typeface="宋体" panose="02010600030101010101" pitchFamily="2" charset="-122"/>
+                <a:cs typeface="Times New Roman" panose="02020603050405020304" pitchFamily="18" charset="0"/>
+              </a:rPr>
+              <a:t>当中 引言部分</a:t>
+            </a:r>
+            <a:endParaRPr lang="zh-CN" altLang="zh-CN" sz="1800" kern="100" dirty="0">
+              <a:solidFill>
+                <a:srgbClr val="FF0000"/>
+              </a:solidFill>
+              <a:effectLst/>
+              <a:latin typeface="Times New Roman" panose="02020603050405020304" pitchFamily="18" charset="0"/>
+              <a:ea typeface="宋体" panose="02010600030101010101" pitchFamily="2" charset="-122"/>
+              <a:cs typeface="Times New Roman" panose="02020603050405020304" pitchFamily="18" charset="0"/>
+            </a:endParaRPr>
           </a:p>
           <a:p>
             <a:pPr marL="342900" lvl="0" indent="-342900">
@@ -4690,6 +4806,27 @@
               </a:rPr>
               <a:t>。</a:t>
             </a:r>
+            <a:r>
+              <a:rPr lang="zh-CN" altLang="en-US" sz="1800" kern="100" dirty="0">
+                <a:solidFill>
+                  <a:srgbClr val="FF0000"/>
+                </a:solidFill>
+                <a:effectLst/>
+                <a:latin typeface="Times New Roman" panose="02020603050405020304" pitchFamily="18" charset="0"/>
+                <a:ea typeface="宋体" panose="02010600030101010101" pitchFamily="2" charset="-122"/>
+                <a:cs typeface="Times New Roman" panose="02020603050405020304" pitchFamily="18" charset="0"/>
+              </a:rPr>
+              <a:t>（待定）</a:t>
+            </a:r>
+            <a:endParaRPr lang="zh-CN" altLang="zh-CN" sz="1800" kern="100" dirty="0">
+              <a:solidFill>
+                <a:srgbClr val="FF0000"/>
+              </a:solidFill>
+              <a:effectLst/>
+              <a:latin typeface="Times New Roman" panose="02020603050405020304" pitchFamily="18" charset="0"/>
+              <a:ea typeface="宋体" panose="02010600030101010101" pitchFamily="2" charset="-122"/>
+              <a:cs typeface="Times New Roman" panose="02020603050405020304" pitchFamily="18" charset="0"/>
+            </a:endParaRPr>
           </a:p>
           <a:p>
             <a:pPr marL="342900" lvl="0" indent="-342900">
@@ -4742,6 +4879,27 @@
               </a:rPr>
               <a:t>）：未调研相关文献，难以评估新颖性。</a:t>
             </a:r>
+            <a:r>
+              <a:rPr lang="zh-CN" altLang="en-US" sz="1800" kern="100" dirty="0">
+                <a:solidFill>
+                  <a:srgbClr val="FF0000"/>
+                </a:solidFill>
+                <a:effectLst/>
+                <a:latin typeface="Times New Roman" panose="02020603050405020304" pitchFamily="18" charset="0"/>
+                <a:ea typeface="宋体" panose="02010600030101010101" pitchFamily="2" charset="-122"/>
+                <a:cs typeface="Times New Roman" panose="02020603050405020304" pitchFamily="18" charset="0"/>
+              </a:rPr>
+              <a:t>做图数据集权属保护的相关工作</a:t>
+            </a:r>
+            <a:endParaRPr lang="zh-CN" altLang="zh-CN" sz="1800" kern="100" dirty="0">
+              <a:solidFill>
+                <a:srgbClr val="FF0000"/>
+              </a:solidFill>
+              <a:effectLst/>
+              <a:latin typeface="Times New Roman" panose="02020603050405020304" pitchFamily="18" charset="0"/>
+              <a:ea typeface="宋体" panose="02010600030101010101" pitchFamily="2" charset="-122"/>
+              <a:cs typeface="Times New Roman" panose="02020603050405020304" pitchFamily="18" charset="0"/>
+            </a:endParaRPr>
           </a:p>
           <a:p>
             <a:pPr marL="342900" lvl="0" indent="-342900">
@@ -4864,6 +5022,29 @@
               </a:rPr>
               <a:t>）：实验应包含超百万条边的数据集。</a:t>
             </a:r>
+            <a:r>
+              <a:rPr lang="zh-CN" altLang="en-US" sz="1800" kern="100" dirty="0">
+                <a:solidFill>
+                  <a:srgbClr val="FF0000"/>
+                </a:solidFill>
+                <a:effectLst/>
+                <a:latin typeface="Times New Roman" panose="02020603050405020304" pitchFamily="18" charset="0"/>
+                <a:ea typeface="宋体" panose="02010600030101010101" pitchFamily="2" charset="-122"/>
+                <a:cs typeface="Times New Roman" panose="02020603050405020304" pitchFamily="18" charset="0"/>
+              </a:rPr>
+              <a:t>对比方法 </a:t>
+            </a:r>
+            <a:r>
+              <a:rPr lang="en-US" altLang="zh-CN" kern="100" dirty="0">
+                <a:solidFill>
+                  <a:srgbClr val="FF0000"/>
+                </a:solidFill>
+                <a:latin typeface="Times New Roman" panose="02020603050405020304" pitchFamily="18" charset="0"/>
+                <a:ea typeface="宋体" panose="02010600030101010101" pitchFamily="2" charset="-122"/>
+                <a:cs typeface="Times New Roman" panose="02020603050405020304" pitchFamily="18" charset="0"/>
+              </a:rPr>
+              <a:t>2025</a:t>
+            </a:r>
           </a:p>
           <a:p>
             <a:pPr marL="342900" lvl="0" indent="-342900">
@@ -4934,6 +5115,54 @@
               </a:rPr>
               <a:t>系统，需解释原因并验证是否存在未改进的方面。</a:t>
             </a:r>
+            <a:endParaRPr lang="en-US" altLang="zh-CN" sz="1800" kern="100" dirty="0">
+              <a:effectLst/>
+              <a:latin typeface="Times New Roman" panose="02020603050405020304" pitchFamily="18" charset="0"/>
+              <a:ea typeface="宋体" panose="02010600030101010101" pitchFamily="2" charset="-122"/>
+              <a:cs typeface="Times New Roman" panose="02020603050405020304" pitchFamily="18" charset="0"/>
+            </a:endParaRPr>
+          </a:p>
+          <a:p>
+            <a:pPr marL="342900" lvl="0" indent="-342900">
+              <a:lnSpc>
+                <a:spcPct val="115000"/>
+              </a:lnSpc>
+              <a:spcAft>
+                <a:spcPts val="800"/>
+              </a:spcAft>
+              <a:buSzPts val="1000"/>
+              <a:buFont typeface="Symbol" panose="05050102010706020507" pitchFamily="18" charset="2"/>
+              <a:buChar char=""/>
+              <a:tabLst>
+                <a:tab pos="457200" algn="l"/>
+              </a:tabLst>
+            </a:pPr>
+            <a:endParaRPr lang="en-US" altLang="zh-CN" kern="100" dirty="0">
+              <a:latin typeface="Times New Roman" panose="02020603050405020304" pitchFamily="18" charset="0"/>
+              <a:ea typeface="宋体" panose="02010600030101010101" pitchFamily="2" charset="-122"/>
+              <a:cs typeface="Times New Roman" panose="02020603050405020304" pitchFamily="18" charset="0"/>
+            </a:endParaRPr>
+          </a:p>
+          <a:p>
+            <a:pPr marL="342900" lvl="0" indent="-342900">
+              <a:lnSpc>
+                <a:spcPct val="115000"/>
+              </a:lnSpc>
+              <a:spcAft>
+                <a:spcPts val="800"/>
+              </a:spcAft>
+              <a:buSzPts val="1000"/>
+              <a:buFont typeface="Symbol" panose="05050102010706020507" pitchFamily="18" charset="2"/>
+              <a:buChar char=""/>
+              <a:tabLst>
+                <a:tab pos="457200" algn="l"/>
+              </a:tabLst>
+            </a:pPr>
+            <a:endParaRPr lang="en-US" altLang="zh-CN" kern="100" dirty="0">
+              <a:latin typeface="Times New Roman" panose="02020603050405020304" pitchFamily="18" charset="0"/>
+              <a:ea typeface="宋体" panose="02010600030101010101" pitchFamily="2" charset="-122"/>
+              <a:cs typeface="Times New Roman" panose="02020603050405020304" pitchFamily="18" charset="0"/>
+            </a:endParaRPr>
           </a:p>
         </p:txBody>
       </p:sp>
@@ -5017,8 +5246,8 @@
         </p:nvSpPr>
         <p:spPr>
           <a:xfrm>
-            <a:off x="934720" y="1644118"/>
-            <a:ext cx="8849360" cy="2385653"/>
+            <a:off x="809214" y="289676"/>
+            <a:ext cx="8849360" cy="2704202"/>
           </a:xfrm>
           <a:prstGeom prst="rect">
             <a:avLst/>
@@ -5079,7 +5308,85 @@
                 <a:ea typeface="宋体" panose="02010600030101010101" pitchFamily="2" charset="-122"/>
                 <a:cs typeface="Times New Roman" panose="02020603050405020304" pitchFamily="18" charset="0"/>
               </a:rPr>
-              <a:t>）：未分析主动攻击者（如模型剪枝、混合训练数据）对方案的影响。</a:t>
+              <a:t>）：未分析主动攻击者（如</a:t>
+            </a:r>
+            <a:r>
+              <a:rPr lang="zh-CN" altLang="zh-CN" kern="100" dirty="0">
+                <a:solidFill>
+                  <a:srgbClr val="FF0000"/>
+                </a:solidFill>
+                <a:effectLst/>
+                <a:latin typeface="Times New Roman" panose="02020603050405020304" pitchFamily="18" charset="0"/>
+                <a:ea typeface="宋体" panose="02010600030101010101" pitchFamily="2" charset="-122"/>
+                <a:cs typeface="Times New Roman" panose="02020603050405020304" pitchFamily="18" charset="0"/>
+              </a:rPr>
+              <a:t>模型剪枝</a:t>
+            </a:r>
+            <a:r>
+              <a:rPr lang="en-US" altLang="zh-CN" kern="100" dirty="0">
+                <a:solidFill>
+                  <a:srgbClr val="FF0000"/>
+                </a:solidFill>
+                <a:effectLst/>
+                <a:latin typeface="Times New Roman" panose="02020603050405020304" pitchFamily="18" charset="0"/>
+                <a:ea typeface="宋体" panose="02010600030101010101" pitchFamily="2" charset="-122"/>
+                <a:cs typeface="Times New Roman" panose="02020603050405020304" pitchFamily="18" charset="0"/>
+              </a:rPr>
+              <a:t>(</a:t>
+            </a:r>
+            <a:r>
+              <a:rPr lang="zh-CN" altLang="en-US" kern="100" dirty="0">
+                <a:solidFill>
+                  <a:srgbClr val="FF0000"/>
+                </a:solidFill>
+                <a:effectLst/>
+                <a:latin typeface="Times New Roman" panose="02020603050405020304" pitchFamily="18" charset="0"/>
+                <a:ea typeface="宋体" panose="02010600030101010101" pitchFamily="2" charset="-122"/>
+                <a:cs typeface="Times New Roman" panose="02020603050405020304" pitchFamily="18" charset="0"/>
+              </a:rPr>
+              <a:t>待定</a:t>
+            </a:r>
+            <a:r>
+              <a:rPr lang="en-US" altLang="zh-CN" kern="100" dirty="0">
+                <a:solidFill>
+                  <a:srgbClr val="FF0000"/>
+                </a:solidFill>
+                <a:effectLst/>
+                <a:latin typeface="Times New Roman" panose="02020603050405020304" pitchFamily="18" charset="0"/>
+                <a:ea typeface="宋体" panose="02010600030101010101" pitchFamily="2" charset="-122"/>
+                <a:cs typeface="Times New Roman" panose="02020603050405020304" pitchFamily="18" charset="0"/>
+              </a:rPr>
+              <a:t>)</a:t>
+            </a:r>
+            <a:r>
+              <a:rPr lang="zh-CN" altLang="zh-CN" kern="100" dirty="0">
+                <a:effectLst/>
+                <a:latin typeface="Times New Roman" panose="02020603050405020304" pitchFamily="18" charset="0"/>
+                <a:ea typeface="宋体" panose="02010600030101010101" pitchFamily="2" charset="-122"/>
+                <a:cs typeface="Times New Roman" panose="02020603050405020304" pitchFamily="18" charset="0"/>
+              </a:rPr>
+              <a:t>、</a:t>
+            </a:r>
+            <a:r>
+              <a:rPr lang="zh-CN" altLang="zh-CN" kern="100" dirty="0">
+                <a:solidFill>
+                  <a:srgbClr val="FF0000"/>
+                </a:solidFill>
+                <a:effectLst/>
+                <a:latin typeface="Times New Roman" panose="02020603050405020304" pitchFamily="18" charset="0"/>
+                <a:ea typeface="宋体" panose="02010600030101010101" pitchFamily="2" charset="-122"/>
+                <a:cs typeface="Times New Roman" panose="02020603050405020304" pitchFamily="18" charset="0"/>
+              </a:rPr>
+              <a:t>混合训练数据</a:t>
+            </a:r>
+            <a:r>
+              <a:rPr lang="zh-CN" altLang="zh-CN" kern="100" dirty="0">
+                <a:effectLst/>
+                <a:latin typeface="Times New Roman" panose="02020603050405020304" pitchFamily="18" charset="0"/>
+                <a:ea typeface="宋体" panose="02010600030101010101" pitchFamily="2" charset="-122"/>
+                <a:cs typeface="Times New Roman" panose="02020603050405020304" pitchFamily="18" charset="0"/>
+              </a:rPr>
+              <a:t>）对方案的影响。</a:t>
             </a:r>
           </a:p>
           <a:p>
@@ -5104,7 +5411,31 @@
                 <a:ea typeface="宋体" panose="02010600030101010101" pitchFamily="2" charset="-122"/>
                 <a:cs typeface="Times New Roman" panose="02020603050405020304" pitchFamily="18" charset="0"/>
               </a:rPr>
-              <a:t>设计选择缺乏理论支持</a:t>
+              <a:t>设计选择缺乏</a:t>
+            </a:r>
+            <a:r>
+              <a:rPr lang="zh-CN" altLang="zh-CN" b="1" kern="100" dirty="0">
+                <a:solidFill>
+                  <a:srgbClr val="FF0000"/>
+                </a:solidFill>
+                <a:effectLst/>
+                <a:latin typeface="Times New Roman" panose="02020603050405020304" pitchFamily="18" charset="0"/>
+                <a:ea typeface="宋体" panose="02010600030101010101" pitchFamily="2" charset="-122"/>
+                <a:cs typeface="Times New Roman" panose="02020603050405020304" pitchFamily="18" charset="0"/>
+              </a:rPr>
+              <a:t>理论支持</a:t>
+            </a:r>
+            <a:r>
+              <a:rPr lang="zh-CN" altLang="en-US" b="1" kern="100" dirty="0">
+                <a:solidFill>
+                  <a:srgbClr val="FF0000"/>
+                </a:solidFill>
+                <a:effectLst/>
+                <a:latin typeface="Times New Roman" panose="02020603050405020304" pitchFamily="18" charset="0"/>
+                <a:ea typeface="宋体" panose="02010600030101010101" pitchFamily="2" charset="-122"/>
+                <a:cs typeface="Times New Roman" panose="02020603050405020304" pitchFamily="18" charset="0"/>
+              </a:rPr>
+              <a:t>（不好改）</a:t>
             </a:r>
             <a:r>
               <a:rPr lang="zh-CN" altLang="zh-CN" kern="100" dirty="0">
@@ -5194,6 +5525,35 @@
               </a:rPr>
               <a:t>的有效性依赖数据。</a:t>
             </a:r>
+            <a:r>
+              <a:rPr lang="en-US" altLang="zh-CN" kern="100" dirty="0">
+                <a:effectLst/>
+                <a:latin typeface="Times New Roman" panose="02020603050405020304" pitchFamily="18" charset="0"/>
+                <a:ea typeface="宋体" panose="02010600030101010101" pitchFamily="2" charset="-122"/>
+                <a:cs typeface="Times New Roman" panose="02020603050405020304" pitchFamily="18" charset="0"/>
+              </a:rPr>
+              <a:t>+</a:t>
+            </a:r>
+            <a:r>
+              <a:rPr lang="zh-CN" altLang="en-US" kern="100" dirty="0">
+                <a:solidFill>
+                  <a:srgbClr val="FF0000"/>
+                </a:solidFill>
+                <a:latin typeface="Times New Roman" panose="02020603050405020304" pitchFamily="18" charset="0"/>
+                <a:ea typeface="宋体" panose="02010600030101010101" pitchFamily="2" charset="-122"/>
+                <a:cs typeface="Times New Roman" panose="02020603050405020304" pitchFamily="18" charset="0"/>
+              </a:rPr>
+              <a:t> 引入的语句</a:t>
+            </a:r>
+            <a:endParaRPr lang="zh-CN" altLang="zh-CN" kern="100" dirty="0">
+              <a:solidFill>
+                <a:srgbClr val="FF0000"/>
+              </a:solidFill>
+              <a:effectLst/>
+              <a:latin typeface="Times New Roman" panose="02020603050405020304" pitchFamily="18" charset="0"/>
+              <a:ea typeface="宋体" panose="02010600030101010101" pitchFamily="2" charset="-122"/>
+              <a:cs typeface="Times New Roman" panose="02020603050405020304" pitchFamily="18" charset="0"/>
+            </a:endParaRPr>
           </a:p>
           <a:p>
             <a:pPr marL="742950" lvl="1" indent="-285750">
@@ -5219,6 +5579,35 @@
               </a:rPr>
               <a:t>超参数的选择未充分论证。</a:t>
             </a:r>
+            <a:r>
+              <a:rPr lang="en-US" altLang="zh-CN" kern="100" dirty="0">
+                <a:effectLst/>
+                <a:latin typeface="Times New Roman" panose="02020603050405020304" pitchFamily="18" charset="0"/>
+                <a:ea typeface="宋体" panose="02010600030101010101" pitchFamily="2" charset="-122"/>
+                <a:cs typeface="Times New Roman" panose="02020603050405020304" pitchFamily="18" charset="0"/>
+              </a:rPr>
+              <a:t>+ </a:t>
+            </a:r>
+            <a:r>
+              <a:rPr lang="zh-CN" altLang="en-US" kern="100" dirty="0">
+                <a:solidFill>
+                  <a:srgbClr val="FF0000"/>
+                </a:solidFill>
+                <a:latin typeface="Times New Roman" panose="02020603050405020304" pitchFamily="18" charset="0"/>
+                <a:ea typeface="宋体" panose="02010600030101010101" pitchFamily="2" charset="-122"/>
+                <a:cs typeface="Times New Roman" panose="02020603050405020304" pitchFamily="18" charset="0"/>
+              </a:rPr>
+              <a:t>简洁的解释选择超参数的原因 巧妙一点</a:t>
+            </a:r>
+            <a:endParaRPr lang="zh-CN" altLang="zh-CN" kern="100" dirty="0">
+              <a:solidFill>
+                <a:srgbClr val="FF0000"/>
+              </a:solidFill>
+              <a:effectLst/>
+              <a:latin typeface="Times New Roman" panose="02020603050405020304" pitchFamily="18" charset="0"/>
+              <a:ea typeface="宋体" panose="02010600030101010101" pitchFamily="2" charset="-122"/>
+              <a:cs typeface="Times New Roman" panose="02020603050405020304" pitchFamily="18" charset="0"/>
+            </a:endParaRPr>
           </a:p>
           <a:p>
             <a:pPr marL="342900" lvl="0" indent="-342900">
@@ -5287,10 +5676,45 @@
                 <a:ea typeface="宋体" panose="02010600030101010101" pitchFamily="2" charset="-122"/>
                 <a:cs typeface="Times New Roman" panose="02020603050405020304" pitchFamily="18" charset="0"/>
               </a:rPr>
-              <a:t>），需补充误报率、</a:t>
+              <a:t>），需补充</a:t>
+            </a:r>
+            <a:r>
+              <a:rPr lang="zh-CN" altLang="zh-CN" kern="100" dirty="0">
+                <a:solidFill>
+                  <a:srgbClr val="FF0000"/>
+                </a:solidFill>
+                <a:effectLst/>
+                <a:latin typeface="Times New Roman" panose="02020603050405020304" pitchFamily="18" charset="0"/>
+                <a:ea typeface="宋体" panose="02010600030101010101" pitchFamily="2" charset="-122"/>
+                <a:cs typeface="Times New Roman" panose="02020603050405020304" pitchFamily="18" charset="0"/>
+              </a:rPr>
+              <a:t>误报率</a:t>
             </a:r>
             <a:r>
               <a:rPr lang="en-US" altLang="zh-CN" kern="100" dirty="0">
+                <a:solidFill>
+                  <a:srgbClr val="FF0000"/>
+                </a:solidFill>
+                <a:latin typeface="Times New Roman" panose="02020603050405020304" pitchFamily="18" charset="0"/>
+                <a:ea typeface="宋体" panose="02010600030101010101" pitchFamily="2" charset="-122"/>
+                <a:cs typeface="Times New Roman" panose="02020603050405020304" pitchFamily="18" charset="0"/>
+              </a:rPr>
+              <a:t> </a:t>
+            </a:r>
+            <a:r>
+              <a:rPr lang="zh-CN" altLang="zh-CN" kern="100" dirty="0">
+                <a:effectLst/>
+                <a:latin typeface="Times New Roman" panose="02020603050405020304" pitchFamily="18" charset="0"/>
+                <a:ea typeface="宋体" panose="02010600030101010101" pitchFamily="2" charset="-122"/>
+                <a:cs typeface="Times New Roman" panose="02020603050405020304" pitchFamily="18" charset="0"/>
+              </a:rPr>
+              <a:t>、</a:t>
+            </a:r>
+            <a:r>
+              <a:rPr lang="en-US" altLang="zh-CN" kern="100" dirty="0">
+                <a:solidFill>
+                  <a:srgbClr val="FF0000"/>
+                </a:solidFill>
                 <a:effectLst/>
                 <a:latin typeface="Times New Roman" panose="02020603050405020304" pitchFamily="18" charset="0"/>
                 <a:ea typeface="宋体" panose="02010600030101010101" pitchFamily="2" charset="-122"/>
@@ -5307,6 +5731,27 @@
               </a:rPr>
               <a:t>等指标。</a:t>
             </a:r>
+            <a:r>
+              <a:rPr lang="zh-CN" altLang="en-US" kern="100" dirty="0">
+                <a:solidFill>
+                  <a:srgbClr val="FF0000"/>
+                </a:solidFill>
+                <a:effectLst/>
+                <a:latin typeface="Times New Roman" panose="02020603050405020304" pitchFamily="18" charset="0"/>
+                <a:ea typeface="宋体" panose="02010600030101010101" pitchFamily="2" charset="-122"/>
+                <a:cs typeface="Times New Roman" panose="02020603050405020304" pitchFamily="18" charset="0"/>
+              </a:rPr>
+              <a:t>（增加新场景实验的时候考虑）</a:t>
+            </a:r>
+            <a:endParaRPr lang="zh-CN" altLang="zh-CN" kern="100" dirty="0">
+              <a:solidFill>
+                <a:srgbClr val="FF0000"/>
+              </a:solidFill>
+              <a:effectLst/>
+              <a:latin typeface="Times New Roman" panose="02020603050405020304" pitchFamily="18" charset="0"/>
+              <a:ea typeface="宋体" panose="02010600030101010101" pitchFamily="2" charset="-122"/>
+              <a:cs typeface="Times New Roman" panose="02020603050405020304" pitchFamily="18" charset="0"/>
+            </a:endParaRPr>
           </a:p>
         </p:txBody>
       </p:sp>
@@ -5324,7 +5769,7 @@
         </p:nvSpPr>
         <p:spPr>
           <a:xfrm>
-            <a:off x="1168400" y="1188720"/>
+            <a:off x="880932" y="0"/>
             <a:ext cx="439544" cy="369332"/>
           </a:xfrm>
           <a:prstGeom prst="rect">
@@ -5343,6 +5788,520 @@
               <a:t>R2</a:t>
             </a:r>
             <a:endParaRPr lang="zh-CN" altLang="en-US" dirty="0"/>
+          </a:p>
+        </p:txBody>
+      </p:sp>
+      <p:sp>
+        <p:nvSpPr>
+          <p:cNvPr id="3" name="文本框 2">
+            <a:extLst>
+              <a:ext uri="{FF2B5EF4-FFF2-40B4-BE49-F238E27FC236}">
+                <a16:creationId xmlns:a16="http://schemas.microsoft.com/office/drawing/2014/main" id="{CF4C6A4E-E6D5-BFCC-9742-7448ECC7D7C2}"/>
+              </a:ext>
+            </a:extLst>
+          </p:cNvPr>
+          <p:cNvSpPr txBox="1"/>
+          <p:nvPr/>
+        </p:nvSpPr>
+        <p:spPr>
+          <a:xfrm>
+            <a:off x="555810" y="2993878"/>
+            <a:ext cx="10623177" cy="3693319"/>
+          </a:xfrm>
+          <a:prstGeom prst="rect">
+            <a:avLst/>
+          </a:prstGeom>
+          <a:noFill/>
+        </p:spPr>
+        <p:txBody>
+          <a:bodyPr wrap="square">
+            <a:spAutoFit/>
+          </a:bodyPr>
+          <a:lstStyle/>
+          <a:p>
+            <a:pPr marL="285750" indent="-285750">
+              <a:buFont typeface="Wingdings" panose="05000000000000000000" pitchFamily="2" charset="2"/>
+              <a:buChar char="l"/>
+            </a:pPr>
+            <a:r>
+              <a:rPr lang="zh-CN" altLang="en-US" b="0" i="0" dirty="0">
+                <a:solidFill>
+                  <a:srgbClr val="111133"/>
+                </a:solidFill>
+                <a:effectLst/>
+                <a:latin typeface="Times New Roman" panose="02020603050405020304" pitchFamily="18" charset="0"/>
+                <a:ea typeface="宋体" panose="02010600030101010101" pitchFamily="2" charset="-122"/>
+                <a:cs typeface="Times New Roman" panose="02020603050405020304" pitchFamily="18" charset="0"/>
+              </a:rPr>
+              <a:t>图</a:t>
+            </a:r>
+            <a:r>
+              <a:rPr lang="en-US" altLang="zh-CN" b="0" i="0" dirty="0">
+                <a:solidFill>
+                  <a:srgbClr val="111133"/>
+                </a:solidFill>
+                <a:effectLst/>
+                <a:latin typeface="Times New Roman" panose="02020603050405020304" pitchFamily="18" charset="0"/>
+                <a:ea typeface="宋体" panose="02010600030101010101" pitchFamily="2" charset="-122"/>
+                <a:cs typeface="Times New Roman" panose="02020603050405020304" pitchFamily="18" charset="0"/>
+              </a:rPr>
+              <a:t>2</a:t>
+            </a:r>
+            <a:r>
+              <a:rPr lang="zh-CN" altLang="en-US" b="0" i="0" dirty="0">
+                <a:solidFill>
+                  <a:srgbClr val="111133"/>
+                </a:solidFill>
+                <a:effectLst/>
+                <a:latin typeface="Times New Roman" panose="02020603050405020304" pitchFamily="18" charset="0"/>
+                <a:ea typeface="宋体" panose="02010600030101010101" pitchFamily="2" charset="-122"/>
+                <a:cs typeface="Times New Roman" panose="02020603050405020304" pitchFamily="18" charset="0"/>
+              </a:rPr>
+              <a:t>较难理解。能否更详细地解释不同类型节点（如“</a:t>
+            </a:r>
+            <a:r>
+              <a:rPr lang="zh-CN" altLang="en-US" b="0" i="0" dirty="0">
+                <a:solidFill>
+                  <a:srgbClr val="FF0000"/>
+                </a:solidFill>
+                <a:effectLst/>
+                <a:latin typeface="Times New Roman" panose="02020603050405020304" pitchFamily="18" charset="0"/>
+                <a:ea typeface="宋体" panose="02010600030101010101" pitchFamily="2" charset="-122"/>
+                <a:cs typeface="Times New Roman" panose="02020603050405020304" pitchFamily="18" charset="0"/>
+              </a:rPr>
+              <a:t>困难节点</a:t>
+            </a:r>
+            <a:r>
+              <a:rPr lang="zh-CN" altLang="en-US" b="0" i="0" dirty="0">
+                <a:solidFill>
+                  <a:srgbClr val="111133"/>
+                </a:solidFill>
+                <a:effectLst/>
+                <a:latin typeface="Times New Roman" panose="02020603050405020304" pitchFamily="18" charset="0"/>
+                <a:ea typeface="宋体" panose="02010600030101010101" pitchFamily="2" charset="-122"/>
+                <a:cs typeface="Times New Roman" panose="02020603050405020304" pitchFamily="18" charset="0"/>
+              </a:rPr>
+              <a:t>”、“</a:t>
+            </a:r>
+            <a:r>
+              <a:rPr lang="en-US" altLang="zh-CN" b="0" i="0" dirty="0">
+                <a:solidFill>
+                  <a:srgbClr val="111133"/>
+                </a:solidFill>
+                <a:effectLst/>
+                <a:latin typeface="Times New Roman" panose="02020603050405020304" pitchFamily="18" charset="0"/>
+                <a:ea typeface="宋体" panose="02010600030101010101" pitchFamily="2" charset="-122"/>
+                <a:cs typeface="Times New Roman" panose="02020603050405020304" pitchFamily="18" charset="0"/>
+              </a:rPr>
+              <a:t>P</a:t>
+            </a:r>
+            <a:r>
+              <a:rPr lang="zh-CN" altLang="en-US" b="0" i="0" dirty="0">
+                <a:solidFill>
+                  <a:srgbClr val="111133"/>
+                </a:solidFill>
+                <a:effectLst/>
+                <a:latin typeface="Times New Roman" panose="02020603050405020304" pitchFamily="18" charset="0"/>
+                <a:ea typeface="宋体" panose="02010600030101010101" pitchFamily="2" charset="-122"/>
+                <a:cs typeface="Times New Roman" panose="02020603050405020304" pitchFamily="18" charset="0"/>
+              </a:rPr>
+              <a:t>节点”、“</a:t>
+            </a:r>
+            <a:r>
+              <a:rPr lang="en-US" altLang="zh-CN" b="0" i="0" dirty="0">
+                <a:solidFill>
+                  <a:srgbClr val="111133"/>
+                </a:solidFill>
+                <a:effectLst/>
+                <a:latin typeface="Times New Roman" panose="02020603050405020304" pitchFamily="18" charset="0"/>
+                <a:ea typeface="宋体" panose="02010600030101010101" pitchFamily="2" charset="-122"/>
+                <a:cs typeface="Times New Roman" panose="02020603050405020304" pitchFamily="18" charset="0"/>
+              </a:rPr>
+              <a:t>T</a:t>
+            </a:r>
+            <a:r>
+              <a:rPr lang="zh-CN" altLang="en-US" b="0" i="0" dirty="0">
+                <a:solidFill>
+                  <a:srgbClr val="111133"/>
+                </a:solidFill>
+                <a:effectLst/>
+                <a:latin typeface="Times New Roman" panose="02020603050405020304" pitchFamily="18" charset="0"/>
+                <a:ea typeface="宋体" panose="02010600030101010101" pitchFamily="2" charset="-122"/>
+                <a:cs typeface="Times New Roman" panose="02020603050405020304" pitchFamily="18" charset="0"/>
+              </a:rPr>
+              <a:t>节点”）的区别以及整个流程的执行顺序？</a:t>
+            </a:r>
+            <a:r>
+              <a:rPr lang="zh-CN" altLang="en-US" b="0" i="0" dirty="0">
+                <a:solidFill>
+                  <a:srgbClr val="FF0000"/>
+                </a:solidFill>
+                <a:effectLst/>
+                <a:latin typeface="Times New Roman" panose="02020603050405020304" pitchFamily="18" charset="0"/>
+                <a:ea typeface="宋体" panose="02010600030101010101" pitchFamily="2" charset="-122"/>
+                <a:cs typeface="Times New Roman" panose="02020603050405020304" pitchFamily="18" charset="0"/>
+              </a:rPr>
+              <a:t>（关注新概念的形象化的描述和解释）</a:t>
+            </a:r>
+            <a:endParaRPr lang="en-US" altLang="zh-CN" b="0" i="0" dirty="0">
+              <a:solidFill>
+                <a:srgbClr val="FF0000"/>
+              </a:solidFill>
+              <a:effectLst/>
+              <a:latin typeface="Times New Roman" panose="02020603050405020304" pitchFamily="18" charset="0"/>
+              <a:ea typeface="宋体" panose="02010600030101010101" pitchFamily="2" charset="-122"/>
+              <a:cs typeface="Times New Roman" panose="02020603050405020304" pitchFamily="18" charset="0"/>
+            </a:endParaRPr>
+          </a:p>
+          <a:p>
+            <a:pPr marL="285750" indent="-285750">
+              <a:buFont typeface="Wingdings" panose="05000000000000000000" pitchFamily="2" charset="2"/>
+              <a:buChar char="l"/>
+            </a:pPr>
+            <a:endParaRPr lang="en-US" altLang="zh-CN" dirty="0">
+              <a:solidFill>
+                <a:srgbClr val="111133"/>
+              </a:solidFill>
+              <a:latin typeface="Times New Roman" panose="02020603050405020304" pitchFamily="18" charset="0"/>
+              <a:ea typeface="宋体" panose="02010600030101010101" pitchFamily="2" charset="-122"/>
+              <a:cs typeface="Times New Roman" panose="02020603050405020304" pitchFamily="18" charset="0"/>
+            </a:endParaRPr>
+          </a:p>
+          <a:p>
+            <a:pPr marL="285750" indent="-285750">
+              <a:buFont typeface="Wingdings" panose="05000000000000000000" pitchFamily="2" charset="2"/>
+              <a:buChar char="l"/>
+            </a:pPr>
+            <a:r>
+              <a:rPr lang="zh-CN" altLang="en-US" dirty="0">
+                <a:solidFill>
+                  <a:srgbClr val="111133"/>
+                </a:solidFill>
+                <a:latin typeface="宋体" panose="02010600030101010101" pitchFamily="2" charset="-122"/>
+                <a:ea typeface="宋体" panose="02010600030101010101" pitchFamily="2" charset="-122"/>
+                <a:cs typeface="Times New Roman" panose="02020603050405020304" pitchFamily="18" charset="0"/>
+              </a:rPr>
+              <a:t>“无损”（</a:t>
+            </a:r>
+            <a:r>
+              <a:rPr lang="en-US" altLang="zh-CN" dirty="0">
+                <a:solidFill>
+                  <a:srgbClr val="111133"/>
+                </a:solidFill>
+                <a:latin typeface="宋体" panose="02010600030101010101" pitchFamily="2" charset="-122"/>
+                <a:ea typeface="宋体" panose="02010600030101010101" pitchFamily="2" charset="-122"/>
+                <a:cs typeface="Times New Roman" panose="02020603050405020304" pitchFamily="18" charset="0"/>
+              </a:rPr>
+              <a:t>damage-free</a:t>
+            </a:r>
+            <a:r>
+              <a:rPr lang="zh-CN" altLang="en-US" dirty="0">
+                <a:solidFill>
+                  <a:srgbClr val="111133"/>
+                </a:solidFill>
+                <a:latin typeface="宋体" panose="02010600030101010101" pitchFamily="2" charset="-122"/>
+                <a:ea typeface="宋体" panose="02010600030101010101" pitchFamily="2" charset="-122"/>
+                <a:cs typeface="Times New Roman" panose="02020603050405020304" pitchFamily="18" charset="0"/>
+              </a:rPr>
+              <a:t>）这一表述可能言过其实，因为所提方案确实对数据进行了扰动，即引入了某种“损伤”。使用“保持效用”（</a:t>
+            </a:r>
+            <a:r>
+              <a:rPr lang="en-US" altLang="zh-CN" dirty="0">
+                <a:solidFill>
+                  <a:srgbClr val="FF0000"/>
+                </a:solidFill>
+                <a:latin typeface="宋体" panose="02010600030101010101" pitchFamily="2" charset="-122"/>
+                <a:ea typeface="宋体" panose="02010600030101010101" pitchFamily="2" charset="-122"/>
+                <a:cs typeface="Times New Roman" panose="02020603050405020304" pitchFamily="18" charset="0"/>
+              </a:rPr>
+              <a:t>utility-preserving</a:t>
+            </a:r>
+            <a:r>
+              <a:rPr lang="zh-CN" altLang="en-US" dirty="0">
+                <a:solidFill>
+                  <a:srgbClr val="111133"/>
+                </a:solidFill>
+                <a:latin typeface="宋体" panose="02010600030101010101" pitchFamily="2" charset="-122"/>
+                <a:ea typeface="宋体" panose="02010600030101010101" pitchFamily="2" charset="-122"/>
+                <a:cs typeface="Times New Roman" panose="02020603050405020304" pitchFamily="18" charset="0"/>
+              </a:rPr>
+              <a:t>）可能更为准确。</a:t>
+            </a:r>
+            <a:r>
+              <a:rPr lang="zh-CN" altLang="en-US" dirty="0">
+                <a:solidFill>
+                  <a:srgbClr val="FF0000"/>
+                </a:solidFill>
+                <a:latin typeface="宋体" panose="02010600030101010101" pitchFamily="2" charset="-122"/>
+                <a:ea typeface="宋体" panose="02010600030101010101" pitchFamily="2" charset="-122"/>
+                <a:cs typeface="Times New Roman" panose="02020603050405020304" pitchFamily="18" charset="0"/>
+              </a:rPr>
+              <a:t>（无损的形容词替换）检查替换后语句是否合理</a:t>
+            </a:r>
+            <a:r>
+              <a:rPr lang="en-US" altLang="zh-CN" dirty="0">
+                <a:solidFill>
+                  <a:srgbClr val="FF0000"/>
+                </a:solidFill>
+                <a:latin typeface="宋体" panose="02010600030101010101" pitchFamily="2" charset="-122"/>
+                <a:ea typeface="宋体" panose="02010600030101010101" pitchFamily="2" charset="-122"/>
+                <a:cs typeface="Times New Roman" panose="02020603050405020304" pitchFamily="18" charset="0"/>
+              </a:rPr>
+              <a:t> </a:t>
+            </a:r>
+            <a:r>
+              <a:rPr lang="zh-CN" altLang="en-US" dirty="0">
+                <a:solidFill>
+                  <a:srgbClr val="FF0000"/>
+                </a:solidFill>
+                <a:latin typeface="宋体" panose="02010600030101010101" pitchFamily="2" charset="-122"/>
+                <a:ea typeface="宋体" panose="02010600030101010101" pitchFamily="2" charset="-122"/>
+                <a:cs typeface="Times New Roman" panose="02020603050405020304" pitchFamily="18" charset="0"/>
+              </a:rPr>
+              <a:t>本身 前后两句话 </a:t>
+            </a:r>
+            <a:r>
+              <a:rPr lang="en-US" altLang="zh-CN" dirty="0">
+                <a:solidFill>
+                  <a:srgbClr val="FF0000"/>
+                </a:solidFill>
+                <a:latin typeface="宋体" panose="02010600030101010101" pitchFamily="2" charset="-122"/>
+                <a:ea typeface="宋体" panose="02010600030101010101" pitchFamily="2" charset="-122"/>
+                <a:cs typeface="Times New Roman" panose="02020603050405020304" pitchFamily="18" charset="0"/>
+              </a:rPr>
+              <a:t>insight </a:t>
+            </a:r>
+            <a:r>
+              <a:rPr lang="zh-CN" altLang="en-US" dirty="0">
+                <a:solidFill>
+                  <a:srgbClr val="FF0000"/>
+                </a:solidFill>
+                <a:latin typeface="宋体" panose="02010600030101010101" pitchFamily="2" charset="-122"/>
+                <a:ea typeface="宋体" panose="02010600030101010101" pitchFamily="2" charset="-122"/>
+                <a:cs typeface="Times New Roman" panose="02020603050405020304" pitchFamily="18" charset="0"/>
+              </a:rPr>
+              <a:t>对数据集效用没有影响 </a:t>
+            </a:r>
+            <a:r>
+              <a:rPr lang="en-US" altLang="zh-CN" dirty="0">
+                <a:solidFill>
+                  <a:srgbClr val="FF0000"/>
+                </a:solidFill>
+                <a:latin typeface="宋体" panose="02010600030101010101" pitchFamily="2" charset="-122"/>
+                <a:ea typeface="宋体" panose="02010600030101010101" pitchFamily="2" charset="-122"/>
+                <a:cs typeface="Times New Roman" panose="02020603050405020304" pitchFamily="18" charset="0"/>
+              </a:rPr>
+              <a:t>-&gt;</a:t>
+            </a:r>
+            <a:r>
+              <a:rPr lang="zh-CN" altLang="en-US" dirty="0">
+                <a:solidFill>
+                  <a:srgbClr val="FF0000"/>
+                </a:solidFill>
+                <a:latin typeface="宋体" panose="02010600030101010101" pitchFamily="2" charset="-122"/>
+                <a:ea typeface="宋体" panose="02010600030101010101" pitchFamily="2" charset="-122"/>
+                <a:cs typeface="Times New Roman" panose="02020603050405020304" pitchFamily="18" charset="0"/>
+              </a:rPr>
+              <a:t>混合训练 混合前后对数据集效用的影响对比实验</a:t>
+            </a:r>
+            <a:endParaRPr lang="en-US" altLang="zh-CN" dirty="0">
+              <a:solidFill>
+                <a:srgbClr val="111133"/>
+              </a:solidFill>
+              <a:latin typeface="宋体" panose="02010600030101010101" pitchFamily="2" charset="-122"/>
+              <a:ea typeface="宋体" panose="02010600030101010101" pitchFamily="2" charset="-122"/>
+              <a:cs typeface="Times New Roman" panose="02020603050405020304" pitchFamily="18" charset="0"/>
+            </a:endParaRPr>
+          </a:p>
+          <a:p>
+            <a:pPr marL="285750" indent="-285750">
+              <a:buFont typeface="Wingdings" panose="05000000000000000000" pitchFamily="2" charset="2"/>
+              <a:buChar char="l"/>
+            </a:pPr>
+            <a:r>
+              <a:rPr lang="zh-CN" altLang="en-US" dirty="0">
+                <a:solidFill>
+                  <a:srgbClr val="111133"/>
+                </a:solidFill>
+                <a:latin typeface="Times New Roman" panose="02020603050405020304" pitchFamily="18" charset="0"/>
+                <a:ea typeface="宋体" panose="02010600030101010101" pitchFamily="2" charset="-122"/>
+                <a:cs typeface="Times New Roman" panose="02020603050405020304" pitchFamily="18" charset="0"/>
+              </a:rPr>
+              <a:t>如 </a:t>
+            </a:r>
+            <a:r>
+              <a:rPr lang="en-US" altLang="zh-CN" dirty="0">
+                <a:solidFill>
+                  <a:srgbClr val="111133"/>
+                </a:solidFill>
+                <a:latin typeface="Times New Roman" panose="02020603050405020304" pitchFamily="18" charset="0"/>
+                <a:ea typeface="宋体" panose="02010600030101010101" pitchFamily="2" charset="-122"/>
+                <a:cs typeface="Times New Roman" panose="02020603050405020304" pitchFamily="18" charset="0"/>
+              </a:rPr>
+              <a:t>O1 </a:t>
+            </a:r>
+            <a:r>
+              <a:rPr lang="zh-CN" altLang="en-US" dirty="0">
+                <a:solidFill>
+                  <a:srgbClr val="111133"/>
+                </a:solidFill>
+                <a:latin typeface="Times New Roman" panose="02020603050405020304" pitchFamily="18" charset="0"/>
+                <a:ea typeface="宋体" panose="02010600030101010101" pitchFamily="2" charset="-122"/>
+                <a:cs typeface="Times New Roman" panose="02020603050405020304" pitchFamily="18" charset="0"/>
+              </a:rPr>
+              <a:t>和 </a:t>
+            </a:r>
+            <a:r>
+              <a:rPr lang="en-US" altLang="zh-CN" dirty="0">
+                <a:solidFill>
+                  <a:srgbClr val="111133"/>
+                </a:solidFill>
+                <a:latin typeface="Times New Roman" panose="02020603050405020304" pitchFamily="18" charset="0"/>
+                <a:ea typeface="宋体" panose="02010600030101010101" pitchFamily="2" charset="-122"/>
+                <a:cs typeface="Times New Roman" panose="02020603050405020304" pitchFamily="18" charset="0"/>
+              </a:rPr>
+              <a:t>O2 </a:t>
+            </a:r>
+            <a:r>
+              <a:rPr lang="zh-CN" altLang="en-US" dirty="0">
+                <a:solidFill>
+                  <a:srgbClr val="111133"/>
+                </a:solidFill>
+                <a:latin typeface="Times New Roman" panose="02020603050405020304" pitchFamily="18" charset="0"/>
+                <a:ea typeface="宋体" panose="02010600030101010101" pitchFamily="2" charset="-122"/>
+                <a:cs typeface="Times New Roman" panose="02020603050405020304" pitchFamily="18" charset="0"/>
+              </a:rPr>
+              <a:t>所述，本文的主要问题在于攻击者模型较为薄弱。为增强论文说服力，建议作者分析在“知情攻击者”（</a:t>
+            </a:r>
+            <a:r>
+              <a:rPr lang="en-US" altLang="zh-CN" dirty="0">
+                <a:solidFill>
+                  <a:srgbClr val="111133"/>
+                </a:solidFill>
+                <a:latin typeface="Times New Roman" panose="02020603050405020304" pitchFamily="18" charset="0"/>
+                <a:ea typeface="宋体" panose="02010600030101010101" pitchFamily="2" charset="-122"/>
+                <a:cs typeface="Times New Roman" panose="02020603050405020304" pitchFamily="18" charset="0"/>
+              </a:rPr>
+              <a:t>informed attacker</a:t>
+            </a:r>
+            <a:r>
+              <a:rPr lang="zh-CN" altLang="en-US" dirty="0">
+                <a:solidFill>
+                  <a:srgbClr val="111133"/>
+                </a:solidFill>
+                <a:latin typeface="Times New Roman" panose="02020603050405020304" pitchFamily="18" charset="0"/>
+                <a:ea typeface="宋体" panose="02010600030101010101" pitchFamily="2" charset="-122"/>
+                <a:cs typeface="Times New Roman" panose="02020603050405020304" pitchFamily="18" charset="0"/>
+              </a:rPr>
+              <a:t>）场景下的方案表现，即攻击者已知晓该方案的设计原理。具体而言，作者可测试白盒攻击者采用针对性防御手段的情况，例如：基于图数据增强的对抗训练、差分隐私训练（如 </a:t>
+            </a:r>
+            <a:r>
+              <a:rPr lang="en-US" altLang="zh-CN" dirty="0">
+                <a:solidFill>
+                  <a:srgbClr val="111133"/>
+                </a:solidFill>
+                <a:latin typeface="Times New Roman" panose="02020603050405020304" pitchFamily="18" charset="0"/>
+                <a:ea typeface="宋体" panose="02010600030101010101" pitchFamily="2" charset="-122"/>
+                <a:cs typeface="Times New Roman" panose="02020603050405020304" pitchFamily="18" charset="0"/>
+              </a:rPr>
+              <a:t>DP-SGD</a:t>
+            </a:r>
+            <a:r>
+              <a:rPr lang="zh-CN" altLang="en-US" dirty="0">
+                <a:solidFill>
+                  <a:srgbClr val="111133"/>
+                </a:solidFill>
+                <a:latin typeface="Times New Roman" panose="02020603050405020304" pitchFamily="18" charset="0"/>
+                <a:ea typeface="宋体" panose="02010600030101010101" pitchFamily="2" charset="-122"/>
+                <a:cs typeface="Times New Roman" panose="02020603050405020304" pitchFamily="18" charset="0"/>
+              </a:rPr>
+              <a:t>）、知识蒸馏、模型校准</a:t>
+            </a:r>
+            <a:r>
+              <a:rPr lang="en-US" altLang="zh-CN" dirty="0">
+                <a:solidFill>
+                  <a:srgbClr val="111133"/>
+                </a:solidFill>
+                <a:latin typeface="Times New Roman" panose="02020603050405020304" pitchFamily="18" charset="0"/>
+                <a:ea typeface="宋体" panose="02010600030101010101" pitchFamily="2" charset="-122"/>
+                <a:cs typeface="Times New Roman" panose="02020603050405020304" pitchFamily="18" charset="0"/>
+              </a:rPr>
+              <a:t>/</a:t>
+            </a:r>
+            <a:r>
+              <a:rPr lang="zh-CN" altLang="en-US" dirty="0">
+                <a:solidFill>
+                  <a:srgbClr val="111133"/>
+                </a:solidFill>
+                <a:latin typeface="Times New Roman" panose="02020603050405020304" pitchFamily="18" charset="0"/>
+                <a:ea typeface="宋体" panose="02010600030101010101" pitchFamily="2" charset="-122"/>
+                <a:cs typeface="Times New Roman" panose="02020603050405020304" pitchFamily="18" charset="0"/>
+              </a:rPr>
+              <a:t>温度缩放、训练后量化，以及使用干净数据与带水印数据混合训练等。</a:t>
+            </a:r>
+            <a:r>
+              <a:rPr lang="zh-CN" altLang="en-US" dirty="0">
+                <a:solidFill>
+                  <a:srgbClr val="FF0000"/>
+                </a:solidFill>
+                <a:latin typeface="Times New Roman" panose="02020603050405020304" pitchFamily="18" charset="0"/>
+                <a:ea typeface="宋体" panose="02010600030101010101" pitchFamily="2" charset="-122"/>
+                <a:cs typeface="Times New Roman" panose="02020603050405020304" pitchFamily="18" charset="0"/>
+              </a:rPr>
+              <a:t>（自适应攻击者的切入点） 版权窃取的攻击方式  </a:t>
+            </a:r>
+            <a:r>
+              <a:rPr lang="en-US" altLang="zh-CN" dirty="0">
+                <a:solidFill>
+                  <a:srgbClr val="FF0000"/>
+                </a:solidFill>
+                <a:latin typeface="Times New Roman" panose="02020603050405020304" pitchFamily="18" charset="0"/>
+                <a:ea typeface="宋体" panose="02010600030101010101" pitchFamily="2" charset="-122"/>
+                <a:cs typeface="Times New Roman" panose="02020603050405020304" pitchFamily="18" charset="0"/>
+              </a:rPr>
+              <a:t>1</a:t>
+            </a:r>
+            <a:r>
+              <a:rPr lang="zh-CN" altLang="en-US" dirty="0">
+                <a:solidFill>
+                  <a:srgbClr val="FF0000"/>
+                </a:solidFill>
+                <a:latin typeface="Times New Roman" panose="02020603050405020304" pitchFamily="18" charset="0"/>
+                <a:ea typeface="宋体" panose="02010600030101010101" pitchFamily="2" charset="-122"/>
+                <a:cs typeface="Times New Roman" panose="02020603050405020304" pitchFamily="18" charset="0"/>
+              </a:rPr>
+              <a:t>、涉及这一部分的描述要做修改（在确定好位置之后，增加一些描述）</a:t>
+            </a:r>
+            <a:r>
+              <a:rPr lang="en-US" altLang="zh-CN" dirty="0">
+                <a:solidFill>
+                  <a:srgbClr val="FF0000"/>
+                </a:solidFill>
+                <a:latin typeface="Times New Roman" panose="02020603050405020304" pitchFamily="18" charset="0"/>
+                <a:ea typeface="宋体" panose="02010600030101010101" pitchFamily="2" charset="-122"/>
+                <a:cs typeface="Times New Roman" panose="02020603050405020304" pitchFamily="18" charset="0"/>
+              </a:rPr>
+              <a:t> 2</a:t>
+            </a:r>
+            <a:r>
+              <a:rPr lang="zh-CN" altLang="en-US" dirty="0">
+                <a:solidFill>
+                  <a:srgbClr val="FF0000"/>
+                </a:solidFill>
+                <a:latin typeface="Times New Roman" panose="02020603050405020304" pitchFamily="18" charset="0"/>
+                <a:ea typeface="宋体" panose="02010600030101010101" pitchFamily="2" charset="-122"/>
+                <a:cs typeface="Times New Roman" panose="02020603050405020304" pitchFamily="18" charset="0"/>
+              </a:rPr>
+              <a:t>、要增加相应的实验来进行作证</a:t>
+            </a:r>
+            <a:endParaRPr lang="en-US" altLang="zh-CN" dirty="0">
+              <a:solidFill>
+                <a:srgbClr val="FF0000"/>
+              </a:solidFill>
+              <a:latin typeface="Times New Roman" panose="02020603050405020304" pitchFamily="18" charset="0"/>
+              <a:ea typeface="宋体" panose="02010600030101010101" pitchFamily="2" charset="-122"/>
+              <a:cs typeface="Times New Roman" panose="02020603050405020304" pitchFamily="18" charset="0"/>
+            </a:endParaRPr>
           </a:p>
         </p:txBody>
       </p:sp>
@@ -5390,8 +6349,8 @@
         </p:nvSpPr>
         <p:spPr>
           <a:xfrm>
-            <a:off x="568960" y="869701"/>
-            <a:ext cx="10454640" cy="4593950"/>
+            <a:off x="398631" y="529525"/>
+            <a:ext cx="11730616" cy="5231047"/>
           </a:xfrm>
           <a:prstGeom prst="rect">
             <a:avLst/>
@@ -5594,6 +6553,51 @@
               </a:rPr>
               <a:t>）：未量化评估水印对结构异常检测（如子图稀有性）的鲁棒性。</a:t>
             </a:r>
+            <a:r>
+              <a:rPr lang="zh-CN" altLang="en-US" kern="100" dirty="0">
+                <a:solidFill>
+                  <a:srgbClr val="FF0000"/>
+                </a:solidFill>
+                <a:effectLst/>
+                <a:latin typeface="Times New Roman" panose="02020603050405020304" pitchFamily="18" charset="0"/>
+                <a:ea typeface="宋体" panose="02010600030101010101" pitchFamily="2" charset="-122"/>
+                <a:cs typeface="Times New Roman" panose="02020603050405020304" pitchFamily="18" charset="0"/>
+              </a:rPr>
+              <a:t>（</a:t>
+            </a:r>
+            <a:r>
+              <a:rPr lang="en-US" altLang="zh-CN" kern="100" dirty="0">
+                <a:solidFill>
+                  <a:srgbClr val="FF0000"/>
+                </a:solidFill>
+                <a:effectLst/>
+                <a:latin typeface="Times New Roman" panose="02020603050405020304" pitchFamily="18" charset="0"/>
+                <a:ea typeface="宋体" panose="02010600030101010101" pitchFamily="2" charset="-122"/>
+                <a:cs typeface="Times New Roman" panose="02020603050405020304" pitchFamily="18" charset="0"/>
+              </a:rPr>
+              <a:t>N/A</a:t>
+            </a:r>
+            <a:r>
+              <a:rPr lang="zh-CN" altLang="en-US" kern="100" dirty="0">
+                <a:solidFill>
+                  <a:srgbClr val="FF0000"/>
+                </a:solidFill>
+                <a:effectLst/>
+                <a:latin typeface="Times New Roman" panose="02020603050405020304" pitchFamily="18" charset="0"/>
+                <a:ea typeface="宋体" panose="02010600030101010101" pitchFamily="2" charset="-122"/>
+                <a:cs typeface="Times New Roman" panose="02020603050405020304" pitchFamily="18" charset="0"/>
+              </a:rPr>
+              <a:t>实验数据问题）</a:t>
+            </a:r>
+            <a:endParaRPr lang="zh-CN" altLang="zh-CN" kern="100" dirty="0">
+              <a:solidFill>
+                <a:srgbClr val="FF0000"/>
+              </a:solidFill>
+              <a:effectLst/>
+              <a:latin typeface="Times New Roman" panose="02020603050405020304" pitchFamily="18" charset="0"/>
+              <a:ea typeface="宋体" panose="02010600030101010101" pitchFamily="2" charset="-122"/>
+              <a:cs typeface="Times New Roman" panose="02020603050405020304" pitchFamily="18" charset="0"/>
+            </a:endParaRPr>
           </a:p>
           <a:p>
             <a:pPr marL="342900" lvl="0" indent="-342900">
@@ -5646,6 +6650,27 @@
               </a:rPr>
               <a:t>）：若代理模型泄露，攻击者可能移除水印。</a:t>
             </a:r>
+            <a:r>
+              <a:rPr lang="zh-CN" altLang="en-US" kern="100" dirty="0">
+                <a:solidFill>
+                  <a:srgbClr val="FF0000"/>
+                </a:solidFill>
+                <a:effectLst/>
+                <a:latin typeface="Times New Roman" panose="02020603050405020304" pitchFamily="18" charset="0"/>
+                <a:ea typeface="宋体" panose="02010600030101010101" pitchFamily="2" charset="-122"/>
+                <a:cs typeface="Times New Roman" panose="02020603050405020304" pitchFamily="18" charset="0"/>
+              </a:rPr>
+              <a:t>（新场景 知道扰动如何生成强度的设定   体现权属验证的方案稳定性和鲁棒性）</a:t>
+            </a:r>
+            <a:endParaRPr lang="zh-CN" altLang="zh-CN" kern="100" dirty="0">
+              <a:solidFill>
+                <a:srgbClr val="FF0000"/>
+              </a:solidFill>
+              <a:effectLst/>
+              <a:latin typeface="Times New Roman" panose="02020603050405020304" pitchFamily="18" charset="0"/>
+              <a:ea typeface="宋体" panose="02010600030101010101" pitchFamily="2" charset="-122"/>
+              <a:cs typeface="Times New Roman" panose="02020603050405020304" pitchFamily="18" charset="0"/>
+            </a:endParaRPr>
           </a:p>
           <a:p>
             <a:pPr marL="342900" lvl="0" indent="-342900">
@@ -5741,6 +6766,26 @@
               </a:rPr>
               <a:t>子图大小）对性能的影响。</a:t>
             </a:r>
+            <a:r>
+              <a:rPr lang="zh-CN" altLang="en-US" kern="100" dirty="0">
+                <a:solidFill>
+                  <a:srgbClr val="FF0000"/>
+                </a:solidFill>
+                <a:latin typeface="Times New Roman" panose="02020603050405020304" pitchFamily="18" charset="0"/>
+                <a:ea typeface="宋体" panose="02010600030101010101" pitchFamily="2" charset="-122"/>
+                <a:cs typeface="Times New Roman" panose="02020603050405020304" pitchFamily="18" charset="0"/>
+              </a:rPr>
+              <a:t>补充</a:t>
+            </a:r>
+            <a:endParaRPr lang="zh-CN" altLang="zh-CN" kern="100" dirty="0">
+              <a:solidFill>
+                <a:srgbClr val="FF0000"/>
+              </a:solidFill>
+              <a:effectLst/>
+              <a:latin typeface="Times New Roman" panose="02020603050405020304" pitchFamily="18" charset="0"/>
+              <a:ea typeface="宋体" panose="02010600030101010101" pitchFamily="2" charset="-122"/>
+              <a:cs typeface="Times New Roman" panose="02020603050405020304" pitchFamily="18" charset="0"/>
+            </a:endParaRPr>
           </a:p>
           <a:p>
             <a:pPr marL="742950" lvl="1" indent="-285750">
@@ -5766,6 +6811,23 @@
               </a:rPr>
               <a:t>双提示矩阵的初始化策略未明确。</a:t>
             </a:r>
+            <a:r>
+              <a:rPr lang="zh-CN" altLang="en-US" kern="100" dirty="0">
+                <a:solidFill>
+                  <a:srgbClr val="FF0000"/>
+                </a:solidFill>
+                <a:latin typeface="Times New Roman" panose="02020603050405020304" pitchFamily="18" charset="0"/>
+                <a:ea typeface="宋体" panose="02010600030101010101" pitchFamily="2" charset="-122"/>
+                <a:cs typeface="Times New Roman" panose="02020603050405020304" pitchFamily="18" charset="0"/>
+              </a:rPr>
+              <a:t>补充</a:t>
+            </a:r>
+            <a:endParaRPr lang="zh-CN" altLang="zh-CN" kern="100" dirty="0">
+              <a:effectLst/>
+              <a:latin typeface="Times New Roman" panose="02020603050405020304" pitchFamily="18" charset="0"/>
+              <a:ea typeface="宋体" panose="02010600030101010101" pitchFamily="2" charset="-122"/>
+              <a:cs typeface="Times New Roman" panose="02020603050405020304" pitchFamily="18" charset="0"/>
+            </a:endParaRPr>
           </a:p>
           <a:p>
             <a:pPr marL="342900" lvl="0" indent="-342900">
@@ -5818,6 +6880,96 @@
               </a:rPr>
               <a:t>）：未讨论收敛性、稳定性及计算效率，可能影响实际应用。</a:t>
             </a:r>
+            <a:r>
+              <a:rPr lang="zh-CN" altLang="en-US" kern="100" dirty="0">
+                <a:solidFill>
+                  <a:srgbClr val="FF0000"/>
+                </a:solidFill>
+                <a:effectLst/>
+                <a:latin typeface="Times New Roman" panose="02020603050405020304" pitchFamily="18" charset="0"/>
+                <a:ea typeface="宋体" panose="02010600030101010101" pitchFamily="2" charset="-122"/>
+                <a:cs typeface="Times New Roman" panose="02020603050405020304" pitchFamily="18" charset="0"/>
+              </a:rPr>
+              <a:t>（内容不够的时候添加）</a:t>
+            </a:r>
+            <a:endParaRPr lang="zh-CN" altLang="zh-CN" kern="100" dirty="0">
+              <a:solidFill>
+                <a:srgbClr val="FF0000"/>
+              </a:solidFill>
+              <a:effectLst/>
+              <a:latin typeface="Times New Roman" panose="02020603050405020304" pitchFamily="18" charset="0"/>
+              <a:ea typeface="宋体" panose="02010600030101010101" pitchFamily="2" charset="-122"/>
+              <a:cs typeface="Times New Roman" panose="02020603050405020304" pitchFamily="18" charset="0"/>
+            </a:endParaRPr>
+          </a:p>
+          <a:p>
+            <a:pPr marL="342900" indent="-342900">
+              <a:lnSpc>
+                <a:spcPct val="115000"/>
+              </a:lnSpc>
+              <a:spcAft>
+                <a:spcPts val="800"/>
+              </a:spcAft>
+              <a:buSzPts val="1000"/>
+              <a:buFont typeface="Symbol" panose="05050102010706020507" pitchFamily="18" charset="2"/>
+              <a:buChar char=""/>
+              <a:tabLst>
+                <a:tab pos="457200" algn="l"/>
+              </a:tabLst>
+            </a:pPr>
+            <a:r>
+              <a:rPr lang="zh-CN" altLang="zh-CN" b="1" kern="100" dirty="0">
+                <a:effectLst/>
+                <a:latin typeface="Times New Roman" panose="02020603050405020304" pitchFamily="18" charset="0"/>
+                <a:ea typeface="宋体" panose="02010600030101010101" pitchFamily="2" charset="-122"/>
+                <a:cs typeface="Times New Roman" panose="02020603050405020304" pitchFamily="18" charset="0"/>
+              </a:rPr>
+              <a:t>模型异质性下的转移性不足</a:t>
+            </a:r>
+            <a:r>
+              <a:rPr lang="zh-CN" altLang="zh-CN" kern="100" dirty="0">
+                <a:effectLst/>
+                <a:latin typeface="Times New Roman" panose="02020603050405020304" pitchFamily="18" charset="0"/>
+                <a:ea typeface="宋体" panose="02010600030101010101" pitchFamily="2" charset="-122"/>
+                <a:cs typeface="Times New Roman" panose="02020603050405020304" pitchFamily="18" charset="0"/>
+              </a:rPr>
+              <a:t>（</a:t>
+            </a:r>
+            <a:r>
+              <a:rPr lang="en-US" altLang="zh-CN" kern="100" dirty="0">
+                <a:effectLst/>
+                <a:latin typeface="Times New Roman" panose="02020603050405020304" pitchFamily="18" charset="0"/>
+                <a:ea typeface="宋体" panose="02010600030101010101" pitchFamily="2" charset="-122"/>
+                <a:cs typeface="Times New Roman" panose="02020603050405020304" pitchFamily="18" charset="0"/>
+              </a:rPr>
+              <a:t>O8</a:t>
+            </a:r>
+            <a:r>
+              <a:rPr lang="zh-CN" altLang="zh-CN" kern="100" dirty="0">
+                <a:effectLst/>
+                <a:latin typeface="Times New Roman" panose="02020603050405020304" pitchFamily="18" charset="0"/>
+                <a:ea typeface="宋体" panose="02010600030101010101" pitchFamily="2" charset="-122"/>
+                <a:cs typeface="Times New Roman" panose="02020603050405020304" pitchFamily="18" charset="0"/>
+              </a:rPr>
+              <a:t>）：需验证方法在模型能力差异大时的有效性。</a:t>
+            </a:r>
+            <a:r>
+              <a:rPr lang="zh-CN" altLang="en-US" kern="100" dirty="0">
+                <a:solidFill>
+                  <a:srgbClr val="FF0000"/>
+                </a:solidFill>
+                <a:latin typeface="Times New Roman" panose="02020603050405020304" pitchFamily="18" charset="0"/>
+                <a:ea typeface="宋体" panose="02010600030101010101" pitchFamily="2" charset="-122"/>
+                <a:cs typeface="Times New Roman" panose="02020603050405020304" pitchFamily="18" charset="0"/>
+              </a:rPr>
+              <a:t>（内容不够的时候添加）</a:t>
+            </a:r>
+            <a:endParaRPr lang="zh-CN" altLang="zh-CN" kern="100" dirty="0">
+              <a:effectLst/>
+              <a:latin typeface="Times New Roman" panose="02020603050405020304" pitchFamily="18" charset="0"/>
+              <a:ea typeface="宋体" panose="02010600030101010101" pitchFamily="2" charset="-122"/>
+              <a:cs typeface="Times New Roman" panose="02020603050405020304" pitchFamily="18" charset="0"/>
+            </a:endParaRPr>
           </a:p>
           <a:p>
             <a:pPr marL="342900" lvl="0" indent="-342900">
@@ -5841,7 +6993,7 @@
                 <a:ea typeface="宋体" panose="02010600030101010101" pitchFamily="2" charset="-122"/>
                 <a:cs typeface="Times New Roman" panose="02020603050405020304" pitchFamily="18" charset="0"/>
               </a:rPr>
-              <a:t>模型异质性下的转移性不足</a:t>
+              <a:t>水印隐蔽性验证不足</a:t>
             </a:r>
             <a:r>
               <a:rPr lang="zh-CN" altLang="zh-CN" kern="100" dirty="0">
@@ -5859,7 +7011,7 @@
                 <a:ea typeface="宋体" panose="02010600030101010101" pitchFamily="2" charset="-122"/>
                 <a:cs typeface="Times New Roman" panose="02020603050405020304" pitchFamily="18" charset="0"/>
               </a:rPr>
-              <a:t>O8</a:t>
+              <a:t>O9</a:t>
             </a:r>
             <a:r>
               <a:rPr lang="zh-CN" altLang="zh-CN" kern="100" dirty="0">
@@ -5868,8 +7020,29 @@
                 <a:ea typeface="宋体" panose="02010600030101010101" pitchFamily="2" charset="-122"/>
                 <a:cs typeface="Times New Roman" panose="02020603050405020304" pitchFamily="18" charset="0"/>
               </a:rPr>
-              <a:t>）：需验证方法在模型能力差异大时的有效性。</a:t>
-            </a:r>
+              <a:t>）：需证明无触发提示时水印不影响正常任务性能。</a:t>
+            </a:r>
+            <a:r>
+              <a:rPr lang="zh-CN" altLang="en-US" kern="100" dirty="0">
+                <a:solidFill>
+                  <a:srgbClr val="FF0000"/>
+                </a:solidFill>
+                <a:effectLst/>
+                <a:latin typeface="Times New Roman" panose="02020603050405020304" pitchFamily="18" charset="0"/>
+                <a:ea typeface="宋体" panose="02010600030101010101" pitchFamily="2" charset="-122"/>
+                <a:cs typeface="Times New Roman" panose="02020603050405020304" pitchFamily="18" charset="0"/>
+              </a:rPr>
+              <a:t>（看看相关内容的描述是否清楚）</a:t>
+            </a:r>
+            <a:endParaRPr lang="zh-CN" altLang="zh-CN" kern="100" dirty="0">
+              <a:solidFill>
+                <a:srgbClr val="FF0000"/>
+              </a:solidFill>
+              <a:effectLst/>
+              <a:latin typeface="Times New Roman" panose="02020603050405020304" pitchFamily="18" charset="0"/>
+              <a:ea typeface="宋体" panose="02010600030101010101" pitchFamily="2" charset="-122"/>
+              <a:cs typeface="Times New Roman" panose="02020603050405020304" pitchFamily="18" charset="0"/>
+            </a:endParaRPr>
           </a:p>
           <a:p>
             <a:pPr marL="342900" lvl="0" indent="-342900">
@@ -5893,7 +7066,7 @@
                 <a:ea typeface="宋体" panose="02010600030101010101" pitchFamily="2" charset="-122"/>
                 <a:cs typeface="Times New Roman" panose="02020603050405020304" pitchFamily="18" charset="0"/>
               </a:rPr>
-              <a:t>水印隐蔽性验证不足</a:t>
+              <a:t>对比实验不充分</a:t>
             </a:r>
             <a:r>
               <a:rPr lang="zh-CN" altLang="zh-CN" kern="100" dirty="0">
@@ -5911,7 +7084,7 @@
                 <a:ea typeface="宋体" panose="02010600030101010101" pitchFamily="2" charset="-122"/>
                 <a:cs typeface="Times New Roman" panose="02020603050405020304" pitchFamily="18" charset="0"/>
               </a:rPr>
-              <a:t>O9</a:t>
+              <a:t>O10</a:t>
             </a:r>
             <a:r>
               <a:rPr lang="zh-CN" altLang="zh-CN" kern="100" dirty="0">
@@ -5920,9 +7093,225 @@
                 <a:ea typeface="宋体" panose="02010600030101010101" pitchFamily="2" charset="-122"/>
                 <a:cs typeface="Times New Roman" panose="02020603050405020304" pitchFamily="18" charset="0"/>
               </a:rPr>
-              <a:t>）：需证明无触发提示时水印不影响正常任务性能。</a:t>
-            </a:r>
-          </a:p>
+              <a:t>）：未与现代非侵入式验证方法直接比较。</a:t>
+            </a:r>
+            <a:r>
+              <a:rPr lang="zh-CN" altLang="en-US" kern="100" dirty="0">
+                <a:effectLst/>
+                <a:latin typeface="Times New Roman" panose="02020603050405020304" pitchFamily="18" charset="0"/>
+                <a:ea typeface="宋体" panose="02010600030101010101" pitchFamily="2" charset="-122"/>
+                <a:cs typeface="Times New Roman" panose="02020603050405020304" pitchFamily="18" charset="0"/>
+              </a:rPr>
+              <a:t>没有对比方法</a:t>
+            </a:r>
+            <a:endParaRPr lang="zh-CN" altLang="zh-CN" kern="100" dirty="0">
+              <a:solidFill>
+                <a:srgbClr val="FF0000"/>
+              </a:solidFill>
+              <a:effectLst/>
+              <a:latin typeface="Times New Roman" panose="02020603050405020304" pitchFamily="18" charset="0"/>
+              <a:ea typeface="宋体" panose="02010600030101010101" pitchFamily="2" charset="-122"/>
+              <a:cs typeface="Times New Roman" panose="02020603050405020304" pitchFamily="18" charset="0"/>
+            </a:endParaRPr>
+          </a:p>
+        </p:txBody>
+      </p:sp>
+      <p:sp>
+        <p:nvSpPr>
+          <p:cNvPr id="6" name="文本框 5">
+            <a:extLst>
+              <a:ext uri="{FF2B5EF4-FFF2-40B4-BE49-F238E27FC236}">
+                <a16:creationId xmlns:a16="http://schemas.microsoft.com/office/drawing/2014/main" id="{E07347C4-C9BF-E92E-A350-C7E177F14222}"/>
+              </a:ext>
+            </a:extLst>
+          </p:cNvPr>
+          <p:cNvSpPr txBox="1"/>
+          <p:nvPr/>
+        </p:nvSpPr>
+        <p:spPr>
+          <a:xfrm>
+            <a:off x="656814" y="141781"/>
+            <a:ext cx="2137124" cy="369332"/>
+          </a:xfrm>
+          <a:prstGeom prst="rect">
+            <a:avLst/>
+          </a:prstGeom>
+          <a:noFill/>
+        </p:spPr>
+        <p:txBody>
+          <a:bodyPr wrap="none" rtlCol="0">
+            <a:spAutoFit/>
+          </a:bodyPr>
+          <a:lstStyle/>
+          <a:p>
+            <a:r>
+              <a:rPr lang="en-US" altLang="zh-CN" dirty="0"/>
+              <a:t>R3</a:t>
+            </a:r>
+            <a:r>
+              <a:rPr lang="zh-CN" altLang="en-US" dirty="0"/>
+              <a:t>（创新性不足）</a:t>
+            </a:r>
+          </a:p>
+        </p:txBody>
+      </p:sp>
+    </p:spTree>
+    <p:extLst>
+      <p:ext uri="{BB962C8B-B14F-4D97-AF65-F5344CB8AC3E}">
+        <p14:creationId xmlns:p14="http://schemas.microsoft.com/office/powerpoint/2010/main" val="4049218289"/>
+      </p:ext>
+    </p:extLst>
+  </p:cSld>
+  <p:clrMapOvr>
+    <a:masterClrMapping/>
+  </p:clrMapOvr>
+</p:sld>
+</file>
+
+<file path=ppt/slides/slide14.xml><?xml version="1.0" encoding="utf-8"?>
+<p:sld xmlns:a="http://schemas.openxmlformats.org/drawingml/2006/main" xmlns:r="http://schemas.openxmlformats.org/officeDocument/2006/relationships" xmlns:p="http://schemas.openxmlformats.org/presentationml/2006/main">
+  <p:cSld>
+    <p:spTree>
+      <p:nvGrpSpPr>
+        <p:cNvPr id="1" name=""/>
+        <p:cNvGrpSpPr/>
+        <p:nvPr/>
+      </p:nvGrpSpPr>
+      <p:grpSpPr>
+        <a:xfrm>
+          <a:off x="0" y="0"/>
+          <a:ext cx="0" cy="0"/>
+          <a:chOff x="0" y="0"/>
+          <a:chExt cx="0" cy="0"/>
+        </a:xfrm>
+      </p:grpSpPr>
+      <p:sp>
+        <p:nvSpPr>
+          <p:cNvPr id="4" name="文本框 3">
+            <a:extLst>
+              <a:ext uri="{FF2B5EF4-FFF2-40B4-BE49-F238E27FC236}">
+                <a16:creationId xmlns:a16="http://schemas.microsoft.com/office/drawing/2014/main" id="{71B23A45-A09B-8EA3-135E-B740D02BD827}"/>
+              </a:ext>
+            </a:extLst>
+          </p:cNvPr>
+          <p:cNvSpPr txBox="1"/>
+          <p:nvPr/>
+        </p:nvSpPr>
+        <p:spPr>
+          <a:xfrm>
+            <a:off x="735104" y="1013013"/>
+            <a:ext cx="8065028" cy="923330"/>
+          </a:xfrm>
+          <a:prstGeom prst="rect">
+            <a:avLst/>
+          </a:prstGeom>
+          <a:noFill/>
+        </p:spPr>
+        <p:txBody>
+          <a:bodyPr wrap="none" rtlCol="0">
+            <a:spAutoFit/>
+          </a:bodyPr>
+          <a:lstStyle/>
+          <a:p>
+            <a:r>
+              <a:rPr lang="en-US" altLang="zh-CN" dirty="0"/>
+              <a:t>1</a:t>
+            </a:r>
+            <a:r>
+              <a:rPr lang="zh-CN" altLang="en-US" dirty="0"/>
+              <a:t>、投</a:t>
+            </a:r>
+            <a:r>
+              <a:rPr lang="en-US" altLang="zh-CN" dirty="0"/>
+              <a:t>TDSC </a:t>
+            </a:r>
+            <a:r>
+              <a:rPr lang="zh-CN" altLang="en-US" dirty="0"/>
+              <a:t>把现有的论文换模板，考虑把附录放到正文，考虑逻辑，看看长度</a:t>
+            </a:r>
+            <a:endParaRPr lang="en-US" altLang="zh-CN" dirty="0"/>
+          </a:p>
+          <a:p>
+            <a:r>
+              <a:rPr lang="en-US" altLang="zh-CN" dirty="0"/>
+              <a:t>2</a:t>
+            </a:r>
+            <a:r>
+              <a:rPr lang="zh-CN" altLang="en-US" dirty="0"/>
+              <a:t>、再次讨论文章的形式，</a:t>
+            </a:r>
+            <a:endParaRPr lang="en-US" altLang="zh-CN" dirty="0"/>
+          </a:p>
+          <a:p>
+            <a:r>
+              <a:rPr lang="en-US" altLang="zh-CN" dirty="0"/>
+              <a:t>3</a:t>
+            </a:r>
+            <a:r>
+              <a:rPr lang="zh-CN" altLang="en-US" dirty="0"/>
+              <a:t>、考虑三个审稿人的问题在新模板上添加</a:t>
+            </a:r>
+            <a:endParaRPr lang="en-US" altLang="zh-CN" dirty="0"/>
+          </a:p>
+        </p:txBody>
+      </p:sp>
+    </p:spTree>
+    <p:extLst>
+      <p:ext uri="{BB962C8B-B14F-4D97-AF65-F5344CB8AC3E}">
+        <p14:creationId xmlns:p14="http://schemas.microsoft.com/office/powerpoint/2010/main" val="3705298683"/>
+      </p:ext>
+    </p:extLst>
+  </p:cSld>
+  <p:clrMapOvr>
+    <a:masterClrMapping/>
+  </p:clrMapOvr>
+</p:sld>
+</file>
+
+<file path=ppt/slides/slide15.xml><?xml version="1.0" encoding="utf-8"?>
+<p:sld xmlns:a="http://schemas.openxmlformats.org/drawingml/2006/main" xmlns:r="http://schemas.openxmlformats.org/officeDocument/2006/relationships" xmlns:p="http://schemas.openxmlformats.org/presentationml/2006/main">
+  <p:cSld>
+    <p:spTree>
+      <p:nvGrpSpPr>
+        <p:cNvPr id="1" name=""/>
+        <p:cNvGrpSpPr/>
+        <p:nvPr/>
+      </p:nvGrpSpPr>
+      <p:grpSpPr>
+        <a:xfrm>
+          <a:off x="0" y="0"/>
+          <a:ext cx="0" cy="0"/>
+          <a:chOff x="0" y="0"/>
+          <a:chExt cx="0" cy="0"/>
+        </a:xfrm>
+      </p:grpSpPr>
+      <p:sp>
+        <p:nvSpPr>
+          <p:cNvPr id="5" name="文本框 4">
+            <a:extLst>
+              <a:ext uri="{FF2B5EF4-FFF2-40B4-BE49-F238E27FC236}">
+                <a16:creationId xmlns:a16="http://schemas.microsoft.com/office/drawing/2014/main" id="{A496D697-BEEC-1068-50F9-3AAAFCE5DC27}"/>
+              </a:ext>
+            </a:extLst>
+          </p:cNvPr>
+          <p:cNvSpPr txBox="1"/>
+          <p:nvPr/>
+        </p:nvSpPr>
+        <p:spPr>
+          <a:xfrm>
+            <a:off x="475128" y="415938"/>
+            <a:ext cx="11098307" cy="6073329"/>
+          </a:xfrm>
+          <a:prstGeom prst="rect">
+            <a:avLst/>
+          </a:prstGeom>
+          <a:noFill/>
+        </p:spPr>
+        <p:txBody>
+          <a:bodyPr wrap="square">
+            <a:spAutoFit/>
+          </a:bodyPr>
+          <a:lstStyle/>
           <a:p>
             <a:pPr marL="342900" lvl="0" indent="-342900">
               <a:lnSpc>
@@ -5939,50 +7328,792 @@
               </a:tabLst>
             </a:pPr>
             <a:r>
-              <a:rPr lang="zh-CN" altLang="zh-CN" b="1" kern="100" dirty="0">
-                <a:effectLst/>
-                <a:latin typeface="Times New Roman" panose="02020603050405020304" pitchFamily="18" charset="0"/>
-                <a:ea typeface="宋体" panose="02010600030101010101" pitchFamily="2" charset="-122"/>
-                <a:cs typeface="Times New Roman" panose="02020603050405020304" pitchFamily="18" charset="0"/>
-              </a:rPr>
-              <a:t>对比实验不充分</a:t>
-            </a:r>
+              <a:rPr lang="zh-CN" altLang="en-US" sz="1800" strike="sngStrike" kern="100" dirty="0">
+                <a:effectLst/>
+                <a:latin typeface="Times New Roman" panose="02020603050405020304" pitchFamily="18" charset="0"/>
+                <a:ea typeface="宋体" panose="02010600030101010101" pitchFamily="2" charset="-122"/>
+                <a:cs typeface="Times New Roman" panose="02020603050405020304" pitchFamily="18" charset="0"/>
+              </a:rPr>
+              <a:t>加一两句动机的内容（动机</a:t>
+            </a:r>
+            <a:r>
+              <a:rPr lang="en-US" altLang="zh-CN" sz="1800" strike="sngStrike" kern="100" dirty="0">
+                <a:effectLst/>
+                <a:latin typeface="Times New Roman" panose="02020603050405020304" pitchFamily="18" charset="0"/>
+                <a:ea typeface="宋体" panose="02010600030101010101" pitchFamily="2" charset="-122"/>
+                <a:cs typeface="Times New Roman" panose="02020603050405020304" pitchFamily="18" charset="0"/>
+              </a:rPr>
+              <a:t>+</a:t>
+            </a:r>
+            <a:r>
+              <a:rPr lang="zh-CN" altLang="en-US" sz="1800" strike="sngStrike" kern="100" dirty="0">
+                <a:effectLst/>
+                <a:latin typeface="Times New Roman" panose="02020603050405020304" pitchFamily="18" charset="0"/>
+                <a:ea typeface="宋体" panose="02010600030101010101" pitchFamily="2" charset="-122"/>
+                <a:cs typeface="Times New Roman" panose="02020603050405020304" pitchFamily="18" charset="0"/>
+              </a:rPr>
+              <a:t>场景） </a:t>
+            </a:r>
+            <a:r>
+              <a:rPr lang="en-US" altLang="zh-CN" sz="1800" strike="sngStrike" kern="100" dirty="0">
+                <a:effectLst/>
+                <a:latin typeface="Times New Roman" panose="02020603050405020304" pitchFamily="18" charset="0"/>
+                <a:ea typeface="宋体" panose="02010600030101010101" pitchFamily="2" charset="-122"/>
+                <a:cs typeface="Times New Roman" panose="02020603050405020304" pitchFamily="18" charset="0"/>
+              </a:rPr>
+              <a:t>introduce</a:t>
+            </a:r>
+            <a:r>
+              <a:rPr lang="zh-CN" altLang="en-US" sz="1800" strike="sngStrike" kern="100" dirty="0">
+                <a:effectLst/>
+                <a:latin typeface="Times New Roman" panose="02020603050405020304" pitchFamily="18" charset="0"/>
+                <a:ea typeface="宋体" panose="02010600030101010101" pitchFamily="2" charset="-122"/>
+                <a:cs typeface="Times New Roman" panose="02020603050405020304" pitchFamily="18" charset="0"/>
+              </a:rPr>
+              <a:t>当中 引言部分</a:t>
+            </a:r>
+            <a:endParaRPr lang="en-US" altLang="zh-CN" sz="1800" strike="sngStrike" kern="100" dirty="0">
+              <a:effectLst/>
+              <a:latin typeface="Times New Roman" panose="02020603050405020304" pitchFamily="18" charset="0"/>
+              <a:ea typeface="宋体" panose="02010600030101010101" pitchFamily="2" charset="-122"/>
+              <a:cs typeface="Times New Roman" panose="02020603050405020304" pitchFamily="18" charset="0"/>
+            </a:endParaRPr>
+          </a:p>
+          <a:p>
+            <a:pPr marL="342900" indent="-342900">
+              <a:lnSpc>
+                <a:spcPct val="115000"/>
+              </a:lnSpc>
+              <a:spcAft>
+                <a:spcPts val="800"/>
+              </a:spcAft>
+              <a:buSzPts val="1000"/>
+              <a:buFont typeface="Symbol" panose="05050102010706020507" pitchFamily="18" charset="2"/>
+              <a:buChar char=""/>
+              <a:tabLst>
+                <a:tab pos="457200" algn="l"/>
+              </a:tabLst>
+            </a:pPr>
+            <a:r>
+              <a:rPr lang="zh-CN" altLang="en-US" strike="sngStrike" kern="100" dirty="0">
+                <a:latin typeface="Times New Roman" panose="02020603050405020304" pitchFamily="18" charset="0"/>
+                <a:ea typeface="宋体" panose="02010600030101010101" pitchFamily="2" charset="-122"/>
+                <a:cs typeface="Times New Roman" panose="02020603050405020304" pitchFamily="18" charset="0"/>
+              </a:rPr>
+              <a:t>对比方法 </a:t>
+            </a:r>
+            <a:r>
+              <a:rPr lang="en-US" altLang="zh-CN" strike="sngStrike" kern="100" dirty="0">
+                <a:latin typeface="Times New Roman" panose="02020603050405020304" pitchFamily="18" charset="0"/>
+                <a:ea typeface="宋体" panose="02010600030101010101" pitchFamily="2" charset="-122"/>
+                <a:cs typeface="Times New Roman" panose="02020603050405020304" pitchFamily="18" charset="0"/>
+              </a:rPr>
+              <a:t>2025</a:t>
+            </a:r>
+          </a:p>
+          <a:p>
+            <a:pPr marL="342900" indent="-342900">
+              <a:lnSpc>
+                <a:spcPct val="115000"/>
+              </a:lnSpc>
+              <a:spcAft>
+                <a:spcPts val="800"/>
+              </a:spcAft>
+              <a:buSzPts val="1000"/>
+              <a:buFont typeface="Symbol" panose="05050102010706020507" pitchFamily="18" charset="2"/>
+              <a:buChar char=""/>
+              <a:tabLst>
+                <a:tab pos="457200" algn="l"/>
+              </a:tabLst>
+            </a:pPr>
+            <a:r>
+              <a:rPr lang="zh-CN" altLang="zh-CN" strike="sngStrike" kern="100" dirty="0">
+                <a:latin typeface="Times New Roman" panose="02020603050405020304" pitchFamily="18" charset="0"/>
+                <a:ea typeface="宋体" panose="02010600030101010101" pitchFamily="2" charset="-122"/>
+                <a:cs typeface="Times New Roman" panose="02020603050405020304" pitchFamily="18" charset="0"/>
+              </a:rPr>
+              <a:t>混合训练数据</a:t>
+            </a:r>
+            <a:r>
+              <a:rPr lang="zh-CN" altLang="en-US" strike="sngStrike" kern="100" dirty="0">
+                <a:latin typeface="Times New Roman" panose="02020603050405020304" pitchFamily="18" charset="0"/>
+                <a:ea typeface="宋体" panose="02010600030101010101" pitchFamily="2" charset="-122"/>
+                <a:cs typeface="Times New Roman" panose="02020603050405020304" pitchFamily="18" charset="0"/>
+              </a:rPr>
+              <a:t>对比实验  </a:t>
+            </a:r>
+            <a:r>
+              <a:rPr lang="zh-CN" altLang="en-US" kern="100" dirty="0">
+                <a:solidFill>
+                  <a:srgbClr val="FF0000"/>
+                </a:solidFill>
+                <a:latin typeface="Times New Roman" panose="02020603050405020304" pitchFamily="18" charset="0"/>
+                <a:ea typeface="宋体" panose="02010600030101010101" pitchFamily="2" charset="-122"/>
+                <a:cs typeface="Times New Roman" panose="02020603050405020304" pitchFamily="18" charset="0"/>
+              </a:rPr>
+              <a:t>每个涉及到数据集的实验都要加上混合数据集吗？</a:t>
+            </a:r>
+            <a:endParaRPr lang="en-US" altLang="zh-CN" kern="100" dirty="0">
+              <a:solidFill>
+                <a:srgbClr val="FF0000"/>
+              </a:solidFill>
+              <a:latin typeface="Times New Roman" panose="02020603050405020304" pitchFamily="18" charset="0"/>
+              <a:ea typeface="宋体" panose="02010600030101010101" pitchFamily="2" charset="-122"/>
+              <a:cs typeface="Times New Roman" panose="02020603050405020304" pitchFamily="18" charset="0"/>
+            </a:endParaRPr>
+          </a:p>
+          <a:p>
+            <a:pPr marL="342900" indent="-342900">
+              <a:lnSpc>
+                <a:spcPct val="115000"/>
+              </a:lnSpc>
+              <a:spcAft>
+                <a:spcPts val="800"/>
+              </a:spcAft>
+              <a:buSzPts val="1000"/>
+              <a:buFont typeface="Symbol" panose="05050102010706020507" pitchFamily="18" charset="2"/>
+              <a:buChar char=""/>
+              <a:tabLst>
+                <a:tab pos="457200" algn="l"/>
+              </a:tabLst>
+            </a:pPr>
+            <a:r>
+              <a:rPr lang="zh-CN" altLang="zh-CN" strike="sngStrike" kern="100" dirty="0">
+                <a:latin typeface="Times New Roman" panose="02020603050405020304" pitchFamily="18" charset="0"/>
+                <a:ea typeface="宋体" panose="02010600030101010101" pitchFamily="2" charset="-122"/>
+                <a:cs typeface="Times New Roman" panose="02020603050405020304" pitchFamily="18" charset="0"/>
+              </a:rPr>
+              <a:t>选择高预测熵节点作为</a:t>
+            </a:r>
+            <a:r>
+              <a:rPr lang="en-US" altLang="zh-CN" strike="sngStrike" kern="100" dirty="0">
+                <a:latin typeface="Times New Roman" panose="02020603050405020304" pitchFamily="18" charset="0"/>
+                <a:ea typeface="宋体" panose="02010600030101010101" pitchFamily="2" charset="-122"/>
+                <a:cs typeface="Times New Roman" panose="02020603050405020304" pitchFamily="18" charset="0"/>
+              </a:rPr>
+              <a:t>“</a:t>
+            </a:r>
+            <a:r>
+              <a:rPr lang="zh-CN" altLang="zh-CN" strike="sngStrike" kern="100" dirty="0">
+                <a:latin typeface="Times New Roman" panose="02020603050405020304" pitchFamily="18" charset="0"/>
+                <a:ea typeface="宋体" panose="02010600030101010101" pitchFamily="2" charset="-122"/>
+                <a:cs typeface="Times New Roman" panose="02020603050405020304" pitchFamily="18" charset="0"/>
+              </a:rPr>
+              <a:t>硬节点</a:t>
+            </a:r>
+            <a:r>
+              <a:rPr lang="en-US" altLang="zh-CN" strike="sngStrike" kern="100" dirty="0">
+                <a:latin typeface="Times New Roman" panose="02020603050405020304" pitchFamily="18" charset="0"/>
+                <a:ea typeface="宋体" panose="02010600030101010101" pitchFamily="2" charset="-122"/>
+                <a:cs typeface="Times New Roman" panose="02020603050405020304" pitchFamily="18" charset="0"/>
+              </a:rPr>
+              <a:t>”</a:t>
+            </a:r>
+            <a:r>
+              <a:rPr lang="zh-CN" altLang="zh-CN" strike="sngStrike" kern="100" dirty="0">
+                <a:latin typeface="Times New Roman" panose="02020603050405020304" pitchFamily="18" charset="0"/>
+                <a:ea typeface="宋体" panose="02010600030101010101" pitchFamily="2" charset="-122"/>
+                <a:cs typeface="Times New Roman" panose="02020603050405020304" pitchFamily="18" charset="0"/>
+              </a:rPr>
+              <a:t>的有效性依赖数据。</a:t>
+            </a:r>
+            <a:r>
+              <a:rPr lang="en-US" altLang="zh-CN" strike="sngStrike" kern="100" dirty="0">
+                <a:latin typeface="Times New Roman" panose="02020603050405020304" pitchFamily="18" charset="0"/>
+                <a:ea typeface="宋体" panose="02010600030101010101" pitchFamily="2" charset="-122"/>
+                <a:cs typeface="Times New Roman" panose="02020603050405020304" pitchFamily="18" charset="0"/>
+              </a:rPr>
+              <a:t>+</a:t>
+            </a:r>
+            <a:r>
+              <a:rPr lang="zh-CN" altLang="en-US" strike="sngStrike" kern="100" dirty="0">
+                <a:latin typeface="Times New Roman" panose="02020603050405020304" pitchFamily="18" charset="0"/>
+                <a:ea typeface="宋体" panose="02010600030101010101" pitchFamily="2" charset="-122"/>
+                <a:cs typeface="Times New Roman" panose="02020603050405020304" pitchFamily="18" charset="0"/>
+              </a:rPr>
+              <a:t> 引入的语句</a:t>
+            </a:r>
+            <a:endParaRPr lang="en-US" altLang="zh-CN" strike="sngStrike" kern="100" dirty="0">
+              <a:latin typeface="Times New Roman" panose="02020603050405020304" pitchFamily="18" charset="0"/>
+              <a:ea typeface="宋体" panose="02010600030101010101" pitchFamily="2" charset="-122"/>
+              <a:cs typeface="Times New Roman" panose="02020603050405020304" pitchFamily="18" charset="0"/>
+            </a:endParaRPr>
+          </a:p>
+          <a:p>
+            <a:pPr marL="342900" indent="-342900">
+              <a:lnSpc>
+                <a:spcPct val="115000"/>
+              </a:lnSpc>
+              <a:spcAft>
+                <a:spcPts val="800"/>
+              </a:spcAft>
+              <a:buSzPts val="1000"/>
+              <a:buFont typeface="Symbol" panose="05050102010706020507" pitchFamily="18" charset="2"/>
+              <a:buChar char=""/>
+              <a:tabLst>
+                <a:tab pos="457200" algn="l"/>
+              </a:tabLst>
+            </a:pPr>
+            <a:r>
+              <a:rPr lang="zh-CN" altLang="en-US" strike="sngStrike" kern="100" dirty="0">
+                <a:latin typeface="Times New Roman" panose="02020603050405020304" pitchFamily="18" charset="0"/>
+                <a:ea typeface="宋体" panose="02010600030101010101" pitchFamily="2" charset="-122"/>
+                <a:cs typeface="Times New Roman" panose="02020603050405020304" pitchFamily="18" charset="0"/>
+              </a:rPr>
+              <a:t>简洁的解释选择超参数的原因 巧妙一点</a:t>
+            </a:r>
+            <a:endParaRPr lang="zh-CN" altLang="zh-CN" strike="sngStrike" kern="100" dirty="0">
+              <a:latin typeface="Times New Roman" panose="02020603050405020304" pitchFamily="18" charset="0"/>
+              <a:ea typeface="宋体" panose="02010600030101010101" pitchFamily="2" charset="-122"/>
+              <a:cs typeface="Times New Roman" panose="02020603050405020304" pitchFamily="18" charset="0"/>
+            </a:endParaRPr>
+          </a:p>
+          <a:p>
+            <a:pPr marL="342900" indent="-342900">
+              <a:lnSpc>
+                <a:spcPct val="115000"/>
+              </a:lnSpc>
+              <a:spcAft>
+                <a:spcPts val="800"/>
+              </a:spcAft>
+              <a:buSzPts val="1000"/>
+              <a:buFont typeface="Symbol" panose="05050102010706020507" pitchFamily="18" charset="2"/>
+              <a:buChar char=""/>
+              <a:tabLst>
+                <a:tab pos="457200" algn="l"/>
+              </a:tabLst>
+            </a:pPr>
+            <a:r>
+              <a:rPr lang="zh-CN" altLang="en-US" strike="sngStrike" dirty="0">
+                <a:latin typeface="宋体" panose="02010600030101010101" pitchFamily="2" charset="-122"/>
+                <a:ea typeface="宋体" panose="02010600030101010101" pitchFamily="2" charset="-122"/>
+                <a:cs typeface="Times New Roman" panose="02020603050405020304" pitchFamily="18" charset="0"/>
+              </a:rPr>
+              <a:t>（无损的形容词替换）检查替换后语句是否合理</a:t>
+            </a:r>
+            <a:r>
+              <a:rPr lang="en-US" altLang="zh-CN" strike="sngStrike" dirty="0">
+                <a:latin typeface="宋体" panose="02010600030101010101" pitchFamily="2" charset="-122"/>
+                <a:ea typeface="宋体" panose="02010600030101010101" pitchFamily="2" charset="-122"/>
+                <a:cs typeface="Times New Roman" panose="02020603050405020304" pitchFamily="18" charset="0"/>
+              </a:rPr>
+              <a:t> </a:t>
+            </a:r>
+            <a:r>
+              <a:rPr lang="zh-CN" altLang="en-US" strike="sngStrike" dirty="0">
+                <a:latin typeface="宋体" panose="02010600030101010101" pitchFamily="2" charset="-122"/>
+                <a:ea typeface="宋体" panose="02010600030101010101" pitchFamily="2" charset="-122"/>
+                <a:cs typeface="Times New Roman" panose="02020603050405020304" pitchFamily="18" charset="0"/>
+              </a:rPr>
+              <a:t>本身 前后两句话 </a:t>
+            </a:r>
+            <a:r>
+              <a:rPr lang="en-US" altLang="zh-CN" strike="sngStrike" dirty="0">
+                <a:latin typeface="宋体" panose="02010600030101010101" pitchFamily="2" charset="-122"/>
+                <a:ea typeface="宋体" panose="02010600030101010101" pitchFamily="2" charset="-122"/>
+                <a:cs typeface="Times New Roman" panose="02020603050405020304" pitchFamily="18" charset="0"/>
+              </a:rPr>
+              <a:t>insight </a:t>
+            </a:r>
+            <a:r>
+              <a:rPr lang="zh-CN" altLang="en-US" strike="sngStrike" dirty="0">
+                <a:latin typeface="宋体" panose="02010600030101010101" pitchFamily="2" charset="-122"/>
+                <a:ea typeface="宋体" panose="02010600030101010101" pitchFamily="2" charset="-122"/>
+                <a:cs typeface="Times New Roman" panose="02020603050405020304" pitchFamily="18" charset="0"/>
+              </a:rPr>
+              <a:t>对数据集效用没有影响 </a:t>
+            </a:r>
+            <a:r>
+              <a:rPr lang="en-US" altLang="zh-CN" strike="sngStrike" dirty="0">
+                <a:latin typeface="宋体" panose="02010600030101010101" pitchFamily="2" charset="-122"/>
+                <a:ea typeface="宋体" panose="02010600030101010101" pitchFamily="2" charset="-122"/>
+                <a:cs typeface="Times New Roman" panose="02020603050405020304" pitchFamily="18" charset="0"/>
+              </a:rPr>
+              <a:t>-&gt;</a:t>
+            </a:r>
+            <a:r>
+              <a:rPr lang="zh-CN" altLang="en-US" strike="sngStrike" dirty="0">
+                <a:latin typeface="宋体" panose="02010600030101010101" pitchFamily="2" charset="-122"/>
+                <a:ea typeface="宋体" panose="02010600030101010101" pitchFamily="2" charset="-122"/>
+                <a:cs typeface="Times New Roman" panose="02020603050405020304" pitchFamily="18" charset="0"/>
+              </a:rPr>
+              <a:t>混合训练 混合前后对数据集效用的影响对比实验</a:t>
+            </a:r>
+            <a:endParaRPr lang="en-US" altLang="zh-CN" strike="sngStrike" dirty="0">
+              <a:latin typeface="宋体" panose="02010600030101010101" pitchFamily="2" charset="-122"/>
+              <a:ea typeface="宋体" panose="02010600030101010101" pitchFamily="2" charset="-122"/>
+              <a:cs typeface="Times New Roman" panose="02020603050405020304" pitchFamily="18" charset="0"/>
+            </a:endParaRPr>
+          </a:p>
+          <a:p>
+            <a:pPr marL="342900" indent="-342900">
+              <a:lnSpc>
+                <a:spcPct val="115000"/>
+              </a:lnSpc>
+              <a:spcAft>
+                <a:spcPts val="800"/>
+              </a:spcAft>
+              <a:buSzPts val="1000"/>
+              <a:buFont typeface="Symbol" panose="05050102010706020507" pitchFamily="18" charset="2"/>
+              <a:buChar char=""/>
+              <a:tabLst>
+                <a:tab pos="457200" algn="l"/>
+              </a:tabLst>
+            </a:pPr>
+            <a:r>
+              <a:rPr lang="zh-CN" altLang="zh-CN" strike="sngStrike" kern="100" dirty="0">
+                <a:latin typeface="Times New Roman" panose="02020603050405020304" pitchFamily="18" charset="0"/>
+                <a:ea typeface="宋体" panose="02010600030101010101" pitchFamily="2" charset="-122"/>
+                <a:cs typeface="Times New Roman" panose="02020603050405020304" pitchFamily="18" charset="0"/>
+              </a:rPr>
+              <a:t>双提示矩阵的初始化策略未明确。</a:t>
+            </a:r>
+            <a:r>
+              <a:rPr lang="zh-CN" altLang="en-US" strike="sngStrike" kern="100" dirty="0">
+                <a:latin typeface="Times New Roman" panose="02020603050405020304" pitchFamily="18" charset="0"/>
+                <a:ea typeface="宋体" panose="02010600030101010101" pitchFamily="2" charset="-122"/>
+                <a:cs typeface="Times New Roman" panose="02020603050405020304" pitchFamily="18" charset="0"/>
+              </a:rPr>
+              <a:t>补充</a:t>
+            </a:r>
+            <a:endParaRPr lang="en-US" altLang="zh-CN" strike="sngStrike" dirty="0">
+              <a:latin typeface="宋体" panose="02010600030101010101" pitchFamily="2" charset="-122"/>
+              <a:ea typeface="宋体" panose="02010600030101010101" pitchFamily="2" charset="-122"/>
+              <a:cs typeface="Times New Roman" panose="02020603050405020304" pitchFamily="18" charset="0"/>
+            </a:endParaRPr>
+          </a:p>
+          <a:p>
+            <a:pPr marL="342900" indent="-342900">
+              <a:lnSpc>
+                <a:spcPct val="115000"/>
+              </a:lnSpc>
+              <a:spcAft>
+                <a:spcPts val="800"/>
+              </a:spcAft>
+              <a:buSzPts val="1000"/>
+              <a:buFont typeface="Symbol" panose="05050102010706020507" pitchFamily="18" charset="2"/>
+              <a:buChar char=""/>
+              <a:tabLst>
+                <a:tab pos="457200" algn="l"/>
+              </a:tabLst>
+            </a:pPr>
+            <a:r>
+              <a:rPr lang="zh-CN" altLang="en-US" strike="sngStrike" kern="100" dirty="0">
+                <a:latin typeface="Times New Roman" panose="02020603050405020304" pitchFamily="18" charset="0"/>
+                <a:ea typeface="宋体" panose="02010600030101010101" pitchFamily="2" charset="-122"/>
+                <a:cs typeface="Times New Roman" panose="02020603050405020304" pitchFamily="18" charset="0"/>
+              </a:rPr>
+              <a:t>（</a:t>
+            </a:r>
+            <a:r>
+              <a:rPr lang="en-US" altLang="zh-CN" strike="sngStrike" kern="100" dirty="0">
+                <a:latin typeface="Times New Roman" panose="02020603050405020304" pitchFamily="18" charset="0"/>
+                <a:ea typeface="宋体" panose="02010600030101010101" pitchFamily="2" charset="-122"/>
+                <a:cs typeface="Times New Roman" panose="02020603050405020304" pitchFamily="18" charset="0"/>
+              </a:rPr>
+              <a:t>N/A</a:t>
+            </a:r>
+            <a:r>
+              <a:rPr lang="zh-CN" altLang="en-US" strike="sngStrike" kern="100" dirty="0">
+                <a:latin typeface="Times New Roman" panose="02020603050405020304" pitchFamily="18" charset="0"/>
+                <a:ea typeface="宋体" panose="02010600030101010101" pitchFamily="2" charset="-122"/>
+                <a:cs typeface="Times New Roman" panose="02020603050405020304" pitchFamily="18" charset="0"/>
+              </a:rPr>
+              <a:t>实验数据问题）</a:t>
+            </a:r>
+            <a:endParaRPr lang="en-US" altLang="zh-CN" strike="sngStrike" kern="100" dirty="0">
+              <a:latin typeface="Times New Roman" panose="02020603050405020304" pitchFamily="18" charset="0"/>
+              <a:ea typeface="宋体" panose="02010600030101010101" pitchFamily="2" charset="-122"/>
+              <a:cs typeface="Times New Roman" panose="02020603050405020304" pitchFamily="18" charset="0"/>
+            </a:endParaRPr>
+          </a:p>
+          <a:p>
+            <a:pPr>
+              <a:lnSpc>
+                <a:spcPct val="115000"/>
+              </a:lnSpc>
+              <a:spcAft>
+                <a:spcPts val="800"/>
+              </a:spcAft>
+              <a:buSzPts val="1000"/>
+              <a:tabLst>
+                <a:tab pos="457200" algn="l"/>
+              </a:tabLst>
+            </a:pPr>
+            <a:r>
+              <a:rPr lang="zh-CN" altLang="zh-CN" b="1" strike="sngStrike" kern="100" dirty="0">
+                <a:latin typeface="Times New Roman" panose="02020603050405020304" pitchFamily="18" charset="0"/>
+                <a:ea typeface="宋体" panose="02010600030101010101" pitchFamily="2" charset="-122"/>
+                <a:cs typeface="Times New Roman" panose="02020603050405020304" pitchFamily="18" charset="0"/>
+              </a:rPr>
+              <a:t>实验指标单一</a:t>
+            </a:r>
+            <a:r>
+              <a:rPr lang="zh-CN" altLang="zh-CN" strike="sngStrike" kern="100" dirty="0">
+                <a:latin typeface="Times New Roman" panose="02020603050405020304" pitchFamily="18" charset="0"/>
+                <a:ea typeface="宋体" panose="02010600030101010101" pitchFamily="2" charset="-122"/>
+                <a:cs typeface="Times New Roman" panose="02020603050405020304" pitchFamily="18" charset="0"/>
+              </a:rPr>
+              <a:t>（</a:t>
+            </a:r>
+            <a:r>
+              <a:rPr lang="en-US" altLang="zh-CN" strike="sngStrike" kern="100" dirty="0">
+                <a:latin typeface="Times New Roman" panose="02020603050405020304" pitchFamily="18" charset="0"/>
+                <a:ea typeface="宋体" panose="02010600030101010101" pitchFamily="2" charset="-122"/>
+                <a:cs typeface="Times New Roman" panose="02020603050405020304" pitchFamily="18" charset="0"/>
+              </a:rPr>
+              <a:t>O3</a:t>
+            </a:r>
+            <a:r>
+              <a:rPr lang="zh-CN" altLang="zh-CN" strike="sngStrike" kern="100" dirty="0">
+                <a:latin typeface="Times New Roman" panose="02020603050405020304" pitchFamily="18" charset="0"/>
+                <a:ea typeface="宋体" panose="02010600030101010101" pitchFamily="2" charset="-122"/>
+                <a:cs typeface="Times New Roman" panose="02020603050405020304" pitchFamily="18" charset="0"/>
+              </a:rPr>
+              <a:t>）：仅报告验证成功率（</a:t>
+            </a:r>
+            <a:r>
+              <a:rPr lang="en-US" altLang="zh-CN" strike="sngStrike" kern="100" dirty="0">
+                <a:latin typeface="Times New Roman" panose="02020603050405020304" pitchFamily="18" charset="0"/>
+                <a:ea typeface="宋体" panose="02010600030101010101" pitchFamily="2" charset="-122"/>
+                <a:cs typeface="Times New Roman" panose="02020603050405020304" pitchFamily="18" charset="0"/>
+              </a:rPr>
+              <a:t>VSR</a:t>
+            </a:r>
+            <a:r>
+              <a:rPr lang="zh-CN" altLang="zh-CN" strike="sngStrike" kern="100" dirty="0">
+                <a:latin typeface="Times New Roman" panose="02020603050405020304" pitchFamily="18" charset="0"/>
+                <a:ea typeface="宋体" panose="02010600030101010101" pitchFamily="2" charset="-122"/>
+                <a:cs typeface="Times New Roman" panose="02020603050405020304" pitchFamily="18" charset="0"/>
+              </a:rPr>
+              <a:t>），补充误报率</a:t>
+            </a:r>
+            <a:r>
+              <a:rPr lang="en-US" altLang="zh-CN" strike="sngStrike" kern="100" dirty="0">
+                <a:latin typeface="Times New Roman" panose="02020603050405020304" pitchFamily="18" charset="0"/>
+                <a:ea typeface="宋体" panose="02010600030101010101" pitchFamily="2" charset="-122"/>
+                <a:cs typeface="Times New Roman" panose="02020603050405020304" pitchFamily="18" charset="0"/>
+              </a:rPr>
+              <a:t> </a:t>
+            </a:r>
+            <a:endParaRPr lang="en-US" altLang="zh-CN" strike="sngStrike" dirty="0">
+              <a:latin typeface="宋体" panose="02010600030101010101" pitchFamily="2" charset="-122"/>
+              <a:ea typeface="宋体" panose="02010600030101010101" pitchFamily="2" charset="-122"/>
+              <a:cs typeface="Times New Roman" panose="02020603050405020304" pitchFamily="18" charset="0"/>
+            </a:endParaRPr>
+          </a:p>
+          <a:p>
+            <a:pPr>
+              <a:lnSpc>
+                <a:spcPct val="115000"/>
+              </a:lnSpc>
+              <a:spcAft>
+                <a:spcPts val="800"/>
+              </a:spcAft>
+              <a:buSzPts val="1000"/>
+              <a:tabLst>
+                <a:tab pos="457200" algn="l"/>
+              </a:tabLst>
+            </a:pPr>
             <a:r>
               <a:rPr lang="zh-CN" altLang="zh-CN" kern="100" dirty="0">
-                <a:effectLst/>
-                <a:latin typeface="Times New Roman" panose="02020603050405020304" pitchFamily="18" charset="0"/>
-                <a:ea typeface="宋体" panose="02010600030101010101" pitchFamily="2" charset="-122"/>
-                <a:cs typeface="Times New Roman" panose="02020603050405020304" pitchFamily="18" charset="0"/>
-              </a:rPr>
-              <a:t>（</a:t>
+                <a:latin typeface="Times New Roman" panose="02020603050405020304" pitchFamily="18" charset="0"/>
+                <a:ea typeface="宋体" panose="02010600030101010101" pitchFamily="2" charset="-122"/>
+                <a:cs typeface="Times New Roman" panose="02020603050405020304" pitchFamily="18" charset="0"/>
+              </a:rPr>
+              <a:t>未分析超参数（如</a:t>
             </a:r>
             <a:r>
               <a:rPr lang="en-US" altLang="zh-CN" kern="100" dirty="0">
-                <a:effectLst/>
-                <a:latin typeface="Times New Roman" panose="02020603050405020304" pitchFamily="18" charset="0"/>
-                <a:ea typeface="宋体" panose="02010600030101010101" pitchFamily="2" charset="-122"/>
-                <a:cs typeface="Times New Roman" panose="02020603050405020304" pitchFamily="18" charset="0"/>
-              </a:rPr>
-              <a:t>O10</a:t>
+                <a:latin typeface="Times New Roman" panose="02020603050405020304" pitchFamily="18" charset="0"/>
+                <a:ea typeface="宋体" panose="02010600030101010101" pitchFamily="2" charset="-122"/>
+                <a:cs typeface="Times New Roman" panose="02020603050405020304" pitchFamily="18" charset="0"/>
+              </a:rPr>
+              <a:t>k-hop</a:t>
             </a:r>
             <a:r>
               <a:rPr lang="zh-CN" altLang="zh-CN" kern="100" dirty="0">
-                <a:effectLst/>
-                <a:latin typeface="Times New Roman" panose="02020603050405020304" pitchFamily="18" charset="0"/>
-                <a:ea typeface="宋体" panose="02010600030101010101" pitchFamily="2" charset="-122"/>
-                <a:cs typeface="Times New Roman" panose="02020603050405020304" pitchFamily="18" charset="0"/>
-              </a:rPr>
-              <a:t>）：未与现代非侵入式验证方法直接比较。</a:t>
-            </a:r>
-          </a:p>
-        </p:txBody>
-      </p:sp>
-      <p:sp>
-        <p:nvSpPr>
-          <p:cNvPr id="6" name="文本框 5">
-            <a:extLst>
-              <a:ext uri="{FF2B5EF4-FFF2-40B4-BE49-F238E27FC236}">
-                <a16:creationId xmlns:a16="http://schemas.microsoft.com/office/drawing/2014/main" id="{E07347C4-C9BF-E92E-A350-C7E177F14222}"/>
+                <a:latin typeface="Times New Roman" panose="02020603050405020304" pitchFamily="18" charset="0"/>
+                <a:ea typeface="宋体" panose="02010600030101010101" pitchFamily="2" charset="-122"/>
+                <a:cs typeface="Times New Roman" panose="02020603050405020304" pitchFamily="18" charset="0"/>
+              </a:rPr>
+              <a:t>子图大小）对性能的影响。</a:t>
+            </a:r>
+            <a:r>
+              <a:rPr lang="zh-CN" altLang="en-US" kern="100" dirty="0">
+                <a:solidFill>
+                  <a:srgbClr val="FF0000"/>
+                </a:solidFill>
+                <a:latin typeface="Times New Roman" panose="02020603050405020304" pitchFamily="18" charset="0"/>
+                <a:ea typeface="宋体" panose="02010600030101010101" pitchFamily="2" charset="-122"/>
+                <a:cs typeface="Times New Roman" panose="02020603050405020304" pitchFamily="18" charset="0"/>
+              </a:rPr>
+              <a:t>不太好补充</a:t>
+            </a:r>
+            <a:endParaRPr lang="en-US" altLang="zh-CN" kern="100" dirty="0">
+              <a:solidFill>
+                <a:srgbClr val="FF0000"/>
+              </a:solidFill>
+              <a:latin typeface="Times New Roman" panose="02020603050405020304" pitchFamily="18" charset="0"/>
+              <a:ea typeface="宋体" panose="02010600030101010101" pitchFamily="2" charset="-122"/>
+              <a:cs typeface="Times New Roman" panose="02020603050405020304" pitchFamily="18" charset="0"/>
+            </a:endParaRPr>
+          </a:p>
+          <a:p>
+            <a:pPr marL="342900" indent="-342900">
+              <a:lnSpc>
+                <a:spcPct val="115000"/>
+              </a:lnSpc>
+              <a:spcAft>
+                <a:spcPts val="800"/>
+              </a:spcAft>
+              <a:buSzPts val="1000"/>
+              <a:buFont typeface="Symbol" panose="05050102010706020507" pitchFamily="18" charset="2"/>
+              <a:buChar char=""/>
+              <a:tabLst>
+                <a:tab pos="457200" algn="l"/>
+              </a:tabLst>
+            </a:pPr>
+            <a:r>
+              <a:rPr lang="zh-CN" altLang="en-US" dirty="0">
+                <a:latin typeface="Times New Roman" panose="02020603050405020304" pitchFamily="18" charset="0"/>
+                <a:ea typeface="宋体" panose="02010600030101010101" pitchFamily="2" charset="-122"/>
+                <a:cs typeface="Times New Roman" panose="02020603050405020304" pitchFamily="18" charset="0"/>
+              </a:rPr>
+              <a:t>（自适应攻击者的切入点） 版权窃取的攻击方式  </a:t>
+            </a:r>
+            <a:r>
+              <a:rPr lang="en-US" altLang="zh-CN" dirty="0">
+                <a:latin typeface="Times New Roman" panose="02020603050405020304" pitchFamily="18" charset="0"/>
+                <a:ea typeface="宋体" panose="02010600030101010101" pitchFamily="2" charset="-122"/>
+                <a:cs typeface="Times New Roman" panose="02020603050405020304" pitchFamily="18" charset="0"/>
+              </a:rPr>
+              <a:t>1</a:t>
+            </a:r>
+            <a:r>
+              <a:rPr lang="zh-CN" altLang="en-US" dirty="0">
+                <a:latin typeface="Times New Roman" panose="02020603050405020304" pitchFamily="18" charset="0"/>
+                <a:ea typeface="宋体" panose="02010600030101010101" pitchFamily="2" charset="-122"/>
+                <a:cs typeface="Times New Roman" panose="02020603050405020304" pitchFamily="18" charset="0"/>
+              </a:rPr>
+              <a:t>、涉及这一部分的描述要做修改（在确定好位置之后，增加一些描述）</a:t>
+            </a:r>
+            <a:r>
+              <a:rPr lang="en-US" altLang="zh-CN" dirty="0">
+                <a:latin typeface="Times New Roman" panose="02020603050405020304" pitchFamily="18" charset="0"/>
+                <a:ea typeface="宋体" panose="02010600030101010101" pitchFamily="2" charset="-122"/>
+                <a:cs typeface="Times New Roman" panose="02020603050405020304" pitchFamily="18" charset="0"/>
+              </a:rPr>
+              <a:t> 2</a:t>
+            </a:r>
+            <a:r>
+              <a:rPr lang="zh-CN" altLang="en-US" dirty="0">
+                <a:latin typeface="Times New Roman" panose="02020603050405020304" pitchFamily="18" charset="0"/>
+                <a:ea typeface="宋体" panose="02010600030101010101" pitchFamily="2" charset="-122"/>
+                <a:cs typeface="Times New Roman" panose="02020603050405020304" pitchFamily="18" charset="0"/>
+              </a:rPr>
+              <a:t>、要增加相应的实验来进行作证 </a:t>
+            </a:r>
+            <a:endParaRPr lang="en-US" altLang="zh-CN" dirty="0">
+              <a:latin typeface="Times New Roman" panose="02020603050405020304" pitchFamily="18" charset="0"/>
+              <a:ea typeface="宋体" panose="02010600030101010101" pitchFamily="2" charset="-122"/>
+              <a:cs typeface="Times New Roman" panose="02020603050405020304" pitchFamily="18" charset="0"/>
+            </a:endParaRPr>
+          </a:p>
+          <a:p>
+            <a:pPr marL="342900" indent="-342900">
+              <a:lnSpc>
+                <a:spcPct val="115000"/>
+              </a:lnSpc>
+              <a:spcAft>
+                <a:spcPts val="800"/>
+              </a:spcAft>
+              <a:buSzPts val="1000"/>
+              <a:buFont typeface="Symbol" panose="05050102010706020507" pitchFamily="18" charset="2"/>
+              <a:buChar char=""/>
+              <a:tabLst>
+                <a:tab pos="457200" algn="l"/>
+              </a:tabLst>
+            </a:pPr>
+            <a:r>
+              <a:rPr lang="zh-CN" altLang="en-US" kern="100" dirty="0">
+                <a:latin typeface="Times New Roman" panose="02020603050405020304" pitchFamily="18" charset="0"/>
+                <a:ea typeface="宋体" panose="02010600030101010101" pitchFamily="2" charset="-122"/>
+                <a:cs typeface="Times New Roman" panose="02020603050405020304" pitchFamily="18" charset="0"/>
+              </a:rPr>
+              <a:t>（新场景 知道扰动如何生成强度的设定   体现权属验证的方案稳定性和鲁棒性）</a:t>
+            </a:r>
+            <a:endParaRPr lang="en-US" altLang="zh-CN" kern="100" dirty="0">
+              <a:latin typeface="Times New Roman" panose="02020603050405020304" pitchFamily="18" charset="0"/>
+              <a:ea typeface="宋体" panose="02010600030101010101" pitchFamily="2" charset="-122"/>
+              <a:cs typeface="Times New Roman" panose="02020603050405020304" pitchFamily="18" charset="0"/>
+            </a:endParaRPr>
+          </a:p>
+          <a:p>
+            <a:pPr marL="342900" indent="-342900">
+              <a:lnSpc>
+                <a:spcPct val="115000"/>
+              </a:lnSpc>
+              <a:spcAft>
+                <a:spcPts val="800"/>
+              </a:spcAft>
+              <a:buSzPts val="1000"/>
+              <a:buFont typeface="Symbol" panose="05050102010706020507" pitchFamily="18" charset="2"/>
+              <a:buChar char=""/>
+              <a:tabLst>
+                <a:tab pos="457200" algn="l"/>
+              </a:tabLst>
+            </a:pPr>
+            <a:r>
+              <a:rPr lang="zh-CN" altLang="en-US" kern="100" dirty="0">
+                <a:solidFill>
+                  <a:srgbClr val="FF0000"/>
+                </a:solidFill>
+                <a:latin typeface="Times New Roman" panose="02020603050405020304" pitchFamily="18" charset="0"/>
+                <a:ea typeface="宋体" panose="02010600030101010101" pitchFamily="2" charset="-122"/>
+                <a:cs typeface="Times New Roman" panose="02020603050405020304" pitchFamily="18" charset="0"/>
+              </a:rPr>
+              <a:t>威胁模型 考虑清楚 合理清晰</a:t>
+            </a:r>
+            <a:endParaRPr lang="en-US" altLang="zh-CN" kern="100" dirty="0">
+              <a:solidFill>
+                <a:srgbClr val="FF0000"/>
+              </a:solidFill>
+              <a:latin typeface="Times New Roman" panose="02020603050405020304" pitchFamily="18" charset="0"/>
+              <a:ea typeface="宋体" panose="02010600030101010101" pitchFamily="2" charset="-122"/>
+              <a:cs typeface="Times New Roman" panose="02020603050405020304" pitchFamily="18" charset="0"/>
+            </a:endParaRPr>
+          </a:p>
+        </p:txBody>
+      </p:sp>
+    </p:spTree>
+    <p:extLst>
+      <p:ext uri="{BB962C8B-B14F-4D97-AF65-F5344CB8AC3E}">
+        <p14:creationId xmlns:p14="http://schemas.microsoft.com/office/powerpoint/2010/main" val="4001223465"/>
+      </p:ext>
+    </p:extLst>
+  </p:cSld>
+  <p:clrMapOvr>
+    <a:masterClrMapping/>
+  </p:clrMapOvr>
+</p:sld>
+</file>
+
+<file path=ppt/slides/slide16.xml><?xml version="1.0" encoding="utf-8"?>
+<p:sld xmlns:a="http://schemas.openxmlformats.org/drawingml/2006/main" xmlns:r="http://schemas.openxmlformats.org/officeDocument/2006/relationships" xmlns:p="http://schemas.openxmlformats.org/presentationml/2006/main">
+  <p:cSld>
+    <p:spTree>
+      <p:nvGrpSpPr>
+        <p:cNvPr id="1" name=""/>
+        <p:cNvGrpSpPr/>
+        <p:nvPr/>
+      </p:nvGrpSpPr>
+      <p:grpSpPr>
+        <a:xfrm>
+          <a:off x="0" y="0"/>
+          <a:ext cx="0" cy="0"/>
+          <a:chOff x="0" y="0"/>
+          <a:chExt cx="0" cy="0"/>
+        </a:xfrm>
+      </p:grpSpPr>
+      <p:sp>
+        <p:nvSpPr>
+          <p:cNvPr id="24" name="矩形 23">
+            <a:extLst>
+              <a:ext uri="{FF2B5EF4-FFF2-40B4-BE49-F238E27FC236}">
+                <a16:creationId xmlns:a16="http://schemas.microsoft.com/office/drawing/2014/main" id="{652F7BD6-DF22-6EE9-94C1-2864BEEFFF74}"/>
+              </a:ext>
+            </a:extLst>
+          </p:cNvPr>
+          <p:cNvSpPr/>
+          <p:nvPr/>
+        </p:nvSpPr>
+        <p:spPr>
+          <a:xfrm>
+            <a:off x="2715818" y="654191"/>
+            <a:ext cx="852499" cy="4847662"/>
+          </a:xfrm>
+          <a:prstGeom prst="rect">
+            <a:avLst/>
+          </a:prstGeom>
+        </p:spPr>
+        <p:style>
+          <a:lnRef idx="2">
+            <a:schemeClr val="accent1">
+              <a:shade val="15000"/>
+            </a:schemeClr>
+          </a:lnRef>
+          <a:fillRef idx="1">
+            <a:schemeClr val="accent1"/>
+          </a:fillRef>
+          <a:effectRef idx="0">
+            <a:schemeClr val="accent1"/>
+          </a:effectRef>
+          <a:fontRef idx="minor">
+            <a:schemeClr val="lt1"/>
+          </a:fontRef>
+        </p:style>
+        <p:txBody>
+          <a:bodyPr rtlCol="0" anchor="ctr"/>
+          <a:lstStyle/>
+          <a:p>
+            <a:pPr algn="ctr"/>
+            <a:endParaRPr lang="zh-CN" altLang="en-US"/>
+          </a:p>
+        </p:txBody>
+      </p:sp>
+      <p:sp>
+        <p:nvSpPr>
+          <p:cNvPr id="11" name="椭圆 10">
+            <a:extLst>
+              <a:ext uri="{FF2B5EF4-FFF2-40B4-BE49-F238E27FC236}">
+                <a16:creationId xmlns:a16="http://schemas.microsoft.com/office/drawing/2014/main" id="{E5C88EA3-DB97-4818-A8FB-E82A9278CECC}"/>
+              </a:ext>
+            </a:extLst>
+          </p:cNvPr>
+          <p:cNvSpPr/>
+          <p:nvPr/>
+        </p:nvSpPr>
+        <p:spPr>
+          <a:xfrm>
+            <a:off x="1021977" y="746309"/>
+            <a:ext cx="1066800" cy="797859"/>
+          </a:xfrm>
+          <a:prstGeom prst="ellipse">
+            <a:avLst/>
+          </a:prstGeom>
+        </p:spPr>
+        <p:style>
+          <a:lnRef idx="2">
+            <a:schemeClr val="accent1">
+              <a:shade val="15000"/>
+            </a:schemeClr>
+          </a:lnRef>
+          <a:fillRef idx="1">
+            <a:schemeClr val="accent1"/>
+          </a:fillRef>
+          <a:effectRef idx="0">
+            <a:schemeClr val="accent1"/>
+          </a:effectRef>
+          <a:fontRef idx="minor">
+            <a:schemeClr val="lt1"/>
+          </a:fontRef>
+        </p:style>
+        <p:txBody>
+          <a:bodyPr rtlCol="0" anchor="ctr"/>
+          <a:lstStyle/>
+          <a:p>
+            <a:pPr algn="ctr"/>
+            <a:endParaRPr lang="zh-CN" altLang="en-US"/>
+          </a:p>
+        </p:txBody>
+      </p:sp>
+      <p:sp>
+        <p:nvSpPr>
+          <p:cNvPr id="12" name="文本框 11">
+            <a:extLst>
+              <a:ext uri="{FF2B5EF4-FFF2-40B4-BE49-F238E27FC236}">
+                <a16:creationId xmlns:a16="http://schemas.microsoft.com/office/drawing/2014/main" id="{A44880F2-E7FC-11DD-8641-7513C83FC471}"/>
               </a:ext>
             </a:extLst>
           </p:cNvPr>
@@ -5991,8 +8122,8 @@
         </p:nvSpPr>
         <p:spPr>
           <a:xfrm>
-            <a:off x="782320" y="500369"/>
-            <a:ext cx="2137124" cy="369332"/>
+            <a:off x="1322781" y="960572"/>
+            <a:ext cx="465192" cy="369332"/>
           </a:xfrm>
           <a:prstGeom prst="rect">
             <a:avLst/>
@@ -6007,19 +8138,2115 @@
           <a:p>
             <a:r>
               <a:rPr lang="en-US" altLang="zh-CN" dirty="0"/>
+              <a:t>D1</a:t>
+            </a:r>
+            <a:endParaRPr lang="zh-CN" altLang="en-US" dirty="0"/>
+          </a:p>
+        </p:txBody>
+      </p:sp>
+      <p:sp>
+        <p:nvSpPr>
+          <p:cNvPr id="13" name="椭圆 12">
+            <a:extLst>
+              <a:ext uri="{FF2B5EF4-FFF2-40B4-BE49-F238E27FC236}">
+                <a16:creationId xmlns:a16="http://schemas.microsoft.com/office/drawing/2014/main" id="{C61C5EE2-37BA-7B28-B342-74123572F0ED}"/>
+              </a:ext>
+            </a:extLst>
+          </p:cNvPr>
+          <p:cNvSpPr/>
+          <p:nvPr/>
+        </p:nvSpPr>
+        <p:spPr>
+          <a:xfrm>
+            <a:off x="896471" y="2401188"/>
+            <a:ext cx="1192306" cy="883024"/>
+          </a:xfrm>
+          <a:prstGeom prst="ellipse">
+            <a:avLst/>
+          </a:prstGeom>
+        </p:spPr>
+        <p:style>
+          <a:lnRef idx="2">
+            <a:schemeClr val="accent2">
+              <a:shade val="15000"/>
+            </a:schemeClr>
+          </a:lnRef>
+          <a:fillRef idx="1">
+            <a:schemeClr val="accent2"/>
+          </a:fillRef>
+          <a:effectRef idx="0">
+            <a:schemeClr val="accent2"/>
+          </a:effectRef>
+          <a:fontRef idx="minor">
+            <a:schemeClr val="lt1"/>
+          </a:fontRef>
+        </p:style>
+        <p:txBody>
+          <a:bodyPr rtlCol="0" anchor="ctr"/>
+          <a:lstStyle/>
+          <a:p>
+            <a:pPr algn="ctr"/>
+            <a:endParaRPr lang="zh-CN" altLang="en-US" dirty="0"/>
+          </a:p>
+        </p:txBody>
+      </p:sp>
+      <p:sp>
+        <p:nvSpPr>
+          <p:cNvPr id="14" name="文本框 13">
+            <a:extLst>
+              <a:ext uri="{FF2B5EF4-FFF2-40B4-BE49-F238E27FC236}">
+                <a16:creationId xmlns:a16="http://schemas.microsoft.com/office/drawing/2014/main" id="{84948B50-C43F-E809-CF23-95FCD9A0F6A0}"/>
+              </a:ext>
+            </a:extLst>
+          </p:cNvPr>
+          <p:cNvSpPr txBox="1"/>
+          <p:nvPr/>
+        </p:nvSpPr>
+        <p:spPr>
+          <a:xfrm>
+            <a:off x="1260028" y="2658034"/>
+            <a:ext cx="465192" cy="369332"/>
+          </a:xfrm>
+          <a:prstGeom prst="rect">
+            <a:avLst/>
+          </a:prstGeom>
+          <a:noFill/>
+        </p:spPr>
+        <p:txBody>
+          <a:bodyPr wrap="none" rtlCol="0">
+            <a:spAutoFit/>
+          </a:bodyPr>
+          <a:lstStyle/>
+          <a:p>
+            <a:r>
+              <a:rPr lang="en-US" altLang="zh-CN" dirty="0"/>
+              <a:t>D2</a:t>
+            </a:r>
+            <a:endParaRPr lang="zh-CN" altLang="en-US" dirty="0"/>
+          </a:p>
+        </p:txBody>
+      </p:sp>
+      <p:sp>
+        <p:nvSpPr>
+          <p:cNvPr id="15" name="椭圆 14">
+            <a:extLst>
+              <a:ext uri="{FF2B5EF4-FFF2-40B4-BE49-F238E27FC236}">
+                <a16:creationId xmlns:a16="http://schemas.microsoft.com/office/drawing/2014/main" id="{E5852C07-82F7-C203-7D35-B2323B3D277F}"/>
+              </a:ext>
+            </a:extLst>
+          </p:cNvPr>
+          <p:cNvSpPr/>
+          <p:nvPr/>
+        </p:nvSpPr>
+        <p:spPr>
+          <a:xfrm>
+            <a:off x="896471" y="3944470"/>
+            <a:ext cx="1035425" cy="797859"/>
+          </a:xfrm>
+          <a:prstGeom prst="ellipse">
+            <a:avLst/>
+          </a:prstGeom>
+        </p:spPr>
+        <p:style>
+          <a:lnRef idx="2">
+            <a:schemeClr val="accent3">
+              <a:shade val="15000"/>
+            </a:schemeClr>
+          </a:lnRef>
+          <a:fillRef idx="1">
+            <a:schemeClr val="accent3"/>
+          </a:fillRef>
+          <a:effectRef idx="0">
+            <a:schemeClr val="accent3"/>
+          </a:effectRef>
+          <a:fontRef idx="minor">
+            <a:schemeClr val="lt1"/>
+          </a:fontRef>
+        </p:style>
+        <p:txBody>
+          <a:bodyPr rtlCol="0" anchor="ctr"/>
+          <a:lstStyle/>
+          <a:p>
+            <a:pPr algn="ctr"/>
+            <a:endParaRPr lang="zh-CN" altLang="en-US"/>
+          </a:p>
+        </p:txBody>
+      </p:sp>
+      <p:sp>
+        <p:nvSpPr>
+          <p:cNvPr id="16" name="文本框 15">
+            <a:extLst>
+              <a:ext uri="{FF2B5EF4-FFF2-40B4-BE49-F238E27FC236}">
+                <a16:creationId xmlns:a16="http://schemas.microsoft.com/office/drawing/2014/main" id="{A780D522-6BAB-B3CE-49C6-F628DAF4371E}"/>
+              </a:ext>
+            </a:extLst>
+          </p:cNvPr>
+          <p:cNvSpPr txBox="1"/>
+          <p:nvPr/>
+        </p:nvSpPr>
+        <p:spPr>
+          <a:xfrm>
+            <a:off x="1224656" y="4158733"/>
+            <a:ext cx="465192" cy="369332"/>
+          </a:xfrm>
+          <a:prstGeom prst="rect">
+            <a:avLst/>
+          </a:prstGeom>
+          <a:noFill/>
+        </p:spPr>
+        <p:txBody>
+          <a:bodyPr wrap="none" rtlCol="0">
+            <a:spAutoFit/>
+          </a:bodyPr>
+          <a:lstStyle/>
+          <a:p>
+            <a:r>
+              <a:rPr lang="en-US" altLang="zh-CN" dirty="0"/>
+              <a:t>D3</a:t>
+            </a:r>
+            <a:endParaRPr lang="zh-CN" altLang="en-US" dirty="0"/>
+          </a:p>
+        </p:txBody>
+      </p:sp>
+      <p:cxnSp>
+        <p:nvCxnSpPr>
+          <p:cNvPr id="18" name="直接箭头连接符 17">
+            <a:extLst>
+              <a:ext uri="{FF2B5EF4-FFF2-40B4-BE49-F238E27FC236}">
+                <a16:creationId xmlns:a16="http://schemas.microsoft.com/office/drawing/2014/main" id="{5EE4FBBA-4AE6-1305-C2BB-D03112B80390}"/>
+              </a:ext>
+            </a:extLst>
+          </p:cNvPr>
+          <p:cNvCxnSpPr>
+            <a:cxnSpLocks/>
+            <a:stCxn id="11" idx="6"/>
+            <a:endCxn id="21" idx="1"/>
+          </p:cNvCxnSpPr>
+          <p:nvPr/>
+        </p:nvCxnSpPr>
+        <p:spPr>
+          <a:xfrm flipV="1">
+            <a:off x="2088777" y="1125531"/>
+            <a:ext cx="627041" cy="19708"/>
+          </a:xfrm>
+          <a:prstGeom prst="straightConnector1">
+            <a:avLst/>
+          </a:prstGeom>
+          <a:ln>
+            <a:tailEnd type="triangle"/>
+          </a:ln>
+        </p:spPr>
+        <p:style>
+          <a:lnRef idx="2">
+            <a:schemeClr val="accent1"/>
+          </a:lnRef>
+          <a:fillRef idx="0">
+            <a:schemeClr val="accent1"/>
+          </a:fillRef>
+          <a:effectRef idx="1">
+            <a:schemeClr val="accent1"/>
+          </a:effectRef>
+          <a:fontRef idx="minor">
+            <a:schemeClr val="tx1"/>
+          </a:fontRef>
+        </p:style>
+      </p:cxnSp>
+      <p:cxnSp>
+        <p:nvCxnSpPr>
+          <p:cNvPr id="19" name="直接箭头连接符 18">
+            <a:extLst>
+              <a:ext uri="{FF2B5EF4-FFF2-40B4-BE49-F238E27FC236}">
+                <a16:creationId xmlns:a16="http://schemas.microsoft.com/office/drawing/2014/main" id="{AE9D891D-5A00-C5E0-F158-14548F2E474E}"/>
+              </a:ext>
+            </a:extLst>
+          </p:cNvPr>
+          <p:cNvCxnSpPr/>
+          <p:nvPr/>
+        </p:nvCxnSpPr>
+        <p:spPr>
+          <a:xfrm>
+            <a:off x="2133356" y="2823879"/>
+            <a:ext cx="555811" cy="20173"/>
+          </a:xfrm>
+          <a:prstGeom prst="straightConnector1">
+            <a:avLst/>
+          </a:prstGeom>
+          <a:ln>
+            <a:tailEnd type="triangle"/>
+          </a:ln>
+        </p:spPr>
+        <p:style>
+          <a:lnRef idx="2">
+            <a:schemeClr val="accent1"/>
+          </a:lnRef>
+          <a:fillRef idx="0">
+            <a:schemeClr val="accent1"/>
+          </a:fillRef>
+          <a:effectRef idx="1">
+            <a:schemeClr val="accent1"/>
+          </a:effectRef>
+          <a:fontRef idx="minor">
+            <a:schemeClr val="tx1"/>
+          </a:fontRef>
+        </p:style>
+      </p:cxnSp>
+      <p:cxnSp>
+        <p:nvCxnSpPr>
+          <p:cNvPr id="20" name="直接箭头连接符 19">
+            <a:extLst>
+              <a:ext uri="{FF2B5EF4-FFF2-40B4-BE49-F238E27FC236}">
+                <a16:creationId xmlns:a16="http://schemas.microsoft.com/office/drawing/2014/main" id="{1BC0ACC1-95D6-7472-5C88-38BF86023A7F}"/>
+              </a:ext>
+            </a:extLst>
+          </p:cNvPr>
+          <p:cNvCxnSpPr/>
+          <p:nvPr/>
+        </p:nvCxnSpPr>
+        <p:spPr>
+          <a:xfrm>
+            <a:off x="2018033" y="4362678"/>
+            <a:ext cx="555811" cy="20173"/>
+          </a:xfrm>
+          <a:prstGeom prst="straightConnector1">
+            <a:avLst/>
+          </a:prstGeom>
+          <a:ln>
+            <a:tailEnd type="triangle"/>
+          </a:ln>
+        </p:spPr>
+        <p:style>
+          <a:lnRef idx="2">
+            <a:schemeClr val="accent1"/>
+          </a:lnRef>
+          <a:fillRef idx="0">
+            <a:schemeClr val="accent1"/>
+          </a:fillRef>
+          <a:effectRef idx="1">
+            <a:schemeClr val="accent1"/>
+          </a:effectRef>
+          <a:fontRef idx="minor">
+            <a:schemeClr val="tx1"/>
+          </a:fontRef>
+        </p:style>
+      </p:cxnSp>
+      <p:sp>
+        <p:nvSpPr>
+          <p:cNvPr id="21" name="文本框 20">
+            <a:extLst>
+              <a:ext uri="{FF2B5EF4-FFF2-40B4-BE49-F238E27FC236}">
+                <a16:creationId xmlns:a16="http://schemas.microsoft.com/office/drawing/2014/main" id="{13291007-EA13-D6DD-6E1F-B13F1F9EC995}"/>
+              </a:ext>
+            </a:extLst>
+          </p:cNvPr>
+          <p:cNvSpPr txBox="1"/>
+          <p:nvPr/>
+        </p:nvSpPr>
+        <p:spPr>
+          <a:xfrm>
+            <a:off x="2715818" y="940865"/>
+            <a:ext cx="506870" cy="369332"/>
+          </a:xfrm>
+          <a:prstGeom prst="rect">
+            <a:avLst/>
+          </a:prstGeom>
+          <a:noFill/>
+        </p:spPr>
+        <p:txBody>
+          <a:bodyPr wrap="none" rtlCol="0">
+            <a:spAutoFit/>
+          </a:bodyPr>
+          <a:lstStyle/>
+          <a:p>
+            <a:r>
+              <a:rPr lang="en-US" altLang="zh-CN" dirty="0"/>
+              <a:t>M1</a:t>
+            </a:r>
+            <a:endParaRPr lang="zh-CN" altLang="en-US" dirty="0"/>
+          </a:p>
+        </p:txBody>
+      </p:sp>
+      <p:sp>
+        <p:nvSpPr>
+          <p:cNvPr id="22" name="文本框 21">
+            <a:extLst>
+              <a:ext uri="{FF2B5EF4-FFF2-40B4-BE49-F238E27FC236}">
+                <a16:creationId xmlns:a16="http://schemas.microsoft.com/office/drawing/2014/main" id="{C1B8AFC7-AC37-6426-8BCB-0712BE168CBC}"/>
+              </a:ext>
+            </a:extLst>
+          </p:cNvPr>
+          <p:cNvSpPr txBox="1"/>
+          <p:nvPr/>
+        </p:nvSpPr>
+        <p:spPr>
+          <a:xfrm>
+            <a:off x="2787048" y="2708690"/>
+            <a:ext cx="506870" cy="369332"/>
+          </a:xfrm>
+          <a:prstGeom prst="rect">
+            <a:avLst/>
+          </a:prstGeom>
+          <a:noFill/>
+        </p:spPr>
+        <p:txBody>
+          <a:bodyPr wrap="none" rtlCol="0">
+            <a:spAutoFit/>
+          </a:bodyPr>
+          <a:lstStyle/>
+          <a:p>
+            <a:r>
+              <a:rPr lang="en-US" altLang="zh-CN" dirty="0"/>
+              <a:t>M2</a:t>
+            </a:r>
+            <a:endParaRPr lang="zh-CN" altLang="en-US" dirty="0"/>
+          </a:p>
+        </p:txBody>
+      </p:sp>
+      <p:sp>
+        <p:nvSpPr>
+          <p:cNvPr id="23" name="文本框 22">
+            <a:extLst>
+              <a:ext uri="{FF2B5EF4-FFF2-40B4-BE49-F238E27FC236}">
+                <a16:creationId xmlns:a16="http://schemas.microsoft.com/office/drawing/2014/main" id="{481A95D8-31F2-01C1-9CEC-D858F1C7DB7F}"/>
+              </a:ext>
+            </a:extLst>
+          </p:cNvPr>
+          <p:cNvSpPr txBox="1"/>
+          <p:nvPr/>
+        </p:nvSpPr>
+        <p:spPr>
+          <a:xfrm>
+            <a:off x="2644588" y="4206686"/>
+            <a:ext cx="506870" cy="369332"/>
+          </a:xfrm>
+          <a:prstGeom prst="rect">
+            <a:avLst/>
+          </a:prstGeom>
+          <a:noFill/>
+        </p:spPr>
+        <p:txBody>
+          <a:bodyPr wrap="none" rtlCol="0">
+            <a:spAutoFit/>
+          </a:bodyPr>
+          <a:lstStyle/>
+          <a:p>
+            <a:r>
+              <a:rPr lang="en-US" altLang="zh-CN" dirty="0"/>
+              <a:t>M3</a:t>
+            </a:r>
+            <a:endParaRPr lang="zh-CN" altLang="en-US" dirty="0"/>
+          </a:p>
+        </p:txBody>
+      </p:sp>
+      <p:sp>
+        <p:nvSpPr>
+          <p:cNvPr id="27" name="文本框 26">
+            <a:extLst>
+              <a:ext uri="{FF2B5EF4-FFF2-40B4-BE49-F238E27FC236}">
+                <a16:creationId xmlns:a16="http://schemas.microsoft.com/office/drawing/2014/main" id="{B123FF1E-B87E-AC5C-D13E-E7AA25ABE2E1}"/>
+              </a:ext>
+            </a:extLst>
+          </p:cNvPr>
+          <p:cNvSpPr txBox="1"/>
+          <p:nvPr/>
+        </p:nvSpPr>
+        <p:spPr>
+          <a:xfrm>
+            <a:off x="2596132" y="294534"/>
+            <a:ext cx="1125629" cy="369332"/>
+          </a:xfrm>
+          <a:prstGeom prst="rect">
+            <a:avLst/>
+          </a:prstGeom>
+          <a:noFill/>
+        </p:spPr>
+        <p:txBody>
+          <a:bodyPr wrap="none" rtlCol="0">
+            <a:spAutoFit/>
+          </a:bodyPr>
+          <a:lstStyle/>
+          <a:p>
+            <a:r>
+              <a:rPr lang="zh-CN" altLang="en-US" dirty="0"/>
+              <a:t>代理模型</a:t>
+            </a:r>
+          </a:p>
+        </p:txBody>
+      </p:sp>
+      <p:cxnSp>
+        <p:nvCxnSpPr>
+          <p:cNvPr id="29" name="直接箭头连接符 28">
+            <a:extLst>
+              <a:ext uri="{FF2B5EF4-FFF2-40B4-BE49-F238E27FC236}">
+                <a16:creationId xmlns:a16="http://schemas.microsoft.com/office/drawing/2014/main" id="{6A8CC2AD-1280-F254-E9ED-4E2290B8C570}"/>
+              </a:ext>
+            </a:extLst>
+          </p:cNvPr>
+          <p:cNvCxnSpPr/>
+          <p:nvPr/>
+        </p:nvCxnSpPr>
+        <p:spPr>
+          <a:xfrm>
+            <a:off x="3568317" y="1145239"/>
+            <a:ext cx="842318" cy="0"/>
+          </a:xfrm>
+          <a:prstGeom prst="straightConnector1">
+            <a:avLst/>
+          </a:prstGeom>
+          <a:ln>
+            <a:tailEnd type="triangle"/>
+          </a:ln>
+        </p:spPr>
+        <p:style>
+          <a:lnRef idx="2">
+            <a:schemeClr val="accent1"/>
+          </a:lnRef>
+          <a:fillRef idx="0">
+            <a:schemeClr val="accent1"/>
+          </a:fillRef>
+          <a:effectRef idx="1">
+            <a:schemeClr val="accent1"/>
+          </a:effectRef>
+          <a:fontRef idx="minor">
+            <a:schemeClr val="tx1"/>
+          </a:fontRef>
+        </p:style>
+      </p:cxnSp>
+      <p:cxnSp>
+        <p:nvCxnSpPr>
+          <p:cNvPr id="31" name="直接箭头连接符 30">
+            <a:extLst>
+              <a:ext uri="{FF2B5EF4-FFF2-40B4-BE49-F238E27FC236}">
+                <a16:creationId xmlns:a16="http://schemas.microsoft.com/office/drawing/2014/main" id="{409E661A-FA04-CD88-E6F3-55782722154F}"/>
+              </a:ext>
+            </a:extLst>
+          </p:cNvPr>
+          <p:cNvCxnSpPr/>
+          <p:nvPr/>
+        </p:nvCxnSpPr>
+        <p:spPr>
+          <a:xfrm>
+            <a:off x="3648635" y="2844052"/>
+            <a:ext cx="878541" cy="0"/>
+          </a:xfrm>
+          <a:prstGeom prst="straightConnector1">
+            <a:avLst/>
+          </a:prstGeom>
+          <a:ln>
+            <a:tailEnd type="triangle"/>
+          </a:ln>
+        </p:spPr>
+        <p:style>
+          <a:lnRef idx="2">
+            <a:schemeClr val="accent1"/>
+          </a:lnRef>
+          <a:fillRef idx="0">
+            <a:schemeClr val="accent1"/>
+          </a:fillRef>
+          <a:effectRef idx="1">
+            <a:schemeClr val="accent1"/>
+          </a:effectRef>
+          <a:fontRef idx="minor">
+            <a:schemeClr val="tx1"/>
+          </a:fontRef>
+        </p:style>
+      </p:cxnSp>
+      <p:cxnSp>
+        <p:nvCxnSpPr>
+          <p:cNvPr id="33" name="直接箭头连接符 32">
+            <a:extLst>
+              <a:ext uri="{FF2B5EF4-FFF2-40B4-BE49-F238E27FC236}">
+                <a16:creationId xmlns:a16="http://schemas.microsoft.com/office/drawing/2014/main" id="{A060F4E7-7498-80C4-CE84-092E7C176B7D}"/>
+              </a:ext>
+            </a:extLst>
+          </p:cNvPr>
+          <p:cNvCxnSpPr/>
+          <p:nvPr/>
+        </p:nvCxnSpPr>
+        <p:spPr>
+          <a:xfrm>
+            <a:off x="3568317" y="4464424"/>
+            <a:ext cx="1012648" cy="0"/>
+          </a:xfrm>
+          <a:prstGeom prst="straightConnector1">
+            <a:avLst/>
+          </a:prstGeom>
+          <a:ln>
+            <a:tailEnd type="triangle"/>
+          </a:ln>
+        </p:spPr>
+        <p:style>
+          <a:lnRef idx="2">
+            <a:schemeClr val="accent1"/>
+          </a:lnRef>
+          <a:fillRef idx="0">
+            <a:schemeClr val="accent1"/>
+          </a:fillRef>
+          <a:effectRef idx="1">
+            <a:schemeClr val="accent1"/>
+          </a:effectRef>
+          <a:fontRef idx="minor">
+            <a:schemeClr val="tx1"/>
+          </a:fontRef>
+        </p:style>
+      </p:cxnSp>
+      <p:sp>
+        <p:nvSpPr>
+          <p:cNvPr id="34" name="矩形 33">
+            <a:extLst>
+              <a:ext uri="{FF2B5EF4-FFF2-40B4-BE49-F238E27FC236}">
+                <a16:creationId xmlns:a16="http://schemas.microsoft.com/office/drawing/2014/main" id="{601BC149-8F40-CC6E-CB20-C4527DD7E55C}"/>
+              </a:ext>
+            </a:extLst>
+          </p:cNvPr>
+          <p:cNvSpPr/>
+          <p:nvPr/>
+        </p:nvSpPr>
+        <p:spPr>
+          <a:xfrm>
+            <a:off x="4589685" y="746309"/>
+            <a:ext cx="1416668" cy="4847662"/>
+          </a:xfrm>
+          <a:prstGeom prst="rect">
+            <a:avLst/>
+          </a:prstGeom>
+        </p:spPr>
+        <p:style>
+          <a:lnRef idx="2">
+            <a:schemeClr val="accent1">
+              <a:shade val="15000"/>
+            </a:schemeClr>
+          </a:lnRef>
+          <a:fillRef idx="1">
+            <a:schemeClr val="accent1"/>
+          </a:fillRef>
+          <a:effectRef idx="0">
+            <a:schemeClr val="accent1"/>
+          </a:effectRef>
+          <a:fontRef idx="minor">
+            <a:schemeClr val="lt1"/>
+          </a:fontRef>
+        </p:style>
+        <p:txBody>
+          <a:bodyPr rtlCol="0" anchor="ctr"/>
+          <a:lstStyle/>
+          <a:p>
+            <a:pPr algn="ctr"/>
+            <a:endParaRPr lang="zh-CN" altLang="en-US" dirty="0"/>
+          </a:p>
+        </p:txBody>
+      </p:sp>
+      <p:sp>
+        <p:nvSpPr>
+          <p:cNvPr id="35" name="文本框 34">
+            <a:extLst>
+              <a:ext uri="{FF2B5EF4-FFF2-40B4-BE49-F238E27FC236}">
+                <a16:creationId xmlns:a16="http://schemas.microsoft.com/office/drawing/2014/main" id="{9E564557-4BE1-7B06-300A-1BEE0F6B5A21}"/>
+              </a:ext>
+            </a:extLst>
+          </p:cNvPr>
+          <p:cNvSpPr txBox="1"/>
+          <p:nvPr/>
+        </p:nvSpPr>
+        <p:spPr>
+          <a:xfrm>
+            <a:off x="4410635" y="307569"/>
+            <a:ext cx="1838965" cy="369332"/>
+          </a:xfrm>
+          <a:prstGeom prst="rect">
+            <a:avLst/>
+          </a:prstGeom>
+          <a:noFill/>
+        </p:spPr>
+        <p:txBody>
+          <a:bodyPr wrap="none" rtlCol="0">
+            <a:spAutoFit/>
+          </a:bodyPr>
+          <a:lstStyle/>
+          <a:p>
+            <a:r>
+              <a:rPr lang="zh-CN" altLang="en-US" dirty="0"/>
+              <a:t>带水印的数据集</a:t>
+            </a:r>
+          </a:p>
+        </p:txBody>
+      </p:sp>
+      <p:sp>
+        <p:nvSpPr>
+          <p:cNvPr id="36" name="文本框 35">
+            <a:extLst>
+              <a:ext uri="{FF2B5EF4-FFF2-40B4-BE49-F238E27FC236}">
+                <a16:creationId xmlns:a16="http://schemas.microsoft.com/office/drawing/2014/main" id="{F516E0F5-9329-CB5C-B4E6-B9CBDD54DBD5}"/>
+              </a:ext>
+            </a:extLst>
+          </p:cNvPr>
+          <p:cNvSpPr txBox="1"/>
+          <p:nvPr/>
+        </p:nvSpPr>
+        <p:spPr>
+          <a:xfrm>
+            <a:off x="4958418" y="970887"/>
+            <a:ext cx="585417" cy="369332"/>
+          </a:xfrm>
+          <a:prstGeom prst="rect">
+            <a:avLst/>
+          </a:prstGeom>
+          <a:noFill/>
+        </p:spPr>
+        <p:txBody>
+          <a:bodyPr wrap="none" rtlCol="0">
+            <a:spAutoFit/>
+          </a:bodyPr>
+          <a:lstStyle/>
+          <a:p>
+            <a:r>
+              <a:rPr lang="en-US" altLang="zh-CN" dirty="0"/>
+              <a:t>DT1</a:t>
+            </a:r>
+            <a:endParaRPr lang="zh-CN" altLang="en-US" dirty="0"/>
+          </a:p>
+        </p:txBody>
+      </p:sp>
+      <p:sp>
+        <p:nvSpPr>
+          <p:cNvPr id="37" name="文本框 36">
+            <a:extLst>
+              <a:ext uri="{FF2B5EF4-FFF2-40B4-BE49-F238E27FC236}">
+                <a16:creationId xmlns:a16="http://schemas.microsoft.com/office/drawing/2014/main" id="{3DF597DF-D023-368F-A2A4-F1FA1106A36F}"/>
+              </a:ext>
+            </a:extLst>
+          </p:cNvPr>
+          <p:cNvSpPr txBox="1"/>
+          <p:nvPr/>
+        </p:nvSpPr>
+        <p:spPr>
+          <a:xfrm>
+            <a:off x="4884685" y="2708690"/>
+            <a:ext cx="585417" cy="369332"/>
+          </a:xfrm>
+          <a:prstGeom prst="rect">
+            <a:avLst/>
+          </a:prstGeom>
+          <a:noFill/>
+        </p:spPr>
+        <p:txBody>
+          <a:bodyPr wrap="none" rtlCol="0">
+            <a:spAutoFit/>
+          </a:bodyPr>
+          <a:lstStyle/>
+          <a:p>
+            <a:r>
+              <a:rPr lang="en-US" altLang="zh-CN" dirty="0"/>
+              <a:t>DT2</a:t>
+            </a:r>
+            <a:endParaRPr lang="zh-CN" altLang="en-US" dirty="0"/>
+          </a:p>
+        </p:txBody>
+      </p:sp>
+      <p:sp>
+        <p:nvSpPr>
+          <p:cNvPr id="38" name="文本框 37">
+            <a:extLst>
+              <a:ext uri="{FF2B5EF4-FFF2-40B4-BE49-F238E27FC236}">
+                <a16:creationId xmlns:a16="http://schemas.microsoft.com/office/drawing/2014/main" id="{A1A61FA0-1E3D-765F-BBED-41185D7DAEF9}"/>
+              </a:ext>
+            </a:extLst>
+          </p:cNvPr>
+          <p:cNvSpPr txBox="1"/>
+          <p:nvPr/>
+        </p:nvSpPr>
+        <p:spPr>
+          <a:xfrm>
+            <a:off x="4744700" y="4279758"/>
+            <a:ext cx="585417" cy="369332"/>
+          </a:xfrm>
+          <a:prstGeom prst="rect">
+            <a:avLst/>
+          </a:prstGeom>
+          <a:noFill/>
+        </p:spPr>
+        <p:txBody>
+          <a:bodyPr wrap="none" rtlCol="0">
+            <a:spAutoFit/>
+          </a:bodyPr>
+          <a:lstStyle/>
+          <a:p>
+            <a:r>
+              <a:rPr lang="en-US" altLang="zh-CN" dirty="0"/>
+              <a:t>DT3</a:t>
+            </a:r>
+            <a:endParaRPr lang="zh-CN" altLang="en-US" dirty="0"/>
+          </a:p>
+        </p:txBody>
+      </p:sp>
+      <p:cxnSp>
+        <p:nvCxnSpPr>
+          <p:cNvPr id="40" name="直接箭头连接符 39">
+            <a:extLst>
+              <a:ext uri="{FF2B5EF4-FFF2-40B4-BE49-F238E27FC236}">
+                <a16:creationId xmlns:a16="http://schemas.microsoft.com/office/drawing/2014/main" id="{FB9CC128-E3CD-3D1A-1055-B5656DD62A74}"/>
+              </a:ext>
+            </a:extLst>
+          </p:cNvPr>
+          <p:cNvCxnSpPr>
+            <a:cxnSpLocks/>
+          </p:cNvCxnSpPr>
+          <p:nvPr/>
+        </p:nvCxnSpPr>
+        <p:spPr>
+          <a:xfrm>
+            <a:off x="6096000" y="2844052"/>
+            <a:ext cx="931721" cy="0"/>
+          </a:xfrm>
+          <a:prstGeom prst="straightConnector1">
+            <a:avLst/>
+          </a:prstGeom>
+          <a:ln>
+            <a:tailEnd type="triangle"/>
+          </a:ln>
+        </p:spPr>
+        <p:style>
+          <a:lnRef idx="2">
+            <a:schemeClr val="accent1"/>
+          </a:lnRef>
+          <a:fillRef idx="0">
+            <a:schemeClr val="accent1"/>
+          </a:fillRef>
+          <a:effectRef idx="1">
+            <a:schemeClr val="accent1"/>
+          </a:effectRef>
+          <a:fontRef idx="minor">
+            <a:schemeClr val="tx1"/>
+          </a:fontRef>
+        </p:style>
+      </p:cxnSp>
+      <p:sp>
+        <p:nvSpPr>
+          <p:cNvPr id="42" name="文本框 41">
+            <a:extLst>
+              <a:ext uri="{FF2B5EF4-FFF2-40B4-BE49-F238E27FC236}">
+                <a16:creationId xmlns:a16="http://schemas.microsoft.com/office/drawing/2014/main" id="{D2B9A504-35EE-DDB0-14E8-879BED48A501}"/>
+              </a:ext>
+            </a:extLst>
+          </p:cNvPr>
+          <p:cNvSpPr txBox="1"/>
+          <p:nvPr/>
+        </p:nvSpPr>
+        <p:spPr>
+          <a:xfrm>
+            <a:off x="6068862" y="2473368"/>
+            <a:ext cx="1107996" cy="369332"/>
+          </a:xfrm>
+          <a:prstGeom prst="rect">
+            <a:avLst/>
+          </a:prstGeom>
+          <a:noFill/>
+        </p:spPr>
+        <p:txBody>
+          <a:bodyPr wrap="none" rtlCol="0">
+            <a:spAutoFit/>
+          </a:bodyPr>
+          <a:lstStyle/>
+          <a:p>
+            <a:r>
+              <a:rPr lang="zh-CN" altLang="en-US" dirty="0"/>
+              <a:t>水印验证</a:t>
+            </a:r>
+          </a:p>
+        </p:txBody>
+      </p:sp>
+      <p:sp>
+        <p:nvSpPr>
+          <p:cNvPr id="45" name="矩形 44">
+            <a:extLst>
+              <a:ext uri="{FF2B5EF4-FFF2-40B4-BE49-F238E27FC236}">
+                <a16:creationId xmlns:a16="http://schemas.microsoft.com/office/drawing/2014/main" id="{2BE42A31-A33B-8768-3A8D-ABCBEF6FA467}"/>
+              </a:ext>
+            </a:extLst>
+          </p:cNvPr>
+          <p:cNvSpPr/>
+          <p:nvPr/>
+        </p:nvSpPr>
+        <p:spPr>
+          <a:xfrm>
+            <a:off x="7176858" y="418870"/>
+            <a:ext cx="1267895" cy="4847660"/>
+          </a:xfrm>
+          <a:prstGeom prst="rect">
+            <a:avLst/>
+          </a:prstGeom>
+        </p:spPr>
+        <p:style>
+          <a:lnRef idx="2">
+            <a:schemeClr val="accent1">
+              <a:shade val="15000"/>
+            </a:schemeClr>
+          </a:lnRef>
+          <a:fillRef idx="1">
+            <a:schemeClr val="accent1"/>
+          </a:fillRef>
+          <a:effectRef idx="0">
+            <a:schemeClr val="accent1"/>
+          </a:effectRef>
+          <a:fontRef idx="minor">
+            <a:schemeClr val="lt1"/>
+          </a:fontRef>
+        </p:style>
+        <p:txBody>
+          <a:bodyPr rtlCol="0" anchor="ctr"/>
+          <a:lstStyle/>
+          <a:p>
+            <a:pPr algn="ctr"/>
+            <a:endParaRPr lang="zh-CN" altLang="en-US"/>
+          </a:p>
+        </p:txBody>
+      </p:sp>
+      <p:sp>
+        <p:nvSpPr>
+          <p:cNvPr id="46" name="文本框 45">
+            <a:extLst>
+              <a:ext uri="{FF2B5EF4-FFF2-40B4-BE49-F238E27FC236}">
+                <a16:creationId xmlns:a16="http://schemas.microsoft.com/office/drawing/2014/main" id="{7425F293-D56C-C41C-EE15-442F118492D0}"/>
+              </a:ext>
+            </a:extLst>
+          </p:cNvPr>
+          <p:cNvSpPr txBox="1"/>
+          <p:nvPr/>
+        </p:nvSpPr>
+        <p:spPr>
+          <a:xfrm>
+            <a:off x="7518096" y="742059"/>
+            <a:ext cx="439544" cy="369332"/>
+          </a:xfrm>
+          <a:prstGeom prst="rect">
+            <a:avLst/>
+          </a:prstGeom>
+          <a:noFill/>
+        </p:spPr>
+        <p:txBody>
+          <a:bodyPr wrap="none" rtlCol="0">
+            <a:spAutoFit/>
+          </a:bodyPr>
+          <a:lstStyle/>
+          <a:p>
+            <a:r>
+              <a:rPr lang="en-US" altLang="zh-CN" dirty="0"/>
+              <a:t>R1</a:t>
+            </a:r>
+            <a:endParaRPr lang="zh-CN" altLang="en-US" dirty="0"/>
+          </a:p>
+        </p:txBody>
+      </p:sp>
+      <p:sp>
+        <p:nvSpPr>
+          <p:cNvPr id="47" name="文本框 46">
+            <a:extLst>
+              <a:ext uri="{FF2B5EF4-FFF2-40B4-BE49-F238E27FC236}">
+                <a16:creationId xmlns:a16="http://schemas.microsoft.com/office/drawing/2014/main" id="{0CE6215F-C156-DDAC-6319-D8B3C08BC345}"/>
+              </a:ext>
+            </a:extLst>
+          </p:cNvPr>
+          <p:cNvSpPr txBox="1"/>
+          <p:nvPr/>
+        </p:nvSpPr>
+        <p:spPr>
+          <a:xfrm>
+            <a:off x="7518096" y="2225257"/>
+            <a:ext cx="439544" cy="369332"/>
+          </a:xfrm>
+          <a:prstGeom prst="rect">
+            <a:avLst/>
+          </a:prstGeom>
+          <a:noFill/>
+        </p:spPr>
+        <p:txBody>
+          <a:bodyPr wrap="none" rtlCol="0">
+            <a:spAutoFit/>
+          </a:bodyPr>
+          <a:lstStyle/>
+          <a:p>
+            <a:r>
+              <a:rPr lang="en-US" altLang="zh-CN" dirty="0"/>
+              <a:t>R2</a:t>
+            </a:r>
+            <a:endParaRPr lang="zh-CN" altLang="en-US" dirty="0"/>
+          </a:p>
+        </p:txBody>
+      </p:sp>
+      <p:sp>
+        <p:nvSpPr>
+          <p:cNvPr id="48" name="文本框 47">
+            <a:extLst>
+              <a:ext uri="{FF2B5EF4-FFF2-40B4-BE49-F238E27FC236}">
+                <a16:creationId xmlns:a16="http://schemas.microsoft.com/office/drawing/2014/main" id="{9ED4E36D-1FE9-1A15-FD39-D864841AC4CF}"/>
+              </a:ext>
+            </a:extLst>
+          </p:cNvPr>
+          <p:cNvSpPr txBox="1"/>
+          <p:nvPr/>
+        </p:nvSpPr>
+        <p:spPr>
+          <a:xfrm>
+            <a:off x="7591033" y="3928548"/>
+            <a:ext cx="439544" cy="369332"/>
+          </a:xfrm>
+          <a:prstGeom prst="rect">
+            <a:avLst/>
+          </a:prstGeom>
+          <a:noFill/>
+        </p:spPr>
+        <p:txBody>
+          <a:bodyPr wrap="none" rtlCol="0">
+            <a:spAutoFit/>
+          </a:bodyPr>
+          <a:lstStyle/>
+          <a:p>
+            <a:r>
+              <a:rPr lang="en-US" altLang="zh-CN" dirty="0"/>
               <a:t>R3</a:t>
             </a:r>
-            <a:r>
-              <a:rPr lang="zh-CN" altLang="en-US" dirty="0"/>
-              <a:t>（创新性不足）</a:t>
-            </a:r>
+            <a:endParaRPr lang="zh-CN" altLang="en-US" dirty="0"/>
           </a:p>
         </p:txBody>
       </p:sp>
     </p:spTree>
     <p:extLst>
       <p:ext uri="{BB962C8B-B14F-4D97-AF65-F5344CB8AC3E}">
-        <p14:creationId xmlns:p14="http://schemas.microsoft.com/office/powerpoint/2010/main" val="4049218289"/>
+        <p14:creationId xmlns:p14="http://schemas.microsoft.com/office/powerpoint/2010/main" val="2741308335"/>
+      </p:ext>
+    </p:extLst>
+  </p:cSld>
+  <p:clrMapOvr>
+    <a:masterClrMapping/>
+  </p:clrMapOvr>
+</p:sld>
+</file>
+
+<file path=ppt/slides/slide17.xml><?xml version="1.0" encoding="utf-8"?>
+<p:sld xmlns:a="http://schemas.openxmlformats.org/drawingml/2006/main" xmlns:r="http://schemas.openxmlformats.org/officeDocument/2006/relationships" xmlns:p="http://schemas.openxmlformats.org/presentationml/2006/main">
+  <p:cSld>
+    <p:spTree>
+      <p:nvGrpSpPr>
+        <p:cNvPr id="1" name="">
+          <a:extLst>
+            <a:ext uri="{FF2B5EF4-FFF2-40B4-BE49-F238E27FC236}">
+              <a16:creationId xmlns:a16="http://schemas.microsoft.com/office/drawing/2014/main" id="{DA456B40-7E55-7E16-A023-BF60C4BFE6CF}"/>
+            </a:ext>
+          </a:extLst>
+        </p:cNvPr>
+        <p:cNvGrpSpPr/>
+        <p:nvPr/>
+      </p:nvGrpSpPr>
+      <p:grpSpPr>
+        <a:xfrm>
+          <a:off x="0" y="0"/>
+          <a:ext cx="0" cy="0"/>
+          <a:chOff x="0" y="0"/>
+          <a:chExt cx="0" cy="0"/>
+        </a:xfrm>
+      </p:grpSpPr>
+      <p:sp>
+        <p:nvSpPr>
+          <p:cNvPr id="4" name="椭圆 3">
+            <a:extLst>
+              <a:ext uri="{FF2B5EF4-FFF2-40B4-BE49-F238E27FC236}">
+                <a16:creationId xmlns:a16="http://schemas.microsoft.com/office/drawing/2014/main" id="{E2D1ABF9-9137-23D1-BB8F-57550C3B1ED1}"/>
+              </a:ext>
+            </a:extLst>
+          </p:cNvPr>
+          <p:cNvSpPr/>
+          <p:nvPr/>
+        </p:nvSpPr>
+        <p:spPr>
+          <a:xfrm>
+            <a:off x="949897" y="690282"/>
+            <a:ext cx="3460376" cy="2738718"/>
+          </a:xfrm>
+          <a:prstGeom prst="ellipse">
+            <a:avLst/>
+          </a:prstGeom>
+          <a:solidFill>
+            <a:schemeClr val="bg1"/>
+          </a:solidFill>
+        </p:spPr>
+        <p:style>
+          <a:lnRef idx="2">
+            <a:schemeClr val="accent1">
+              <a:shade val="15000"/>
+            </a:schemeClr>
+          </a:lnRef>
+          <a:fillRef idx="1">
+            <a:schemeClr val="accent1"/>
+          </a:fillRef>
+          <a:effectRef idx="0">
+            <a:schemeClr val="accent1"/>
+          </a:effectRef>
+          <a:fontRef idx="minor">
+            <a:schemeClr val="lt1"/>
+          </a:fontRef>
+        </p:style>
+        <p:txBody>
+          <a:bodyPr rtlCol="0" anchor="ctr"/>
+          <a:lstStyle/>
+          <a:p>
+            <a:pPr algn="ctr"/>
+            <a:endParaRPr lang="zh-CN" altLang="en-US"/>
+          </a:p>
+        </p:txBody>
+      </p:sp>
+      <p:sp>
+        <p:nvSpPr>
+          <p:cNvPr id="5" name="椭圆 4">
+            <a:extLst>
+              <a:ext uri="{FF2B5EF4-FFF2-40B4-BE49-F238E27FC236}">
+                <a16:creationId xmlns:a16="http://schemas.microsoft.com/office/drawing/2014/main" id="{1E969D7A-1F8A-63D8-C672-0BDAB3903C81}"/>
+              </a:ext>
+            </a:extLst>
+          </p:cNvPr>
+          <p:cNvSpPr/>
+          <p:nvPr/>
+        </p:nvSpPr>
+        <p:spPr>
+          <a:xfrm>
+            <a:off x="1366756" y="1284193"/>
+            <a:ext cx="1066800" cy="797859"/>
+          </a:xfrm>
+          <a:prstGeom prst="ellipse">
+            <a:avLst/>
+          </a:prstGeom>
+        </p:spPr>
+        <p:style>
+          <a:lnRef idx="2">
+            <a:schemeClr val="accent1">
+              <a:shade val="15000"/>
+            </a:schemeClr>
+          </a:lnRef>
+          <a:fillRef idx="1">
+            <a:schemeClr val="accent1"/>
+          </a:fillRef>
+          <a:effectRef idx="0">
+            <a:schemeClr val="accent1"/>
+          </a:effectRef>
+          <a:fontRef idx="minor">
+            <a:schemeClr val="lt1"/>
+          </a:fontRef>
+        </p:style>
+        <p:txBody>
+          <a:bodyPr rtlCol="0" anchor="ctr"/>
+          <a:lstStyle/>
+          <a:p>
+            <a:pPr algn="ctr"/>
+            <a:endParaRPr lang="zh-CN" altLang="en-US"/>
+          </a:p>
+        </p:txBody>
+      </p:sp>
+      <p:sp>
+        <p:nvSpPr>
+          <p:cNvPr id="6" name="椭圆 5">
+            <a:extLst>
+              <a:ext uri="{FF2B5EF4-FFF2-40B4-BE49-F238E27FC236}">
+                <a16:creationId xmlns:a16="http://schemas.microsoft.com/office/drawing/2014/main" id="{12DBA88C-AF13-024E-9591-CFD56085A1CF}"/>
+              </a:ext>
+            </a:extLst>
+          </p:cNvPr>
+          <p:cNvSpPr/>
+          <p:nvPr/>
+        </p:nvSpPr>
+        <p:spPr>
+          <a:xfrm>
+            <a:off x="2850415" y="1284193"/>
+            <a:ext cx="1192306" cy="883024"/>
+          </a:xfrm>
+          <a:prstGeom prst="ellipse">
+            <a:avLst/>
+          </a:prstGeom>
+        </p:spPr>
+        <p:style>
+          <a:lnRef idx="2">
+            <a:schemeClr val="accent2">
+              <a:shade val="15000"/>
+            </a:schemeClr>
+          </a:lnRef>
+          <a:fillRef idx="1">
+            <a:schemeClr val="accent2"/>
+          </a:fillRef>
+          <a:effectRef idx="0">
+            <a:schemeClr val="accent2"/>
+          </a:effectRef>
+          <a:fontRef idx="minor">
+            <a:schemeClr val="lt1"/>
+          </a:fontRef>
+        </p:style>
+        <p:txBody>
+          <a:bodyPr rtlCol="0" anchor="ctr"/>
+          <a:lstStyle/>
+          <a:p>
+            <a:pPr algn="ctr"/>
+            <a:endParaRPr lang="zh-CN" altLang="en-US" dirty="0"/>
+          </a:p>
+        </p:txBody>
+      </p:sp>
+      <p:sp>
+        <p:nvSpPr>
+          <p:cNvPr id="7" name="椭圆 6">
+            <a:extLst>
+              <a:ext uri="{FF2B5EF4-FFF2-40B4-BE49-F238E27FC236}">
+                <a16:creationId xmlns:a16="http://schemas.microsoft.com/office/drawing/2014/main" id="{8CFC647A-75BA-559F-F818-1A78EC0954A7}"/>
+              </a:ext>
+            </a:extLst>
+          </p:cNvPr>
+          <p:cNvSpPr/>
+          <p:nvPr/>
+        </p:nvSpPr>
+        <p:spPr>
+          <a:xfrm>
+            <a:off x="2057038" y="2447364"/>
+            <a:ext cx="1035425" cy="797859"/>
+          </a:xfrm>
+          <a:prstGeom prst="ellipse">
+            <a:avLst/>
+          </a:prstGeom>
+        </p:spPr>
+        <p:style>
+          <a:lnRef idx="2">
+            <a:schemeClr val="accent3">
+              <a:shade val="15000"/>
+            </a:schemeClr>
+          </a:lnRef>
+          <a:fillRef idx="1">
+            <a:schemeClr val="accent3"/>
+          </a:fillRef>
+          <a:effectRef idx="0">
+            <a:schemeClr val="accent3"/>
+          </a:effectRef>
+          <a:fontRef idx="minor">
+            <a:schemeClr val="lt1"/>
+          </a:fontRef>
+        </p:style>
+        <p:txBody>
+          <a:bodyPr rtlCol="0" anchor="ctr"/>
+          <a:lstStyle/>
+          <a:p>
+            <a:pPr algn="ctr"/>
+            <a:endParaRPr lang="zh-CN" altLang="en-US"/>
+          </a:p>
+        </p:txBody>
+      </p:sp>
+      <p:sp>
+        <p:nvSpPr>
+          <p:cNvPr id="8" name="文本框 7">
+            <a:extLst>
+              <a:ext uri="{FF2B5EF4-FFF2-40B4-BE49-F238E27FC236}">
+                <a16:creationId xmlns:a16="http://schemas.microsoft.com/office/drawing/2014/main" id="{BCF8320B-0D92-399F-C51E-806C04DD6C5D}"/>
+              </a:ext>
+            </a:extLst>
+          </p:cNvPr>
+          <p:cNvSpPr txBox="1"/>
+          <p:nvPr/>
+        </p:nvSpPr>
+        <p:spPr>
+          <a:xfrm>
+            <a:off x="1667560" y="1498456"/>
+            <a:ext cx="585417" cy="369332"/>
+          </a:xfrm>
+          <a:prstGeom prst="rect">
+            <a:avLst/>
+          </a:prstGeom>
+          <a:noFill/>
+        </p:spPr>
+        <p:txBody>
+          <a:bodyPr wrap="none" rtlCol="0">
+            <a:spAutoFit/>
+          </a:bodyPr>
+          <a:lstStyle/>
+          <a:p>
+            <a:r>
+              <a:rPr lang="en-US" altLang="zh-CN" dirty="0"/>
+              <a:t>DT1</a:t>
+            </a:r>
+            <a:endParaRPr lang="zh-CN" altLang="en-US" dirty="0"/>
+          </a:p>
+        </p:txBody>
+      </p:sp>
+      <p:sp>
+        <p:nvSpPr>
+          <p:cNvPr id="9" name="文本框 8">
+            <a:extLst>
+              <a:ext uri="{FF2B5EF4-FFF2-40B4-BE49-F238E27FC236}">
+                <a16:creationId xmlns:a16="http://schemas.microsoft.com/office/drawing/2014/main" id="{6FAD1FA7-AB46-332B-FE7E-7BA074FE1D67}"/>
+              </a:ext>
+            </a:extLst>
+          </p:cNvPr>
+          <p:cNvSpPr txBox="1"/>
+          <p:nvPr/>
+        </p:nvSpPr>
+        <p:spPr>
+          <a:xfrm>
+            <a:off x="3213972" y="1541039"/>
+            <a:ext cx="585417" cy="369332"/>
+          </a:xfrm>
+          <a:prstGeom prst="rect">
+            <a:avLst/>
+          </a:prstGeom>
+          <a:noFill/>
+        </p:spPr>
+        <p:txBody>
+          <a:bodyPr wrap="none" rtlCol="0">
+            <a:spAutoFit/>
+          </a:bodyPr>
+          <a:lstStyle/>
+          <a:p>
+            <a:r>
+              <a:rPr lang="en-US" altLang="zh-CN" dirty="0"/>
+              <a:t>DT2</a:t>
+            </a:r>
+            <a:endParaRPr lang="zh-CN" altLang="en-US" dirty="0"/>
+          </a:p>
+        </p:txBody>
+      </p:sp>
+      <p:sp>
+        <p:nvSpPr>
+          <p:cNvPr id="10" name="文本框 9">
+            <a:extLst>
+              <a:ext uri="{FF2B5EF4-FFF2-40B4-BE49-F238E27FC236}">
+                <a16:creationId xmlns:a16="http://schemas.microsoft.com/office/drawing/2014/main" id="{977D25E2-30A0-1ED9-799A-13CE42D1844C}"/>
+              </a:ext>
+            </a:extLst>
+          </p:cNvPr>
+          <p:cNvSpPr txBox="1"/>
+          <p:nvPr/>
+        </p:nvSpPr>
+        <p:spPr>
+          <a:xfrm>
+            <a:off x="2385223" y="2661627"/>
+            <a:ext cx="585417" cy="369332"/>
+          </a:xfrm>
+          <a:prstGeom prst="rect">
+            <a:avLst/>
+          </a:prstGeom>
+          <a:noFill/>
+        </p:spPr>
+        <p:txBody>
+          <a:bodyPr wrap="none" rtlCol="0">
+            <a:spAutoFit/>
+          </a:bodyPr>
+          <a:lstStyle/>
+          <a:p>
+            <a:r>
+              <a:rPr lang="en-US" altLang="zh-CN" dirty="0"/>
+              <a:t>DT3</a:t>
+            </a:r>
+            <a:endParaRPr lang="zh-CN" altLang="en-US" dirty="0"/>
+          </a:p>
+        </p:txBody>
+      </p:sp>
+      <p:cxnSp>
+        <p:nvCxnSpPr>
+          <p:cNvPr id="3" name="直接箭头连接符 2">
+            <a:extLst>
+              <a:ext uri="{FF2B5EF4-FFF2-40B4-BE49-F238E27FC236}">
+                <a16:creationId xmlns:a16="http://schemas.microsoft.com/office/drawing/2014/main" id="{82C26054-4723-B686-BBAA-33A92ACEC652}"/>
+              </a:ext>
+            </a:extLst>
+          </p:cNvPr>
+          <p:cNvCxnSpPr>
+            <a:stCxn id="4" idx="6"/>
+          </p:cNvCxnSpPr>
+          <p:nvPr/>
+        </p:nvCxnSpPr>
+        <p:spPr>
+          <a:xfrm>
+            <a:off x="4410273" y="2059641"/>
+            <a:ext cx="1461609" cy="22411"/>
+          </a:xfrm>
+          <a:prstGeom prst="straightConnector1">
+            <a:avLst/>
+          </a:prstGeom>
+          <a:ln>
+            <a:tailEnd type="triangle"/>
+          </a:ln>
+        </p:spPr>
+        <p:style>
+          <a:lnRef idx="2">
+            <a:schemeClr val="accent1"/>
+          </a:lnRef>
+          <a:fillRef idx="0">
+            <a:schemeClr val="accent1"/>
+          </a:fillRef>
+          <a:effectRef idx="1">
+            <a:schemeClr val="accent1"/>
+          </a:effectRef>
+          <a:fontRef idx="minor">
+            <a:schemeClr val="tx1"/>
+          </a:fontRef>
+        </p:style>
+      </p:cxnSp>
+      <p:sp>
+        <p:nvSpPr>
+          <p:cNvPr id="17" name="文本框 16">
+            <a:extLst>
+              <a:ext uri="{FF2B5EF4-FFF2-40B4-BE49-F238E27FC236}">
+                <a16:creationId xmlns:a16="http://schemas.microsoft.com/office/drawing/2014/main" id="{2AC8B9BF-9773-E20B-72C2-2B832790EA2A}"/>
+              </a:ext>
+            </a:extLst>
+          </p:cNvPr>
+          <p:cNvSpPr txBox="1"/>
+          <p:nvPr/>
+        </p:nvSpPr>
+        <p:spPr>
+          <a:xfrm>
+            <a:off x="4587079" y="1413310"/>
+            <a:ext cx="1107996" cy="646331"/>
+          </a:xfrm>
+          <a:prstGeom prst="rect">
+            <a:avLst/>
+          </a:prstGeom>
+          <a:noFill/>
+        </p:spPr>
+        <p:txBody>
+          <a:bodyPr wrap="none" rtlCol="0">
+            <a:spAutoFit/>
+          </a:bodyPr>
+          <a:lstStyle/>
+          <a:p>
+            <a:r>
+              <a:rPr lang="zh-CN" altLang="en-US" dirty="0"/>
+              <a:t>非法用户</a:t>
+            </a:r>
+            <a:endParaRPr lang="en-US" altLang="zh-CN" dirty="0"/>
+          </a:p>
+          <a:p>
+            <a:r>
+              <a:rPr lang="zh-CN" altLang="en-US" dirty="0"/>
+              <a:t>训练模型</a:t>
+            </a:r>
+          </a:p>
+        </p:txBody>
+      </p:sp>
+      <p:sp>
+        <p:nvSpPr>
+          <p:cNvPr id="25" name="文本框 24">
+            <a:extLst>
+              <a:ext uri="{FF2B5EF4-FFF2-40B4-BE49-F238E27FC236}">
+                <a16:creationId xmlns:a16="http://schemas.microsoft.com/office/drawing/2014/main" id="{6A250C17-6FD5-9EF7-9868-0489A15CE66B}"/>
+              </a:ext>
+            </a:extLst>
+          </p:cNvPr>
+          <p:cNvSpPr txBox="1"/>
+          <p:nvPr/>
+        </p:nvSpPr>
+        <p:spPr>
+          <a:xfrm>
+            <a:off x="1200603" y="3654468"/>
+            <a:ext cx="4115229" cy="1754326"/>
+          </a:xfrm>
+          <a:prstGeom prst="rect">
+            <a:avLst/>
+          </a:prstGeom>
+          <a:noFill/>
+        </p:spPr>
+        <p:txBody>
+          <a:bodyPr wrap="none" rtlCol="0">
+            <a:spAutoFit/>
+          </a:bodyPr>
+          <a:lstStyle/>
+          <a:p>
+            <a:r>
+              <a:rPr lang="zh-CN" altLang="en-US" dirty="0"/>
+              <a:t>用户按照比例混合的数据集</a:t>
+            </a:r>
+            <a:endParaRPr lang="en-US" altLang="zh-CN" dirty="0"/>
+          </a:p>
+          <a:p>
+            <a:endParaRPr lang="en-US" altLang="zh-CN" dirty="0"/>
+          </a:p>
+          <a:p>
+            <a:r>
+              <a:rPr lang="en-US" altLang="zh-CN" dirty="0">
+                <a:solidFill>
+                  <a:srgbClr val="FF0000"/>
+                </a:solidFill>
+              </a:rPr>
+              <a:t>1</a:t>
+            </a:r>
+            <a:r>
+              <a:rPr lang="zh-CN" altLang="en-US" dirty="0">
+                <a:solidFill>
+                  <a:srgbClr val="FF0000"/>
+                </a:solidFill>
+              </a:rPr>
+              <a:t>、稀释注入的水印 （水印方法）</a:t>
+            </a:r>
+            <a:endParaRPr lang="en-US" altLang="zh-CN" dirty="0">
+              <a:solidFill>
+                <a:srgbClr val="FF0000"/>
+              </a:solidFill>
+            </a:endParaRPr>
+          </a:p>
+          <a:p>
+            <a:endParaRPr lang="en-US" altLang="zh-CN" dirty="0">
+              <a:solidFill>
+                <a:srgbClr val="FF0000"/>
+              </a:solidFill>
+            </a:endParaRPr>
+          </a:p>
+          <a:p>
+            <a:r>
+              <a:rPr lang="en-US" altLang="zh-CN" dirty="0">
+                <a:solidFill>
+                  <a:srgbClr val="FF0000"/>
+                </a:solidFill>
+              </a:rPr>
+              <a:t>2</a:t>
+            </a:r>
+            <a:r>
+              <a:rPr lang="zh-CN" altLang="en-US" dirty="0">
+                <a:solidFill>
+                  <a:srgbClr val="FF0000"/>
+                </a:solidFill>
+              </a:rPr>
+              <a:t>、破坏了特有数据集固定的数据指纹</a:t>
+            </a:r>
+            <a:endParaRPr lang="en-US" altLang="zh-CN" dirty="0">
+              <a:solidFill>
+                <a:srgbClr val="FF0000"/>
+              </a:solidFill>
+            </a:endParaRPr>
+          </a:p>
+          <a:p>
+            <a:endParaRPr lang="zh-CN" altLang="en-US" dirty="0"/>
+          </a:p>
+        </p:txBody>
+      </p:sp>
+      <p:sp>
+        <p:nvSpPr>
+          <p:cNvPr id="26" name="矩形 25">
+            <a:extLst>
+              <a:ext uri="{FF2B5EF4-FFF2-40B4-BE49-F238E27FC236}">
+                <a16:creationId xmlns:a16="http://schemas.microsoft.com/office/drawing/2014/main" id="{3192E46C-D8C6-D588-7B23-2B4E6A839054}"/>
+              </a:ext>
+            </a:extLst>
+          </p:cNvPr>
+          <p:cNvSpPr/>
+          <p:nvPr/>
+        </p:nvSpPr>
+        <p:spPr>
+          <a:xfrm>
+            <a:off x="5903438" y="1541039"/>
+            <a:ext cx="1461609" cy="904086"/>
+          </a:xfrm>
+          <a:prstGeom prst="rect">
+            <a:avLst/>
+          </a:prstGeom>
+        </p:spPr>
+        <p:style>
+          <a:lnRef idx="2">
+            <a:schemeClr val="accent1">
+              <a:shade val="15000"/>
+            </a:schemeClr>
+          </a:lnRef>
+          <a:fillRef idx="1">
+            <a:schemeClr val="accent1"/>
+          </a:fillRef>
+          <a:effectRef idx="0">
+            <a:schemeClr val="accent1"/>
+          </a:effectRef>
+          <a:fontRef idx="minor">
+            <a:schemeClr val="lt1"/>
+          </a:fontRef>
+        </p:style>
+        <p:txBody>
+          <a:bodyPr rtlCol="0" anchor="ctr"/>
+          <a:lstStyle/>
+          <a:p>
+            <a:pPr algn="ctr"/>
+            <a:endParaRPr lang="zh-CN" altLang="en-US" dirty="0"/>
+          </a:p>
+        </p:txBody>
+      </p:sp>
+      <p:sp>
+        <p:nvSpPr>
+          <p:cNvPr id="28" name="文本框 27">
+            <a:extLst>
+              <a:ext uri="{FF2B5EF4-FFF2-40B4-BE49-F238E27FC236}">
+                <a16:creationId xmlns:a16="http://schemas.microsoft.com/office/drawing/2014/main" id="{0DB744DD-9CCE-5446-B33B-663C0FA2C617}"/>
+              </a:ext>
+            </a:extLst>
+          </p:cNvPr>
+          <p:cNvSpPr txBox="1"/>
+          <p:nvPr/>
+        </p:nvSpPr>
+        <p:spPr>
+          <a:xfrm>
+            <a:off x="6096000" y="1797885"/>
+            <a:ext cx="1125629" cy="369332"/>
+          </a:xfrm>
+          <a:prstGeom prst="rect">
+            <a:avLst/>
+          </a:prstGeom>
+          <a:noFill/>
+        </p:spPr>
+        <p:txBody>
+          <a:bodyPr wrap="none" rtlCol="0">
+            <a:spAutoFit/>
+          </a:bodyPr>
+          <a:lstStyle/>
+          <a:p>
+            <a:r>
+              <a:rPr lang="zh-CN" altLang="en-US" dirty="0"/>
+              <a:t>黑盒模型</a:t>
+            </a:r>
+          </a:p>
+        </p:txBody>
+      </p:sp>
+      <p:cxnSp>
+        <p:nvCxnSpPr>
+          <p:cNvPr id="32" name="直接箭头连接符 31">
+            <a:extLst>
+              <a:ext uri="{FF2B5EF4-FFF2-40B4-BE49-F238E27FC236}">
+                <a16:creationId xmlns:a16="http://schemas.microsoft.com/office/drawing/2014/main" id="{18051672-E070-4FEE-7CE6-669B46596843}"/>
+              </a:ext>
+            </a:extLst>
+          </p:cNvPr>
+          <p:cNvCxnSpPr>
+            <a:stCxn id="26" idx="3"/>
+          </p:cNvCxnSpPr>
+          <p:nvPr/>
+        </p:nvCxnSpPr>
+        <p:spPr>
+          <a:xfrm>
+            <a:off x="7365047" y="1993082"/>
+            <a:ext cx="1124529" cy="0"/>
+          </a:xfrm>
+          <a:prstGeom prst="straightConnector1">
+            <a:avLst/>
+          </a:prstGeom>
+          <a:ln>
+            <a:tailEnd type="triangle"/>
+          </a:ln>
+        </p:spPr>
+        <p:style>
+          <a:lnRef idx="2">
+            <a:schemeClr val="accent1"/>
+          </a:lnRef>
+          <a:fillRef idx="0">
+            <a:schemeClr val="accent1"/>
+          </a:fillRef>
+          <a:effectRef idx="1">
+            <a:schemeClr val="accent1"/>
+          </a:effectRef>
+          <a:fontRef idx="minor">
+            <a:schemeClr val="tx1"/>
+          </a:fontRef>
+        </p:style>
+      </p:cxnSp>
+      <p:sp>
+        <p:nvSpPr>
+          <p:cNvPr id="39" name="文本框 38">
+            <a:extLst>
+              <a:ext uri="{FF2B5EF4-FFF2-40B4-BE49-F238E27FC236}">
+                <a16:creationId xmlns:a16="http://schemas.microsoft.com/office/drawing/2014/main" id="{C600153A-2D12-5CEC-79E8-0137586FD261}"/>
+              </a:ext>
+            </a:extLst>
+          </p:cNvPr>
+          <p:cNvSpPr txBox="1"/>
+          <p:nvPr/>
+        </p:nvSpPr>
+        <p:spPr>
+          <a:xfrm>
+            <a:off x="7396603" y="1336220"/>
+            <a:ext cx="1194558" cy="646331"/>
+          </a:xfrm>
+          <a:prstGeom prst="rect">
+            <a:avLst/>
+          </a:prstGeom>
+          <a:noFill/>
+        </p:spPr>
+        <p:txBody>
+          <a:bodyPr wrap="none" rtlCol="0">
+            <a:spAutoFit/>
+          </a:bodyPr>
+          <a:lstStyle/>
+          <a:p>
+            <a:r>
+              <a:rPr lang="zh-CN" altLang="en-US" dirty="0"/>
+              <a:t>检测水印</a:t>
+            </a:r>
+            <a:r>
+              <a:rPr lang="en-US" altLang="zh-CN" dirty="0"/>
+              <a:t>/</a:t>
+            </a:r>
+          </a:p>
+          <a:p>
+            <a:r>
+              <a:rPr lang="zh-CN" altLang="en-US" dirty="0"/>
+              <a:t>提取指纹</a:t>
+            </a:r>
+          </a:p>
+        </p:txBody>
+      </p:sp>
+      <p:sp>
+        <p:nvSpPr>
+          <p:cNvPr id="41" name="文本框 40">
+            <a:extLst>
+              <a:ext uri="{FF2B5EF4-FFF2-40B4-BE49-F238E27FC236}">
+                <a16:creationId xmlns:a16="http://schemas.microsoft.com/office/drawing/2014/main" id="{C9721F23-23BA-15C3-2A0F-A05CF417EF20}"/>
+              </a:ext>
+            </a:extLst>
+          </p:cNvPr>
+          <p:cNvSpPr txBox="1"/>
+          <p:nvPr/>
+        </p:nvSpPr>
+        <p:spPr>
+          <a:xfrm>
+            <a:off x="8512577" y="1797885"/>
+            <a:ext cx="1107996" cy="369332"/>
+          </a:xfrm>
+          <a:prstGeom prst="rect">
+            <a:avLst/>
+          </a:prstGeom>
+          <a:noFill/>
+        </p:spPr>
+        <p:txBody>
+          <a:bodyPr wrap="none" rtlCol="0">
+            <a:spAutoFit/>
+          </a:bodyPr>
+          <a:lstStyle/>
+          <a:p>
+            <a:r>
+              <a:rPr lang="zh-CN" altLang="en-US" dirty="0"/>
+              <a:t>效果变差</a:t>
+            </a:r>
+          </a:p>
+        </p:txBody>
+      </p:sp>
+    </p:spTree>
+    <p:extLst>
+      <p:ext uri="{BB962C8B-B14F-4D97-AF65-F5344CB8AC3E}">
+        <p14:creationId xmlns:p14="http://schemas.microsoft.com/office/powerpoint/2010/main" val="87725740"/>
+      </p:ext>
+    </p:extLst>
+  </p:cSld>
+  <p:clrMapOvr>
+    <a:masterClrMapping/>
+  </p:clrMapOvr>
+</p:sld>
+</file>
+
+<file path=ppt/slides/slide18.xml><?xml version="1.0" encoding="utf-8"?>
+<p:sld xmlns:a="http://schemas.openxmlformats.org/drawingml/2006/main" xmlns:r="http://schemas.openxmlformats.org/officeDocument/2006/relationships" xmlns:p="http://schemas.openxmlformats.org/presentationml/2006/main">
+  <p:cSld>
+    <p:spTree>
+      <p:nvGrpSpPr>
+        <p:cNvPr id="1" name=""/>
+        <p:cNvGrpSpPr/>
+        <p:nvPr/>
+      </p:nvGrpSpPr>
+      <p:grpSpPr>
+        <a:xfrm>
+          <a:off x="0" y="0"/>
+          <a:ext cx="0" cy="0"/>
+          <a:chOff x="0" y="0"/>
+          <a:chExt cx="0" cy="0"/>
+        </a:xfrm>
+      </p:grpSpPr>
+      <p:pic>
+        <p:nvPicPr>
+          <p:cNvPr id="5" name="内容占位符 4">
+            <a:extLst>
+              <a:ext uri="{FF2B5EF4-FFF2-40B4-BE49-F238E27FC236}">
+                <a16:creationId xmlns:a16="http://schemas.microsoft.com/office/drawing/2014/main" id="{E22E8F8C-F4CE-6449-E810-933295FBD105}"/>
+              </a:ext>
+            </a:extLst>
+          </p:cNvPr>
+          <p:cNvPicPr>
+            <a:picLocks noGrp="1" noChangeAspect="1"/>
+          </p:cNvPicPr>
+          <p:nvPr>
+            <p:ph idx="1"/>
+          </p:nvPr>
+        </p:nvPicPr>
+        <p:blipFill>
+          <a:blip r:embed="rId2"/>
+          <a:stretch>
+            <a:fillRect/>
+          </a:stretch>
+        </p:blipFill>
+        <p:spPr>
+          <a:xfrm>
+            <a:off x="712694" y="615718"/>
+            <a:ext cx="4404742" cy="1813717"/>
+          </a:xfrm>
+          <a:prstGeom prst="rect">
+            <a:avLst/>
+          </a:prstGeom>
+        </p:spPr>
+      </p:pic>
+      <p:pic>
+        <p:nvPicPr>
+          <p:cNvPr id="7" name="图片 6">
+            <a:extLst>
+              <a:ext uri="{FF2B5EF4-FFF2-40B4-BE49-F238E27FC236}">
+                <a16:creationId xmlns:a16="http://schemas.microsoft.com/office/drawing/2014/main" id="{7E8770CB-4C45-4B92-A607-F38B1532C9C8}"/>
+              </a:ext>
+            </a:extLst>
+          </p:cNvPr>
+          <p:cNvPicPr>
+            <a:picLocks noChangeAspect="1"/>
+          </p:cNvPicPr>
+          <p:nvPr/>
+        </p:nvPicPr>
+        <p:blipFill>
+          <a:blip r:embed="rId3"/>
+          <a:stretch>
+            <a:fillRect/>
+          </a:stretch>
+        </p:blipFill>
+        <p:spPr>
+          <a:xfrm>
+            <a:off x="6513010" y="392273"/>
+            <a:ext cx="4320914" cy="3635055"/>
+          </a:xfrm>
+          <a:prstGeom prst="rect">
+            <a:avLst/>
+          </a:prstGeom>
+        </p:spPr>
+      </p:pic>
+      <p:pic>
+        <p:nvPicPr>
+          <p:cNvPr id="9" name="图片 8">
+            <a:extLst>
+              <a:ext uri="{FF2B5EF4-FFF2-40B4-BE49-F238E27FC236}">
+                <a16:creationId xmlns:a16="http://schemas.microsoft.com/office/drawing/2014/main" id="{6DFE2A50-3D10-97F1-0F4A-B84F8744F64F}"/>
+              </a:ext>
+            </a:extLst>
+          </p:cNvPr>
+          <p:cNvPicPr>
+            <a:picLocks noChangeAspect="1"/>
+          </p:cNvPicPr>
+          <p:nvPr/>
+        </p:nvPicPr>
+        <p:blipFill>
+          <a:blip r:embed="rId4"/>
+          <a:stretch>
+            <a:fillRect/>
+          </a:stretch>
+        </p:blipFill>
+        <p:spPr>
+          <a:xfrm>
+            <a:off x="945700" y="2429435"/>
+            <a:ext cx="3240817" cy="2901592"/>
+          </a:xfrm>
+          <a:prstGeom prst="rect">
+            <a:avLst/>
+          </a:prstGeom>
+        </p:spPr>
+      </p:pic>
+      <p:sp>
+        <p:nvSpPr>
+          <p:cNvPr id="10" name="文本框 9">
+            <a:extLst>
+              <a:ext uri="{FF2B5EF4-FFF2-40B4-BE49-F238E27FC236}">
+                <a16:creationId xmlns:a16="http://schemas.microsoft.com/office/drawing/2014/main" id="{09D621F1-7BAF-AD2A-45B1-F0B6B5E2A123}"/>
+              </a:ext>
+            </a:extLst>
+          </p:cNvPr>
+          <p:cNvSpPr txBox="1"/>
+          <p:nvPr/>
+        </p:nvSpPr>
+        <p:spPr>
+          <a:xfrm>
+            <a:off x="6513010" y="4168589"/>
+            <a:ext cx="3857146" cy="1477328"/>
+          </a:xfrm>
+          <a:prstGeom prst="rect">
+            <a:avLst/>
+          </a:prstGeom>
+          <a:noFill/>
+        </p:spPr>
+        <p:txBody>
+          <a:bodyPr wrap="none" rtlCol="0">
+            <a:spAutoFit/>
+          </a:bodyPr>
+          <a:lstStyle/>
+          <a:p>
+            <a:r>
+              <a:rPr lang="zh-CN" altLang="en-US" dirty="0">
+                <a:solidFill>
+                  <a:srgbClr val="FF0000"/>
+                </a:solidFill>
+              </a:rPr>
+              <a:t>算法的表头、连接关系 不要用优化</a:t>
+            </a:r>
+            <a:endParaRPr lang="en-US" altLang="zh-CN" dirty="0">
+              <a:solidFill>
+                <a:srgbClr val="FF0000"/>
+              </a:solidFill>
+            </a:endParaRPr>
+          </a:p>
+          <a:p>
+            <a:endParaRPr lang="en-US" altLang="zh-CN" dirty="0">
+              <a:solidFill>
+                <a:srgbClr val="FF0000"/>
+              </a:solidFill>
+            </a:endParaRPr>
+          </a:p>
+          <a:p>
+            <a:r>
+              <a:rPr lang="zh-CN" altLang="en-US" dirty="0">
+                <a:solidFill>
+                  <a:srgbClr val="FF0000"/>
+                </a:solidFill>
+              </a:rPr>
+              <a:t>最终优化 </a:t>
+            </a:r>
+            <a:r>
+              <a:rPr lang="en-US" altLang="zh-CN" dirty="0">
+                <a:solidFill>
+                  <a:srgbClr val="FF0000"/>
+                </a:solidFill>
+              </a:rPr>
+              <a:t>-&gt; </a:t>
+            </a:r>
+            <a:r>
+              <a:rPr lang="zh-CN" altLang="en-US" dirty="0">
+                <a:solidFill>
+                  <a:srgbClr val="FF0000"/>
+                </a:solidFill>
+              </a:rPr>
+              <a:t>我们的方案</a:t>
+            </a:r>
+            <a:endParaRPr lang="en-US" altLang="zh-CN" dirty="0">
+              <a:solidFill>
+                <a:srgbClr val="FF0000"/>
+              </a:solidFill>
+            </a:endParaRPr>
+          </a:p>
+          <a:p>
+            <a:endParaRPr lang="en-US" altLang="zh-CN" dirty="0">
+              <a:solidFill>
+                <a:srgbClr val="FF0000"/>
+              </a:solidFill>
+            </a:endParaRPr>
+          </a:p>
+          <a:p>
+            <a:r>
+              <a:rPr lang="zh-CN" altLang="en-US" dirty="0">
+                <a:solidFill>
+                  <a:srgbClr val="FF0000"/>
+                </a:solidFill>
+              </a:rPr>
+              <a:t>算法名词不要重复 合理的算法标题</a:t>
+            </a:r>
+            <a:endParaRPr lang="en-US" altLang="zh-CN" dirty="0">
+              <a:solidFill>
+                <a:srgbClr val="FF0000"/>
+              </a:solidFill>
+            </a:endParaRPr>
+          </a:p>
+        </p:txBody>
+      </p:sp>
+    </p:spTree>
+    <p:extLst>
+      <p:ext uri="{BB962C8B-B14F-4D97-AF65-F5344CB8AC3E}">
+        <p14:creationId xmlns:p14="http://schemas.microsoft.com/office/powerpoint/2010/main" val="39203669"/>
+      </p:ext>
+    </p:extLst>
+  </p:cSld>
+  <p:clrMapOvr>
+    <a:masterClrMapping/>
+  </p:clrMapOvr>
+</p:sld>
+</file>
+
+<file path=ppt/slides/slide19.xml><?xml version="1.0" encoding="utf-8"?>
+<p:sld xmlns:a="http://schemas.openxmlformats.org/drawingml/2006/main" xmlns:r="http://schemas.openxmlformats.org/officeDocument/2006/relationships" xmlns:p="http://schemas.openxmlformats.org/presentationml/2006/main">
+  <p:cSld>
+    <p:spTree>
+      <p:nvGrpSpPr>
+        <p:cNvPr id="1" name=""/>
+        <p:cNvGrpSpPr/>
+        <p:nvPr/>
+      </p:nvGrpSpPr>
+      <p:grpSpPr>
+        <a:xfrm>
+          <a:off x="0" y="0"/>
+          <a:ext cx="0" cy="0"/>
+          <a:chOff x="0" y="0"/>
+          <a:chExt cx="0" cy="0"/>
+        </a:xfrm>
+      </p:grpSpPr>
+      <p:pic>
+        <p:nvPicPr>
+          <p:cNvPr id="10" name="图片 9">
+            <a:extLst>
+              <a:ext uri="{FF2B5EF4-FFF2-40B4-BE49-F238E27FC236}">
+                <a16:creationId xmlns:a16="http://schemas.microsoft.com/office/drawing/2014/main" id="{E12F31A1-6CA1-A6D3-937B-2D2C714C84E5}"/>
+              </a:ext>
+            </a:extLst>
+          </p:cNvPr>
+          <p:cNvPicPr>
+            <a:picLocks noChangeAspect="1"/>
+          </p:cNvPicPr>
+          <p:nvPr/>
+        </p:nvPicPr>
+        <p:blipFill>
+          <a:blip r:embed="rId2"/>
+          <a:stretch>
+            <a:fillRect/>
+          </a:stretch>
+        </p:blipFill>
+        <p:spPr>
+          <a:xfrm>
+            <a:off x="1216137" y="1004047"/>
+            <a:ext cx="9912150" cy="5227507"/>
+          </a:xfrm>
+          <a:prstGeom prst="rect">
+            <a:avLst/>
+          </a:prstGeom>
+        </p:spPr>
+      </p:pic>
+      <p:sp>
+        <p:nvSpPr>
+          <p:cNvPr id="6" name="矩形 5">
+            <a:extLst>
+              <a:ext uri="{FF2B5EF4-FFF2-40B4-BE49-F238E27FC236}">
+                <a16:creationId xmlns:a16="http://schemas.microsoft.com/office/drawing/2014/main" id="{015D7D84-F52C-CA9E-6482-DD389F97EED6}"/>
+              </a:ext>
+            </a:extLst>
+          </p:cNvPr>
+          <p:cNvSpPr/>
+          <p:nvPr/>
+        </p:nvSpPr>
+        <p:spPr>
+          <a:xfrm>
+            <a:off x="2949388" y="1084433"/>
+            <a:ext cx="7037294" cy="323026"/>
+          </a:xfrm>
+          <a:prstGeom prst="rect">
+            <a:avLst/>
+          </a:prstGeom>
+          <a:noFill/>
+          <a:ln>
+            <a:solidFill>
+              <a:schemeClr val="bg1">
+                <a:lumMod val="85000"/>
+              </a:schemeClr>
+            </a:solidFill>
+          </a:ln>
+        </p:spPr>
+        <p:style>
+          <a:lnRef idx="2">
+            <a:schemeClr val="accent1">
+              <a:shade val="15000"/>
+            </a:schemeClr>
+          </a:lnRef>
+          <a:fillRef idx="1">
+            <a:schemeClr val="accent1"/>
+          </a:fillRef>
+          <a:effectRef idx="0">
+            <a:schemeClr val="accent1"/>
+          </a:effectRef>
+          <a:fontRef idx="minor">
+            <a:schemeClr val="lt1"/>
+          </a:fontRef>
+        </p:style>
+        <p:txBody>
+          <a:bodyPr rtlCol="0" anchor="ctr"/>
+          <a:lstStyle/>
+          <a:p>
+            <a:pPr algn="ctr"/>
+            <a:endParaRPr lang="zh-CN" altLang="en-US"/>
+          </a:p>
+        </p:txBody>
+      </p:sp>
+      <p:sp>
+        <p:nvSpPr>
+          <p:cNvPr id="14" name="文本框 13">
+            <a:extLst>
+              <a:ext uri="{FF2B5EF4-FFF2-40B4-BE49-F238E27FC236}">
+                <a16:creationId xmlns:a16="http://schemas.microsoft.com/office/drawing/2014/main" id="{4C5458B2-1CD2-37C4-1375-3BDCCB732015}"/>
+              </a:ext>
+            </a:extLst>
+          </p:cNvPr>
+          <p:cNvSpPr txBox="1"/>
+          <p:nvPr/>
+        </p:nvSpPr>
+        <p:spPr>
+          <a:xfrm>
+            <a:off x="3363676" y="6142663"/>
+            <a:ext cx="1326004" cy="338554"/>
+          </a:xfrm>
+          <a:prstGeom prst="rect">
+            <a:avLst/>
+          </a:prstGeom>
+          <a:noFill/>
+        </p:spPr>
+        <p:txBody>
+          <a:bodyPr wrap="none" rtlCol="0">
+            <a:spAutoFit/>
+          </a:bodyPr>
+          <a:lstStyle/>
+          <a:p>
+            <a:r>
+              <a:rPr lang="en-US" altLang="zh-CN" sz="1600" b="1" dirty="0">
+                <a:latin typeface="Times New Roman" panose="02020603050405020304" pitchFamily="18" charset="0"/>
+                <a:cs typeface="Times New Roman" panose="02020603050405020304" pitchFamily="18" charset="0"/>
+              </a:rPr>
+              <a:t>(a) No attack</a:t>
+            </a:r>
+            <a:endParaRPr lang="zh-CN" altLang="en-US" sz="1600" b="1" dirty="0">
+              <a:latin typeface="Times New Roman" panose="02020603050405020304" pitchFamily="18" charset="0"/>
+              <a:cs typeface="Times New Roman" panose="02020603050405020304" pitchFamily="18" charset="0"/>
+            </a:endParaRPr>
+          </a:p>
+        </p:txBody>
+      </p:sp>
+      <p:sp>
+        <p:nvSpPr>
+          <p:cNvPr id="15" name="文本框 14">
+            <a:extLst>
+              <a:ext uri="{FF2B5EF4-FFF2-40B4-BE49-F238E27FC236}">
+                <a16:creationId xmlns:a16="http://schemas.microsoft.com/office/drawing/2014/main" id="{5EBE7AA9-DC34-5596-28EF-AA1FB9AE4C8A}"/>
+              </a:ext>
+            </a:extLst>
+          </p:cNvPr>
+          <p:cNvSpPr txBox="1"/>
+          <p:nvPr/>
+        </p:nvSpPr>
+        <p:spPr>
+          <a:xfrm>
+            <a:off x="8151171" y="6142663"/>
+            <a:ext cx="1159292" cy="338554"/>
+          </a:xfrm>
+          <a:prstGeom prst="rect">
+            <a:avLst/>
+          </a:prstGeom>
+          <a:noFill/>
+        </p:spPr>
+        <p:txBody>
+          <a:bodyPr wrap="none" rtlCol="0">
+            <a:spAutoFit/>
+          </a:bodyPr>
+          <a:lstStyle/>
+          <a:p>
+            <a:r>
+              <a:rPr lang="en-US" altLang="zh-CN" sz="1600" b="1" dirty="0">
+                <a:latin typeface="Times New Roman" panose="02020603050405020304" pitchFamily="18" charset="0"/>
+                <a:cs typeface="Times New Roman" panose="02020603050405020304" pitchFamily="18" charset="0"/>
+              </a:rPr>
+              <a:t>(b) RIGBD</a:t>
+            </a:r>
+            <a:endParaRPr lang="zh-CN" altLang="en-US" sz="1600" b="1" dirty="0">
+              <a:latin typeface="Times New Roman" panose="02020603050405020304" pitchFamily="18" charset="0"/>
+              <a:cs typeface="Times New Roman" panose="02020603050405020304" pitchFamily="18" charset="0"/>
+            </a:endParaRPr>
+          </a:p>
+        </p:txBody>
+      </p:sp>
+    </p:spTree>
+    <p:extLst>
+      <p:ext uri="{BB962C8B-B14F-4D97-AF65-F5344CB8AC3E}">
+        <p14:creationId xmlns:p14="http://schemas.microsoft.com/office/powerpoint/2010/main" val="3633277232"/>
       </p:ext>
     </p:extLst>
   </p:cSld>
@@ -6232,6 +10459,2250 @@
     <p:extLst>
       <p:ext uri="{BB962C8B-B14F-4D97-AF65-F5344CB8AC3E}">
         <p14:creationId xmlns:p14="http://schemas.microsoft.com/office/powerpoint/2010/main" val="2408549791"/>
+      </p:ext>
+    </p:extLst>
+  </p:cSld>
+  <p:clrMapOvr>
+    <a:masterClrMapping/>
+  </p:clrMapOvr>
+</p:sld>
+</file>
+
+<file path=ppt/slides/slide20.xml><?xml version="1.0" encoding="utf-8"?>
+<p:sld xmlns:a="http://schemas.openxmlformats.org/drawingml/2006/main" xmlns:r="http://schemas.openxmlformats.org/officeDocument/2006/relationships" xmlns:p="http://schemas.openxmlformats.org/presentationml/2006/main">
+  <p:cSld>
+    <p:spTree>
+      <p:nvGrpSpPr>
+        <p:cNvPr id="1" name=""/>
+        <p:cNvGrpSpPr/>
+        <p:nvPr/>
+      </p:nvGrpSpPr>
+      <p:grpSpPr>
+        <a:xfrm>
+          <a:off x="0" y="0"/>
+          <a:ext cx="0" cy="0"/>
+          <a:chOff x="0" y="0"/>
+          <a:chExt cx="0" cy="0"/>
+        </a:xfrm>
+      </p:grpSpPr>
+      <p:pic>
+        <p:nvPicPr>
+          <p:cNvPr id="5" name="图片 4">
+            <a:extLst>
+              <a:ext uri="{FF2B5EF4-FFF2-40B4-BE49-F238E27FC236}">
+                <a16:creationId xmlns:a16="http://schemas.microsoft.com/office/drawing/2014/main" id="{91446C61-2DEE-FCD0-E05B-EFD7BD3C4B2D}"/>
+              </a:ext>
+            </a:extLst>
+          </p:cNvPr>
+          <p:cNvPicPr>
+            <a:picLocks noChangeAspect="1"/>
+          </p:cNvPicPr>
+          <p:nvPr/>
+        </p:nvPicPr>
+        <p:blipFill>
+          <a:blip r:embed="rId2">
+            <a:extLst>
+              <a:ext uri="{28A0092B-C50C-407E-A947-70E740481C1C}">
+                <a14:useLocalDpi xmlns:a14="http://schemas.microsoft.com/office/drawing/2010/main" val="0"/>
+              </a:ext>
+            </a:extLst>
+          </a:blip>
+          <a:stretch>
+            <a:fillRect/>
+          </a:stretch>
+        </p:blipFill>
+        <p:spPr>
+          <a:xfrm>
+            <a:off x="1118347" y="747993"/>
+            <a:ext cx="9525000" cy="4286250"/>
+          </a:xfrm>
+          <a:prstGeom prst="rect">
+            <a:avLst/>
+          </a:prstGeom>
+        </p:spPr>
+      </p:pic>
+      <p:sp>
+        <p:nvSpPr>
+          <p:cNvPr id="8" name="文本框 7">
+            <a:extLst>
+              <a:ext uri="{FF2B5EF4-FFF2-40B4-BE49-F238E27FC236}">
+                <a16:creationId xmlns:a16="http://schemas.microsoft.com/office/drawing/2014/main" id="{764147A5-08EA-12BF-6AC9-7F902CDF0E4E}"/>
+              </a:ext>
+            </a:extLst>
+          </p:cNvPr>
+          <p:cNvSpPr txBox="1"/>
+          <p:nvPr/>
+        </p:nvSpPr>
+        <p:spPr>
+          <a:xfrm>
+            <a:off x="3130593" y="5034243"/>
+            <a:ext cx="1326004" cy="338554"/>
+          </a:xfrm>
+          <a:prstGeom prst="rect">
+            <a:avLst/>
+          </a:prstGeom>
+          <a:noFill/>
+        </p:spPr>
+        <p:txBody>
+          <a:bodyPr wrap="none" rtlCol="0">
+            <a:spAutoFit/>
+          </a:bodyPr>
+          <a:lstStyle/>
+          <a:p>
+            <a:r>
+              <a:rPr lang="en-US" altLang="zh-CN" sz="1600" b="1" dirty="0">
+                <a:latin typeface="Times New Roman" panose="02020603050405020304" pitchFamily="18" charset="0"/>
+                <a:cs typeface="Times New Roman" panose="02020603050405020304" pitchFamily="18" charset="0"/>
+              </a:rPr>
+              <a:t>(a) No attack</a:t>
+            </a:r>
+            <a:endParaRPr lang="zh-CN" altLang="en-US" sz="1600" b="1" dirty="0">
+              <a:latin typeface="Times New Roman" panose="02020603050405020304" pitchFamily="18" charset="0"/>
+              <a:cs typeface="Times New Roman" panose="02020603050405020304" pitchFamily="18" charset="0"/>
+            </a:endParaRPr>
+          </a:p>
+        </p:txBody>
+      </p:sp>
+      <p:sp>
+        <p:nvSpPr>
+          <p:cNvPr id="9" name="文本框 8">
+            <a:extLst>
+              <a:ext uri="{FF2B5EF4-FFF2-40B4-BE49-F238E27FC236}">
+                <a16:creationId xmlns:a16="http://schemas.microsoft.com/office/drawing/2014/main" id="{EBD2591E-85E6-911A-1EAB-1E52D9B58ED5}"/>
+              </a:ext>
+            </a:extLst>
+          </p:cNvPr>
+          <p:cNvSpPr txBox="1"/>
+          <p:nvPr/>
+        </p:nvSpPr>
+        <p:spPr>
+          <a:xfrm>
+            <a:off x="7918088" y="5034243"/>
+            <a:ext cx="1159292" cy="338554"/>
+          </a:xfrm>
+          <a:prstGeom prst="rect">
+            <a:avLst/>
+          </a:prstGeom>
+          <a:noFill/>
+        </p:spPr>
+        <p:txBody>
+          <a:bodyPr wrap="none" rtlCol="0">
+            <a:spAutoFit/>
+          </a:bodyPr>
+          <a:lstStyle/>
+          <a:p>
+            <a:r>
+              <a:rPr lang="en-US" altLang="zh-CN" sz="1600" b="1" dirty="0">
+                <a:latin typeface="Times New Roman" panose="02020603050405020304" pitchFamily="18" charset="0"/>
+                <a:cs typeface="Times New Roman" panose="02020603050405020304" pitchFamily="18" charset="0"/>
+              </a:rPr>
+              <a:t>(b) RIGBD</a:t>
+            </a:r>
+            <a:endParaRPr lang="zh-CN" altLang="en-US" sz="1600" b="1" dirty="0">
+              <a:latin typeface="Times New Roman" panose="02020603050405020304" pitchFamily="18" charset="0"/>
+              <a:cs typeface="Times New Roman" panose="02020603050405020304" pitchFamily="18" charset="0"/>
+            </a:endParaRPr>
+          </a:p>
+        </p:txBody>
+      </p:sp>
+    </p:spTree>
+    <p:extLst>
+      <p:ext uri="{BB962C8B-B14F-4D97-AF65-F5344CB8AC3E}">
+        <p14:creationId xmlns:p14="http://schemas.microsoft.com/office/powerpoint/2010/main" val="1798169241"/>
+      </p:ext>
+    </p:extLst>
+  </p:cSld>
+  <p:clrMapOvr>
+    <a:masterClrMapping/>
+  </p:clrMapOvr>
+</p:sld>
+</file>
+
+<file path=ppt/slides/slide21.xml><?xml version="1.0" encoding="utf-8"?>
+<p:sld xmlns:a="http://schemas.openxmlformats.org/drawingml/2006/main" xmlns:r="http://schemas.openxmlformats.org/officeDocument/2006/relationships" xmlns:p="http://schemas.openxmlformats.org/presentationml/2006/main">
+  <p:cSld>
+    <p:spTree>
+      <p:nvGrpSpPr>
+        <p:cNvPr id="1" name=""/>
+        <p:cNvGrpSpPr/>
+        <p:nvPr/>
+      </p:nvGrpSpPr>
+      <p:grpSpPr>
+        <a:xfrm>
+          <a:off x="0" y="0"/>
+          <a:ext cx="0" cy="0"/>
+          <a:chOff x="0" y="0"/>
+          <a:chExt cx="0" cy="0"/>
+        </a:xfrm>
+      </p:grpSpPr>
+      <p:pic>
+        <p:nvPicPr>
+          <p:cNvPr id="5" name="图片 4">
+            <a:extLst>
+              <a:ext uri="{FF2B5EF4-FFF2-40B4-BE49-F238E27FC236}">
+                <a16:creationId xmlns:a16="http://schemas.microsoft.com/office/drawing/2014/main" id="{959DCE13-CC71-9C5A-943D-CBBAFE585419}"/>
+              </a:ext>
+            </a:extLst>
+          </p:cNvPr>
+          <p:cNvPicPr>
+            <a:picLocks noChangeAspect="1"/>
+          </p:cNvPicPr>
+          <p:nvPr/>
+        </p:nvPicPr>
+        <p:blipFill>
+          <a:blip r:embed="rId2"/>
+          <a:stretch>
+            <a:fillRect/>
+          </a:stretch>
+        </p:blipFill>
+        <p:spPr>
+          <a:xfrm>
+            <a:off x="1333500" y="1285875"/>
+            <a:ext cx="9525000" cy="4286250"/>
+          </a:xfrm>
+          <a:prstGeom prst="rect">
+            <a:avLst/>
+          </a:prstGeom>
+        </p:spPr>
+      </p:pic>
+      <p:sp>
+        <p:nvSpPr>
+          <p:cNvPr id="6" name="文本框 5">
+            <a:extLst>
+              <a:ext uri="{FF2B5EF4-FFF2-40B4-BE49-F238E27FC236}">
+                <a16:creationId xmlns:a16="http://schemas.microsoft.com/office/drawing/2014/main" id="{A5B5D1C8-E534-7572-CD66-0DD7A466F802}"/>
+              </a:ext>
+            </a:extLst>
+          </p:cNvPr>
+          <p:cNvSpPr txBox="1"/>
+          <p:nvPr/>
+        </p:nvSpPr>
+        <p:spPr>
+          <a:xfrm>
+            <a:off x="3677440" y="5572125"/>
+            <a:ext cx="1326004" cy="338554"/>
+          </a:xfrm>
+          <a:prstGeom prst="rect">
+            <a:avLst/>
+          </a:prstGeom>
+          <a:noFill/>
+        </p:spPr>
+        <p:txBody>
+          <a:bodyPr wrap="none" rtlCol="0">
+            <a:spAutoFit/>
+          </a:bodyPr>
+          <a:lstStyle/>
+          <a:p>
+            <a:r>
+              <a:rPr lang="en-US" altLang="zh-CN" sz="1600" b="1" dirty="0">
+                <a:latin typeface="Times New Roman" panose="02020603050405020304" pitchFamily="18" charset="0"/>
+                <a:cs typeface="Times New Roman" panose="02020603050405020304" pitchFamily="18" charset="0"/>
+              </a:rPr>
+              <a:t>(a) No attack</a:t>
+            </a:r>
+            <a:endParaRPr lang="zh-CN" altLang="en-US" sz="1600" b="1" dirty="0">
+              <a:latin typeface="Times New Roman" panose="02020603050405020304" pitchFamily="18" charset="0"/>
+              <a:cs typeface="Times New Roman" panose="02020603050405020304" pitchFamily="18" charset="0"/>
+            </a:endParaRPr>
+          </a:p>
+        </p:txBody>
+      </p:sp>
+      <p:sp>
+        <p:nvSpPr>
+          <p:cNvPr id="7" name="文本框 6">
+            <a:extLst>
+              <a:ext uri="{FF2B5EF4-FFF2-40B4-BE49-F238E27FC236}">
+                <a16:creationId xmlns:a16="http://schemas.microsoft.com/office/drawing/2014/main" id="{2B3C62BD-F2D8-1D14-1A75-911ED809E4DB}"/>
+              </a:ext>
+            </a:extLst>
+          </p:cNvPr>
+          <p:cNvSpPr txBox="1"/>
+          <p:nvPr/>
+        </p:nvSpPr>
+        <p:spPr>
+          <a:xfrm>
+            <a:off x="7075406" y="5586132"/>
+            <a:ext cx="1159292" cy="338554"/>
+          </a:xfrm>
+          <a:prstGeom prst="rect">
+            <a:avLst/>
+          </a:prstGeom>
+          <a:noFill/>
+        </p:spPr>
+        <p:txBody>
+          <a:bodyPr wrap="none" rtlCol="0">
+            <a:spAutoFit/>
+          </a:bodyPr>
+          <a:lstStyle/>
+          <a:p>
+            <a:r>
+              <a:rPr lang="en-US" altLang="zh-CN" sz="1600" b="1" dirty="0">
+                <a:latin typeface="Times New Roman" panose="02020603050405020304" pitchFamily="18" charset="0"/>
+                <a:cs typeface="Times New Roman" panose="02020603050405020304" pitchFamily="18" charset="0"/>
+              </a:rPr>
+              <a:t>(b) RIGBD</a:t>
+            </a:r>
+            <a:endParaRPr lang="zh-CN" altLang="en-US" sz="1600" b="1" dirty="0">
+              <a:latin typeface="Times New Roman" panose="02020603050405020304" pitchFamily="18" charset="0"/>
+              <a:cs typeface="Times New Roman" panose="02020603050405020304" pitchFamily="18" charset="0"/>
+            </a:endParaRPr>
+          </a:p>
+        </p:txBody>
+      </p:sp>
+    </p:spTree>
+    <p:extLst>
+      <p:ext uri="{BB962C8B-B14F-4D97-AF65-F5344CB8AC3E}">
+        <p14:creationId xmlns:p14="http://schemas.microsoft.com/office/powerpoint/2010/main" val="660960421"/>
+      </p:ext>
+    </p:extLst>
+  </p:cSld>
+  <p:clrMapOvr>
+    <a:masterClrMapping/>
+  </p:clrMapOvr>
+</p:sld>
+</file>
+
+<file path=ppt/slides/slide22.xml><?xml version="1.0" encoding="utf-8"?>
+<p:sld xmlns:a="http://schemas.openxmlformats.org/drawingml/2006/main" xmlns:r="http://schemas.openxmlformats.org/officeDocument/2006/relationships" xmlns:p="http://schemas.openxmlformats.org/presentationml/2006/main">
+  <p:cSld>
+    <p:spTree>
+      <p:nvGrpSpPr>
+        <p:cNvPr id="1" name=""/>
+        <p:cNvGrpSpPr/>
+        <p:nvPr/>
+      </p:nvGrpSpPr>
+      <p:grpSpPr>
+        <a:xfrm>
+          <a:off x="0" y="0"/>
+          <a:ext cx="0" cy="0"/>
+          <a:chOff x="0" y="0"/>
+          <a:chExt cx="0" cy="0"/>
+        </a:xfrm>
+      </p:grpSpPr>
+      <p:sp>
+        <p:nvSpPr>
+          <p:cNvPr id="5" name="文本框 4">
+            <a:extLst>
+              <a:ext uri="{FF2B5EF4-FFF2-40B4-BE49-F238E27FC236}">
+                <a16:creationId xmlns:a16="http://schemas.microsoft.com/office/drawing/2014/main" id="{20F792C0-878F-D0BA-C43A-EF7006E72FFA}"/>
+              </a:ext>
+            </a:extLst>
+          </p:cNvPr>
+          <p:cNvSpPr txBox="1"/>
+          <p:nvPr/>
+        </p:nvSpPr>
+        <p:spPr>
+          <a:xfrm>
+            <a:off x="360500" y="125628"/>
+            <a:ext cx="11471000" cy="6186309"/>
+          </a:xfrm>
+          <a:prstGeom prst="rect">
+            <a:avLst/>
+          </a:prstGeom>
+          <a:noFill/>
+        </p:spPr>
+        <p:txBody>
+          <a:bodyPr wrap="square">
+            <a:spAutoFit/>
+          </a:bodyPr>
+          <a:lstStyle/>
+          <a:p>
+            <a:pPr>
+              <a:buNone/>
+            </a:pPr>
+            <a:r>
+              <a:rPr lang="en-US" altLang="zh-CN" b="1" dirty="0">
+                <a:latin typeface="宋体" panose="02010600030101010101" pitchFamily="2" charset="-122"/>
+                <a:ea typeface="宋体" panose="02010600030101010101" pitchFamily="2" charset="-122"/>
+              </a:rPr>
+              <a:t>1) </a:t>
+            </a:r>
+            <a:r>
+              <a:rPr lang="zh-CN" altLang="en-US" b="1" dirty="0">
+                <a:solidFill>
+                  <a:srgbClr val="FF0000"/>
+                </a:solidFill>
+                <a:latin typeface="宋体" panose="02010600030101010101" pitchFamily="2" charset="-122"/>
+                <a:ea typeface="宋体" panose="02010600030101010101" pitchFamily="2" charset="-122"/>
+              </a:rPr>
+              <a:t>多源拼接</a:t>
+            </a:r>
+            <a:r>
+              <a:rPr lang="zh-CN" altLang="en-US" b="1" dirty="0">
+                <a:latin typeface="宋体" panose="02010600030101010101" pitchFamily="2" charset="-122"/>
+                <a:ea typeface="宋体" panose="02010600030101010101" pitchFamily="2" charset="-122"/>
+              </a:rPr>
+              <a:t>下（混合数据集）</a:t>
+            </a:r>
+            <a:r>
+              <a:rPr lang="en-US" altLang="zh-CN" b="1" dirty="0">
+                <a:latin typeface="宋体" panose="02010600030101010101" pitchFamily="2" charset="-122"/>
+                <a:ea typeface="宋体" panose="02010600030101010101" pitchFamily="2" charset="-122"/>
+              </a:rPr>
+              <a:t>/</a:t>
+            </a:r>
+            <a:r>
+              <a:rPr lang="zh-CN" altLang="en-US" b="1" dirty="0">
+                <a:latin typeface="宋体" panose="02010600030101010101" pitchFamily="2" charset="-122"/>
+                <a:ea typeface="宋体" panose="02010600030101010101" pitchFamily="2" charset="-122"/>
+              </a:rPr>
+              <a:t>跨场景的</a:t>
+            </a:r>
+            <a:r>
+              <a:rPr lang="zh-CN" altLang="en-US" b="1" dirty="0">
+                <a:solidFill>
+                  <a:srgbClr val="FF0000"/>
+                </a:solidFill>
+                <a:latin typeface="宋体" panose="02010600030101010101" pitchFamily="2" charset="-122"/>
+                <a:ea typeface="宋体" panose="02010600030101010101" pitchFamily="2" charset="-122"/>
+              </a:rPr>
+              <a:t>大规模文本</a:t>
+            </a:r>
+            <a:r>
+              <a:rPr lang="zh-CN" altLang="en-US" b="1" dirty="0">
+                <a:latin typeface="宋体" panose="02010600030101010101" pitchFamily="2" charset="-122"/>
+                <a:ea typeface="宋体" panose="02010600030101010101" pitchFamily="2" charset="-122"/>
+              </a:rPr>
+              <a:t>图数据集权属保护 </a:t>
+            </a:r>
+            <a:r>
+              <a:rPr lang="zh-CN" altLang="en-US" b="1" dirty="0">
+                <a:solidFill>
+                  <a:srgbClr val="FF0000"/>
+                </a:solidFill>
+                <a:latin typeface="宋体" panose="02010600030101010101" pitchFamily="2" charset="-122"/>
+                <a:ea typeface="宋体" panose="02010600030101010101" pitchFamily="2" charset="-122"/>
+              </a:rPr>
+              <a:t>（成员推理）</a:t>
+            </a:r>
+          </a:p>
+          <a:p>
+            <a:pPr>
+              <a:buNone/>
+            </a:pPr>
+            <a:r>
+              <a:rPr lang="zh-CN" altLang="en-US" b="1" dirty="0">
+                <a:latin typeface="宋体" panose="02010600030101010101" pitchFamily="2" charset="-122"/>
+                <a:ea typeface="宋体" panose="02010600030101010101" pitchFamily="2" charset="-122"/>
+              </a:rPr>
+              <a:t>场景描述</a:t>
+            </a:r>
+            <a:br>
+              <a:rPr lang="zh-CN" altLang="en-US" dirty="0">
+                <a:latin typeface="宋体" panose="02010600030101010101" pitchFamily="2" charset="-122"/>
+                <a:ea typeface="宋体" panose="02010600030101010101" pitchFamily="2" charset="-122"/>
+              </a:rPr>
+            </a:br>
+            <a:r>
+              <a:rPr lang="zh-CN" altLang="en-US" dirty="0">
+                <a:latin typeface="宋体" panose="02010600030101010101" pitchFamily="2" charset="-122"/>
+                <a:ea typeface="宋体" panose="02010600030101010101" pitchFamily="2" charset="-122"/>
+              </a:rPr>
+              <a:t>攻击者收集多个公开</a:t>
+            </a:r>
+            <a:r>
+              <a:rPr lang="en-US" altLang="zh-CN" dirty="0">
+                <a:latin typeface="宋体" panose="02010600030101010101" pitchFamily="2" charset="-122"/>
+                <a:ea typeface="宋体" panose="02010600030101010101" pitchFamily="2" charset="-122"/>
+              </a:rPr>
+              <a:t>/</a:t>
+            </a:r>
+            <a:r>
+              <a:rPr lang="zh-CN" altLang="en-US" dirty="0">
+                <a:latin typeface="宋体" panose="02010600030101010101" pitchFamily="2" charset="-122"/>
+                <a:ea typeface="宋体" panose="02010600030101010101" pitchFamily="2" charset="-122"/>
+              </a:rPr>
+              <a:t>私有文本图集合（来源 </a:t>
+            </a:r>
+            <a:r>
+              <a:rPr lang="en-US" altLang="zh-CN" dirty="0">
+                <a:latin typeface="宋体" panose="02010600030101010101" pitchFamily="2" charset="-122"/>
+                <a:ea typeface="宋体" panose="02010600030101010101" pitchFamily="2" charset="-122"/>
+              </a:rPr>
+              <a:t>A</a:t>
+            </a:r>
+            <a:r>
+              <a:rPr lang="zh-CN" altLang="en-US" dirty="0">
+                <a:latin typeface="宋体" panose="02010600030101010101" pitchFamily="2" charset="-122"/>
+                <a:ea typeface="宋体" panose="02010600030101010101" pitchFamily="2" charset="-122"/>
+              </a:rPr>
+              <a:t>、</a:t>
+            </a:r>
+            <a:r>
+              <a:rPr lang="en-US" altLang="zh-CN" dirty="0">
+                <a:latin typeface="宋体" panose="02010600030101010101" pitchFamily="2" charset="-122"/>
+                <a:ea typeface="宋体" panose="02010600030101010101" pitchFamily="2" charset="-122"/>
+              </a:rPr>
+              <a:t>B</a:t>
+            </a:r>
+            <a:r>
+              <a:rPr lang="zh-CN" altLang="en-US" dirty="0">
+                <a:latin typeface="宋体" panose="02010600030101010101" pitchFamily="2" charset="-122"/>
+                <a:ea typeface="宋体" panose="02010600030101010101" pitchFamily="2" charset="-122"/>
+              </a:rPr>
+              <a:t>、</a:t>
+            </a:r>
+            <a:r>
+              <a:rPr lang="en-US" altLang="zh-CN" dirty="0">
+                <a:latin typeface="宋体" panose="02010600030101010101" pitchFamily="2" charset="-122"/>
+                <a:ea typeface="宋体" panose="02010600030101010101" pitchFamily="2" charset="-122"/>
+              </a:rPr>
+              <a:t>C…</a:t>
+            </a:r>
+            <a:r>
+              <a:rPr lang="zh-CN" altLang="en-US" dirty="0">
+                <a:latin typeface="宋体" panose="02010600030101010101" pitchFamily="2" charset="-122"/>
+                <a:ea typeface="宋体" panose="02010600030101010101" pitchFamily="2" charset="-122"/>
+              </a:rPr>
+              <a:t>），把文本图数据按某种比例（碎片级别：句</a:t>
+            </a:r>
+            <a:r>
+              <a:rPr lang="en-US" altLang="zh-CN" dirty="0">
+                <a:latin typeface="宋体" panose="02010600030101010101" pitchFamily="2" charset="-122"/>
+                <a:ea typeface="宋体" panose="02010600030101010101" pitchFamily="2" charset="-122"/>
+              </a:rPr>
+              <a:t>/</a:t>
+            </a:r>
+            <a:r>
+              <a:rPr lang="zh-CN" altLang="en-US" dirty="0">
+                <a:latin typeface="宋体" panose="02010600030101010101" pitchFamily="2" charset="-122"/>
+                <a:ea typeface="宋体" panose="02010600030101010101" pitchFamily="2" charset="-122"/>
+              </a:rPr>
+              <a:t>段</a:t>
+            </a:r>
+            <a:r>
+              <a:rPr lang="en-US" altLang="zh-CN" dirty="0">
+                <a:latin typeface="宋体" panose="02010600030101010101" pitchFamily="2" charset="-122"/>
+                <a:ea typeface="宋体" panose="02010600030101010101" pitchFamily="2" charset="-122"/>
+              </a:rPr>
+              <a:t>/</a:t>
+            </a:r>
+            <a:r>
+              <a:rPr lang="zh-CN" altLang="en-US" dirty="0">
+                <a:latin typeface="宋体" panose="02010600030101010101" pitchFamily="2" charset="-122"/>
+                <a:ea typeface="宋体" panose="02010600030101010101" pitchFamily="2" charset="-122"/>
+              </a:rPr>
+              <a:t>子图）拼接</a:t>
+            </a:r>
+            <a:r>
+              <a:rPr lang="en-US" altLang="zh-CN" dirty="0">
+                <a:latin typeface="宋体" panose="02010600030101010101" pitchFamily="2" charset="-122"/>
+                <a:ea typeface="宋体" panose="02010600030101010101" pitchFamily="2" charset="-122"/>
+              </a:rPr>
+              <a:t>/</a:t>
+            </a:r>
+            <a:r>
+              <a:rPr lang="zh-CN" altLang="en-US" dirty="0">
+                <a:latin typeface="宋体" panose="02010600030101010101" pitchFamily="2" charset="-122"/>
+                <a:ea typeface="宋体" panose="02010600030101010101" pitchFamily="2" charset="-122"/>
+              </a:rPr>
+              <a:t>混合到一个新数据集中，再对拼接后的数据训练模型并发布。</a:t>
+            </a:r>
+            <a:endParaRPr lang="en-US" altLang="zh-CN" dirty="0">
+              <a:latin typeface="宋体" panose="02010600030101010101" pitchFamily="2" charset="-122"/>
+              <a:ea typeface="宋体" panose="02010600030101010101" pitchFamily="2" charset="-122"/>
+            </a:endParaRPr>
+          </a:p>
+          <a:p>
+            <a:pPr>
+              <a:buNone/>
+            </a:pPr>
+            <a:r>
+              <a:rPr lang="zh-CN" altLang="en-US" dirty="0">
+                <a:latin typeface="宋体" panose="02010600030101010101" pitchFamily="2" charset="-122"/>
+                <a:ea typeface="宋体" panose="02010600030101010101" pitchFamily="2" charset="-122"/>
+              </a:rPr>
+              <a:t>目标是让任何单一数据集的权属信号被“</a:t>
+            </a:r>
+            <a:r>
+              <a:rPr lang="zh-CN" altLang="en-US" dirty="0">
+                <a:solidFill>
+                  <a:srgbClr val="FF0000"/>
+                </a:solidFill>
+                <a:latin typeface="宋体" panose="02010600030101010101" pitchFamily="2" charset="-122"/>
+                <a:ea typeface="宋体" panose="02010600030101010101" pitchFamily="2" charset="-122"/>
+              </a:rPr>
+              <a:t>稀释</a:t>
+            </a:r>
+            <a:r>
+              <a:rPr lang="zh-CN" altLang="en-US" dirty="0">
+                <a:latin typeface="宋体" panose="02010600030101010101" pitchFamily="2" charset="-122"/>
+                <a:ea typeface="宋体" panose="02010600030101010101" pitchFamily="2" charset="-122"/>
+              </a:rPr>
+              <a:t>”或藏匿在混合池里。</a:t>
+            </a:r>
+          </a:p>
+          <a:p>
+            <a:pPr>
+              <a:buNone/>
+            </a:pPr>
+            <a:r>
+              <a:rPr lang="zh-CN" altLang="en-US" b="1" dirty="0">
+                <a:latin typeface="宋体" panose="02010600030101010101" pitchFamily="2" charset="-122"/>
+                <a:ea typeface="宋体" panose="02010600030101010101" pitchFamily="2" charset="-122"/>
+              </a:rPr>
+              <a:t>为什么传统方法失效</a:t>
+            </a:r>
+            <a:endParaRPr lang="zh-CN" altLang="en-US" dirty="0">
+              <a:latin typeface="宋体" panose="02010600030101010101" pitchFamily="2" charset="-122"/>
+              <a:ea typeface="宋体" panose="02010600030101010101" pitchFamily="2" charset="-122"/>
+            </a:endParaRPr>
+          </a:p>
+          <a:p>
+            <a:pPr>
+              <a:buFont typeface="Arial" panose="020B0604020202020204" pitchFamily="34" charset="0"/>
+              <a:buChar char="•"/>
+            </a:pPr>
+            <a:r>
+              <a:rPr lang="zh-CN" altLang="en-US" dirty="0">
+                <a:latin typeface="宋体" panose="02010600030101010101" pitchFamily="2" charset="-122"/>
+                <a:ea typeface="宋体" panose="02010600030101010101" pitchFamily="2" charset="-122"/>
+              </a:rPr>
+              <a:t>传统水印或指纹依赖于集中式、明显的触发或子图签名。被切碎并混入大量相似来源后，这些特征变成弱信号，难以在整体模型中检测到或与其他来源区分。</a:t>
+            </a:r>
+            <a:r>
+              <a:rPr lang="zh-CN" altLang="en-US" dirty="0">
+                <a:solidFill>
+                  <a:srgbClr val="FF0000"/>
+                </a:solidFill>
+                <a:latin typeface="宋体" panose="02010600030101010101" pitchFamily="2" charset="-122"/>
+                <a:ea typeface="宋体" panose="02010600030101010101" pitchFamily="2" charset="-122"/>
+              </a:rPr>
+              <a:t>（水印方法）</a:t>
+            </a:r>
+          </a:p>
+          <a:p>
+            <a:pPr>
+              <a:buFont typeface="Arial" panose="020B0604020202020204" pitchFamily="34" charset="0"/>
+              <a:buChar char="•"/>
+            </a:pPr>
+            <a:r>
+              <a:rPr lang="zh-CN" altLang="en-US" dirty="0">
+                <a:latin typeface="宋体" panose="02010600030101010101" pitchFamily="2" charset="-122"/>
+                <a:ea typeface="宋体" panose="02010600030101010101" pitchFamily="2" charset="-122"/>
+              </a:rPr>
+              <a:t>基于单一数据集统计特征的方法（例如分布偏差检测）会因多源平均化而失去辨识力。</a:t>
+            </a:r>
+            <a:r>
+              <a:rPr lang="zh-CN" altLang="en-US" dirty="0">
+                <a:solidFill>
+                  <a:srgbClr val="FF0000"/>
+                </a:solidFill>
+                <a:latin typeface="宋体" panose="02010600030101010101" pitchFamily="2" charset="-122"/>
+                <a:ea typeface="宋体" panose="02010600030101010101" pitchFamily="2" charset="-122"/>
+              </a:rPr>
+              <a:t>（指纹方法）</a:t>
+            </a:r>
+            <a:endParaRPr lang="en-US" altLang="zh-CN" dirty="0">
+              <a:solidFill>
+                <a:srgbClr val="FF0000"/>
+              </a:solidFill>
+              <a:latin typeface="宋体" panose="02010600030101010101" pitchFamily="2" charset="-122"/>
+              <a:ea typeface="宋体" panose="02010600030101010101" pitchFamily="2" charset="-122"/>
+            </a:endParaRPr>
+          </a:p>
+          <a:p>
+            <a:pPr>
+              <a:buFont typeface="Arial" panose="020B0604020202020204" pitchFamily="34" charset="0"/>
+              <a:buChar char="•"/>
+            </a:pPr>
+            <a:endParaRPr lang="en-US" altLang="zh-CN" dirty="0">
+              <a:solidFill>
+                <a:srgbClr val="FF0000"/>
+              </a:solidFill>
+              <a:latin typeface="宋体" panose="02010600030101010101" pitchFamily="2" charset="-122"/>
+              <a:ea typeface="宋体" panose="02010600030101010101" pitchFamily="2" charset="-122"/>
+            </a:endParaRPr>
+          </a:p>
+          <a:p>
+            <a:pPr>
+              <a:buFont typeface="Arial" panose="020B0604020202020204" pitchFamily="34" charset="0"/>
+              <a:buChar char="•"/>
+            </a:pPr>
+            <a:r>
+              <a:rPr lang="zh-CN" altLang="en-US" dirty="0">
+                <a:solidFill>
+                  <a:srgbClr val="FF0000"/>
+                </a:solidFill>
+                <a:latin typeface="宋体" panose="02010600030101010101" pitchFamily="2" charset="-122"/>
+                <a:ea typeface="宋体" panose="02010600030101010101" pitchFamily="2" charset="-122"/>
+              </a:rPr>
+              <a:t>逻辑清晰</a:t>
+            </a:r>
+            <a:endParaRPr lang="en-US" altLang="zh-CN" dirty="0">
+              <a:solidFill>
+                <a:srgbClr val="FF0000"/>
+              </a:solidFill>
+              <a:latin typeface="宋体" panose="02010600030101010101" pitchFamily="2" charset="-122"/>
+              <a:ea typeface="宋体" panose="02010600030101010101" pitchFamily="2" charset="-122"/>
+            </a:endParaRPr>
+          </a:p>
+          <a:p>
+            <a:pPr>
+              <a:buFont typeface="Arial" panose="020B0604020202020204" pitchFamily="34" charset="0"/>
+              <a:buChar char="•"/>
+            </a:pPr>
+            <a:r>
+              <a:rPr lang="zh-CN" altLang="en-US" dirty="0">
+                <a:solidFill>
+                  <a:srgbClr val="FF0000"/>
+                </a:solidFill>
+                <a:latin typeface="宋体" panose="02010600030101010101" pitchFamily="2" charset="-122"/>
+                <a:ea typeface="宋体" panose="02010600030101010101" pitchFamily="2" charset="-122"/>
+              </a:rPr>
+              <a:t>水印：</a:t>
+            </a:r>
+            <a:endParaRPr lang="en-US" altLang="zh-CN" dirty="0">
+              <a:solidFill>
+                <a:srgbClr val="FF0000"/>
+              </a:solidFill>
+              <a:latin typeface="宋体" panose="02010600030101010101" pitchFamily="2" charset="-122"/>
+              <a:ea typeface="宋体" panose="02010600030101010101" pitchFamily="2" charset="-122"/>
+            </a:endParaRPr>
+          </a:p>
+          <a:p>
+            <a:pPr>
+              <a:buFont typeface="Arial" panose="020B0604020202020204" pitchFamily="34" charset="0"/>
+              <a:buChar char="•"/>
+            </a:pPr>
+            <a:r>
+              <a:rPr lang="zh-CN" altLang="en-US" dirty="0">
+                <a:solidFill>
+                  <a:srgbClr val="FF0000"/>
+                </a:solidFill>
+                <a:latin typeface="宋体" panose="02010600030101010101" pitchFamily="2" charset="-122"/>
+                <a:ea typeface="宋体" panose="02010600030101010101" pitchFamily="2" charset="-122"/>
+              </a:rPr>
+              <a:t>指纹：</a:t>
+            </a:r>
+            <a:endParaRPr lang="en-US" altLang="zh-CN" dirty="0">
+              <a:solidFill>
+                <a:srgbClr val="FF0000"/>
+              </a:solidFill>
+              <a:latin typeface="宋体" panose="02010600030101010101" pitchFamily="2" charset="-122"/>
+              <a:ea typeface="宋体" panose="02010600030101010101" pitchFamily="2" charset="-122"/>
+            </a:endParaRPr>
+          </a:p>
+          <a:p>
+            <a:pPr>
+              <a:buFont typeface="Arial" panose="020B0604020202020204" pitchFamily="34" charset="0"/>
+              <a:buChar char="•"/>
+            </a:pPr>
+            <a:r>
+              <a:rPr lang="en-US" altLang="zh-CN" dirty="0">
+                <a:solidFill>
+                  <a:srgbClr val="FF0000"/>
+                </a:solidFill>
+                <a:latin typeface="宋体" panose="02010600030101010101" pitchFamily="2" charset="-122"/>
+                <a:ea typeface="宋体" panose="02010600030101010101" pitchFamily="2" charset="-122"/>
+              </a:rPr>
+              <a:t>Cora -&gt; </a:t>
+            </a:r>
+            <a:r>
+              <a:rPr lang="zh-CN" altLang="en-US" dirty="0">
+                <a:solidFill>
+                  <a:srgbClr val="FF0000"/>
+                </a:solidFill>
+                <a:latin typeface="宋体" panose="02010600030101010101" pitchFamily="2" charset="-122"/>
+                <a:ea typeface="宋体" panose="02010600030101010101" pitchFamily="2" charset="-122"/>
+              </a:rPr>
+              <a:t>数据集分布</a:t>
+            </a:r>
+            <a:r>
+              <a:rPr lang="en-US" altLang="zh-CN" dirty="0">
+                <a:solidFill>
+                  <a:srgbClr val="FF0000"/>
+                </a:solidFill>
+                <a:latin typeface="宋体" panose="02010600030101010101" pitchFamily="2" charset="-122"/>
+                <a:ea typeface="宋体" panose="02010600030101010101" pitchFamily="2" charset="-122"/>
+              </a:rPr>
+              <a:t>-&gt;</a:t>
+            </a:r>
+            <a:r>
+              <a:rPr lang="zh-CN" altLang="en-US" dirty="0">
+                <a:solidFill>
+                  <a:srgbClr val="FF0000"/>
+                </a:solidFill>
+                <a:latin typeface="宋体" panose="02010600030101010101" pitchFamily="2" charset="-122"/>
+                <a:ea typeface="宋体" panose="02010600030101010101" pitchFamily="2" charset="-122"/>
+              </a:rPr>
+              <a:t>决策边界   </a:t>
+            </a:r>
+            <a:r>
+              <a:rPr lang="en-US" altLang="zh-CN" dirty="0">
+                <a:solidFill>
+                  <a:srgbClr val="FF0000"/>
+                </a:solidFill>
+                <a:latin typeface="宋体" panose="02010600030101010101" pitchFamily="2" charset="-122"/>
+                <a:ea typeface="宋体" panose="02010600030101010101" pitchFamily="2" charset="-122"/>
+              </a:rPr>
+              <a:t>(</a:t>
+            </a:r>
+            <a:r>
+              <a:rPr lang="zh-CN" altLang="en-US" dirty="0">
+                <a:solidFill>
+                  <a:srgbClr val="FF0000"/>
+                </a:solidFill>
+                <a:latin typeface="宋体" panose="02010600030101010101" pitchFamily="2" charset="-122"/>
+                <a:ea typeface="宋体" panose="02010600030101010101" pitchFamily="2" charset="-122"/>
+              </a:rPr>
+              <a:t>引言部分</a:t>
+            </a:r>
+            <a:r>
+              <a:rPr lang="en-US" altLang="zh-CN" dirty="0">
+                <a:solidFill>
+                  <a:srgbClr val="FF0000"/>
+                </a:solidFill>
+                <a:latin typeface="宋体" panose="02010600030101010101" pitchFamily="2" charset="-122"/>
+                <a:ea typeface="宋体" panose="02010600030101010101" pitchFamily="2" charset="-122"/>
+              </a:rPr>
+              <a:t>)</a:t>
+            </a:r>
+          </a:p>
+          <a:p>
+            <a:pPr>
+              <a:buFont typeface="Arial" panose="020B0604020202020204" pitchFamily="34" charset="0"/>
+              <a:buChar char="•"/>
+            </a:pPr>
+            <a:r>
+              <a:rPr lang="zh-CN" altLang="en-US" dirty="0">
+                <a:solidFill>
+                  <a:srgbClr val="FF0000"/>
+                </a:solidFill>
+                <a:latin typeface="宋体" panose="02010600030101010101" pitchFamily="2" charset="-122"/>
+                <a:ea typeface="宋体" panose="02010600030101010101" pitchFamily="2" charset="-122"/>
+              </a:rPr>
+              <a:t>验证 通过</a:t>
+            </a:r>
+            <a:r>
+              <a:rPr lang="en-US" altLang="zh-CN" dirty="0">
+                <a:solidFill>
+                  <a:srgbClr val="FF0000"/>
+                </a:solidFill>
+                <a:latin typeface="宋体" panose="02010600030101010101" pitchFamily="2" charset="-122"/>
+                <a:ea typeface="宋体" panose="02010600030101010101" pitchFamily="2" charset="-122"/>
+              </a:rPr>
+              <a:t>GNN -&gt; </a:t>
+            </a:r>
+            <a:r>
+              <a:rPr lang="zh-CN" altLang="en-US" dirty="0">
+                <a:solidFill>
+                  <a:srgbClr val="FF0000"/>
+                </a:solidFill>
+                <a:latin typeface="宋体" panose="02010600030101010101" pitchFamily="2" charset="-122"/>
+                <a:ea typeface="宋体" panose="02010600030101010101" pitchFamily="2" charset="-122"/>
+              </a:rPr>
+              <a:t>提取指纹 窃取的比例 比例小 决策边界刻画不显著 效果差</a:t>
+            </a:r>
+            <a:endParaRPr lang="en-US" altLang="zh-CN" dirty="0">
+              <a:solidFill>
+                <a:srgbClr val="FF0000"/>
+              </a:solidFill>
+              <a:latin typeface="宋体" panose="02010600030101010101" pitchFamily="2" charset="-122"/>
+              <a:ea typeface="宋体" panose="02010600030101010101" pitchFamily="2" charset="-122"/>
+            </a:endParaRPr>
+          </a:p>
+          <a:p>
+            <a:pPr>
+              <a:buFont typeface="Arial" panose="020B0604020202020204" pitchFamily="34" charset="0"/>
+              <a:buChar char="•"/>
+            </a:pPr>
+            <a:r>
+              <a:rPr lang="zh-CN" altLang="en-US" dirty="0">
+                <a:solidFill>
+                  <a:srgbClr val="FF0000"/>
+                </a:solidFill>
+                <a:latin typeface="宋体" panose="02010600030101010101" pitchFamily="2" charset="-122"/>
+                <a:ea typeface="宋体" panose="02010600030101010101" pitchFamily="2" charset="-122"/>
+              </a:rPr>
+              <a:t>成员推理：</a:t>
+            </a:r>
+            <a:endParaRPr lang="en-US" altLang="zh-CN" dirty="0">
+              <a:solidFill>
+                <a:srgbClr val="FF0000"/>
+              </a:solidFill>
+              <a:latin typeface="宋体" panose="02010600030101010101" pitchFamily="2" charset="-122"/>
+              <a:ea typeface="宋体" panose="02010600030101010101" pitchFamily="2" charset="-122"/>
+            </a:endParaRPr>
+          </a:p>
+          <a:p>
+            <a:r>
+              <a:rPr lang="zh-CN" altLang="en-US" dirty="0">
+                <a:latin typeface="宋体" panose="02010600030101010101" pitchFamily="2" charset="-122"/>
+                <a:ea typeface="宋体" panose="02010600030101010101" pitchFamily="2" charset="-122"/>
+              </a:rPr>
+              <a:t>新方案</a:t>
+            </a:r>
+            <a:endParaRPr lang="en-US" altLang="zh-CN" dirty="0">
+              <a:latin typeface="宋体" panose="02010600030101010101" pitchFamily="2" charset="-122"/>
+              <a:ea typeface="宋体" panose="02010600030101010101" pitchFamily="2" charset="-122"/>
+            </a:endParaRPr>
+          </a:p>
+          <a:p>
+            <a:r>
+              <a:rPr lang="zh-CN" altLang="en-US" dirty="0">
+                <a:latin typeface="宋体" panose="02010600030101010101" pitchFamily="2" charset="-122"/>
+                <a:ea typeface="宋体" panose="02010600030101010101" pitchFamily="2" charset="-122"/>
+              </a:rPr>
+              <a:t>针对不同来源</a:t>
+            </a:r>
+            <a:r>
+              <a:rPr lang="en-US" altLang="zh-CN" dirty="0">
+                <a:latin typeface="宋体" panose="02010600030101010101" pitchFamily="2" charset="-122"/>
+                <a:ea typeface="宋体" panose="02010600030101010101" pitchFamily="2" charset="-122"/>
+              </a:rPr>
+              <a:t>/</a:t>
+            </a:r>
+            <a:r>
+              <a:rPr lang="zh-CN" altLang="en-US" dirty="0">
+                <a:latin typeface="宋体" panose="02010600030101010101" pitchFamily="2" charset="-122"/>
+                <a:ea typeface="宋体" panose="02010600030101010101" pitchFamily="2" charset="-122"/>
+              </a:rPr>
+              <a:t>场景的文本图数据集 给出配套的文本提示和图提示 </a:t>
+            </a:r>
+            <a:r>
+              <a:rPr lang="en-US" altLang="zh-CN" dirty="0">
+                <a:latin typeface="宋体" panose="02010600030101010101" pitchFamily="2" charset="-122"/>
+                <a:ea typeface="宋体" panose="02010600030101010101" pitchFamily="2" charset="-122"/>
+              </a:rPr>
+              <a:t>/ </a:t>
+            </a:r>
+            <a:r>
+              <a:rPr lang="zh-CN" altLang="en-US" dirty="0">
+                <a:latin typeface="宋体" panose="02010600030101010101" pitchFamily="2" charset="-122"/>
+                <a:ea typeface="宋体" panose="02010600030101010101" pitchFamily="2" charset="-122"/>
+              </a:rPr>
+              <a:t>混合提示</a:t>
+            </a:r>
+            <a:endParaRPr lang="en-US" altLang="zh-CN" dirty="0">
+              <a:latin typeface="宋体" panose="02010600030101010101" pitchFamily="2" charset="-122"/>
+              <a:ea typeface="宋体" panose="02010600030101010101" pitchFamily="2" charset="-122"/>
+            </a:endParaRPr>
+          </a:p>
+          <a:p>
+            <a:r>
+              <a:rPr lang="en-US" altLang="zh-CN" dirty="0">
+                <a:latin typeface="宋体" panose="02010600030101010101" pitchFamily="2" charset="-122"/>
+                <a:ea typeface="宋体" panose="02010600030101010101" pitchFamily="2" charset="-122"/>
+              </a:rPr>
+              <a:t>1</a:t>
+            </a:r>
+            <a:r>
+              <a:rPr lang="zh-CN" altLang="en-US" dirty="0">
+                <a:latin typeface="宋体" panose="02010600030101010101" pitchFamily="2" charset="-122"/>
+                <a:ea typeface="宋体" panose="02010600030101010101" pitchFamily="2" charset="-122"/>
+              </a:rPr>
+              <a:t>、利用文本提示</a:t>
+            </a:r>
+            <a:r>
+              <a:rPr lang="en-US" altLang="zh-CN" dirty="0">
+                <a:latin typeface="宋体" panose="02010600030101010101" pitchFamily="2" charset="-122"/>
+                <a:ea typeface="宋体" panose="02010600030101010101" pitchFamily="2" charset="-122"/>
+              </a:rPr>
+              <a:t>+LLM</a:t>
+            </a:r>
+            <a:r>
+              <a:rPr lang="zh-CN" altLang="en-US" dirty="0">
+                <a:latin typeface="宋体" panose="02010600030101010101" pitchFamily="2" charset="-122"/>
+                <a:ea typeface="宋体" panose="02010600030101010101" pitchFamily="2" charset="-122"/>
+              </a:rPr>
+              <a:t>的形式确定文本图上各个数据节点的权属</a:t>
+            </a:r>
+            <a:endParaRPr lang="en-US" altLang="zh-CN" dirty="0">
+              <a:latin typeface="宋体" panose="02010600030101010101" pitchFamily="2" charset="-122"/>
+              <a:ea typeface="宋体" panose="02010600030101010101" pitchFamily="2" charset="-122"/>
+            </a:endParaRPr>
+          </a:p>
+          <a:p>
+            <a:r>
+              <a:rPr lang="en-US" altLang="zh-CN" dirty="0">
+                <a:latin typeface="宋体" panose="02010600030101010101" pitchFamily="2" charset="-122"/>
+                <a:ea typeface="宋体" panose="02010600030101010101" pitchFamily="2" charset="-122"/>
+              </a:rPr>
+              <a:t>2</a:t>
+            </a:r>
+            <a:r>
+              <a:rPr lang="zh-CN" altLang="en-US" dirty="0">
+                <a:latin typeface="宋体" panose="02010600030101010101" pitchFamily="2" charset="-122"/>
+                <a:ea typeface="宋体" panose="02010600030101010101" pitchFamily="2" charset="-122"/>
+              </a:rPr>
+              <a:t>、利用自动生成的图提示</a:t>
+            </a:r>
+            <a:r>
+              <a:rPr lang="en-US" altLang="zh-CN" dirty="0">
+                <a:latin typeface="宋体" panose="02010600030101010101" pitchFamily="2" charset="-122"/>
+                <a:ea typeface="宋体" panose="02010600030101010101" pitchFamily="2" charset="-122"/>
+              </a:rPr>
+              <a:t>+GNN </a:t>
+            </a:r>
+            <a:r>
+              <a:rPr lang="zh-CN" altLang="en-US" dirty="0">
+                <a:latin typeface="宋体" panose="02010600030101010101" pitchFamily="2" charset="-122"/>
+                <a:ea typeface="宋体" panose="02010600030101010101" pitchFamily="2" charset="-122"/>
+              </a:rPr>
+              <a:t>去确定文本图上各个数据节点的权属</a:t>
+            </a:r>
+            <a:endParaRPr lang="en-US" altLang="zh-CN" dirty="0">
+              <a:latin typeface="宋体" panose="02010600030101010101" pitchFamily="2" charset="-122"/>
+              <a:ea typeface="宋体" panose="02010600030101010101" pitchFamily="2" charset="-122"/>
+            </a:endParaRPr>
+          </a:p>
+          <a:p>
+            <a:r>
+              <a:rPr lang="zh-CN" altLang="en-US" dirty="0">
+                <a:latin typeface="宋体" panose="02010600030101010101" pitchFamily="2" charset="-122"/>
+                <a:ea typeface="宋体" panose="02010600030101010101" pitchFamily="2" charset="-122"/>
+              </a:rPr>
+              <a:t>对比方法 泛指权属保护方法 引言可以划分现有的研究现状</a:t>
+            </a:r>
+            <a:endParaRPr lang="en-US" altLang="zh-CN" dirty="0">
+              <a:latin typeface="宋体" panose="02010600030101010101" pitchFamily="2" charset="-122"/>
+              <a:ea typeface="宋体" panose="02010600030101010101" pitchFamily="2" charset="-122"/>
+            </a:endParaRPr>
+          </a:p>
+          <a:p>
+            <a:r>
+              <a:rPr lang="en-US" altLang="zh-CN" dirty="0">
+                <a:solidFill>
+                  <a:srgbClr val="FF0000"/>
+                </a:solidFill>
+                <a:latin typeface="宋体" panose="02010600030101010101" pitchFamily="2" charset="-122"/>
+                <a:ea typeface="宋体" panose="02010600030101010101" pitchFamily="2" charset="-122"/>
+              </a:rPr>
+              <a:t>Grok </a:t>
+            </a:r>
+            <a:r>
+              <a:rPr lang="zh-CN" altLang="en-US" dirty="0">
+                <a:solidFill>
+                  <a:srgbClr val="FF0000"/>
+                </a:solidFill>
+                <a:latin typeface="宋体" panose="02010600030101010101" pitchFamily="2" charset="-122"/>
+                <a:ea typeface="宋体" panose="02010600030101010101" pitchFamily="2" charset="-122"/>
+              </a:rPr>
+              <a:t>学术调研工具</a:t>
+            </a:r>
+            <a:endParaRPr lang="en-US" altLang="zh-CN" dirty="0">
+              <a:solidFill>
+                <a:srgbClr val="FF0000"/>
+              </a:solidFill>
+              <a:latin typeface="宋体" panose="02010600030101010101" pitchFamily="2" charset="-122"/>
+              <a:ea typeface="宋体" panose="02010600030101010101" pitchFamily="2" charset="-122"/>
+            </a:endParaRPr>
+          </a:p>
+        </p:txBody>
+      </p:sp>
+    </p:spTree>
+    <p:extLst>
+      <p:ext uri="{BB962C8B-B14F-4D97-AF65-F5344CB8AC3E}">
+        <p14:creationId xmlns:p14="http://schemas.microsoft.com/office/powerpoint/2010/main" val="41984091"/>
+      </p:ext>
+    </p:extLst>
+  </p:cSld>
+  <p:clrMapOvr>
+    <a:masterClrMapping/>
+  </p:clrMapOvr>
+</p:sld>
+</file>
+
+<file path=ppt/slides/slide23.xml><?xml version="1.0" encoding="utf-8"?>
+<p:sld xmlns:a="http://schemas.openxmlformats.org/drawingml/2006/main" xmlns:r="http://schemas.openxmlformats.org/officeDocument/2006/relationships" xmlns:p="http://schemas.openxmlformats.org/presentationml/2006/main">
+  <p:cSld>
+    <p:spTree>
+      <p:nvGrpSpPr>
+        <p:cNvPr id="1" name=""/>
+        <p:cNvGrpSpPr/>
+        <p:nvPr/>
+      </p:nvGrpSpPr>
+      <p:grpSpPr>
+        <a:xfrm>
+          <a:off x="0" y="0"/>
+          <a:ext cx="0" cy="0"/>
+          <a:chOff x="0" y="0"/>
+          <a:chExt cx="0" cy="0"/>
+        </a:xfrm>
+      </p:grpSpPr>
+      <p:pic>
+        <p:nvPicPr>
+          <p:cNvPr id="5" name="图片 4">
+            <a:extLst>
+              <a:ext uri="{FF2B5EF4-FFF2-40B4-BE49-F238E27FC236}">
+                <a16:creationId xmlns:a16="http://schemas.microsoft.com/office/drawing/2014/main" id="{9DAFA335-3C97-7817-A5C3-871D4A95A055}"/>
+              </a:ext>
+            </a:extLst>
+          </p:cNvPr>
+          <p:cNvPicPr>
+            <a:picLocks noChangeAspect="1"/>
+          </p:cNvPicPr>
+          <p:nvPr/>
+        </p:nvPicPr>
+        <p:blipFill>
+          <a:blip r:embed="rId2"/>
+          <a:stretch>
+            <a:fillRect/>
+          </a:stretch>
+        </p:blipFill>
+        <p:spPr>
+          <a:xfrm>
+            <a:off x="2716902" y="1022255"/>
+            <a:ext cx="6919560" cy="3917019"/>
+          </a:xfrm>
+          <a:prstGeom prst="rect">
+            <a:avLst/>
+          </a:prstGeom>
+        </p:spPr>
+      </p:pic>
+    </p:spTree>
+    <p:extLst>
+      <p:ext uri="{BB962C8B-B14F-4D97-AF65-F5344CB8AC3E}">
+        <p14:creationId xmlns:p14="http://schemas.microsoft.com/office/powerpoint/2010/main" val="4191943653"/>
+      </p:ext>
+    </p:extLst>
+  </p:cSld>
+  <p:clrMapOvr>
+    <a:masterClrMapping/>
+  </p:clrMapOvr>
+</p:sld>
+</file>
+
+<file path=ppt/slides/slide24.xml><?xml version="1.0" encoding="utf-8"?>
+<p:sld xmlns:a="http://schemas.openxmlformats.org/drawingml/2006/main" xmlns:r="http://schemas.openxmlformats.org/officeDocument/2006/relationships" xmlns:p="http://schemas.openxmlformats.org/presentationml/2006/main">
+  <p:cSld>
+    <p:spTree>
+      <p:nvGrpSpPr>
+        <p:cNvPr id="1" name=""/>
+        <p:cNvGrpSpPr/>
+        <p:nvPr/>
+      </p:nvGrpSpPr>
+      <p:grpSpPr>
+        <a:xfrm>
+          <a:off x="0" y="0"/>
+          <a:ext cx="0" cy="0"/>
+          <a:chOff x="0" y="0"/>
+          <a:chExt cx="0" cy="0"/>
+        </a:xfrm>
+      </p:grpSpPr>
+      <p:sp>
+        <p:nvSpPr>
+          <p:cNvPr id="5" name="文本框 4">
+            <a:extLst>
+              <a:ext uri="{FF2B5EF4-FFF2-40B4-BE49-F238E27FC236}">
+                <a16:creationId xmlns:a16="http://schemas.microsoft.com/office/drawing/2014/main" id="{D5446B67-0F10-0EF9-1EB5-A947AF2E77D6}"/>
+              </a:ext>
+            </a:extLst>
+          </p:cNvPr>
+          <p:cNvSpPr txBox="1"/>
+          <p:nvPr/>
+        </p:nvSpPr>
+        <p:spPr>
+          <a:xfrm>
+            <a:off x="995082" y="1296308"/>
+            <a:ext cx="9341223" cy="3629199"/>
+          </a:xfrm>
+          <a:prstGeom prst="rect">
+            <a:avLst/>
+          </a:prstGeom>
+          <a:noFill/>
+        </p:spPr>
+        <p:txBody>
+          <a:bodyPr wrap="square">
+            <a:spAutoFit/>
+          </a:bodyPr>
+          <a:lstStyle/>
+          <a:p>
+            <a:pPr algn="l">
+              <a:lnSpc>
+                <a:spcPts val="2100"/>
+              </a:lnSpc>
+              <a:spcBef>
+                <a:spcPts val="1200"/>
+              </a:spcBef>
+              <a:spcAft>
+                <a:spcPts val="1200"/>
+              </a:spcAft>
+              <a:buNone/>
+            </a:pPr>
+            <a:r>
+              <a:rPr lang="zh-CN" altLang="en-US" b="1" dirty="0">
+                <a:solidFill>
+                  <a:srgbClr val="0F1115"/>
+                </a:solidFill>
+                <a:effectLst/>
+                <a:latin typeface="quote-cjk-patch"/>
+              </a:rPr>
+              <a:t>阶段一：影子模型训练</a:t>
+            </a:r>
+          </a:p>
+          <a:p>
+            <a:pPr algn="l">
+              <a:spcBef>
+                <a:spcPts val="1200"/>
+              </a:spcBef>
+              <a:spcAft>
+                <a:spcPts val="1200"/>
+              </a:spcAft>
+              <a:buNone/>
+            </a:pPr>
+            <a:r>
+              <a:rPr lang="zh-CN" altLang="en-US" b="1" i="0" dirty="0">
+                <a:solidFill>
+                  <a:srgbClr val="0F1115"/>
+                </a:solidFill>
+                <a:effectLst/>
+                <a:latin typeface="quote-cjk-patch"/>
+              </a:rPr>
+              <a:t>目标</a:t>
+            </a:r>
+            <a:r>
+              <a:rPr lang="zh-CN" altLang="en-US" b="0" i="0" dirty="0">
+                <a:solidFill>
+                  <a:srgbClr val="0F1115"/>
+                </a:solidFill>
+                <a:effectLst/>
+                <a:latin typeface="quote-cjk-patch"/>
+              </a:rPr>
+              <a:t>：模拟目标模型的行为，以生成训练攻击模型所需的数据。</a:t>
+            </a:r>
+          </a:p>
+          <a:p>
+            <a:pPr algn="l">
+              <a:spcBef>
+                <a:spcPts val="1200"/>
+              </a:spcBef>
+              <a:spcAft>
+                <a:spcPts val="1200"/>
+              </a:spcAft>
+              <a:buFont typeface="+mj-lt"/>
+              <a:buAutoNum type="arabicPeriod"/>
+            </a:pPr>
+            <a:r>
+              <a:rPr lang="zh-CN" altLang="en-US" b="1" i="0" dirty="0">
+                <a:solidFill>
+                  <a:srgbClr val="0F1115"/>
+                </a:solidFill>
+                <a:effectLst/>
+                <a:latin typeface="quote-cjk-patch"/>
+              </a:rPr>
+              <a:t>假设</a:t>
+            </a:r>
+            <a:r>
+              <a:rPr lang="zh-CN" altLang="en-US" b="0" i="0" dirty="0">
+                <a:solidFill>
+                  <a:srgbClr val="0F1115"/>
+                </a:solidFill>
+                <a:effectLst/>
+                <a:latin typeface="quote-cjk-patch"/>
+              </a:rPr>
+              <a:t>：攻击者拥有一个与目标模型训练数据来自</a:t>
+            </a:r>
+            <a:r>
+              <a:rPr lang="zh-CN" altLang="en-US" b="1" i="0" dirty="0">
+                <a:solidFill>
+                  <a:srgbClr val="0F1115"/>
+                </a:solidFill>
+                <a:effectLst/>
+                <a:latin typeface="quote-cjk-patch"/>
+              </a:rPr>
+              <a:t>相同分布</a:t>
+            </a:r>
+            <a:r>
+              <a:rPr lang="zh-CN" altLang="en-US" b="0" i="0" dirty="0">
+                <a:solidFill>
+                  <a:srgbClr val="0F1115"/>
+                </a:solidFill>
+                <a:effectLst/>
+                <a:latin typeface="quote-cjk-patch"/>
+              </a:rPr>
+              <a:t>的图数据集（影子数据集）。这篇论文随后放松了这一假设，表明即使分布不同，攻击也可能有效。</a:t>
+            </a:r>
+          </a:p>
+          <a:p>
+            <a:pPr algn="l">
+              <a:spcBef>
+                <a:spcPts val="450"/>
+              </a:spcBef>
+              <a:spcAft>
+                <a:spcPts val="1200"/>
+              </a:spcAft>
+              <a:buFont typeface="+mj-lt"/>
+              <a:buAutoNum type="arabicPeriod"/>
+            </a:pPr>
+            <a:r>
+              <a:rPr lang="zh-CN" altLang="en-US" b="1" i="0" dirty="0">
+                <a:solidFill>
+                  <a:srgbClr val="0F1115"/>
+                </a:solidFill>
+                <a:effectLst/>
+                <a:latin typeface="quote-cjk-patch"/>
+              </a:rPr>
+              <a:t>训练</a:t>
+            </a:r>
+            <a:r>
+              <a:rPr lang="zh-CN" altLang="en-US" b="0" i="0" dirty="0">
+                <a:solidFill>
+                  <a:srgbClr val="0F1115"/>
+                </a:solidFill>
+                <a:effectLst/>
+                <a:latin typeface="quote-cjk-patch"/>
+              </a:rPr>
+              <a:t>：攻击者使用这个影子数据集来训练一个或多个与目标模型类型相似的</a:t>
+            </a:r>
+            <a:r>
+              <a:rPr lang="en-US" altLang="zh-CN" b="0" i="0" dirty="0">
+                <a:solidFill>
+                  <a:srgbClr val="0F1115"/>
+                </a:solidFill>
+                <a:effectLst/>
+                <a:latin typeface="quote-cjk-patch"/>
+              </a:rPr>
+              <a:t>GNN</a:t>
+            </a:r>
+            <a:r>
+              <a:rPr lang="zh-CN" altLang="en-US" b="0" i="0" dirty="0">
+                <a:solidFill>
+                  <a:srgbClr val="0F1115"/>
+                </a:solidFill>
+                <a:effectLst/>
+                <a:latin typeface="quote-cjk-patch"/>
+              </a:rPr>
+              <a:t>模型，这些模型被称为</a:t>
+            </a:r>
+            <a:r>
+              <a:rPr lang="zh-CN" altLang="en-US" b="1" i="0" dirty="0">
+                <a:solidFill>
+                  <a:srgbClr val="0F1115"/>
+                </a:solidFill>
+                <a:effectLst/>
+                <a:latin typeface="quote-cjk-patch"/>
+              </a:rPr>
+              <a:t>影子模型</a:t>
+            </a:r>
+            <a:r>
+              <a:rPr lang="zh-CN" altLang="en-US" b="0" i="0" dirty="0">
+                <a:solidFill>
+                  <a:srgbClr val="0F1115"/>
+                </a:solidFill>
+                <a:effectLst/>
+                <a:latin typeface="quote-cjk-patch"/>
+              </a:rPr>
+              <a:t>。</a:t>
+            </a:r>
+          </a:p>
+          <a:p>
+            <a:pPr algn="l">
+              <a:spcBef>
+                <a:spcPts val="450"/>
+              </a:spcBef>
+              <a:spcAft>
+                <a:spcPts val="1200"/>
+              </a:spcAft>
+              <a:buFont typeface="+mj-lt"/>
+              <a:buAutoNum type="arabicPeriod"/>
+            </a:pPr>
+            <a:r>
+              <a:rPr lang="zh-CN" altLang="en-US" b="1" i="0" dirty="0">
+                <a:solidFill>
+                  <a:srgbClr val="0F1115"/>
+                </a:solidFill>
+                <a:effectLst/>
+                <a:latin typeface="quote-cjk-patch"/>
+              </a:rPr>
+              <a:t>关键点</a:t>
+            </a:r>
+            <a:r>
+              <a:rPr lang="zh-CN" altLang="en-US" b="0" i="0" dirty="0">
+                <a:solidFill>
+                  <a:srgbClr val="0F1115"/>
+                </a:solidFill>
+                <a:effectLst/>
+                <a:latin typeface="quote-cjk-patch"/>
+              </a:rPr>
+              <a:t>：训练影子模型时，可以使用真实的节点标签，也可以使用目标模型对影子数据的预测作为“软标签”来更好地模仿目标模型。论文发现，即使不使用目标模型进行查询（即零次查询），攻击也依然有效，这降低了攻击的难度。</a:t>
+            </a:r>
+          </a:p>
+        </p:txBody>
+      </p:sp>
+    </p:spTree>
+    <p:extLst>
+      <p:ext uri="{BB962C8B-B14F-4D97-AF65-F5344CB8AC3E}">
+        <p14:creationId xmlns:p14="http://schemas.microsoft.com/office/powerpoint/2010/main" val="3145336560"/>
+      </p:ext>
+    </p:extLst>
+  </p:cSld>
+  <p:clrMapOvr>
+    <a:masterClrMapping/>
+  </p:clrMapOvr>
+</p:sld>
+</file>
+
+<file path=ppt/slides/slide25.xml><?xml version="1.0" encoding="utf-8"?>
+<p:sld xmlns:a="http://schemas.openxmlformats.org/drawingml/2006/main" xmlns:r="http://schemas.openxmlformats.org/officeDocument/2006/relationships" xmlns:p="http://schemas.openxmlformats.org/presentationml/2006/main">
+  <p:cSld>
+    <p:spTree>
+      <p:nvGrpSpPr>
+        <p:cNvPr id="1" name=""/>
+        <p:cNvGrpSpPr/>
+        <p:nvPr/>
+      </p:nvGrpSpPr>
+      <p:grpSpPr>
+        <a:xfrm>
+          <a:off x="0" y="0"/>
+          <a:ext cx="0" cy="0"/>
+          <a:chOff x="0" y="0"/>
+          <a:chExt cx="0" cy="0"/>
+        </a:xfrm>
+      </p:grpSpPr>
+      <p:sp>
+        <p:nvSpPr>
+          <p:cNvPr id="5" name="文本框 4">
+            <a:extLst>
+              <a:ext uri="{FF2B5EF4-FFF2-40B4-BE49-F238E27FC236}">
+                <a16:creationId xmlns:a16="http://schemas.microsoft.com/office/drawing/2014/main" id="{DEA19021-5E42-E418-FEFA-DE4EB801CBB0}"/>
+              </a:ext>
+            </a:extLst>
+          </p:cNvPr>
+          <p:cNvSpPr txBox="1"/>
+          <p:nvPr/>
+        </p:nvSpPr>
+        <p:spPr>
+          <a:xfrm>
+            <a:off x="640977" y="706989"/>
+            <a:ext cx="10910046" cy="4573047"/>
+          </a:xfrm>
+          <a:prstGeom prst="rect">
+            <a:avLst/>
+          </a:prstGeom>
+          <a:noFill/>
+        </p:spPr>
+        <p:txBody>
+          <a:bodyPr wrap="square">
+            <a:spAutoFit/>
+          </a:bodyPr>
+          <a:lstStyle/>
+          <a:p>
+            <a:pPr algn="l">
+              <a:lnSpc>
+                <a:spcPts val="2100"/>
+              </a:lnSpc>
+              <a:spcBef>
+                <a:spcPts val="1200"/>
+              </a:spcBef>
+              <a:spcAft>
+                <a:spcPts val="1200"/>
+              </a:spcAft>
+              <a:buNone/>
+            </a:pPr>
+            <a:r>
+              <a:rPr lang="zh-CN" altLang="en-US" b="1" dirty="0">
+                <a:solidFill>
+                  <a:srgbClr val="0F1115"/>
+                </a:solidFill>
+                <a:effectLst/>
+                <a:latin typeface="quote-cjk-patch"/>
+              </a:rPr>
+              <a:t>阶段二：攻击模型训练</a:t>
+            </a:r>
+          </a:p>
+          <a:p>
+            <a:pPr algn="l">
+              <a:spcBef>
+                <a:spcPts val="1200"/>
+              </a:spcBef>
+              <a:spcAft>
+                <a:spcPts val="1200"/>
+              </a:spcAft>
+              <a:buNone/>
+            </a:pPr>
+            <a:r>
+              <a:rPr lang="zh-CN" altLang="en-US" b="1" i="0" dirty="0">
+                <a:solidFill>
+                  <a:srgbClr val="0F1115"/>
+                </a:solidFill>
+                <a:effectLst/>
+                <a:latin typeface="quote-cjk-patch"/>
+              </a:rPr>
+              <a:t>目标</a:t>
+            </a:r>
+            <a:r>
+              <a:rPr lang="zh-CN" altLang="en-US" b="0" i="0" dirty="0">
+                <a:solidFill>
+                  <a:srgbClr val="0F1115"/>
+                </a:solidFill>
+                <a:effectLst/>
+                <a:latin typeface="quote-cjk-patch"/>
+              </a:rPr>
+              <a:t>：训练一个分类器，使其能够根据</a:t>
+            </a:r>
+            <a:r>
+              <a:rPr lang="en-US" altLang="zh-CN" b="0" i="0" dirty="0">
+                <a:solidFill>
+                  <a:srgbClr val="0F1115"/>
+                </a:solidFill>
+                <a:effectLst/>
+                <a:latin typeface="quote-cjk-patch"/>
+              </a:rPr>
+              <a:t>GNN</a:t>
+            </a:r>
+            <a:r>
+              <a:rPr lang="zh-CN" altLang="en-US" b="0" i="0" dirty="0">
+                <a:solidFill>
+                  <a:srgbClr val="0F1115"/>
+                </a:solidFill>
+                <a:effectLst/>
+                <a:latin typeface="quote-cjk-patch"/>
+              </a:rPr>
+              <a:t>模型的输出（后验概率）来判断一个节点是否是训练成员。</a:t>
+            </a:r>
+          </a:p>
+          <a:p>
+            <a:pPr algn="l">
+              <a:spcBef>
+                <a:spcPts val="1200"/>
+              </a:spcBef>
+              <a:spcAft>
+                <a:spcPts val="600"/>
+              </a:spcAft>
+              <a:buFont typeface="+mj-lt"/>
+              <a:buAutoNum type="arabicPeriod"/>
+            </a:pPr>
+            <a:r>
+              <a:rPr lang="zh-CN" altLang="en-US" b="1" i="0" dirty="0">
+                <a:solidFill>
+                  <a:srgbClr val="0F1115"/>
+                </a:solidFill>
+                <a:effectLst/>
+                <a:latin typeface="quote-cjk-patch"/>
+              </a:rPr>
+              <a:t>数据生成</a:t>
+            </a:r>
+            <a:r>
+              <a:rPr lang="zh-CN" altLang="en-US" b="0" i="0" dirty="0">
+                <a:solidFill>
+                  <a:srgbClr val="0F1115"/>
+                </a:solidFill>
+                <a:effectLst/>
+                <a:latin typeface="quote-cjk-patch"/>
+              </a:rPr>
+              <a:t>：</a:t>
+            </a:r>
+          </a:p>
+          <a:p>
+            <a:pPr marL="742950" lvl="1" indent="-285750" algn="l">
+              <a:spcBef>
+                <a:spcPts val="300"/>
+              </a:spcBef>
+              <a:spcAft>
+                <a:spcPts val="1200"/>
+              </a:spcAft>
+              <a:buFont typeface="+mj-lt"/>
+              <a:buAutoNum type="arabicPeriod"/>
+            </a:pPr>
+            <a:r>
+              <a:rPr lang="zh-CN" altLang="en-US" b="0" i="0" dirty="0">
+                <a:solidFill>
+                  <a:srgbClr val="0F1115"/>
+                </a:solidFill>
+                <a:effectLst/>
+                <a:latin typeface="quote-cjk-patch"/>
+              </a:rPr>
+              <a:t>使用训练好的影子模型对</a:t>
+            </a:r>
+            <a:r>
+              <a:rPr lang="zh-CN" altLang="en-US" b="1" i="0" dirty="0">
+                <a:solidFill>
+                  <a:srgbClr val="0F1115"/>
+                </a:solidFill>
+                <a:effectLst/>
+                <a:latin typeface="quote-cjk-patch"/>
+              </a:rPr>
+              <a:t>其训练集中的节点（成员）</a:t>
+            </a:r>
+            <a:r>
+              <a:rPr lang="zh-CN" altLang="en-US" b="0" i="0" dirty="0">
+                <a:solidFill>
+                  <a:srgbClr val="0F1115"/>
+                </a:solidFill>
+                <a:effectLst/>
+                <a:latin typeface="quote-cjk-patch"/>
+              </a:rPr>
+              <a:t> 进行预测，获得每个节点的后验概率向量。</a:t>
+            </a:r>
+          </a:p>
+          <a:p>
+            <a:pPr marL="742950" lvl="1" indent="-285750" algn="l">
+              <a:spcBef>
+                <a:spcPts val="450"/>
+              </a:spcBef>
+              <a:spcAft>
+                <a:spcPts val="1200"/>
+              </a:spcAft>
+              <a:buFont typeface="+mj-lt"/>
+              <a:buAutoNum type="arabicPeriod"/>
+            </a:pPr>
+            <a:r>
+              <a:rPr lang="zh-CN" altLang="en-US" b="0" i="0" dirty="0">
+                <a:solidFill>
+                  <a:srgbClr val="0F1115"/>
+                </a:solidFill>
+                <a:effectLst/>
+                <a:latin typeface="quote-cjk-patch"/>
+              </a:rPr>
+              <a:t>使用同一个影子模型对</a:t>
+            </a:r>
+            <a:r>
+              <a:rPr lang="zh-CN" altLang="en-US" b="1" i="0" dirty="0">
+                <a:solidFill>
+                  <a:srgbClr val="0F1115"/>
+                </a:solidFill>
+                <a:effectLst/>
+                <a:latin typeface="quote-cjk-patch"/>
+              </a:rPr>
+              <a:t>未见过的节点（非成员）</a:t>
+            </a:r>
+            <a:r>
+              <a:rPr lang="zh-CN" altLang="en-US" b="0" i="0" dirty="0">
+                <a:solidFill>
+                  <a:srgbClr val="0F1115"/>
+                </a:solidFill>
+                <a:effectLst/>
+                <a:latin typeface="quote-cjk-patch"/>
+              </a:rPr>
+              <a:t> 进行预测，获得它们的后验概率向量。</a:t>
+            </a:r>
+          </a:p>
+          <a:p>
+            <a:pPr algn="l">
+              <a:spcBef>
+                <a:spcPts val="450"/>
+              </a:spcBef>
+              <a:spcAft>
+                <a:spcPts val="600"/>
+              </a:spcAft>
+              <a:buFont typeface="+mj-lt"/>
+              <a:buAutoNum type="arabicPeriod"/>
+            </a:pPr>
+            <a:r>
+              <a:rPr lang="zh-CN" altLang="en-US" b="1" i="0" dirty="0">
+                <a:solidFill>
+                  <a:srgbClr val="0F1115"/>
+                </a:solidFill>
+                <a:effectLst/>
+                <a:latin typeface="quote-cjk-patch"/>
+              </a:rPr>
+              <a:t>标注数据</a:t>
+            </a:r>
+            <a:r>
+              <a:rPr lang="zh-CN" altLang="en-US" b="0" i="0" dirty="0">
+                <a:solidFill>
+                  <a:srgbClr val="0F1115"/>
+                </a:solidFill>
+                <a:effectLst/>
+                <a:latin typeface="quote-cjk-patch"/>
+              </a:rPr>
+              <a:t>：</a:t>
+            </a:r>
+          </a:p>
+          <a:p>
+            <a:pPr marL="742950" lvl="1" indent="-285750" algn="l">
+              <a:spcBef>
+                <a:spcPts val="300"/>
+              </a:spcBef>
+              <a:spcAft>
+                <a:spcPts val="1200"/>
+              </a:spcAft>
+              <a:buFont typeface="+mj-lt"/>
+              <a:buAutoNum type="arabicPeriod"/>
+            </a:pPr>
+            <a:r>
+              <a:rPr lang="zh-CN" altLang="en-US" b="0" i="0" dirty="0">
+                <a:solidFill>
+                  <a:srgbClr val="0F1115"/>
+                </a:solidFill>
+                <a:effectLst/>
+                <a:latin typeface="quote-cjk-patch"/>
+              </a:rPr>
+              <a:t>将所有来自影子模型训练集的节点的预测结果标记为 </a:t>
+            </a:r>
+            <a:r>
+              <a:rPr lang="en-US" altLang="zh-CN" b="1" i="0" dirty="0">
+                <a:solidFill>
+                  <a:srgbClr val="0F1115"/>
+                </a:solidFill>
+                <a:effectLst/>
+                <a:latin typeface="quote-cjk-patch"/>
+              </a:rPr>
+              <a:t>1</a:t>
+            </a:r>
+            <a:r>
+              <a:rPr lang="zh-CN" altLang="en-US" b="1" i="0" dirty="0">
+                <a:solidFill>
+                  <a:srgbClr val="0F1115"/>
+                </a:solidFill>
+                <a:effectLst/>
+                <a:latin typeface="quote-cjk-patch"/>
+              </a:rPr>
+              <a:t>（成员）</a:t>
+            </a:r>
+            <a:r>
+              <a:rPr lang="zh-CN" altLang="en-US" b="0" i="0" dirty="0">
+                <a:solidFill>
+                  <a:srgbClr val="0F1115"/>
+                </a:solidFill>
+                <a:effectLst/>
+                <a:latin typeface="quote-cjk-patch"/>
+              </a:rPr>
+              <a:t>。</a:t>
+            </a:r>
+          </a:p>
+          <a:p>
+            <a:pPr marL="742950" lvl="1" indent="-285750" algn="l">
+              <a:spcBef>
+                <a:spcPts val="450"/>
+              </a:spcBef>
+              <a:spcAft>
+                <a:spcPts val="1200"/>
+              </a:spcAft>
+              <a:buFont typeface="+mj-lt"/>
+              <a:buAutoNum type="arabicPeriod"/>
+            </a:pPr>
+            <a:r>
+              <a:rPr lang="zh-CN" altLang="en-US" b="0" i="0" dirty="0">
+                <a:solidFill>
+                  <a:srgbClr val="0F1115"/>
+                </a:solidFill>
+                <a:effectLst/>
+                <a:latin typeface="quote-cjk-patch"/>
+              </a:rPr>
+              <a:t>将所有来自影子模型测试集的节点的预测结果标记为 </a:t>
+            </a:r>
+            <a:r>
+              <a:rPr lang="en-US" altLang="zh-CN" b="1" i="0" dirty="0">
+                <a:solidFill>
+                  <a:srgbClr val="0F1115"/>
+                </a:solidFill>
+                <a:effectLst/>
+                <a:latin typeface="quote-cjk-patch"/>
+              </a:rPr>
+              <a:t>0</a:t>
+            </a:r>
+            <a:r>
+              <a:rPr lang="zh-CN" altLang="en-US" b="1" i="0" dirty="0">
+                <a:solidFill>
+                  <a:srgbClr val="0F1115"/>
+                </a:solidFill>
+                <a:effectLst/>
+                <a:latin typeface="quote-cjk-patch"/>
+              </a:rPr>
+              <a:t>（非成员）</a:t>
+            </a:r>
+            <a:r>
+              <a:rPr lang="zh-CN" altLang="en-US" b="0" i="0" dirty="0">
+                <a:solidFill>
+                  <a:srgbClr val="0F1115"/>
+                </a:solidFill>
+                <a:effectLst/>
+                <a:latin typeface="quote-cjk-patch"/>
+              </a:rPr>
+              <a:t>。</a:t>
+            </a:r>
+          </a:p>
+          <a:p>
+            <a:pPr algn="l">
+              <a:spcBef>
+                <a:spcPts val="450"/>
+              </a:spcBef>
+              <a:spcAft>
+                <a:spcPts val="1200"/>
+              </a:spcAft>
+              <a:buFont typeface="+mj-lt"/>
+              <a:buAutoNum type="arabicPeriod"/>
+            </a:pPr>
+            <a:r>
+              <a:rPr lang="zh-CN" altLang="en-US" b="1" i="0" dirty="0">
+                <a:solidFill>
+                  <a:srgbClr val="0F1115"/>
+                </a:solidFill>
+                <a:effectLst/>
+                <a:latin typeface="quote-cjk-patch"/>
+              </a:rPr>
+              <a:t>训练</a:t>
+            </a:r>
+            <a:r>
+              <a:rPr lang="zh-CN" altLang="en-US" b="0" i="0" dirty="0">
+                <a:solidFill>
+                  <a:srgbClr val="0F1115"/>
+                </a:solidFill>
+                <a:effectLst/>
+                <a:latin typeface="quote-cjk-patch"/>
+              </a:rPr>
+              <a:t>：将这些带标签的（后验概率向量， 成员标签）数据作为训练集，训练一个二分类模型（如</a:t>
+            </a:r>
+            <a:r>
+              <a:rPr lang="en-US" altLang="zh-CN" b="0" i="0" dirty="0">
+                <a:solidFill>
+                  <a:srgbClr val="0F1115"/>
+                </a:solidFill>
+                <a:effectLst/>
+                <a:latin typeface="quote-cjk-patch"/>
+              </a:rPr>
+              <a:t>MLP</a:t>
+            </a:r>
+            <a:r>
+              <a:rPr lang="zh-CN" altLang="en-US" b="0" i="0" dirty="0">
+                <a:solidFill>
+                  <a:srgbClr val="0F1115"/>
+                </a:solidFill>
+                <a:effectLst/>
+                <a:latin typeface="quote-cjk-patch"/>
+              </a:rPr>
+              <a:t>），这个模型就是最终的</a:t>
+            </a:r>
+            <a:r>
+              <a:rPr lang="zh-CN" altLang="en-US" b="1" i="0" dirty="0">
+                <a:solidFill>
+                  <a:srgbClr val="0F1115"/>
+                </a:solidFill>
+                <a:effectLst/>
+                <a:latin typeface="quote-cjk-patch"/>
+              </a:rPr>
+              <a:t>攻击模型</a:t>
+            </a:r>
+            <a:r>
+              <a:rPr lang="zh-CN" altLang="en-US" b="0" i="0" dirty="0">
+                <a:solidFill>
+                  <a:srgbClr val="0F1115"/>
+                </a:solidFill>
+                <a:effectLst/>
+                <a:latin typeface="quote-cjk-patch"/>
+              </a:rPr>
+              <a:t>。它学习的是“什么样的后验概率模式对应于是训练成员”。</a:t>
+            </a:r>
+          </a:p>
+        </p:txBody>
+      </p:sp>
+    </p:spTree>
+    <p:extLst>
+      <p:ext uri="{BB962C8B-B14F-4D97-AF65-F5344CB8AC3E}">
+        <p14:creationId xmlns:p14="http://schemas.microsoft.com/office/powerpoint/2010/main" val="4127489847"/>
+      </p:ext>
+    </p:extLst>
+  </p:cSld>
+  <p:clrMapOvr>
+    <a:masterClrMapping/>
+  </p:clrMapOvr>
+</p:sld>
+</file>
+
+<file path=ppt/slides/slide26.xml><?xml version="1.0" encoding="utf-8"?>
+<p:sld xmlns:a="http://schemas.openxmlformats.org/drawingml/2006/main" xmlns:r="http://schemas.openxmlformats.org/officeDocument/2006/relationships" xmlns:p="http://schemas.openxmlformats.org/presentationml/2006/main">
+  <p:cSld>
+    <p:spTree>
+      <p:nvGrpSpPr>
+        <p:cNvPr id="1" name=""/>
+        <p:cNvGrpSpPr/>
+        <p:nvPr/>
+      </p:nvGrpSpPr>
+      <p:grpSpPr>
+        <a:xfrm>
+          <a:off x="0" y="0"/>
+          <a:ext cx="0" cy="0"/>
+          <a:chOff x="0" y="0"/>
+          <a:chExt cx="0" cy="0"/>
+        </a:xfrm>
+      </p:grpSpPr>
+      <p:sp>
+        <p:nvSpPr>
+          <p:cNvPr id="5" name="文本框 4">
+            <a:extLst>
+              <a:ext uri="{FF2B5EF4-FFF2-40B4-BE49-F238E27FC236}">
+                <a16:creationId xmlns:a16="http://schemas.microsoft.com/office/drawing/2014/main" id="{41550CB4-4CAB-B0A3-F4C8-225E34D46BF9}"/>
+              </a:ext>
+            </a:extLst>
+          </p:cNvPr>
+          <p:cNvSpPr txBox="1"/>
+          <p:nvPr/>
+        </p:nvSpPr>
+        <p:spPr>
+          <a:xfrm>
+            <a:off x="555812" y="1372356"/>
+            <a:ext cx="8408894" cy="2798202"/>
+          </a:xfrm>
+          <a:prstGeom prst="rect">
+            <a:avLst/>
+          </a:prstGeom>
+          <a:noFill/>
+        </p:spPr>
+        <p:txBody>
+          <a:bodyPr wrap="square">
+            <a:spAutoFit/>
+          </a:bodyPr>
+          <a:lstStyle/>
+          <a:p>
+            <a:pPr algn="l">
+              <a:lnSpc>
+                <a:spcPts val="2100"/>
+              </a:lnSpc>
+              <a:spcBef>
+                <a:spcPts val="1200"/>
+              </a:spcBef>
+              <a:spcAft>
+                <a:spcPts val="1200"/>
+              </a:spcAft>
+              <a:buNone/>
+            </a:pPr>
+            <a:r>
+              <a:rPr lang="zh-CN" altLang="en-US" b="1" dirty="0">
+                <a:solidFill>
+                  <a:srgbClr val="0F1115"/>
+                </a:solidFill>
+                <a:effectLst/>
+                <a:latin typeface="quote-cjk-patch"/>
+              </a:rPr>
+              <a:t>阶段三：成员推理</a:t>
+            </a:r>
+          </a:p>
+          <a:p>
+            <a:pPr algn="l">
+              <a:spcBef>
+                <a:spcPts val="1200"/>
+              </a:spcBef>
+              <a:spcAft>
+                <a:spcPts val="1200"/>
+              </a:spcAft>
+              <a:buNone/>
+            </a:pPr>
+            <a:r>
+              <a:rPr lang="zh-CN" altLang="en-US" b="1" i="0" dirty="0">
+                <a:solidFill>
+                  <a:srgbClr val="0F1115"/>
+                </a:solidFill>
+                <a:effectLst/>
+                <a:latin typeface="quote-cjk-patch"/>
+              </a:rPr>
+              <a:t>目标</a:t>
+            </a:r>
+            <a:r>
+              <a:rPr lang="zh-CN" altLang="en-US" b="0" i="0" dirty="0">
+                <a:solidFill>
+                  <a:srgbClr val="0F1115"/>
+                </a:solidFill>
+                <a:effectLst/>
+                <a:latin typeface="quote-cjk-patch"/>
+              </a:rPr>
+              <a:t>：对目标模型中的特定节点进行成员推断。</a:t>
+            </a:r>
+          </a:p>
+          <a:p>
+            <a:pPr algn="l">
+              <a:spcBef>
+                <a:spcPts val="1200"/>
+              </a:spcBef>
+              <a:spcAft>
+                <a:spcPts val="1200"/>
+              </a:spcAft>
+              <a:buFont typeface="+mj-lt"/>
+              <a:buAutoNum type="arabicPeriod"/>
+            </a:pPr>
+            <a:r>
+              <a:rPr lang="zh-CN" altLang="en-US" b="1" i="0" dirty="0">
+                <a:solidFill>
+                  <a:srgbClr val="0F1115"/>
+                </a:solidFill>
+                <a:effectLst/>
+                <a:latin typeface="quote-cjk-patch"/>
+              </a:rPr>
+              <a:t>查询</a:t>
+            </a:r>
+            <a:r>
+              <a:rPr lang="zh-CN" altLang="en-US" b="0" i="0" dirty="0">
+                <a:solidFill>
+                  <a:srgbClr val="0F1115"/>
+                </a:solidFill>
+                <a:effectLst/>
+                <a:latin typeface="quote-cjk-patch"/>
+              </a:rPr>
+              <a:t>：攻击者选择一个她感兴趣的节点，并将其特征和（她所知道的）邻居信息输入到</a:t>
+            </a:r>
+            <a:r>
+              <a:rPr lang="zh-CN" altLang="en-US" b="1" i="0" dirty="0">
+                <a:solidFill>
+                  <a:srgbClr val="0F1115"/>
+                </a:solidFill>
+                <a:effectLst/>
+                <a:latin typeface="quote-cjk-patch"/>
+              </a:rPr>
+              <a:t>目标模型</a:t>
+            </a:r>
+            <a:r>
+              <a:rPr lang="zh-CN" altLang="en-US" b="0" i="0" dirty="0">
+                <a:solidFill>
+                  <a:srgbClr val="0F1115"/>
+                </a:solidFill>
+                <a:effectLst/>
+                <a:latin typeface="quote-cjk-patch"/>
+              </a:rPr>
+              <a:t>中进行查询，获得该节点的后验概率向量。</a:t>
+            </a:r>
+          </a:p>
+          <a:p>
+            <a:pPr algn="l">
+              <a:spcBef>
+                <a:spcPts val="450"/>
+              </a:spcBef>
+              <a:spcAft>
+                <a:spcPts val="1200"/>
+              </a:spcAft>
+              <a:buFont typeface="+mj-lt"/>
+              <a:buAutoNum type="arabicPeriod"/>
+            </a:pPr>
+            <a:r>
+              <a:rPr lang="zh-CN" altLang="en-US" b="1" i="0" dirty="0">
+                <a:solidFill>
+                  <a:srgbClr val="0F1115"/>
+                </a:solidFill>
+                <a:effectLst/>
+                <a:latin typeface="quote-cjk-patch"/>
+              </a:rPr>
+              <a:t>推断</a:t>
+            </a:r>
+            <a:r>
+              <a:rPr lang="zh-CN" altLang="en-US" b="0" i="0" dirty="0">
+                <a:solidFill>
+                  <a:srgbClr val="0F1115"/>
+                </a:solidFill>
+                <a:effectLst/>
+                <a:latin typeface="quote-cjk-patch"/>
+              </a:rPr>
+              <a:t>：攻击者将这个后验概率向量输入到她在阶段二训练好的</a:t>
+            </a:r>
+            <a:r>
+              <a:rPr lang="zh-CN" altLang="en-US" b="1" i="0" dirty="0">
+                <a:solidFill>
+                  <a:srgbClr val="0F1115"/>
+                </a:solidFill>
+                <a:effectLst/>
+                <a:latin typeface="quote-cjk-patch"/>
+              </a:rPr>
+              <a:t>攻击模型</a:t>
+            </a:r>
+            <a:r>
+              <a:rPr lang="zh-CN" altLang="en-US" b="0" i="0" dirty="0">
+                <a:solidFill>
+                  <a:srgbClr val="0F1115"/>
+                </a:solidFill>
+                <a:effectLst/>
+                <a:latin typeface="quote-cjk-patch"/>
+              </a:rPr>
+              <a:t>中。</a:t>
+            </a:r>
+          </a:p>
+          <a:p>
+            <a:pPr algn="l">
+              <a:spcBef>
+                <a:spcPts val="450"/>
+              </a:spcBef>
+              <a:spcAft>
+                <a:spcPts val="1200"/>
+              </a:spcAft>
+              <a:buFont typeface="+mj-lt"/>
+              <a:buAutoNum type="arabicPeriod"/>
+            </a:pPr>
+            <a:r>
+              <a:rPr lang="zh-CN" altLang="en-US" b="1" i="0" dirty="0">
+                <a:solidFill>
+                  <a:srgbClr val="0F1115"/>
+                </a:solidFill>
+                <a:effectLst/>
+                <a:latin typeface="quote-cjk-patch"/>
+              </a:rPr>
+              <a:t>输出</a:t>
+            </a:r>
+            <a:r>
+              <a:rPr lang="zh-CN" altLang="en-US" b="0" i="0" dirty="0">
+                <a:solidFill>
+                  <a:srgbClr val="0F1115"/>
+                </a:solidFill>
+                <a:effectLst/>
+                <a:latin typeface="quote-cjk-patch"/>
+              </a:rPr>
+              <a:t>：攻击模型输出一个二进制预测：这个节点是</a:t>
+            </a:r>
+            <a:r>
+              <a:rPr lang="zh-CN" altLang="en-US" b="1" i="0" dirty="0">
+                <a:solidFill>
+                  <a:srgbClr val="0F1115"/>
+                </a:solidFill>
+                <a:effectLst/>
+                <a:latin typeface="quote-cjk-patch"/>
+              </a:rPr>
+              <a:t>成员（</a:t>
+            </a:r>
+            <a:r>
+              <a:rPr lang="en-US" altLang="zh-CN" b="1" i="0" dirty="0">
+                <a:solidFill>
+                  <a:srgbClr val="0F1115"/>
+                </a:solidFill>
+                <a:effectLst/>
+                <a:latin typeface="quote-cjk-patch"/>
+              </a:rPr>
+              <a:t>1</a:t>
+            </a:r>
+            <a:r>
+              <a:rPr lang="zh-CN" altLang="en-US" b="1" i="0" dirty="0">
+                <a:solidFill>
+                  <a:srgbClr val="0F1115"/>
+                </a:solidFill>
+                <a:effectLst/>
+                <a:latin typeface="quote-cjk-patch"/>
+              </a:rPr>
+              <a:t>）</a:t>
+            </a:r>
+            <a:r>
+              <a:rPr lang="zh-CN" altLang="en-US" b="0" i="0" dirty="0">
+                <a:solidFill>
+                  <a:srgbClr val="0F1115"/>
+                </a:solidFill>
+                <a:effectLst/>
+                <a:latin typeface="quote-cjk-patch"/>
+              </a:rPr>
+              <a:t> 还是</a:t>
+            </a:r>
+            <a:r>
+              <a:rPr lang="zh-CN" altLang="en-US" b="1" i="0" dirty="0">
+                <a:solidFill>
+                  <a:srgbClr val="0F1115"/>
+                </a:solidFill>
+                <a:effectLst/>
+                <a:latin typeface="quote-cjk-patch"/>
+              </a:rPr>
+              <a:t>非成员（</a:t>
+            </a:r>
+            <a:r>
+              <a:rPr lang="en-US" altLang="zh-CN" b="1" i="0" dirty="0">
+                <a:solidFill>
+                  <a:srgbClr val="0F1115"/>
+                </a:solidFill>
+                <a:effectLst/>
+                <a:latin typeface="quote-cjk-patch"/>
+              </a:rPr>
+              <a:t>0</a:t>
+            </a:r>
+            <a:r>
+              <a:rPr lang="zh-CN" altLang="en-US" b="1" i="0" dirty="0">
+                <a:solidFill>
+                  <a:srgbClr val="0F1115"/>
+                </a:solidFill>
+                <a:effectLst/>
+                <a:latin typeface="quote-cjk-patch"/>
+              </a:rPr>
+              <a:t>）</a:t>
+            </a:r>
+            <a:r>
+              <a:rPr lang="zh-CN" altLang="en-US" b="0" i="0" dirty="0">
+                <a:solidFill>
+                  <a:srgbClr val="0F1115"/>
+                </a:solidFill>
+                <a:effectLst/>
+                <a:latin typeface="quote-cjk-patch"/>
+              </a:rPr>
+              <a:t>。</a:t>
+            </a:r>
+          </a:p>
+        </p:txBody>
+      </p:sp>
+    </p:spTree>
+    <p:extLst>
+      <p:ext uri="{BB962C8B-B14F-4D97-AF65-F5344CB8AC3E}">
+        <p14:creationId xmlns:p14="http://schemas.microsoft.com/office/powerpoint/2010/main" val="2975729554"/>
+      </p:ext>
+    </p:extLst>
+  </p:cSld>
+  <p:clrMapOvr>
+    <a:masterClrMapping/>
+  </p:clrMapOvr>
+</p:sld>
+</file>
+
+<file path=ppt/slides/slide27.xml><?xml version="1.0" encoding="utf-8"?>
+<p:sld xmlns:a="http://schemas.openxmlformats.org/drawingml/2006/main" xmlns:r="http://schemas.openxmlformats.org/officeDocument/2006/relationships" xmlns:p="http://schemas.openxmlformats.org/presentationml/2006/main">
+  <p:cSld>
+    <p:spTree>
+      <p:nvGrpSpPr>
+        <p:cNvPr id="1" name=""/>
+        <p:cNvGrpSpPr/>
+        <p:nvPr/>
+      </p:nvGrpSpPr>
+      <p:grpSpPr>
+        <a:xfrm>
+          <a:off x="0" y="0"/>
+          <a:ext cx="0" cy="0"/>
+          <a:chOff x="0" y="0"/>
+          <a:chExt cx="0" cy="0"/>
+        </a:xfrm>
+      </p:grpSpPr>
+      <p:pic>
+        <p:nvPicPr>
+          <p:cNvPr id="9" name="图片 8">
+            <a:extLst>
+              <a:ext uri="{FF2B5EF4-FFF2-40B4-BE49-F238E27FC236}">
+                <a16:creationId xmlns:a16="http://schemas.microsoft.com/office/drawing/2014/main" id="{A9B50010-7DF5-2801-975C-FAB43B9CD5F6}"/>
+              </a:ext>
+            </a:extLst>
+          </p:cNvPr>
+          <p:cNvPicPr>
+            <a:picLocks noChangeAspect="1"/>
+          </p:cNvPicPr>
+          <p:nvPr/>
+        </p:nvPicPr>
+        <p:blipFill>
+          <a:blip r:embed="rId2"/>
+          <a:stretch>
+            <a:fillRect/>
+          </a:stretch>
+        </p:blipFill>
+        <p:spPr>
+          <a:xfrm>
+            <a:off x="698186" y="267963"/>
+            <a:ext cx="3595908" cy="6322074"/>
+          </a:xfrm>
+          <a:prstGeom prst="rect">
+            <a:avLst/>
+          </a:prstGeom>
+        </p:spPr>
+      </p:pic>
+      <p:pic>
+        <p:nvPicPr>
+          <p:cNvPr id="11" name="图片 10">
+            <a:extLst>
+              <a:ext uri="{FF2B5EF4-FFF2-40B4-BE49-F238E27FC236}">
+                <a16:creationId xmlns:a16="http://schemas.microsoft.com/office/drawing/2014/main" id="{CC2FB006-A765-BED7-E42E-17C1EAAA944F}"/>
+              </a:ext>
+            </a:extLst>
+          </p:cNvPr>
+          <p:cNvPicPr>
+            <a:picLocks noChangeAspect="1"/>
+          </p:cNvPicPr>
+          <p:nvPr/>
+        </p:nvPicPr>
+        <p:blipFill>
+          <a:blip r:embed="rId3"/>
+          <a:stretch>
+            <a:fillRect/>
+          </a:stretch>
+        </p:blipFill>
+        <p:spPr>
+          <a:xfrm>
+            <a:off x="6293223" y="429327"/>
+            <a:ext cx="4320988" cy="5780669"/>
+          </a:xfrm>
+          <a:prstGeom prst="rect">
+            <a:avLst/>
+          </a:prstGeom>
+        </p:spPr>
+      </p:pic>
+    </p:spTree>
+    <p:extLst>
+      <p:ext uri="{BB962C8B-B14F-4D97-AF65-F5344CB8AC3E}">
+        <p14:creationId xmlns:p14="http://schemas.microsoft.com/office/powerpoint/2010/main" val="2131765268"/>
       </p:ext>
     </p:extLst>
   </p:cSld>
@@ -9724,7 +16195,7 @@
         </p:nvSpPr>
         <p:spPr>
           <a:xfrm>
-            <a:off x="874250" y="5620173"/>
+            <a:off x="437083" y="4741877"/>
             <a:ext cx="1027504" cy="338554"/>
           </a:xfrm>
           <a:prstGeom prst="rect">
@@ -10380,7 +16851,7 @@
         </p:nvSpPr>
         <p:spPr>
           <a:xfrm>
-            <a:off x="548350" y="5482167"/>
+            <a:off x="111183" y="4603871"/>
             <a:ext cx="1835292" cy="614567"/>
           </a:xfrm>
           <a:prstGeom prst="roundRect">
@@ -10427,7 +16898,7 @@
         </p:nvSpPr>
         <p:spPr>
           <a:xfrm>
-            <a:off x="3701508" y="4859152"/>
+            <a:off x="3241448" y="4059110"/>
             <a:ext cx="1027504" cy="338554"/>
           </a:xfrm>
           <a:prstGeom prst="rect">
@@ -10474,7 +16945,7 @@
         </p:nvCxnSpPr>
         <p:spPr>
           <a:xfrm flipV="1">
-            <a:off x="2383642" y="5178866"/>
+            <a:off x="1946475" y="4300570"/>
             <a:ext cx="810607" cy="610585"/>
           </a:xfrm>
           <a:prstGeom prst="straightConnector1">
@@ -10515,7 +16986,7 @@
         </p:nvCxnSpPr>
         <p:spPr>
           <a:xfrm>
-            <a:off x="2383642" y="5789451"/>
+            <a:off x="1946475" y="4911155"/>
             <a:ext cx="1027931" cy="29085"/>
           </a:xfrm>
           <a:prstGeom prst="straightConnector1">
@@ -10556,7 +17027,7 @@
         </p:nvCxnSpPr>
         <p:spPr>
           <a:xfrm>
-            <a:off x="2383642" y="5789451"/>
+            <a:off x="1946475" y="4911155"/>
             <a:ext cx="888516" cy="562144"/>
           </a:xfrm>
           <a:prstGeom prst="straightConnector1">
@@ -10595,7 +17066,7 @@
         </p:nvSpPr>
         <p:spPr>
           <a:xfrm>
-            <a:off x="3434466" y="4798276"/>
+            <a:off x="2974406" y="3998234"/>
             <a:ext cx="1607375" cy="506185"/>
           </a:xfrm>
           <a:prstGeom prst="roundRect">
@@ -10642,7 +17113,7 @@
         </p:nvSpPr>
         <p:spPr>
           <a:xfrm>
-            <a:off x="3422166" y="5536357"/>
+            <a:off x="2984999" y="4658061"/>
             <a:ext cx="1607375" cy="506185"/>
           </a:xfrm>
           <a:prstGeom prst="roundRect">
@@ -10689,7 +17160,7 @@
         </p:nvSpPr>
         <p:spPr>
           <a:xfrm>
-            <a:off x="3411573" y="6181426"/>
+            <a:off x="2974406" y="5303130"/>
             <a:ext cx="1607375" cy="506185"/>
           </a:xfrm>
           <a:prstGeom prst="roundRect">
@@ -10792,7 +17263,7 @@
         </p:nvSpPr>
         <p:spPr>
           <a:xfrm>
-            <a:off x="3712101" y="5620173"/>
+            <a:off x="3274934" y="4741877"/>
             <a:ext cx="1027504" cy="338554"/>
           </a:xfrm>
           <a:prstGeom prst="rect">
@@ -10837,8 +17308,8 @@
         </p:nvSpPr>
         <p:spPr>
           <a:xfrm>
-            <a:off x="3666396" y="6163047"/>
-            <a:ext cx="1143513" cy="584775"/>
+            <a:off x="2824692" y="5247524"/>
+            <a:ext cx="1907547" cy="584775"/>
           </a:xfrm>
           <a:prstGeom prst="rect">
             <a:avLst/>
